--- a/proj2/iart_proj2_final.pptx
+++ b/proj2/iart_proj2_final.pptx
@@ -5,7 +5,7 @@
     <p:sldMasterId id="2147483648" r:id="rId1"/>
   </p:sldMasterIdLst>
   <p:notesMasterIdLst>
-    <p:notesMasterId r:id="rId10"/>
+    <p:notesMasterId r:id="rId13"/>
   </p:notesMasterIdLst>
   <p:sldIdLst>
     <p:sldId id="256" r:id="rId2"/>
@@ -15,7 +15,10 @@
     <p:sldId id="262" r:id="rId6"/>
     <p:sldId id="263" r:id="rId7"/>
     <p:sldId id="259" r:id="rId8"/>
-    <p:sldId id="260" r:id="rId9"/>
+    <p:sldId id="267" r:id="rId9"/>
+    <p:sldId id="264" r:id="rId10"/>
+    <p:sldId id="265" r:id="rId11"/>
+    <p:sldId id="260" r:id="rId12"/>
   </p:sldIdLst>
   <p:sldSz cx="12192000" cy="6858000"/>
   <p:notesSz cx="12192000" cy="6858000"/>
@@ -548,6 +551,90 @@
             <a:fld id="{BAFA80C9-E1B6-9741-9321-29D15646B04A}" type="slidenum">
               <a:rPr lang="pt-PT" smtClean="0"/>
               <a:t>8</a:t>
+            </a:fld>
+            <a:endParaRPr lang="pt-PT"/>
+          </a:p>
+        </p:txBody>
+      </p:sp>
+    </p:spTree>
+    <p:extLst>
+      <p:ext uri="{BB962C8B-B14F-4D97-AF65-F5344CB8AC3E}">
+        <p14:creationId xmlns:p14="http://schemas.microsoft.com/office/powerpoint/2010/main" val="2166855216"/>
+      </p:ext>
+    </p:extLst>
+  </p:cSld>
+  <p:clrMapOvr>
+    <a:masterClrMapping/>
+  </p:clrMapOvr>
+</p:notes>
+</file>
+
+<file path=ppt/notesSlides/notesSlide2.xml><?xml version="1.0" encoding="utf-8"?>
+<p:notes xmlns:a="http://schemas.openxmlformats.org/drawingml/2006/main" xmlns:r="http://schemas.openxmlformats.org/officeDocument/2006/relationships" xmlns:p="http://schemas.openxmlformats.org/presentationml/2006/main">
+  <p:cSld>
+    <p:spTree>
+      <p:nvGrpSpPr>
+        <p:cNvPr id="1" name=""/>
+        <p:cNvGrpSpPr/>
+        <p:nvPr/>
+      </p:nvGrpSpPr>
+      <p:grpSpPr>
+        <a:xfrm>
+          <a:off x="0" y="0"/>
+          <a:ext cx="0" cy="0"/>
+          <a:chOff x="0" y="0"/>
+          <a:chExt cx="0" cy="0"/>
+        </a:xfrm>
+      </p:grpSpPr>
+      <p:sp>
+        <p:nvSpPr>
+          <p:cNvPr id="2" name="Marcador de Posição da Imagem do Diapositivo 1"/>
+          <p:cNvSpPr>
+            <a:spLocks noGrp="1" noRot="1" noChangeAspect="1"/>
+          </p:cNvSpPr>
+          <p:nvPr>
+            <p:ph type="sldImg"/>
+          </p:nvPr>
+        </p:nvSpPr>
+        <p:spPr/>
+      </p:sp>
+      <p:sp>
+        <p:nvSpPr>
+          <p:cNvPr id="3" name="Marcador de Posição de Notas 2"/>
+          <p:cNvSpPr>
+            <a:spLocks noGrp="1"/>
+          </p:cNvSpPr>
+          <p:nvPr>
+            <p:ph type="body" idx="1"/>
+          </p:nvPr>
+        </p:nvSpPr>
+        <p:spPr/>
+        <p:txBody>
+          <a:bodyPr/>
+          <a:lstStyle/>
+          <a:p>
+            <a:endParaRPr lang="pt-PT" dirty="0"/>
+          </a:p>
+        </p:txBody>
+      </p:sp>
+      <p:sp>
+        <p:nvSpPr>
+          <p:cNvPr id="4" name="Marcador de Posição do Número do Diapositivo 3"/>
+          <p:cNvSpPr>
+            <a:spLocks noGrp="1"/>
+          </p:cNvSpPr>
+          <p:nvPr>
+            <p:ph type="sldNum" sz="quarter" idx="5"/>
+          </p:nvPr>
+        </p:nvSpPr>
+        <p:spPr/>
+        <p:txBody>
+          <a:bodyPr/>
+          <a:lstStyle/>
+          <a:p>
+            <a:fld id="{BAFA80C9-E1B6-9741-9321-29D15646B04A}" type="slidenum">
+              <a:rPr lang="pt-PT" smtClean="0"/>
+              <a:t>11</a:t>
             </a:fld>
             <a:endParaRPr lang="pt-PT"/>
           </a:p>
@@ -4673,6 +4760,190 @@
 </p:sld>
 </file>
 
+<file path=ppt/slides/slide10.xml><?xml version="1.0" encoding="utf-8"?>
+<p:sld xmlns:a="http://schemas.openxmlformats.org/drawingml/2006/main" xmlns:r="http://schemas.openxmlformats.org/officeDocument/2006/relationships" xmlns:p="http://schemas.openxmlformats.org/presentationml/2006/main">
+  <p:cSld>
+    <p:spTree>
+      <p:nvGrpSpPr>
+        <p:cNvPr id="1" name=""/>
+        <p:cNvGrpSpPr/>
+        <p:nvPr/>
+      </p:nvGrpSpPr>
+      <p:grpSpPr>
+        <a:xfrm>
+          <a:off x="0" y="0"/>
+          <a:ext cx="0" cy="0"/>
+          <a:chOff x="0" y="0"/>
+          <a:chExt cx="0" cy="0"/>
+        </a:xfrm>
+      </p:grpSpPr>
+      <p:sp>
+        <p:nvSpPr>
+          <p:cNvPr id="2" name="Título 1">
+            <a:extLst>
+              <a:ext uri="{FF2B5EF4-FFF2-40B4-BE49-F238E27FC236}">
+                <a16:creationId xmlns:a16="http://schemas.microsoft.com/office/drawing/2014/main" id="{50CA3B8A-B708-F3E2-D5F2-5DE189A5589F}"/>
+              </a:ext>
+            </a:extLst>
+          </p:cNvPr>
+          <p:cNvSpPr>
+            <a:spLocks noGrp="1"/>
+          </p:cNvSpPr>
+          <p:nvPr>
+            <p:ph type="title"/>
+          </p:nvPr>
+        </p:nvSpPr>
+        <p:spPr/>
+        <p:txBody>
+          <a:bodyPr/>
+          <a:lstStyle/>
+          <a:p>
+            <a:r>
+              <a:rPr lang="pt-PT" dirty="0" err="1"/>
+              <a:t>Developed</a:t>
+            </a:r>
+            <a:r>
+              <a:rPr lang="pt-PT" dirty="0"/>
+              <a:t> </a:t>
+            </a:r>
+            <a:r>
+              <a:rPr lang="pt-PT" dirty="0" err="1"/>
+              <a:t>Algorithms</a:t>
+            </a:r>
+            <a:r>
+              <a:rPr lang="pt-PT" dirty="0"/>
+              <a:t> – </a:t>
+            </a:r>
+            <a:r>
+              <a:rPr lang="pt-PT" dirty="0" err="1"/>
+              <a:t>Results</a:t>
+            </a:r>
+            <a:r>
+              <a:rPr lang="pt-PT" dirty="0"/>
+              <a:t> </a:t>
+            </a:r>
+            <a:r>
+              <a:rPr lang="pt-PT" dirty="0" err="1"/>
+              <a:t>Comparison</a:t>
+            </a:r>
+            <a:endParaRPr lang="pt-PT" dirty="0"/>
+          </a:p>
+        </p:txBody>
+      </p:sp>
+      <p:sp>
+        <p:nvSpPr>
+          <p:cNvPr id="3" name="Marcador de Posição de Conteúdo 2">
+            <a:extLst>
+              <a:ext uri="{FF2B5EF4-FFF2-40B4-BE49-F238E27FC236}">
+                <a16:creationId xmlns:a16="http://schemas.microsoft.com/office/drawing/2014/main" id="{EFCFFAD8-0127-15FC-AC68-2166C589BF1E}"/>
+              </a:ext>
+            </a:extLst>
+          </p:cNvPr>
+          <p:cNvSpPr>
+            <a:spLocks noGrp="1"/>
+          </p:cNvSpPr>
+          <p:nvPr>
+            <p:ph idx="1"/>
+          </p:nvPr>
+        </p:nvSpPr>
+        <p:spPr/>
+        <p:txBody>
+          <a:bodyPr/>
+          <a:lstStyle/>
+          <a:p>
+            <a:endParaRPr lang="pt-PT"/>
+          </a:p>
+        </p:txBody>
+      </p:sp>
+    </p:spTree>
+    <p:extLst>
+      <p:ext uri="{BB962C8B-B14F-4D97-AF65-F5344CB8AC3E}">
+        <p14:creationId xmlns:p14="http://schemas.microsoft.com/office/powerpoint/2010/main" val="1893369876"/>
+      </p:ext>
+    </p:extLst>
+  </p:cSld>
+  <p:clrMapOvr>
+    <a:masterClrMapping/>
+  </p:clrMapOvr>
+</p:sld>
+</file>
+
+<file path=ppt/slides/slide11.xml><?xml version="1.0" encoding="utf-8"?>
+<p:sld xmlns:a="http://schemas.openxmlformats.org/drawingml/2006/main" xmlns:r="http://schemas.openxmlformats.org/officeDocument/2006/relationships" xmlns:p="http://schemas.openxmlformats.org/presentationml/2006/main" showMasterPhAnim="0">
+  <p:cSld>
+    <p:spTree>
+      <p:nvGrpSpPr>
+        <p:cNvPr id="1" name=""/>
+        <p:cNvGrpSpPr/>
+        <p:nvPr/>
+      </p:nvGrpSpPr>
+      <p:grpSpPr bwMode="auto">
+        <a:xfrm>
+          <a:off x="0" y="0"/>
+          <a:ext cx="0" cy="0"/>
+          <a:chOff x="0" y="0"/>
+          <a:chExt cx="0" cy="0"/>
+        </a:xfrm>
+      </p:grpSpPr>
+      <p:sp>
+        <p:nvSpPr>
+          <p:cNvPr id="2" name="Título 1"/>
+          <p:cNvSpPr>
+            <a:spLocks noGrp="1"/>
+          </p:cNvSpPr>
+          <p:nvPr>
+            <p:ph type="title"/>
+          </p:nvPr>
+        </p:nvSpPr>
+        <p:spPr bwMode="auto"/>
+        <p:txBody>
+          <a:bodyPr/>
+          <a:lstStyle/>
+          <a:p>
+            <a:pPr>
+              <a:defRPr/>
+            </a:pPr>
+            <a:r>
+              <a:rPr lang="pt-PT" dirty="0" err="1"/>
+              <a:t>Conclusion</a:t>
+            </a:r>
+            <a:endParaRPr lang="pt-PT" dirty="0"/>
+          </a:p>
+        </p:txBody>
+      </p:sp>
+      <p:sp>
+        <p:nvSpPr>
+          <p:cNvPr id="5" name="Marcador de Posição de Conteúdo 4">
+            <a:extLst>
+              <a:ext uri="{FF2B5EF4-FFF2-40B4-BE49-F238E27FC236}">
+                <a16:creationId xmlns:a16="http://schemas.microsoft.com/office/drawing/2014/main" id="{8BA30C7E-99FC-E13B-AE77-20BB48F0BFDB}"/>
+              </a:ext>
+            </a:extLst>
+          </p:cNvPr>
+          <p:cNvSpPr>
+            <a:spLocks noGrp="1"/>
+          </p:cNvSpPr>
+          <p:nvPr>
+            <p:ph idx="1"/>
+          </p:nvPr>
+        </p:nvSpPr>
+        <p:spPr/>
+        <p:txBody>
+          <a:bodyPr/>
+          <a:lstStyle/>
+          <a:p>
+            <a:endParaRPr lang="pt-PT" dirty="0"/>
+          </a:p>
+        </p:txBody>
+      </p:sp>
+    </p:spTree>
+  </p:cSld>
+  <p:clrMapOvr>
+    <a:masterClrMapping/>
+  </p:clrMapOvr>
+</p:sld>
+</file>
+
 <file path=ppt/slides/slide2.xml><?xml version="1.0" encoding="utf-8"?>
 <p:sld xmlns:a="http://schemas.openxmlformats.org/drawingml/2006/main" xmlns:r="http://schemas.openxmlformats.org/officeDocument/2006/relationships" xmlns:p="http://schemas.openxmlformats.org/presentationml/2006/main" showMasterPhAnim="0">
   <p:cSld>
@@ -6394,7 +6665,148 @@
           <a:bodyPr/>
           <a:lstStyle/>
           <a:p>
-            <a:endParaRPr lang="pt-PT"/>
+            <a:r>
+              <a:rPr lang="pt-PT" dirty="0" err="1"/>
+              <a:t>Train</a:t>
+            </a:r>
+            <a:r>
+              <a:rPr lang="pt-PT" dirty="0"/>
+              <a:t> </a:t>
+            </a:r>
+            <a:r>
+              <a:rPr lang="pt-PT" dirty="0" err="1"/>
+              <a:t>and</a:t>
+            </a:r>
+            <a:r>
+              <a:rPr lang="pt-PT" dirty="0"/>
+              <a:t> </a:t>
+            </a:r>
+            <a:r>
+              <a:rPr lang="pt-PT" dirty="0" err="1"/>
+              <a:t>split</a:t>
+            </a:r>
+            <a:r>
+              <a:rPr lang="pt-PT" dirty="0"/>
+              <a:t> </a:t>
+            </a:r>
+            <a:r>
+              <a:rPr lang="pt-PT" dirty="0" err="1"/>
+              <a:t>our</a:t>
+            </a:r>
+            <a:r>
+              <a:rPr lang="pt-PT" dirty="0"/>
+              <a:t> data;</a:t>
+            </a:r>
+          </a:p>
+          <a:p>
+            <a:r>
+              <a:rPr lang="pt-PT" dirty="0" err="1"/>
+              <a:t>Oversampling</a:t>
+            </a:r>
+            <a:r>
+              <a:rPr lang="pt-PT" dirty="0"/>
+              <a:t> </a:t>
+            </a:r>
+            <a:r>
+              <a:rPr lang="pt-PT" dirty="0" err="1"/>
+              <a:t>and</a:t>
+            </a:r>
+            <a:r>
+              <a:rPr lang="pt-PT" dirty="0"/>
+              <a:t> </a:t>
+            </a:r>
+            <a:r>
+              <a:rPr lang="pt-PT" dirty="0" err="1"/>
+              <a:t>undersampling</a:t>
+            </a:r>
+            <a:r>
+              <a:rPr lang="pt-PT" dirty="0"/>
+              <a:t> data;</a:t>
+            </a:r>
+          </a:p>
+          <a:p>
+            <a:r>
+              <a:rPr lang="pt-PT" dirty="0"/>
+              <a:t>To </a:t>
+            </a:r>
+            <a:r>
+              <a:rPr lang="pt-PT" dirty="0" err="1"/>
+              <a:t>contribute</a:t>
+            </a:r>
+            <a:r>
+              <a:rPr lang="pt-PT" dirty="0"/>
+              <a:t> for </a:t>
+            </a:r>
+            <a:r>
+              <a:rPr lang="pt-PT" dirty="0" err="1"/>
+              <a:t>an</a:t>
+            </a:r>
+            <a:r>
+              <a:rPr lang="pt-PT" dirty="0"/>
+              <a:t> </a:t>
+            </a:r>
+            <a:r>
+              <a:rPr lang="pt-PT" dirty="0" err="1"/>
+              <a:t>equally</a:t>
+            </a:r>
+            <a:r>
+              <a:rPr lang="pt-PT" dirty="0"/>
+              <a:t> to </a:t>
+            </a:r>
+            <a:r>
+              <a:rPr lang="pt-PT" dirty="0" err="1"/>
+              <a:t>model</a:t>
+            </a:r>
+            <a:r>
+              <a:rPr lang="pt-PT" dirty="0"/>
+              <a:t> </a:t>
+            </a:r>
+            <a:r>
+              <a:rPr lang="pt-PT" dirty="0" err="1"/>
+              <a:t>fitting</a:t>
+            </a:r>
+            <a:r>
+              <a:rPr lang="pt-PT" dirty="0"/>
+              <a:t>, </a:t>
+            </a:r>
+            <a:r>
+              <a:rPr lang="pt-PT" dirty="0" err="1"/>
+              <a:t>we</a:t>
+            </a:r>
+            <a:r>
+              <a:rPr lang="pt-PT" dirty="0"/>
+              <a:t> </a:t>
+            </a:r>
+            <a:r>
+              <a:rPr lang="pt-PT" dirty="0" err="1"/>
+              <a:t>used</a:t>
+            </a:r>
+            <a:r>
+              <a:rPr lang="pt-PT" dirty="0"/>
+              <a:t> </a:t>
+            </a:r>
+            <a:r>
+              <a:rPr lang="pt-PT" dirty="0" err="1"/>
+              <a:t>automatic</a:t>
+            </a:r>
+            <a:r>
+              <a:rPr lang="pt-PT" dirty="0"/>
+              <a:t> </a:t>
+            </a:r>
+            <a:r>
+              <a:rPr lang="pt-PT" dirty="0" err="1"/>
+              <a:t>scales</a:t>
+            </a:r>
+            <a:r>
+              <a:rPr lang="pt-PT" dirty="0"/>
+              <a:t>;</a:t>
+            </a:r>
+          </a:p>
+          <a:p>
+            <a:pPr marL="0" indent="0">
+              <a:buNone/>
+            </a:pPr>
+            <a:endParaRPr lang="pt-PT" dirty="0"/>
           </a:p>
         </p:txBody>
       </p:sp>
@@ -6939,32 +7351,256 @@
               <a:defRPr/>
             </a:pPr>
             <a:r>
-              <a:rPr lang="pt-PT" dirty="0" err="1"/>
-              <a:t>Work</a:t>
-            </a:r>
-            <a:r>
-              <a:rPr lang="pt-PT" dirty="0"/>
-              <a:t> </a:t>
-            </a:r>
-            <a:r>
-              <a:rPr lang="pt-PT" dirty="0" err="1"/>
-              <a:t>already</a:t>
-            </a:r>
-            <a:r>
-              <a:rPr lang="pt-PT" dirty="0"/>
-              <a:t> </a:t>
-            </a:r>
-            <a:r>
-              <a:rPr lang="pt-PT" dirty="0" err="1"/>
-              <a:t>done</a:t>
+              <a:rPr lang="pt-PT" dirty="0"/>
+              <a:t>Data </a:t>
+            </a:r>
+            <a:r>
+              <a:rPr lang="pt-PT" dirty="0" err="1"/>
+              <a:t>Visualisation</a:t>
+            </a:r>
+            <a:r>
+              <a:rPr lang="pt-PT" dirty="0"/>
+              <a:t> – Some </a:t>
+            </a:r>
+            <a:r>
+              <a:rPr lang="pt-PT" dirty="0" err="1"/>
+              <a:t>Examples</a:t>
             </a:r>
             <a:endParaRPr lang="pt-PT" dirty="0"/>
           </a:p>
         </p:txBody>
       </p:sp>
-      <p:sp>
-        <p:nvSpPr>
-          <p:cNvPr id="3" name="Marcador de Posição de Conteúdo 2"/>
+      <p:pic>
+        <p:nvPicPr>
+          <p:cNvPr id="4" name="Imagem 3">
+            <a:extLst>
+              <a:ext uri="{FF2B5EF4-FFF2-40B4-BE49-F238E27FC236}">
+                <a16:creationId xmlns:a16="http://schemas.microsoft.com/office/drawing/2014/main" id="{42E91F57-B5C1-1CA6-3275-1481DFDB5F06}"/>
+              </a:ext>
+            </a:extLst>
+          </p:cNvPr>
+          <p:cNvPicPr>
+            <a:picLocks noChangeAspect="1"/>
+          </p:cNvPicPr>
+          <p:nvPr/>
+        </p:nvPicPr>
+        <p:blipFill>
+          <a:blip r:embed="rId3">
+            <a:extLst>
+              <a:ext uri="{28A0092B-C50C-407E-A947-70E740481C1C}">
+                <a14:useLocalDpi xmlns:a14="http://schemas.microsoft.com/office/drawing/2010/main" val="0"/>
+              </a:ext>
+            </a:extLst>
+          </a:blip>
+          <a:stretch>
+            <a:fillRect/>
+          </a:stretch>
+        </p:blipFill>
+        <p:spPr>
+          <a:xfrm>
+            <a:off x="6446119" y="1879666"/>
+            <a:ext cx="5524437" cy="2692335"/>
+          </a:xfrm>
+          <a:prstGeom prst="rect">
+            <a:avLst/>
+          </a:prstGeom>
+        </p:spPr>
+      </p:pic>
+      <p:pic>
+        <p:nvPicPr>
+          <p:cNvPr id="7" name="Imagem 6">
+            <a:extLst>
+              <a:ext uri="{FF2B5EF4-FFF2-40B4-BE49-F238E27FC236}">
+                <a16:creationId xmlns:a16="http://schemas.microsoft.com/office/drawing/2014/main" id="{1E40D8EE-B4BF-63B9-9C02-15869A2C35AF}"/>
+              </a:ext>
+            </a:extLst>
+          </p:cNvPr>
+          <p:cNvPicPr>
+            <a:picLocks noChangeAspect="1"/>
+          </p:cNvPicPr>
+          <p:nvPr/>
+        </p:nvPicPr>
+        <p:blipFill>
+          <a:blip r:embed="rId4">
+            <a:extLst>
+              <a:ext uri="{28A0092B-C50C-407E-A947-70E740481C1C}">
+                <a14:useLocalDpi xmlns:a14="http://schemas.microsoft.com/office/drawing/2010/main" val="0"/>
+              </a:ext>
+            </a:extLst>
+          </a:blip>
+          <a:stretch>
+            <a:fillRect/>
+          </a:stretch>
+        </p:blipFill>
+        <p:spPr>
+          <a:xfrm>
+            <a:off x="4821126" y="4727243"/>
+            <a:ext cx="3021747" cy="1924848"/>
+          </a:xfrm>
+          <a:prstGeom prst="rect">
+            <a:avLst/>
+          </a:prstGeom>
+        </p:spPr>
+      </p:pic>
+      <p:pic>
+        <p:nvPicPr>
+          <p:cNvPr id="9" name="Imagem 8">
+            <a:extLst>
+              <a:ext uri="{FF2B5EF4-FFF2-40B4-BE49-F238E27FC236}">
+                <a16:creationId xmlns:a16="http://schemas.microsoft.com/office/drawing/2014/main" id="{9B3A19E5-684A-1D0B-A169-BBDC39DDB3A6}"/>
+              </a:ext>
+            </a:extLst>
+          </p:cNvPr>
+          <p:cNvPicPr>
+            <a:picLocks noChangeAspect="1"/>
+          </p:cNvPicPr>
+          <p:nvPr/>
+        </p:nvPicPr>
+        <p:blipFill>
+          <a:blip r:embed="rId5">
+            <a:extLst>
+              <a:ext uri="{28A0092B-C50C-407E-A947-70E740481C1C}">
+                <a14:useLocalDpi xmlns:a14="http://schemas.microsoft.com/office/drawing/2010/main" val="0"/>
+              </a:ext>
+            </a:extLst>
+          </a:blip>
+          <a:stretch>
+            <a:fillRect/>
+          </a:stretch>
+        </p:blipFill>
+        <p:spPr>
+          <a:xfrm>
+            <a:off x="8976320" y="5087441"/>
+            <a:ext cx="2710607" cy="1355304"/>
+          </a:xfrm>
+          <a:prstGeom prst="rect">
+            <a:avLst/>
+          </a:prstGeom>
+        </p:spPr>
+      </p:pic>
+      <p:pic>
+        <p:nvPicPr>
+          <p:cNvPr id="11" name="Imagem 10">
+            <a:extLst>
+              <a:ext uri="{FF2B5EF4-FFF2-40B4-BE49-F238E27FC236}">
+                <a16:creationId xmlns:a16="http://schemas.microsoft.com/office/drawing/2014/main" id="{F185DE27-F0CA-3E85-7802-F7B381AFC5A2}"/>
+              </a:ext>
+            </a:extLst>
+          </p:cNvPr>
+          <p:cNvPicPr>
+            <a:picLocks noChangeAspect="1"/>
+          </p:cNvPicPr>
+          <p:nvPr/>
+        </p:nvPicPr>
+        <p:blipFill>
+          <a:blip r:embed="rId6">
+            <a:extLst>
+              <a:ext uri="{28A0092B-C50C-407E-A947-70E740481C1C}">
+                <a14:useLocalDpi xmlns:a14="http://schemas.microsoft.com/office/drawing/2010/main" val="0"/>
+              </a:ext>
+            </a:extLst>
+          </a:blip>
+          <a:stretch>
+            <a:fillRect/>
+          </a:stretch>
+        </p:blipFill>
+        <p:spPr>
+          <a:xfrm>
+            <a:off x="192761" y="2636912"/>
+            <a:ext cx="4156368" cy="2448272"/>
+          </a:xfrm>
+          <a:prstGeom prst="rect">
+            <a:avLst/>
+          </a:prstGeom>
+        </p:spPr>
+      </p:pic>
+    </p:spTree>
+    <p:extLst>
+      <p:ext uri="{BB962C8B-B14F-4D97-AF65-F5344CB8AC3E}">
+        <p14:creationId xmlns:p14="http://schemas.microsoft.com/office/powerpoint/2010/main" val="3309438973"/>
+      </p:ext>
+    </p:extLst>
+  </p:cSld>
+  <p:clrMapOvr>
+    <a:masterClrMapping/>
+  </p:clrMapOvr>
+</p:sld>
+</file>
+
+<file path=ppt/slides/slide9.xml><?xml version="1.0" encoding="utf-8"?>
+<p:sld xmlns:a="http://schemas.openxmlformats.org/drawingml/2006/main" xmlns:r="http://schemas.openxmlformats.org/officeDocument/2006/relationships" xmlns:p="http://schemas.openxmlformats.org/presentationml/2006/main">
+  <p:cSld>
+    <p:spTree>
+      <p:nvGrpSpPr>
+        <p:cNvPr id="1" name=""/>
+        <p:cNvGrpSpPr/>
+        <p:nvPr/>
+      </p:nvGrpSpPr>
+      <p:grpSpPr>
+        <a:xfrm>
+          <a:off x="0" y="0"/>
+          <a:ext cx="0" cy="0"/>
+          <a:chOff x="0" y="0"/>
+          <a:chExt cx="0" cy="0"/>
+        </a:xfrm>
+      </p:grpSpPr>
+      <p:sp>
+        <p:nvSpPr>
+          <p:cNvPr id="2" name="Título 1">
+            <a:extLst>
+              <a:ext uri="{FF2B5EF4-FFF2-40B4-BE49-F238E27FC236}">
+                <a16:creationId xmlns:a16="http://schemas.microsoft.com/office/drawing/2014/main" id="{8567DAF2-EF4E-413F-B651-3B328D7C52B1}"/>
+              </a:ext>
+            </a:extLst>
+          </p:cNvPr>
+          <p:cNvSpPr>
+            <a:spLocks noGrp="1"/>
+          </p:cNvSpPr>
+          <p:nvPr>
+            <p:ph type="title"/>
+          </p:nvPr>
+        </p:nvSpPr>
+        <p:spPr/>
+        <p:txBody>
+          <a:bodyPr/>
+          <a:lstStyle/>
+          <a:p>
+            <a:r>
+              <a:rPr lang="pt-PT" dirty="0" err="1"/>
+              <a:t>Developed</a:t>
+            </a:r>
+            <a:r>
+              <a:rPr lang="pt-PT" dirty="0"/>
+              <a:t> </a:t>
+            </a:r>
+            <a:r>
+              <a:rPr lang="pt-PT" dirty="0" err="1"/>
+              <a:t>Algorithms</a:t>
+            </a:r>
+            <a:r>
+              <a:rPr lang="pt-PT" dirty="0"/>
+              <a:t> - </a:t>
+            </a:r>
+            <a:r>
+              <a:rPr lang="pt-PT" dirty="0" err="1"/>
+              <a:t>Supervised</a:t>
+            </a:r>
+            <a:r>
+              <a:rPr lang="pt-PT" dirty="0"/>
+              <a:t> Learning</a:t>
+            </a:r>
+          </a:p>
+        </p:txBody>
+      </p:sp>
+      <p:sp>
+        <p:nvSpPr>
+          <p:cNvPr id="3" name="Marcador de Posição de Conteúdo 2">
+            <a:extLst>
+              <a:ext uri="{FF2B5EF4-FFF2-40B4-BE49-F238E27FC236}">
+                <a16:creationId xmlns:a16="http://schemas.microsoft.com/office/drawing/2014/main" id="{CA28733A-FFFB-97B4-71B5-E152637E8610}"/>
+              </a:ext>
+            </a:extLst>
+          </p:cNvPr>
           <p:cNvSpPr>
             <a:spLocks noGrp="1"/>
           </p:cNvSpPr>
@@ -6972,1471 +7608,675 @@
             <p:ph idx="1"/>
           </p:nvPr>
         </p:nvSpPr>
-        <p:spPr bwMode="auto"/>
-        <p:txBody>
-          <a:bodyPr vertOverflow="overflow" horzOverflow="clip" vert="horz" wrap="square" lIns="91440" tIns="45720" rIns="91440" bIns="45720" numCol="1" spcCol="0" rtlCol="0" fromWordArt="0" anchor="t" anchorCtr="0" forceAA="0" compatLnSpc="0">
-            <a:normAutofit fontScale="77500" lnSpcReduction="20000"/>
+        <p:spPr/>
+        <p:txBody>
+          <a:bodyPr>
+            <a:normAutofit fontScale="70000" lnSpcReduction="20000"/>
           </a:bodyPr>
           <a:lstStyle/>
           <a:p>
-            <a:pPr>
-              <a:defRPr/>
-            </a:pPr>
-            <a:r>
-              <a:rPr lang="pt-PT" sz="2800" b="1" dirty="0">
-                <a:latin typeface="Avenir Next LT Pro (corpo)"/>
-                <a:ea typeface="Roboto"/>
-              </a:rPr>
-              <a:t>Data </a:t>
-            </a:r>
-            <a:r>
-              <a:rPr lang="pt-PT" sz="2800" b="1" dirty="0" err="1">
-                <a:latin typeface="Avenir Next LT Pro (corpo)"/>
-                <a:ea typeface="Roboto"/>
-              </a:rPr>
-              <a:t>Pre-Processing</a:t>
-            </a:r>
-            <a:r>
-              <a:rPr lang="pt-PT" sz="2800" dirty="0">
-                <a:latin typeface="Avenir Next LT Pro (corpo)"/>
-                <a:ea typeface="Roboto"/>
-              </a:rPr>
-              <a:t>: for </a:t>
-            </a:r>
-            <a:r>
-              <a:rPr lang="pt-PT" sz="2800" dirty="0" err="1">
-                <a:latin typeface="Avenir Next LT Pro (corpo)"/>
-                <a:ea typeface="Roboto"/>
-              </a:rPr>
-              <a:t>this</a:t>
-            </a:r>
-            <a:r>
-              <a:rPr lang="pt-PT" sz="2800" dirty="0">
-                <a:latin typeface="Avenir Next LT Pro (corpo)"/>
-                <a:ea typeface="Roboto"/>
-              </a:rPr>
-              <a:t> </a:t>
-            </a:r>
-            <a:r>
-              <a:rPr lang="pt-PT" sz="2800" dirty="0" err="1">
-                <a:latin typeface="Avenir Next LT Pro (corpo)"/>
-                <a:ea typeface="Roboto"/>
-              </a:rPr>
-              <a:t>part</a:t>
-            </a:r>
-            <a:r>
-              <a:rPr lang="pt-PT" sz="2800" dirty="0">
-                <a:latin typeface="Avenir Next LT Pro (corpo)"/>
-                <a:ea typeface="Roboto"/>
-              </a:rPr>
-              <a:t> </a:t>
-            </a:r>
-            <a:r>
-              <a:rPr lang="pt-PT" sz="2800" dirty="0" err="1">
-                <a:latin typeface="Avenir Next LT Pro (corpo)"/>
-                <a:ea typeface="Roboto"/>
-              </a:rPr>
+            <a:r>
+              <a:rPr lang="pt-PT" dirty="0" err="1"/>
+              <a:t>Decision</a:t>
+            </a:r>
+            <a:r>
+              <a:rPr lang="pt-PT" dirty="0"/>
+              <a:t> </a:t>
+            </a:r>
+            <a:r>
+              <a:rPr lang="pt-PT" dirty="0" err="1"/>
+              <a:t>Tree</a:t>
+            </a:r>
+            <a:r>
+              <a:rPr lang="pt-PT" dirty="0"/>
+              <a:t> </a:t>
+            </a:r>
+            <a:r>
+              <a:rPr lang="pt-PT" dirty="0" err="1"/>
+              <a:t>Classifier</a:t>
+            </a:r>
+            <a:r>
+              <a:rPr lang="pt-PT" dirty="0"/>
+              <a:t>: </a:t>
+            </a:r>
+            <a:r>
+              <a:rPr lang="pt-PT" dirty="0" err="1"/>
+              <a:t>Using</a:t>
+            </a:r>
+            <a:r>
+              <a:rPr lang="pt-PT" dirty="0"/>
+              <a:t> a DTC, </a:t>
+            </a:r>
+            <a:r>
+              <a:rPr lang="pt-PT" dirty="0" err="1"/>
               <a:t>we</a:t>
             </a:r>
             <a:r>
-              <a:rPr lang="pt-PT" sz="2800" dirty="0">
-                <a:latin typeface="Avenir Next LT Pro (corpo)"/>
-                <a:ea typeface="Roboto"/>
-              </a:rPr>
-              <a:t> </a:t>
-            </a:r>
-            <a:r>
-              <a:rPr lang="pt-PT" sz="2800" dirty="0" err="1">
-                <a:latin typeface="Avenir Next LT Pro (corpo)"/>
-                <a:ea typeface="Roboto"/>
-              </a:rPr>
-              <a:t>have</a:t>
-            </a:r>
-            <a:r>
-              <a:rPr lang="pt-PT" sz="2800" dirty="0">
-                <a:latin typeface="Avenir Next LT Pro (corpo)"/>
-                <a:ea typeface="Roboto"/>
-              </a:rPr>
-              <a:t> </a:t>
-            </a:r>
-            <a:r>
-              <a:rPr lang="pt-PT" sz="2800" dirty="0" err="1">
-                <a:latin typeface="Avenir Next LT Pro (corpo)"/>
-                <a:ea typeface="Roboto"/>
-              </a:rPr>
-              <a:t>already</a:t>
-            </a:r>
-            <a:r>
-              <a:rPr lang="pt-PT" sz="2800" dirty="0">
-                <a:latin typeface="Avenir Next LT Pro (corpo)"/>
-                <a:ea typeface="Roboto"/>
-              </a:rPr>
-              <a:t> </a:t>
-            </a:r>
-            <a:r>
-              <a:rPr lang="pt-PT" sz="2800" dirty="0" err="1">
-                <a:latin typeface="Avenir Next LT Pro (corpo)"/>
-                <a:ea typeface="Roboto"/>
-              </a:rPr>
-              <a:t>done</a:t>
-            </a:r>
-            <a:r>
-              <a:rPr lang="pt-PT" sz="2800" dirty="0">
-                <a:latin typeface="Avenir Next LT Pro (corpo)"/>
-                <a:ea typeface="Roboto"/>
-              </a:rPr>
+              <a:rPr lang="pt-PT" dirty="0"/>
+              <a:t> </a:t>
+            </a:r>
+            <a:r>
+              <a:rPr lang="pt-PT" dirty="0" err="1"/>
+              <a:t>want</a:t>
+            </a:r>
+            <a:r>
+              <a:rPr lang="pt-PT" dirty="0"/>
+              <a:t> to </a:t>
+            </a:r>
+            <a:r>
+              <a:rPr lang="pt-PT" dirty="0" err="1"/>
+              <a:t>predict</a:t>
+            </a:r>
+            <a:r>
+              <a:rPr lang="pt-PT" dirty="0"/>
+              <a:t> </a:t>
+            </a:r>
+            <a:r>
+              <a:rPr lang="pt-PT" dirty="0" err="1"/>
+              <a:t>the</a:t>
+            </a:r>
+            <a:r>
+              <a:rPr lang="pt-PT" dirty="0"/>
+              <a:t> </a:t>
+            </a:r>
+            <a:r>
+              <a:rPr lang="pt-PT" dirty="0" err="1"/>
+              <a:t>value</a:t>
+            </a:r>
+            <a:r>
+              <a:rPr lang="pt-PT" dirty="0"/>
+              <a:t> </a:t>
+            </a:r>
+            <a:r>
+              <a:rPr lang="pt-PT" dirty="0" err="1"/>
+              <a:t>of</a:t>
+            </a:r>
+            <a:r>
+              <a:rPr lang="pt-PT" dirty="0"/>
+              <a:t> a target </a:t>
+            </a:r>
+            <a:r>
+              <a:rPr lang="pt-PT" dirty="0" err="1"/>
+              <a:t>variable</a:t>
+            </a:r>
+            <a:r>
+              <a:rPr lang="pt-PT" dirty="0"/>
+              <a:t> </a:t>
+            </a:r>
+            <a:r>
+              <a:rPr lang="pt-PT" dirty="0" err="1"/>
+              <a:t>by</a:t>
+            </a:r>
+            <a:r>
+              <a:rPr lang="pt-PT" dirty="0"/>
+              <a:t> </a:t>
+            </a:r>
+            <a:r>
+              <a:rPr lang="pt-PT" dirty="0" err="1"/>
+              <a:t>learning</a:t>
+            </a:r>
+            <a:r>
+              <a:rPr lang="pt-PT" dirty="0"/>
+              <a:t> </a:t>
+            </a:r>
+            <a:r>
+              <a:rPr lang="pt-PT" dirty="0" err="1"/>
+              <a:t>simple</a:t>
+            </a:r>
+            <a:r>
+              <a:rPr lang="pt-PT" dirty="0"/>
+              <a:t> </a:t>
+            </a:r>
+            <a:r>
+              <a:rPr lang="pt-PT" dirty="0" err="1"/>
+              <a:t>decision</a:t>
+            </a:r>
+            <a:r>
+              <a:rPr lang="pt-PT" dirty="0"/>
+              <a:t> rules </a:t>
+            </a:r>
+            <a:r>
+              <a:rPr lang="pt-PT" dirty="0" err="1"/>
+              <a:t>from</a:t>
+            </a:r>
+            <a:r>
+              <a:rPr lang="pt-PT" dirty="0"/>
+              <a:t> </a:t>
+            </a:r>
+            <a:r>
+              <a:rPr lang="pt-PT" dirty="0" err="1"/>
+              <a:t>our</a:t>
+            </a:r>
+            <a:r>
+              <a:rPr lang="pt-PT" dirty="0"/>
+              <a:t> data </a:t>
+            </a:r>
+            <a:r>
+              <a:rPr lang="pt-PT" dirty="0" err="1"/>
+              <a:t>features</a:t>
+            </a:r>
+            <a:r>
+              <a:rPr lang="pt-PT" dirty="0"/>
+              <a:t>;</a:t>
+            </a:r>
+          </a:p>
+          <a:p>
+            <a:r>
+              <a:rPr lang="pt-PT" dirty="0"/>
+              <a:t>Neural Networks: </a:t>
+            </a:r>
+            <a:r>
+              <a:rPr lang="pt-PT" dirty="0" err="1"/>
+              <a:t>By</a:t>
+            </a:r>
+            <a:r>
+              <a:rPr lang="pt-PT" dirty="0"/>
+              <a:t> </a:t>
+            </a:r>
+            <a:r>
+              <a:rPr lang="pt-PT" dirty="0" err="1"/>
+              <a:t>processing</a:t>
+            </a:r>
+            <a:r>
+              <a:rPr lang="pt-PT" dirty="0"/>
+              <a:t> exemples, </a:t>
+            </a:r>
+            <a:r>
+              <a:rPr lang="pt-PT" dirty="0" err="1"/>
+              <a:t>our</a:t>
+            </a:r>
+            <a:r>
+              <a:rPr lang="pt-PT" dirty="0"/>
+              <a:t> </a:t>
+            </a:r>
+            <a:r>
+              <a:rPr lang="pt-PT" dirty="0" err="1"/>
+              <a:t>algorithm</a:t>
+            </a:r>
+            <a:r>
+              <a:rPr lang="pt-PT" dirty="0"/>
+              <a:t> </a:t>
+            </a:r>
+            <a:r>
+              <a:rPr lang="pt-PT" dirty="0" err="1"/>
+              <a:t>learns</a:t>
+            </a:r>
+            <a:r>
+              <a:rPr lang="pt-PT" dirty="0"/>
+              <a:t> </a:t>
+            </a:r>
+            <a:r>
+              <a:rPr lang="pt-PT" dirty="0" err="1"/>
+              <a:t>what</a:t>
+            </a:r>
+            <a:r>
+              <a:rPr lang="pt-PT" dirty="0"/>
+              <a:t> </a:t>
+            </a:r>
+            <a:r>
+              <a:rPr lang="pt-PT" dirty="0" err="1"/>
+              <a:t>it</a:t>
+            </a:r>
+            <a:r>
+              <a:rPr lang="pt-PT" dirty="0"/>
+              <a:t> </a:t>
+            </a:r>
+            <a:r>
+              <a:rPr lang="pt-PT" dirty="0" err="1"/>
+              <a:t>should</a:t>
+            </a:r>
+            <a:r>
+              <a:rPr lang="pt-PT" dirty="0"/>
+              <a:t> do, </a:t>
+            </a:r>
+            <a:r>
+              <a:rPr lang="pt-PT" dirty="0" err="1"/>
+              <a:t>forming</a:t>
+            </a:r>
+            <a:r>
+              <a:rPr lang="pt-PT" dirty="0"/>
+              <a:t> </a:t>
+            </a:r>
+            <a:r>
+              <a:rPr lang="pt-PT" dirty="0" err="1"/>
+              <a:t>probability-weighted</a:t>
+            </a:r>
+            <a:r>
+              <a:rPr lang="pt-PT" dirty="0"/>
+              <a:t> </a:t>
+            </a:r>
+            <a:r>
+              <a:rPr lang="pt-PT" dirty="0" err="1"/>
+              <a:t>associations</a:t>
+            </a:r>
+            <a:r>
+              <a:rPr lang="pt-PT" dirty="0"/>
+              <a:t> </a:t>
+            </a:r>
+            <a:r>
+              <a:rPr lang="pt-PT" dirty="0" err="1"/>
+              <a:t>between</a:t>
+            </a:r>
+            <a:r>
+              <a:rPr lang="pt-PT" dirty="0"/>
+              <a:t> “input” </a:t>
+            </a:r>
+            <a:r>
+              <a:rPr lang="pt-PT" dirty="0" err="1"/>
+              <a:t>and</a:t>
+            </a:r>
+            <a:r>
+              <a:rPr lang="pt-PT" dirty="0"/>
+              <a:t> “</a:t>
+            </a:r>
+            <a:r>
+              <a:rPr lang="pt-PT" dirty="0" err="1"/>
+              <a:t>result</a:t>
+            </a:r>
+            <a:r>
+              <a:rPr lang="pt-PT" dirty="0"/>
+              <a:t>”, </a:t>
+            </a:r>
+            <a:r>
+              <a:rPr lang="pt-PT" dirty="0" err="1"/>
+              <a:t>stored</a:t>
+            </a:r>
+            <a:r>
+              <a:rPr lang="pt-PT" dirty="0"/>
+              <a:t> in </a:t>
+            </a:r>
+            <a:r>
+              <a:rPr lang="pt-PT" dirty="0" err="1"/>
+              <a:t>the</a:t>
+            </a:r>
+            <a:r>
+              <a:rPr lang="pt-PT" dirty="0"/>
+              <a:t> data </a:t>
+            </a:r>
+            <a:r>
+              <a:rPr lang="pt-PT" dirty="0" err="1"/>
+              <a:t>structure</a:t>
+            </a:r>
+            <a:r>
+              <a:rPr lang="pt-PT" dirty="0"/>
+              <a:t> </a:t>
+            </a:r>
+            <a:r>
+              <a:rPr lang="pt-PT" dirty="0" err="1"/>
+              <a:t>of</a:t>
+            </a:r>
+            <a:r>
+              <a:rPr lang="pt-PT" dirty="0"/>
+              <a:t> </a:t>
+            </a:r>
+            <a:r>
+              <a:rPr lang="pt-PT" dirty="0" err="1"/>
+              <a:t>the</a:t>
+            </a:r>
+            <a:r>
+              <a:rPr lang="pt-PT" dirty="0"/>
+              <a:t> net </a:t>
+            </a:r>
+            <a:r>
+              <a:rPr lang="pt-PT" dirty="0" err="1"/>
+              <a:t>itself</a:t>
+            </a:r>
+            <a:r>
+              <a:rPr lang="pt-PT" dirty="0"/>
+              <a:t>;</a:t>
+            </a:r>
+          </a:p>
+          <a:p>
+            <a:r>
+              <a:rPr lang="pt-PT" dirty="0" err="1"/>
+              <a:t>Support</a:t>
+            </a:r>
+            <a:r>
+              <a:rPr lang="pt-PT" dirty="0"/>
+              <a:t> </a:t>
+            </a:r>
+            <a:r>
+              <a:rPr lang="pt-PT" dirty="0" err="1"/>
+              <a:t>Vector</a:t>
+            </a:r>
+            <a:r>
+              <a:rPr lang="pt-PT" dirty="0"/>
+              <a:t> </a:t>
+            </a:r>
+            <a:r>
+              <a:rPr lang="pt-PT" dirty="0" err="1"/>
+              <a:t>Classification</a:t>
+            </a:r>
+            <a:r>
+              <a:rPr lang="pt-PT" dirty="0"/>
+              <a:t>: Learning </a:t>
+            </a:r>
+            <a:r>
+              <a:rPr lang="pt-PT" dirty="0" err="1"/>
+              <a:t>problem</a:t>
+            </a:r>
+            <a:r>
+              <a:rPr lang="pt-PT" dirty="0"/>
+              <a:t> </a:t>
+            </a:r>
+            <a:r>
+              <a:rPr lang="pt-PT" dirty="0" err="1"/>
+              <a:t>is</a:t>
+            </a:r>
+            <a:r>
+              <a:rPr lang="pt-PT" dirty="0"/>
+              <a:t> </a:t>
+            </a:r>
+            <a:r>
+              <a:rPr lang="pt-PT" dirty="0" err="1"/>
+              <a:t>formulated</a:t>
+            </a:r>
+            <a:r>
+              <a:rPr lang="pt-PT" dirty="0"/>
+              <a:t> as a </a:t>
+            </a:r>
+            <a:r>
+              <a:rPr lang="pt-PT" dirty="0" err="1"/>
+              <a:t>convex</a:t>
+            </a:r>
+            <a:r>
+              <a:rPr lang="pt-PT" dirty="0"/>
+              <a:t> </a:t>
+            </a:r>
+            <a:r>
+              <a:rPr lang="pt-PT" dirty="0" err="1"/>
+              <a:t>optimization</a:t>
+            </a:r>
+            <a:r>
+              <a:rPr lang="pt-PT" dirty="0"/>
+              <a:t> </a:t>
+            </a:r>
+            <a:r>
+              <a:rPr lang="pt-PT" dirty="0" err="1"/>
+              <a:t>problem</a:t>
+            </a:r>
+            <a:r>
+              <a:rPr lang="pt-PT" dirty="0"/>
+              <a:t> </a:t>
+            </a:r>
+            <a:r>
+              <a:rPr lang="pt-PT" dirty="0" err="1"/>
+              <a:t>and</a:t>
+            </a:r>
+            <a:r>
+              <a:rPr lang="pt-PT" dirty="0"/>
+              <a:t> </a:t>
+            </a:r>
+            <a:r>
+              <a:rPr lang="pt-PT" dirty="0" err="1"/>
+              <a:t>is</a:t>
+            </a:r>
+            <a:r>
+              <a:rPr lang="pt-PT" dirty="0"/>
+              <a:t> </a:t>
+            </a:r>
+            <a:r>
+              <a:rPr lang="pt-PT" dirty="0" err="1"/>
+              <a:t>robust</a:t>
+            </a:r>
+            <a:r>
+              <a:rPr lang="pt-PT" dirty="0"/>
+              <a:t> to noise;</a:t>
+            </a:r>
+          </a:p>
+          <a:p>
+            <a:r>
+              <a:rPr lang="pt-PT" dirty="0"/>
+              <a:t>K-</a:t>
+            </a:r>
+            <a:r>
+              <a:rPr lang="pt-PT" dirty="0" err="1"/>
+              <a:t>nearest</a:t>
+            </a:r>
+            <a:r>
+              <a:rPr lang="pt-PT" dirty="0"/>
+              <a:t> </a:t>
+            </a:r>
+            <a:r>
+              <a:rPr lang="pt-PT" dirty="0" err="1"/>
+              <a:t>Neighbors</a:t>
+            </a:r>
+            <a:r>
+              <a:rPr lang="pt-PT" dirty="0"/>
+              <a:t>: </a:t>
+            </a:r>
+            <a:r>
+              <a:rPr lang="pt-PT" dirty="0" err="1"/>
+              <a:t>assuming</a:t>
+            </a:r>
+            <a:r>
+              <a:rPr lang="pt-PT" dirty="0"/>
+              <a:t> </a:t>
+            </a:r>
+            <a:r>
+              <a:rPr lang="pt-PT" dirty="0" err="1"/>
+              <a:t>the</a:t>
+            </a:r>
+            <a:r>
+              <a:rPr lang="pt-PT" dirty="0"/>
+              <a:t> </a:t>
+            </a:r>
+            <a:r>
+              <a:rPr lang="pt-PT" dirty="0" err="1"/>
+              <a:t>similarity</a:t>
+            </a:r>
+            <a:r>
+              <a:rPr lang="pt-PT" dirty="0"/>
+              <a:t> </a:t>
+            </a:r>
+            <a:r>
+              <a:rPr lang="pt-PT" dirty="0" err="1"/>
+              <a:t>between</a:t>
+            </a:r>
+            <a:r>
+              <a:rPr lang="pt-PT" dirty="0"/>
+              <a:t> data </a:t>
+            </a:r>
+            <a:r>
+              <a:rPr lang="pt-PT" dirty="0" err="1"/>
+              <a:t>and</a:t>
+            </a:r>
+            <a:r>
+              <a:rPr lang="pt-PT" dirty="0"/>
+              <a:t> </a:t>
+            </a:r>
+            <a:r>
+              <a:rPr lang="pt-PT" dirty="0" err="1"/>
+              <a:t>available</a:t>
+            </a:r>
+            <a:r>
+              <a:rPr lang="pt-PT" dirty="0"/>
+              <a:t> cases, </a:t>
+            </a:r>
+            <a:r>
+              <a:rPr lang="pt-PT" dirty="0" err="1"/>
+              <a:t>put</a:t>
+            </a:r>
+            <a:r>
+              <a:rPr lang="pt-PT" dirty="0"/>
               <a:t> a </a:t>
             </a:r>
             <a:r>
-              <a:rPr lang="pt-PT" sz="2800" dirty="0" err="1">
-                <a:latin typeface="Avenir Next LT Pro (corpo)"/>
-                <a:ea typeface="Roboto"/>
-              </a:rPr>
-              <a:t>simple</a:t>
-            </a:r>
-            <a:r>
-              <a:rPr lang="pt-PT" sz="2800" dirty="0">
-                <a:latin typeface="Avenir Next LT Pro (corpo)"/>
-                <a:ea typeface="Roboto"/>
-              </a:rPr>
-              <a:t> </a:t>
-            </a:r>
-            <a:r>
-              <a:rPr lang="pt-PT" sz="2800" dirty="0" err="1">
-                <a:latin typeface="Avenir Next LT Pro (corpo)"/>
-                <a:ea typeface="Roboto"/>
-              </a:rPr>
-              <a:t>explanation</a:t>
-            </a:r>
-            <a:r>
-              <a:rPr lang="pt-PT" sz="2800" dirty="0">
-                <a:latin typeface="Avenir Next LT Pro (corpo)"/>
-                <a:ea typeface="Roboto"/>
-              </a:rPr>
-              <a:t> </a:t>
-            </a:r>
-            <a:r>
-              <a:rPr lang="pt-PT" sz="2800" dirty="0" err="1">
-                <a:latin typeface="Avenir Next LT Pro (corpo)"/>
-                <a:ea typeface="Roboto"/>
-              </a:rPr>
-              <a:t>of</a:t>
-            </a:r>
-            <a:r>
-              <a:rPr lang="pt-PT" sz="2800" dirty="0">
-                <a:latin typeface="Avenir Next LT Pro (corpo)"/>
-                <a:ea typeface="Roboto"/>
-              </a:rPr>
-              <a:t> </a:t>
-            </a:r>
-            <a:r>
-              <a:rPr lang="pt-PT" sz="2800" dirty="0" err="1">
-                <a:latin typeface="Avenir Next LT Pro (corpo)"/>
-                <a:ea typeface="Roboto"/>
-              </a:rPr>
-              <a:t>what</a:t>
-            </a:r>
-            <a:r>
-              <a:rPr lang="pt-PT" sz="2800" dirty="0">
-                <a:latin typeface="Avenir Next LT Pro (corpo)"/>
-                <a:ea typeface="Roboto"/>
-              </a:rPr>
-              <a:t> </a:t>
-            </a:r>
-            <a:r>
-              <a:rPr lang="pt-PT" sz="2800" dirty="0" err="1">
-                <a:latin typeface="Avenir Next LT Pro (corpo)"/>
-                <a:ea typeface="Roboto"/>
-              </a:rPr>
-              <a:t>each</a:t>
-            </a:r>
-            <a:r>
-              <a:rPr lang="pt-PT" sz="2800" dirty="0">
-                <a:latin typeface="Avenir Next LT Pro (corpo)"/>
-                <a:ea typeface="Roboto"/>
-              </a:rPr>
-              <a:t> </a:t>
-            </a:r>
-            <a:r>
-              <a:rPr lang="pt-PT" sz="2800" dirty="0" err="1">
-                <a:latin typeface="Avenir Next LT Pro (corpo)"/>
-                <a:ea typeface="Roboto"/>
-              </a:rPr>
-              <a:t>column</a:t>
-            </a:r>
-            <a:r>
-              <a:rPr lang="pt-PT" sz="2800" dirty="0">
-                <a:latin typeface="Avenir Next LT Pro (corpo)"/>
-                <a:ea typeface="Roboto"/>
-              </a:rPr>
-              <a:t> </a:t>
-            </a:r>
-            <a:r>
-              <a:rPr lang="pt-PT" sz="2800" dirty="0" err="1">
-                <a:latin typeface="Avenir Next LT Pro (corpo)"/>
-                <a:ea typeface="Roboto"/>
-              </a:rPr>
-              <a:t>represents</a:t>
-            </a:r>
-            <a:r>
-              <a:rPr lang="pt-PT" sz="2800" dirty="0">
-                <a:latin typeface="Avenir Next LT Pro (corpo)"/>
-                <a:ea typeface="Roboto"/>
-              </a:rPr>
-              <a:t> as </a:t>
-            </a:r>
-            <a:r>
-              <a:rPr lang="pt-PT" sz="2800" dirty="0" err="1">
-                <a:latin typeface="Avenir Next LT Pro (corpo)"/>
-                <a:ea typeface="Roboto"/>
-              </a:rPr>
-              <a:t>well</a:t>
-            </a:r>
-            <a:r>
-              <a:rPr lang="pt-PT" sz="2800" dirty="0">
-                <a:latin typeface="Avenir Next LT Pro (corpo)"/>
-                <a:ea typeface="Roboto"/>
-              </a:rPr>
-              <a:t> as </a:t>
-            </a:r>
-            <a:r>
-              <a:rPr lang="pt-PT" sz="2800" dirty="0" err="1">
-                <a:latin typeface="Avenir Next LT Pro (corpo)"/>
-                <a:ea typeface="Roboto"/>
-              </a:rPr>
-              <a:t>loading</a:t>
-            </a:r>
-            <a:r>
-              <a:rPr lang="pt-PT" sz="2800" dirty="0">
-                <a:latin typeface="Avenir Next LT Pro (corpo)"/>
-                <a:ea typeface="Roboto"/>
-              </a:rPr>
-              <a:t> </a:t>
-            </a:r>
-            <a:r>
-              <a:rPr lang="pt-PT" sz="2800" dirty="0" err="1">
-                <a:latin typeface="Avenir Next LT Pro (corpo)"/>
-                <a:ea typeface="Roboto"/>
-              </a:rPr>
-              <a:t>all</a:t>
-            </a:r>
-            <a:r>
-              <a:rPr lang="pt-PT" sz="2800" dirty="0">
-                <a:latin typeface="Avenir Next LT Pro (corpo)"/>
-                <a:ea typeface="Roboto"/>
-              </a:rPr>
-              <a:t> </a:t>
-            </a:r>
-            <a:r>
-              <a:rPr lang="pt-PT" sz="2800" dirty="0" err="1">
-                <a:latin typeface="Avenir Next LT Pro (corpo)"/>
-                <a:ea typeface="Roboto"/>
-              </a:rPr>
+              <a:rPr lang="pt-PT" dirty="0" err="1"/>
+              <a:t>new</a:t>
+            </a:r>
+            <a:r>
+              <a:rPr lang="pt-PT" dirty="0"/>
+              <a:t> case </a:t>
+            </a:r>
+            <a:r>
+              <a:rPr lang="pt-PT" dirty="0" err="1"/>
+              <a:t>into</a:t>
+            </a:r>
+            <a:r>
+              <a:rPr lang="pt-PT" dirty="0"/>
+              <a:t> a </a:t>
+            </a:r>
+            <a:r>
+              <a:rPr lang="pt-PT" dirty="0" err="1"/>
+              <a:t>certain</a:t>
+            </a:r>
+            <a:r>
+              <a:rPr lang="pt-PT" dirty="0"/>
+              <a:t> </a:t>
+            </a:r>
+            <a:r>
+              <a:rPr lang="pt-PT" dirty="0" err="1"/>
+              <a:t>category</a:t>
+            </a:r>
+            <a:r>
+              <a:rPr lang="pt-PT" dirty="0"/>
+              <a:t> </a:t>
+            </a:r>
+            <a:r>
+              <a:rPr lang="pt-PT" dirty="0" err="1"/>
+              <a:t>that</a:t>
+            </a:r>
+            <a:r>
+              <a:rPr lang="pt-PT" dirty="0"/>
+              <a:t> </a:t>
+            </a:r>
+            <a:r>
+              <a:rPr lang="pt-PT" dirty="0" err="1"/>
+              <a:t>is</a:t>
+            </a:r>
+            <a:r>
+              <a:rPr lang="pt-PT" dirty="0"/>
+              <a:t> </a:t>
+            </a:r>
+            <a:r>
+              <a:rPr lang="pt-PT" dirty="0" err="1"/>
+              <a:t>most</a:t>
+            </a:r>
+            <a:r>
+              <a:rPr lang="pt-PT" dirty="0"/>
+              <a:t> similar to </a:t>
+            </a:r>
+            <a:r>
+              <a:rPr lang="pt-PT" dirty="0" err="1"/>
               <a:t>the</a:t>
             </a:r>
             <a:r>
-              <a:rPr lang="pt-PT" sz="2800" dirty="0">
-                <a:latin typeface="Avenir Next LT Pro (corpo)"/>
-                <a:ea typeface="Roboto"/>
-              </a:rPr>
-              <a:t> data. </a:t>
-            </a:r>
-            <a:r>
-              <a:rPr lang="pt-PT" sz="2800" dirty="0" err="1">
-                <a:latin typeface="Avenir Next LT Pro (corpo)"/>
-                <a:ea typeface="Roboto"/>
-              </a:rPr>
-              <a:t>After</a:t>
-            </a:r>
-            <a:r>
-              <a:rPr lang="pt-PT" sz="2800" dirty="0">
-                <a:latin typeface="Avenir Next LT Pro (corpo)"/>
-                <a:ea typeface="Roboto"/>
-              </a:rPr>
-              <a:t> </a:t>
-            </a:r>
-            <a:r>
-              <a:rPr lang="pt-PT" sz="2800" dirty="0" err="1">
-                <a:latin typeface="Avenir Next LT Pro (corpo)"/>
-                <a:ea typeface="Roboto"/>
-              </a:rPr>
-              <a:t>that</a:t>
-            </a:r>
-            <a:r>
-              <a:rPr lang="pt-PT" sz="2800" dirty="0">
-                <a:latin typeface="Avenir Next LT Pro (corpo)"/>
-                <a:ea typeface="Roboto"/>
-              </a:rPr>
-              <a:t> </a:t>
-            </a:r>
-            <a:r>
-              <a:rPr lang="pt-PT" sz="2800" dirty="0" err="1">
-                <a:latin typeface="Avenir Next LT Pro (corpo)"/>
-                <a:ea typeface="Roboto"/>
-              </a:rPr>
+              <a:rPr lang="pt-PT" dirty="0"/>
+              <a:t> </a:t>
+            </a:r>
+            <a:r>
+              <a:rPr lang="pt-PT" dirty="0" err="1"/>
+              <a:t>available</a:t>
+            </a:r>
+            <a:r>
+              <a:rPr lang="pt-PT" dirty="0"/>
+              <a:t> </a:t>
+            </a:r>
+            <a:r>
+              <a:rPr lang="pt-PT" dirty="0" err="1"/>
+              <a:t>categories</a:t>
+            </a:r>
+            <a:r>
+              <a:rPr lang="pt-PT" dirty="0"/>
+              <a:t>;</a:t>
+            </a:r>
+          </a:p>
+          <a:p>
+            <a:pPr marL="0" indent="0">
+              <a:buNone/>
+            </a:pPr>
+            <a:r>
+              <a:rPr lang="pt-PT" dirty="0"/>
+              <a:t>NOTE: To improve </a:t>
+            </a:r>
+            <a:r>
+              <a:rPr lang="pt-PT" dirty="0" err="1"/>
+              <a:t>our</a:t>
+            </a:r>
+            <a:r>
+              <a:rPr lang="pt-PT" dirty="0"/>
+              <a:t> </a:t>
+            </a:r>
+            <a:r>
+              <a:rPr lang="pt-PT" dirty="0" err="1"/>
+              <a:t>results</a:t>
+            </a:r>
+            <a:r>
+              <a:rPr lang="pt-PT" dirty="0"/>
+              <a:t>, </a:t>
+            </a:r>
+            <a:r>
+              <a:rPr lang="pt-PT" dirty="0" err="1"/>
               <a:t>we</a:t>
             </a:r>
             <a:r>
-              <a:rPr lang="pt-PT" sz="2800" dirty="0">
-                <a:latin typeface="Avenir Next LT Pro (corpo)"/>
-                <a:ea typeface="Roboto"/>
-              </a:rPr>
-              <a:t> </a:t>
-            </a:r>
-            <a:r>
-              <a:rPr lang="pt-PT" sz="2800" dirty="0" err="1">
-                <a:latin typeface="Avenir Next LT Pro (corpo)"/>
-                <a:ea typeface="Roboto"/>
-              </a:rPr>
-              <a:t>verify</a:t>
-            </a:r>
-            <a:r>
-              <a:rPr lang="pt-PT" sz="2800" dirty="0">
-                <a:latin typeface="Avenir Next LT Pro (corpo)"/>
-                <a:ea typeface="Roboto"/>
-              </a:rPr>
-              <a:t> </a:t>
-            </a:r>
-            <a:r>
-              <a:rPr lang="pt-PT" sz="2800" dirty="0" err="1">
-                <a:latin typeface="Avenir Next LT Pro (corpo)"/>
-                <a:ea typeface="Roboto"/>
-              </a:rPr>
-              <a:t>the</a:t>
-            </a:r>
-            <a:r>
-              <a:rPr lang="pt-PT" sz="2800" dirty="0">
-                <a:latin typeface="Avenir Next LT Pro (corpo)"/>
-                <a:ea typeface="Roboto"/>
-              </a:rPr>
-              <a:t> </a:t>
-            </a:r>
-            <a:r>
-              <a:rPr lang="pt-PT" sz="2800" dirty="0" err="1">
-                <a:latin typeface="Avenir Next LT Pro (corpo)"/>
-                <a:ea typeface="Roboto"/>
-              </a:rPr>
-              <a:t>existance</a:t>
-            </a:r>
-            <a:r>
-              <a:rPr lang="pt-PT" sz="2800" dirty="0">
-                <a:latin typeface="Avenir Next LT Pro (corpo)"/>
-                <a:ea typeface="Roboto"/>
-              </a:rPr>
-              <a:t> </a:t>
-            </a:r>
-            <a:r>
-              <a:rPr lang="pt-PT" sz="2800" dirty="0" err="1">
-                <a:latin typeface="Avenir Next LT Pro (corpo)"/>
-                <a:ea typeface="Roboto"/>
-              </a:rPr>
-              <a:t>of</a:t>
-            </a:r>
-            <a:r>
-              <a:rPr lang="pt-PT" sz="2800" dirty="0">
-                <a:latin typeface="Avenir Next LT Pro (corpo)"/>
-                <a:ea typeface="Roboto"/>
-              </a:rPr>
-              <a:t> </a:t>
-            </a:r>
-            <a:r>
-              <a:rPr lang="pt-PT" sz="2800" dirty="0" err="1">
-                <a:latin typeface="Avenir Next LT Pro (corpo)"/>
-                <a:ea typeface="Roboto"/>
-              </a:rPr>
-              <a:t>any</a:t>
-            </a:r>
-            <a:r>
-              <a:rPr lang="pt-PT" sz="2800" dirty="0">
-                <a:latin typeface="Avenir Next LT Pro (corpo)"/>
-                <a:ea typeface="Roboto"/>
-              </a:rPr>
-              <a:t> </a:t>
-            </a:r>
-            <a:r>
-              <a:rPr lang="pt-PT" sz="2800" dirty="0" err="1">
-                <a:latin typeface="Avenir Next LT Pro (corpo)"/>
-                <a:ea typeface="Roboto"/>
-              </a:rPr>
-              <a:t>missing</a:t>
-            </a:r>
-            <a:r>
-              <a:rPr lang="pt-PT" sz="2800" dirty="0">
-                <a:latin typeface="Avenir Next LT Pro (corpo)"/>
-                <a:ea typeface="Roboto"/>
-              </a:rPr>
-              <a:t> </a:t>
-            </a:r>
-            <a:r>
-              <a:rPr lang="pt-PT" sz="2800" dirty="0" err="1">
-                <a:latin typeface="Avenir Next LT Pro (corpo)"/>
-                <a:ea typeface="Roboto"/>
-              </a:rPr>
-              <a:t>values</a:t>
-            </a:r>
-            <a:r>
-              <a:rPr lang="pt-PT" sz="2800" dirty="0">
-                <a:latin typeface="Avenir Next LT Pro (corpo)"/>
-                <a:ea typeface="Roboto"/>
-              </a:rPr>
-              <a:t> (no </a:t>
-            </a:r>
-            <a:r>
-              <a:rPr lang="pt-PT" sz="2800" dirty="0" err="1">
-                <a:latin typeface="Avenir Next LT Pro (corpo)"/>
-                <a:ea typeface="Roboto"/>
-              </a:rPr>
-              <a:t>null</a:t>
-            </a:r>
-            <a:r>
-              <a:rPr lang="pt-PT" sz="2800" dirty="0">
-                <a:latin typeface="Avenir Next LT Pro (corpo)"/>
-                <a:ea typeface="Roboto"/>
-              </a:rPr>
-              <a:t> </a:t>
-            </a:r>
-            <a:r>
-              <a:rPr lang="pt-PT" sz="2800" dirty="0" err="1">
-                <a:latin typeface="Avenir Next LT Pro (corpo)"/>
-                <a:ea typeface="Roboto"/>
-              </a:rPr>
-              <a:t>values</a:t>
-            </a:r>
-            <a:r>
-              <a:rPr lang="pt-PT" sz="2800" dirty="0">
-                <a:latin typeface="Avenir Next LT Pro (corpo)"/>
-                <a:ea typeface="Roboto"/>
-              </a:rPr>
-              <a:t> </a:t>
-            </a:r>
-            <a:r>
-              <a:rPr lang="pt-PT" sz="2800" dirty="0" err="1">
-                <a:latin typeface="Avenir Next LT Pro (corpo)"/>
-                <a:ea typeface="Roboto"/>
-              </a:rPr>
-              <a:t>were</a:t>
-            </a:r>
-            <a:r>
-              <a:rPr lang="pt-PT" sz="2800" dirty="0">
-                <a:latin typeface="Avenir Next LT Pro (corpo)"/>
-                <a:ea typeface="Roboto"/>
-              </a:rPr>
-              <a:t> </a:t>
-            </a:r>
-            <a:r>
-              <a:rPr lang="pt-PT" sz="2800" dirty="0" err="1">
-                <a:latin typeface="Avenir Next LT Pro (corpo)"/>
-                <a:ea typeface="Roboto"/>
-              </a:rPr>
-              <a:t>found</a:t>
-            </a:r>
-            <a:r>
-              <a:rPr lang="pt-PT" sz="2800" dirty="0">
-                <a:latin typeface="Avenir Next LT Pro (corpo)"/>
-                <a:ea typeface="Roboto"/>
-              </a:rPr>
-              <a:t>) </a:t>
-            </a:r>
-            <a:r>
-              <a:rPr lang="pt-PT" sz="2800" dirty="0" err="1">
-                <a:latin typeface="Avenir Next LT Pro (corpo)"/>
-                <a:ea typeface="Roboto"/>
-              </a:rPr>
-              <a:t>or</a:t>
-            </a:r>
-            <a:r>
-              <a:rPr lang="pt-PT" sz="2800" dirty="0">
-                <a:latin typeface="Avenir Next LT Pro (corpo)"/>
-                <a:ea typeface="Roboto"/>
-              </a:rPr>
-              <a:t> </a:t>
-            </a:r>
-            <a:r>
-              <a:rPr lang="pt-PT" sz="2800" dirty="0" err="1">
-                <a:latin typeface="Avenir Next LT Pro (corpo)"/>
-                <a:ea typeface="Roboto"/>
-              </a:rPr>
-              <a:t>repeated</a:t>
-            </a:r>
-            <a:r>
-              <a:rPr lang="pt-PT" sz="2800" dirty="0">
-                <a:latin typeface="Avenir Next LT Pro (corpo)"/>
-                <a:ea typeface="Roboto"/>
-              </a:rPr>
-              <a:t> </a:t>
-            </a:r>
-            <a:r>
-              <a:rPr lang="pt-PT" sz="2800" dirty="0" err="1">
-                <a:latin typeface="Avenir Next LT Pro (corpo)"/>
-                <a:ea typeface="Roboto"/>
-              </a:rPr>
-              <a:t>values</a:t>
-            </a:r>
-            <a:r>
-              <a:rPr lang="pt-PT" sz="2800" dirty="0">
-                <a:latin typeface="Avenir Next LT Pro (corpo)"/>
-                <a:ea typeface="Roboto"/>
-              </a:rPr>
-              <a:t> (</a:t>
-            </a:r>
-            <a:r>
-              <a:rPr lang="pt-PT" sz="2800" dirty="0" err="1">
-                <a:latin typeface="Avenir Next LT Pro (corpo)"/>
-                <a:ea typeface="Roboto"/>
-              </a:rPr>
-              <a:t>only</a:t>
-            </a:r>
-            <a:r>
-              <a:rPr lang="pt-PT" sz="2800" dirty="0">
-                <a:latin typeface="Avenir Next LT Pro (corpo)"/>
-                <a:ea typeface="Roboto"/>
-              </a:rPr>
-              <a:t> </a:t>
-            </a:r>
-            <a:r>
-              <a:rPr lang="pt-PT" sz="2800" dirty="0" err="1">
-                <a:latin typeface="Avenir Next LT Pro (corpo)"/>
-                <a:ea typeface="Roboto"/>
-              </a:rPr>
-              <a:t>the</a:t>
-            </a:r>
-            <a:r>
-              <a:rPr lang="pt-PT" sz="2800" dirty="0">
-                <a:latin typeface="Avenir Next LT Pro (corpo)"/>
-                <a:ea typeface="Roboto"/>
-              </a:rPr>
-              <a:t> </a:t>
-            </a:r>
-            <a:r>
-              <a:rPr lang="pt-PT" sz="2800" dirty="0" err="1">
-                <a:latin typeface="Avenir Next LT Pro (corpo)"/>
-                <a:ea typeface="Roboto"/>
-              </a:rPr>
-              <a:t>customerId</a:t>
-            </a:r>
-            <a:r>
-              <a:rPr lang="pt-PT" sz="2800" dirty="0">
-                <a:latin typeface="Avenir Next LT Pro (corpo)"/>
-                <a:ea typeface="Roboto"/>
-              </a:rPr>
-              <a:t> must </a:t>
-            </a:r>
-            <a:r>
-              <a:rPr lang="pt-PT" sz="2800" dirty="0" err="1">
-                <a:latin typeface="Avenir Next LT Pro (corpo)"/>
-                <a:ea typeface="Roboto"/>
-              </a:rPr>
-              <a:t>be</a:t>
-            </a:r>
-            <a:r>
-              <a:rPr lang="pt-PT" sz="2800" dirty="0">
-                <a:latin typeface="Avenir Next LT Pro (corpo)"/>
-                <a:ea typeface="Roboto"/>
-              </a:rPr>
-              <a:t> </a:t>
-            </a:r>
-            <a:r>
-              <a:rPr lang="pt-PT" sz="2800" dirty="0" err="1">
-                <a:latin typeface="Avenir Next LT Pro (corpo)"/>
-                <a:ea typeface="Roboto"/>
-              </a:rPr>
-              <a:t>unique</a:t>
-            </a:r>
-            <a:r>
-              <a:rPr lang="pt-PT" sz="2800" dirty="0">
-                <a:latin typeface="Avenir Next LT Pro (corpo)"/>
-                <a:ea typeface="Roboto"/>
-              </a:rPr>
-              <a:t>) </a:t>
-            </a:r>
-            <a:r>
-              <a:rPr lang="pt-PT" sz="2800" dirty="0" err="1">
-                <a:latin typeface="Avenir Next LT Pro (corpo)"/>
-                <a:ea typeface="Roboto"/>
-              </a:rPr>
-              <a:t>and</a:t>
-            </a:r>
-            <a:r>
-              <a:rPr lang="pt-PT" sz="2800" dirty="0">
-                <a:latin typeface="Avenir Next LT Pro (corpo)"/>
-                <a:ea typeface="Roboto"/>
-              </a:rPr>
-              <a:t> remove </a:t>
-            </a:r>
-            <a:r>
-              <a:rPr lang="pt-PT" sz="2800" dirty="0" err="1">
-                <a:latin typeface="Avenir Next LT Pro (corpo)"/>
-                <a:ea typeface="Roboto"/>
-              </a:rPr>
-              <a:t>unnecessary</a:t>
-            </a:r>
-            <a:r>
-              <a:rPr lang="pt-PT" sz="2800" dirty="0">
-                <a:latin typeface="Avenir Next LT Pro (corpo)"/>
-                <a:ea typeface="Roboto"/>
-              </a:rPr>
-              <a:t> </a:t>
-            </a:r>
-            <a:r>
-              <a:rPr lang="pt-PT" sz="2800" dirty="0" err="1">
-                <a:latin typeface="Avenir Next LT Pro (corpo)"/>
-                <a:ea typeface="Roboto"/>
-              </a:rPr>
-              <a:t>columns</a:t>
-            </a:r>
-            <a:r>
-              <a:rPr lang="pt-PT" sz="2800" dirty="0">
-                <a:latin typeface="Avenir Next LT Pro (corpo)"/>
-                <a:ea typeface="Roboto"/>
-              </a:rPr>
-              <a:t> for </a:t>
-            </a:r>
-            <a:r>
-              <a:rPr lang="pt-PT" sz="2800" dirty="0" err="1">
-                <a:latin typeface="Avenir Next LT Pro (corpo)"/>
-                <a:ea typeface="Roboto"/>
-              </a:rPr>
-              <a:t>our</a:t>
-            </a:r>
-            <a:r>
-              <a:rPr lang="pt-PT" sz="2800" dirty="0">
-                <a:latin typeface="Avenir Next LT Pro (corpo)"/>
-                <a:ea typeface="Roboto"/>
-              </a:rPr>
-              <a:t> </a:t>
-            </a:r>
-            <a:r>
-              <a:rPr lang="pt-PT" sz="2800" dirty="0" err="1">
-                <a:latin typeface="Avenir Next LT Pro (corpo)"/>
-                <a:ea typeface="Roboto"/>
-              </a:rPr>
-              <a:t>analysis</a:t>
-            </a:r>
-            <a:r>
-              <a:rPr lang="pt-PT" sz="2800" dirty="0">
-                <a:latin typeface="Avenir Next LT Pro (corpo)"/>
-                <a:ea typeface="Roboto"/>
-              </a:rPr>
-              <a:t> (</a:t>
-            </a:r>
-            <a:r>
-              <a:rPr lang="pt-PT" sz="2800" dirty="0" err="1">
-                <a:latin typeface="Avenir Next LT Pro (corpo)"/>
-                <a:ea typeface="Roboto"/>
-              </a:rPr>
-              <a:t>customerId</a:t>
-            </a:r>
-            <a:r>
-              <a:rPr lang="pt-PT" sz="2800" dirty="0">
-                <a:latin typeface="Avenir Next LT Pro (corpo)"/>
-                <a:ea typeface="Roboto"/>
-              </a:rPr>
-              <a:t> </a:t>
-            </a:r>
-            <a:r>
-              <a:rPr lang="pt-PT" sz="2800" dirty="0" err="1">
-                <a:latin typeface="Avenir Next LT Pro (corpo)"/>
-                <a:ea typeface="Roboto"/>
-              </a:rPr>
-              <a:t>will</a:t>
-            </a:r>
-            <a:r>
-              <a:rPr lang="pt-PT" sz="2800" dirty="0">
-                <a:latin typeface="Avenir Next LT Pro (corpo)"/>
-                <a:ea typeface="Roboto"/>
-              </a:rPr>
-              <a:t> </a:t>
-            </a:r>
-            <a:r>
-              <a:rPr lang="pt-PT" sz="2800" dirty="0" err="1">
-                <a:latin typeface="Avenir Next LT Pro (corpo)"/>
-                <a:ea typeface="Roboto"/>
-              </a:rPr>
-              <a:t>have</a:t>
-            </a:r>
-            <a:r>
-              <a:rPr lang="pt-PT" sz="2800" dirty="0">
-                <a:latin typeface="Avenir Next LT Pro (corpo)"/>
-                <a:ea typeface="Roboto"/>
-              </a:rPr>
-              <a:t> no </a:t>
-            </a:r>
-            <a:r>
-              <a:rPr lang="pt-PT" sz="2800" dirty="0" err="1">
-                <a:latin typeface="Avenir Next LT Pro (corpo)"/>
-                <a:ea typeface="Roboto"/>
-              </a:rPr>
-              <a:t>impact</a:t>
-            </a:r>
-            <a:r>
-              <a:rPr lang="pt-PT" sz="2800" dirty="0">
-                <a:latin typeface="Avenir Next LT Pro (corpo)"/>
-                <a:ea typeface="Roboto"/>
-              </a:rPr>
-              <a:t> for </a:t>
-            </a:r>
-            <a:r>
-              <a:rPr lang="pt-PT" sz="2800" dirty="0" err="1">
-                <a:latin typeface="Avenir Next LT Pro (corpo)"/>
-                <a:ea typeface="Roboto"/>
-              </a:rPr>
-              <a:t>the</a:t>
-            </a:r>
-            <a:r>
-              <a:rPr lang="pt-PT" sz="2800" dirty="0">
-                <a:latin typeface="Avenir Next LT Pro (corpo)"/>
-                <a:ea typeface="Roboto"/>
-              </a:rPr>
-              <a:t> data </a:t>
-            </a:r>
-            <a:r>
-              <a:rPr lang="pt-PT" sz="2800" dirty="0" err="1">
-                <a:latin typeface="Avenir Next LT Pro (corpo)"/>
-                <a:ea typeface="Roboto"/>
-              </a:rPr>
-              <a:t>study</a:t>
-            </a:r>
-            <a:r>
-              <a:rPr lang="pt-PT" sz="2800" dirty="0">
-                <a:latin typeface="Avenir Next LT Pro (corpo)"/>
-                <a:ea typeface="Roboto"/>
-              </a:rPr>
-              <a:t>).  </a:t>
-            </a:r>
-          </a:p>
-          <a:p>
-            <a:pPr algn="l">
-              <a:buFont typeface="Arial"/>
-              <a:buChar char="•"/>
-              <a:defRPr/>
-            </a:pPr>
-            <a:r>
-              <a:rPr lang="pt-PT" sz="2800" b="1" i="0" u="none" strike="noStrike" cap="none" spc="0" dirty="0">
-                <a:solidFill>
-                  <a:schemeClr val="tx1">
-                    <a:alpha val="70000"/>
-                  </a:schemeClr>
-                </a:solidFill>
-                <a:latin typeface="Avenir Next LT Pro (corpo)"/>
-                <a:ea typeface="Roboto"/>
-                <a:cs typeface="Avenir Next LT Pro (corpo)"/>
-              </a:rPr>
-              <a:t>Data </a:t>
-            </a:r>
-            <a:r>
-              <a:rPr lang="pt-PT" sz="2800" b="1" i="0" u="none" strike="noStrike" cap="none" spc="0" dirty="0" err="1">
-                <a:solidFill>
-                  <a:schemeClr val="tx1">
-                    <a:alpha val="70000"/>
-                  </a:schemeClr>
-                </a:solidFill>
-                <a:latin typeface="Avenir Next LT Pro (corpo)"/>
-                <a:ea typeface="Roboto"/>
-                <a:cs typeface="Avenir Next LT Pro (corpo)"/>
-              </a:rPr>
-              <a:t>Visualization</a:t>
-            </a:r>
-            <a:r>
-              <a:rPr lang="pt-PT" sz="2800" b="0" i="0" u="none" strike="noStrike" cap="none" spc="0" dirty="0">
-                <a:solidFill>
-                  <a:schemeClr val="tx1">
-                    <a:alpha val="70000"/>
-                  </a:schemeClr>
-                </a:solidFill>
-                <a:latin typeface="Avenir Next LT Pro (corpo)"/>
-                <a:ea typeface="Roboto"/>
-                <a:cs typeface="Avenir Next LT Pro (corpo)"/>
-              </a:rPr>
-              <a:t>: </a:t>
-            </a:r>
-            <a:r>
-              <a:rPr lang="pt-PT" sz="2800" b="0" i="0" u="none" strike="noStrike" cap="none" spc="0" dirty="0" err="1">
-                <a:solidFill>
-                  <a:schemeClr val="tx1">
-                    <a:alpha val="70000"/>
-                  </a:schemeClr>
-                </a:solidFill>
-                <a:latin typeface="Avenir Next LT Pro (corpo)"/>
-                <a:ea typeface="Roboto"/>
-                <a:cs typeface="Avenir Next LT Pro (corpo)"/>
-              </a:rPr>
-              <a:t>we</a:t>
-            </a:r>
-            <a:r>
-              <a:rPr lang="pt-PT" sz="2800" b="0" i="0" u="none" strike="noStrike" cap="none" spc="0" dirty="0">
-                <a:solidFill>
-                  <a:schemeClr val="tx1">
-                    <a:alpha val="70000"/>
-                  </a:schemeClr>
-                </a:solidFill>
-                <a:latin typeface="Avenir Next LT Pro (corpo)"/>
-                <a:ea typeface="Roboto"/>
-                <a:cs typeface="Avenir Next LT Pro (corpo)"/>
-              </a:rPr>
-              <a:t> </a:t>
-            </a:r>
-            <a:r>
-              <a:rPr lang="pt-PT" sz="2800" b="0" i="0" u="none" strike="noStrike" cap="none" spc="0" dirty="0" err="1">
-                <a:solidFill>
-                  <a:schemeClr val="tx1">
-                    <a:alpha val="70000"/>
-                  </a:schemeClr>
-                </a:solidFill>
-                <a:latin typeface="Avenir Next LT Pro (corpo)"/>
-                <a:ea typeface="Roboto"/>
-                <a:cs typeface="Avenir Next LT Pro (corpo)"/>
-              </a:rPr>
-              <a:t>made</a:t>
-            </a:r>
-            <a:r>
-              <a:rPr lang="pt-PT" sz="2800" b="0" i="0" u="none" strike="noStrike" cap="none" spc="0" dirty="0">
-                <a:solidFill>
-                  <a:schemeClr val="tx1">
-                    <a:alpha val="70000"/>
-                  </a:schemeClr>
-                </a:solidFill>
-                <a:latin typeface="Avenir Next LT Pro (corpo)"/>
-                <a:ea typeface="Roboto"/>
-                <a:cs typeface="Avenir Next LT Pro (corpo)"/>
-              </a:rPr>
-              <a:t> a </a:t>
-            </a:r>
-            <a:r>
-              <a:rPr lang="pt-PT" sz="2800" b="0" i="0" u="none" strike="noStrike" cap="none" spc="0" dirty="0" err="1">
-                <a:solidFill>
-                  <a:schemeClr val="tx1">
-                    <a:alpha val="70000"/>
-                  </a:schemeClr>
-                </a:solidFill>
-                <a:latin typeface="Avenir Next LT Pro (corpo)"/>
-                <a:ea typeface="Roboto"/>
-                <a:cs typeface="Avenir Next LT Pro (corpo)"/>
-              </a:rPr>
-              <a:t>simple</a:t>
-            </a:r>
-            <a:r>
-              <a:rPr lang="pt-PT" sz="2800" b="0" i="0" u="none" strike="noStrike" cap="none" spc="0" dirty="0">
-                <a:solidFill>
-                  <a:schemeClr val="tx1">
-                    <a:alpha val="70000"/>
-                  </a:schemeClr>
-                </a:solidFill>
-                <a:latin typeface="Avenir Next LT Pro (corpo)"/>
-                <a:ea typeface="Roboto"/>
-                <a:cs typeface="Avenir Next LT Pro (corpo)"/>
-              </a:rPr>
-              <a:t> bar </a:t>
-            </a:r>
-            <a:r>
-              <a:rPr lang="pt-PT" sz="2800" b="0" i="0" u="none" strike="noStrike" cap="none" spc="0" dirty="0" err="1">
-                <a:solidFill>
-                  <a:schemeClr val="tx1">
-                    <a:alpha val="70000"/>
-                  </a:schemeClr>
-                </a:solidFill>
-                <a:latin typeface="Avenir Next LT Pro (corpo)"/>
-                <a:ea typeface="Roboto"/>
-                <a:cs typeface="Avenir Next LT Pro (corpo)"/>
-              </a:rPr>
-              <a:t>plot</a:t>
-            </a:r>
-            <a:r>
-              <a:rPr lang="pt-PT" sz="2800" b="0" i="0" u="none" strike="noStrike" cap="none" spc="0" dirty="0">
-                <a:solidFill>
-                  <a:schemeClr val="tx1">
-                    <a:alpha val="70000"/>
-                  </a:schemeClr>
-                </a:solidFill>
-                <a:latin typeface="Avenir Next LT Pro (corpo)"/>
-                <a:ea typeface="Roboto"/>
-                <a:cs typeface="Avenir Next LT Pro (corpo)"/>
-              </a:rPr>
-              <a:t> to compare </a:t>
-            </a:r>
-            <a:r>
-              <a:rPr lang="pt-PT" sz="2800" b="0" i="0" u="none" strike="noStrike" cap="none" spc="0" dirty="0" err="1">
-                <a:solidFill>
-                  <a:schemeClr val="tx1">
-                    <a:alpha val="70000"/>
-                  </a:schemeClr>
-                </a:solidFill>
-                <a:latin typeface="Avenir Next LT Pro (corpo)"/>
-                <a:ea typeface="Roboto"/>
-                <a:cs typeface="Avenir Next LT Pro (corpo)"/>
-              </a:rPr>
-              <a:t>the</a:t>
-            </a:r>
-            <a:r>
-              <a:rPr lang="pt-PT" sz="2800" b="0" i="0" u="none" strike="noStrike" cap="none" spc="0" dirty="0">
-                <a:solidFill>
-                  <a:schemeClr val="tx1">
-                    <a:alpha val="70000"/>
-                  </a:schemeClr>
-                </a:solidFill>
-                <a:latin typeface="Avenir Next LT Pro (corpo)"/>
-                <a:ea typeface="Roboto"/>
-                <a:cs typeface="Avenir Next LT Pro (corpo)"/>
-              </a:rPr>
-              <a:t> </a:t>
-            </a:r>
-            <a:r>
-              <a:rPr lang="pt-PT" sz="2800" b="0" i="0" u="none" strike="noStrike" cap="none" spc="0" dirty="0" err="1">
-                <a:solidFill>
-                  <a:schemeClr val="tx1">
-                    <a:alpha val="70000"/>
-                  </a:schemeClr>
-                </a:solidFill>
-                <a:latin typeface="Avenir Next LT Pro (corpo)"/>
-                <a:ea typeface="Roboto"/>
-                <a:cs typeface="Avenir Next LT Pro (corpo)"/>
-              </a:rPr>
-              <a:t>churn</a:t>
-            </a:r>
-            <a:r>
-              <a:rPr lang="pt-PT" sz="2800" b="0" i="0" u="none" strike="noStrike" cap="none" spc="0" dirty="0">
-                <a:solidFill>
-                  <a:schemeClr val="tx1">
-                    <a:alpha val="70000"/>
-                  </a:schemeClr>
-                </a:solidFill>
-                <a:latin typeface="Avenir Next LT Pro (corpo)"/>
-                <a:ea typeface="Roboto"/>
-                <a:cs typeface="Avenir Next LT Pro (corpo)"/>
-              </a:rPr>
-              <a:t> </a:t>
-            </a:r>
-            <a:r>
-              <a:rPr lang="pt-PT" sz="2800" b="0" i="0" u="none" strike="noStrike" cap="none" spc="0" dirty="0" err="1">
-                <a:solidFill>
-                  <a:schemeClr val="tx1">
-                    <a:alpha val="70000"/>
-                  </a:schemeClr>
-                </a:solidFill>
-                <a:latin typeface="Avenir Next LT Pro (corpo)"/>
-                <a:ea typeface="Roboto"/>
-                <a:cs typeface="Avenir Next LT Pro (corpo)"/>
-              </a:rPr>
-              <a:t>and</a:t>
-            </a:r>
-            <a:r>
-              <a:rPr lang="pt-PT" sz="2800" b="0" i="0" u="none" strike="noStrike" cap="none" spc="0" dirty="0">
-                <a:solidFill>
-                  <a:schemeClr val="tx1">
-                    <a:alpha val="70000"/>
-                  </a:schemeClr>
-                </a:solidFill>
-                <a:latin typeface="Avenir Next LT Pro (corpo)"/>
-                <a:ea typeface="Roboto"/>
-                <a:cs typeface="Avenir Next LT Pro (corpo)"/>
-              </a:rPr>
-              <a:t> </a:t>
-            </a:r>
-            <a:r>
-              <a:rPr lang="pt-PT" sz="2800" b="0" i="0" u="none" strike="noStrike" cap="none" spc="0" dirty="0" err="1">
-                <a:solidFill>
-                  <a:schemeClr val="tx1">
-                    <a:alpha val="70000"/>
-                  </a:schemeClr>
-                </a:solidFill>
-                <a:latin typeface="Avenir Next LT Pro (corpo)"/>
-                <a:ea typeface="Roboto"/>
-                <a:cs typeface="Avenir Next LT Pro (corpo)"/>
-              </a:rPr>
-              <a:t>an</a:t>
-            </a:r>
-            <a:r>
-              <a:rPr lang="pt-PT" sz="2800" b="0" i="0" u="none" strike="noStrike" cap="none" spc="0" dirty="0">
-                <a:solidFill>
-                  <a:schemeClr val="tx1">
-                    <a:alpha val="70000"/>
-                  </a:schemeClr>
-                </a:solidFill>
-                <a:latin typeface="Avenir Next LT Pro (corpo)"/>
-                <a:ea typeface="Roboto"/>
-                <a:cs typeface="Avenir Next LT Pro (corpo)"/>
-              </a:rPr>
-              <a:t> </a:t>
-            </a:r>
-            <a:r>
-              <a:rPr lang="pt-PT" sz="2800" b="0" i="0" u="none" strike="noStrike" cap="none" spc="0" dirty="0" err="1">
-                <a:solidFill>
-                  <a:schemeClr val="tx1">
-                    <a:alpha val="70000"/>
-                  </a:schemeClr>
-                </a:solidFill>
-                <a:latin typeface="Avenir Next LT Pro (corpo)"/>
-                <a:ea typeface="Roboto"/>
-                <a:cs typeface="Avenir Next LT Pro (corpo)"/>
-              </a:rPr>
-              <a:t>histogram</a:t>
-            </a:r>
-            <a:r>
-              <a:rPr lang="pt-PT" sz="2800" b="0" i="0" u="none" strike="noStrike" cap="none" spc="0" dirty="0">
-                <a:solidFill>
-                  <a:schemeClr val="tx1">
-                    <a:alpha val="70000"/>
-                  </a:schemeClr>
-                </a:solidFill>
-                <a:latin typeface="Avenir Next LT Pro (corpo)"/>
-                <a:ea typeface="Roboto"/>
-                <a:cs typeface="Avenir Next LT Pro (corpo)"/>
-              </a:rPr>
-              <a:t> to </a:t>
-            </a:r>
-            <a:r>
-              <a:rPr lang="pt-PT" sz="2800" b="0" i="0" u="none" strike="noStrike" cap="none" spc="0" dirty="0" err="1">
-                <a:solidFill>
-                  <a:schemeClr val="tx1">
-                    <a:alpha val="70000"/>
-                  </a:schemeClr>
-                </a:solidFill>
-                <a:latin typeface="Avenir Next LT Pro (corpo)"/>
-                <a:ea typeface="Roboto"/>
-                <a:cs typeface="Avenir Next LT Pro (corpo)"/>
-              </a:rPr>
-              <a:t>verify</a:t>
-            </a:r>
-            <a:r>
-              <a:rPr lang="pt-PT" sz="2800" b="0" i="0" u="none" strike="noStrike" cap="none" spc="0" dirty="0">
-                <a:solidFill>
-                  <a:schemeClr val="tx1">
-                    <a:alpha val="70000"/>
-                  </a:schemeClr>
-                </a:solidFill>
-                <a:latin typeface="Avenir Next LT Pro (corpo)"/>
-                <a:ea typeface="Roboto"/>
-                <a:cs typeface="Avenir Next LT Pro (corpo)"/>
-              </a:rPr>
-              <a:t> </a:t>
-            </a:r>
-            <a:r>
-              <a:rPr lang="pt-PT" sz="2800" b="0" i="0" u="none" strike="noStrike" cap="none" spc="0" dirty="0" err="1">
-                <a:solidFill>
-                  <a:schemeClr val="tx1">
-                    <a:alpha val="70000"/>
-                  </a:schemeClr>
-                </a:solidFill>
-                <a:latin typeface="Avenir Next LT Pro (corpo)"/>
-                <a:ea typeface="Roboto"/>
-                <a:cs typeface="Avenir Next LT Pro (corpo)"/>
-              </a:rPr>
-              <a:t>any</a:t>
-            </a:r>
-            <a:r>
-              <a:rPr lang="pt-PT" sz="2800" b="0" i="0" u="none" strike="noStrike" cap="none" spc="0" dirty="0">
-                <a:solidFill>
-                  <a:schemeClr val="tx1">
-                    <a:alpha val="70000"/>
-                  </a:schemeClr>
-                </a:solidFill>
-                <a:latin typeface="Avenir Next LT Pro (corpo)"/>
-                <a:ea typeface="Roboto"/>
-                <a:cs typeface="Avenir Next LT Pro (corpo)"/>
-              </a:rPr>
-              <a:t> </a:t>
-            </a:r>
-            <a:r>
-              <a:rPr lang="pt-PT" sz="2800" b="0" i="0" u="none" strike="noStrike" cap="none" spc="0" dirty="0" err="1">
-                <a:solidFill>
-                  <a:schemeClr val="tx1">
-                    <a:alpha val="70000"/>
-                  </a:schemeClr>
-                </a:solidFill>
-                <a:latin typeface="Avenir Next LT Pro (corpo)"/>
-                <a:ea typeface="Roboto"/>
-                <a:cs typeface="Avenir Next LT Pro (corpo)"/>
-              </a:rPr>
-              <a:t>relation</a:t>
-            </a:r>
-            <a:r>
-              <a:rPr lang="pt-PT" sz="2800" b="0" i="0" u="none" strike="noStrike" cap="none" spc="0" dirty="0">
-                <a:solidFill>
-                  <a:schemeClr val="tx1">
-                    <a:alpha val="70000"/>
-                  </a:schemeClr>
-                </a:solidFill>
-                <a:latin typeface="Avenir Next LT Pro (corpo)"/>
-                <a:ea typeface="Roboto"/>
-                <a:cs typeface="Avenir Next LT Pro (corpo)"/>
-              </a:rPr>
-              <a:t> </a:t>
-            </a:r>
-            <a:r>
-              <a:rPr lang="pt-PT" sz="2800" b="0" i="0" u="none" strike="noStrike" cap="none" spc="0" dirty="0" err="1">
-                <a:solidFill>
-                  <a:schemeClr val="tx1">
-                    <a:alpha val="70000"/>
-                  </a:schemeClr>
-                </a:solidFill>
-                <a:latin typeface="Avenir Next LT Pro (corpo)"/>
-                <a:ea typeface="Roboto"/>
-                <a:cs typeface="Avenir Next LT Pro (corpo)"/>
-              </a:rPr>
-              <a:t>between</a:t>
-            </a:r>
-            <a:r>
-              <a:rPr lang="pt-PT" sz="2800" b="0" i="0" u="none" strike="noStrike" cap="none" spc="0" dirty="0">
-                <a:solidFill>
-                  <a:schemeClr val="tx1">
-                    <a:alpha val="70000"/>
-                  </a:schemeClr>
-                </a:solidFill>
-                <a:latin typeface="Avenir Next LT Pro (corpo)"/>
-                <a:ea typeface="Roboto"/>
-                <a:cs typeface="Avenir Next LT Pro (corpo)"/>
-              </a:rPr>
-              <a:t> </a:t>
-            </a:r>
-            <a:r>
-              <a:rPr lang="pt-PT" sz="2800" b="0" i="0" u="none" strike="noStrike" cap="none" spc="0" dirty="0" err="1">
-                <a:solidFill>
-                  <a:schemeClr val="tx1">
-                    <a:alpha val="70000"/>
-                  </a:schemeClr>
-                </a:solidFill>
-                <a:latin typeface="Avenir Next LT Pro (corpo)"/>
-                <a:ea typeface="Roboto"/>
-                <a:cs typeface="Avenir Next LT Pro (corpo)"/>
-              </a:rPr>
-              <a:t>tenure</a:t>
-            </a:r>
-            <a:r>
-              <a:rPr lang="pt-PT" sz="2800" b="0" i="0" u="none" strike="noStrike" cap="none" spc="0" dirty="0">
-                <a:solidFill>
-                  <a:schemeClr val="tx1">
-                    <a:alpha val="70000"/>
-                  </a:schemeClr>
-                </a:solidFill>
-                <a:latin typeface="Avenir Next LT Pro (corpo)"/>
-                <a:ea typeface="Roboto"/>
-                <a:cs typeface="Avenir Next LT Pro (corpo)"/>
-              </a:rPr>
-              <a:t>, gender </a:t>
-            </a:r>
-            <a:r>
-              <a:rPr lang="pt-PT" sz="2800" b="0" i="0" u="none" strike="noStrike" cap="none" spc="0" dirty="0" err="1">
-                <a:solidFill>
-                  <a:schemeClr val="tx1">
-                    <a:alpha val="70000"/>
-                  </a:schemeClr>
-                </a:solidFill>
-                <a:latin typeface="Avenir Next LT Pro (corpo)"/>
-                <a:ea typeface="Roboto"/>
-                <a:cs typeface="Avenir Next LT Pro (corpo)"/>
-              </a:rPr>
-              <a:t>and</a:t>
-            </a:r>
-            <a:r>
-              <a:rPr lang="pt-PT" sz="2800" b="0" i="0" u="none" strike="noStrike" cap="none" spc="0" dirty="0">
-                <a:solidFill>
-                  <a:schemeClr val="tx1">
-                    <a:alpha val="70000"/>
-                  </a:schemeClr>
-                </a:solidFill>
-                <a:latin typeface="Avenir Next LT Pro (corpo)"/>
-                <a:ea typeface="Roboto"/>
-                <a:cs typeface="Avenir Next LT Pro (corpo)"/>
-              </a:rPr>
-              <a:t> </a:t>
-            </a:r>
-            <a:r>
-              <a:rPr lang="pt-PT" sz="2800" b="0" i="0" u="none" strike="noStrike" cap="none" spc="0" dirty="0" err="1">
-                <a:solidFill>
-                  <a:schemeClr val="tx1">
-                    <a:alpha val="70000"/>
-                  </a:schemeClr>
-                </a:solidFill>
-                <a:latin typeface="Avenir Next LT Pro (corpo)"/>
-                <a:ea typeface="Roboto"/>
-                <a:cs typeface="Avenir Next LT Pro (corpo)"/>
-              </a:rPr>
-              <a:t>churn</a:t>
-            </a:r>
-            <a:r>
-              <a:rPr lang="pt-PT" sz="2800" b="0" i="0" u="none" strike="noStrike" cap="none" spc="0" dirty="0">
-                <a:solidFill>
-                  <a:schemeClr val="tx1">
-                    <a:alpha val="70000"/>
-                  </a:schemeClr>
-                </a:solidFill>
-                <a:latin typeface="Avenir Next LT Pro (corpo)"/>
-                <a:ea typeface="Roboto"/>
-                <a:cs typeface="Avenir Next LT Pro (corpo)"/>
-              </a:rPr>
-              <a:t>. Also, </a:t>
-            </a:r>
-            <a:r>
-              <a:rPr lang="pt-PT" sz="2800" b="0" i="0" u="none" strike="noStrike" cap="none" spc="0" dirty="0" err="1">
-                <a:solidFill>
-                  <a:schemeClr val="tx1">
-                    <a:alpha val="70000"/>
-                  </a:schemeClr>
-                </a:solidFill>
-                <a:latin typeface="Avenir Next LT Pro (corpo)"/>
-                <a:ea typeface="Roboto"/>
-                <a:cs typeface="Avenir Next LT Pro (corpo)"/>
-              </a:rPr>
-              <a:t>we</a:t>
-            </a:r>
-            <a:r>
-              <a:rPr lang="pt-PT" sz="2800" b="0" i="0" u="none" strike="noStrike" cap="none" spc="0" dirty="0">
-                <a:solidFill>
-                  <a:schemeClr val="tx1">
-                    <a:alpha val="70000"/>
-                  </a:schemeClr>
-                </a:solidFill>
-                <a:latin typeface="Avenir Next LT Pro (corpo)"/>
-                <a:ea typeface="Roboto"/>
-                <a:cs typeface="Avenir Next LT Pro (corpo)"/>
-              </a:rPr>
-              <a:t> </a:t>
-            </a:r>
-            <a:r>
-              <a:rPr lang="pt-PT" sz="2800" b="0" i="0" u="none" strike="noStrike" cap="none" spc="0" dirty="0" err="1">
-                <a:solidFill>
-                  <a:schemeClr val="tx1">
-                    <a:alpha val="70000"/>
-                  </a:schemeClr>
-                </a:solidFill>
-                <a:latin typeface="Avenir Next LT Pro (corpo)"/>
-                <a:ea typeface="Roboto"/>
-                <a:cs typeface="Avenir Next LT Pro (corpo)"/>
-              </a:rPr>
-              <a:t>create</a:t>
-            </a:r>
-            <a:r>
-              <a:rPr lang="pt-PT" sz="2800" b="0" i="0" u="none" strike="noStrike" cap="none" spc="0" dirty="0">
-                <a:solidFill>
-                  <a:schemeClr val="tx1">
-                    <a:alpha val="70000"/>
-                  </a:schemeClr>
-                </a:solidFill>
-                <a:latin typeface="Avenir Next LT Pro (corpo)"/>
-                <a:ea typeface="Roboto"/>
-                <a:cs typeface="Avenir Next LT Pro (corpo)"/>
-              </a:rPr>
-              <a:t> </a:t>
-            </a:r>
-            <a:r>
-              <a:rPr lang="pt-PT" sz="2800" b="0" i="0" u="none" strike="noStrike" cap="none" spc="0" dirty="0" err="1">
-                <a:solidFill>
-                  <a:schemeClr val="tx1">
-                    <a:alpha val="70000"/>
-                  </a:schemeClr>
-                </a:solidFill>
-                <a:latin typeface="Avenir Next LT Pro (corpo)"/>
-                <a:ea typeface="Roboto"/>
-                <a:cs typeface="Avenir Next LT Pro (corpo)"/>
-              </a:rPr>
-              <a:t>another</a:t>
-            </a:r>
-            <a:r>
-              <a:rPr lang="pt-PT" sz="2800" b="0" i="0" u="none" strike="noStrike" cap="none" spc="0" dirty="0">
-                <a:solidFill>
-                  <a:schemeClr val="tx1">
-                    <a:alpha val="70000"/>
-                  </a:schemeClr>
-                </a:solidFill>
-                <a:latin typeface="Avenir Next LT Pro (corpo)"/>
-                <a:ea typeface="Roboto"/>
-                <a:cs typeface="Avenir Next LT Pro (corpo)"/>
-              </a:rPr>
-              <a:t> bar </a:t>
-            </a:r>
-            <a:r>
-              <a:rPr lang="pt-PT" sz="2800" b="0" i="0" u="none" strike="noStrike" cap="none" spc="0" dirty="0" err="1">
-                <a:solidFill>
-                  <a:schemeClr val="tx1">
-                    <a:alpha val="70000"/>
-                  </a:schemeClr>
-                </a:solidFill>
-                <a:latin typeface="Avenir Next LT Pro (corpo)"/>
-                <a:ea typeface="Roboto"/>
-                <a:cs typeface="Avenir Next LT Pro (corpo)"/>
-              </a:rPr>
-              <a:t>plot</a:t>
-            </a:r>
-            <a:r>
-              <a:rPr lang="pt-PT" sz="2800" b="0" i="0" u="none" strike="noStrike" cap="none" spc="0" dirty="0">
-                <a:solidFill>
-                  <a:schemeClr val="tx1">
-                    <a:alpha val="70000"/>
-                  </a:schemeClr>
-                </a:solidFill>
-                <a:latin typeface="Avenir Next LT Pro (corpo)"/>
-                <a:ea typeface="Roboto"/>
-                <a:cs typeface="Avenir Next LT Pro (corpo)"/>
-              </a:rPr>
-              <a:t> to compare </a:t>
-            </a:r>
-            <a:r>
-              <a:rPr lang="pt-PT" sz="2800" b="0" i="0" u="none" strike="noStrike" cap="none" spc="0" dirty="0" err="1">
-                <a:solidFill>
-                  <a:schemeClr val="tx1">
-                    <a:alpha val="70000"/>
-                  </a:schemeClr>
-                </a:solidFill>
-                <a:latin typeface="Avenir Next LT Pro (corpo)"/>
-                <a:ea typeface="Roboto"/>
-                <a:cs typeface="Avenir Next LT Pro (corpo)"/>
-              </a:rPr>
-              <a:t>the</a:t>
-            </a:r>
-            <a:r>
-              <a:rPr lang="pt-PT" sz="2800" b="0" i="0" u="none" strike="noStrike" cap="none" spc="0" dirty="0">
-                <a:solidFill>
-                  <a:schemeClr val="tx1">
-                    <a:alpha val="70000"/>
-                  </a:schemeClr>
-                </a:solidFill>
-                <a:latin typeface="Avenir Next LT Pro (corpo)"/>
-                <a:ea typeface="Roboto"/>
-                <a:cs typeface="Avenir Next LT Pro (corpo)"/>
-              </a:rPr>
-              <a:t> </a:t>
-            </a:r>
-            <a:r>
-              <a:rPr lang="pt-PT" sz="2800" b="0" i="0" u="none" strike="noStrike" cap="none" spc="0" dirty="0" err="1">
-                <a:solidFill>
-                  <a:schemeClr val="tx1">
-                    <a:alpha val="70000"/>
-                  </a:schemeClr>
-                </a:solidFill>
-                <a:latin typeface="Avenir Next LT Pro (corpo)"/>
-                <a:ea typeface="Roboto"/>
-                <a:cs typeface="Avenir Next LT Pro (corpo)"/>
-              </a:rPr>
-              <a:t>churn</a:t>
-            </a:r>
-            <a:r>
-              <a:rPr lang="pt-PT" sz="2800" b="0" i="0" u="none" strike="noStrike" cap="none" spc="0" dirty="0">
-                <a:solidFill>
-                  <a:schemeClr val="tx1">
-                    <a:alpha val="70000"/>
-                  </a:schemeClr>
-                </a:solidFill>
-                <a:latin typeface="Avenir Next LT Pro (corpo)"/>
-                <a:ea typeface="Roboto"/>
-                <a:cs typeface="Avenir Next LT Pro (corpo)"/>
-              </a:rPr>
-              <a:t> for </a:t>
-            </a:r>
-            <a:r>
-              <a:rPr lang="pt-PT" sz="2800" b="0" i="0" u="none" strike="noStrike" cap="none" spc="0" dirty="0" err="1">
-                <a:solidFill>
-                  <a:schemeClr val="tx1">
-                    <a:alpha val="70000"/>
-                  </a:schemeClr>
-                </a:solidFill>
-                <a:latin typeface="Avenir Next LT Pro (corpo)"/>
-                <a:ea typeface="Roboto"/>
-                <a:cs typeface="Avenir Next LT Pro (corpo)"/>
-              </a:rPr>
-              <a:t>each</a:t>
-            </a:r>
-            <a:r>
-              <a:rPr lang="pt-PT" sz="2800" b="0" i="0" u="none" strike="noStrike" cap="none" spc="0" dirty="0">
-                <a:solidFill>
-                  <a:schemeClr val="tx1">
-                    <a:alpha val="70000"/>
-                  </a:schemeClr>
-                </a:solidFill>
-                <a:latin typeface="Avenir Next LT Pro (corpo)"/>
-                <a:ea typeface="Roboto"/>
-                <a:cs typeface="Avenir Next LT Pro (corpo)"/>
-              </a:rPr>
-              <a:t> </a:t>
-            </a:r>
-            <a:r>
-              <a:rPr lang="pt-PT" sz="2800" b="0" i="0" u="none" strike="noStrike" cap="none" spc="0" dirty="0" err="1">
-                <a:solidFill>
-                  <a:schemeClr val="tx1">
-                    <a:alpha val="70000"/>
-                  </a:schemeClr>
-                </a:solidFill>
-                <a:latin typeface="Avenir Next LT Pro (corpo)"/>
-                <a:ea typeface="Roboto"/>
-                <a:cs typeface="Avenir Next LT Pro (corpo)"/>
-              </a:rPr>
-              <a:t>type</a:t>
-            </a:r>
-            <a:r>
-              <a:rPr lang="pt-PT" sz="2800" b="0" i="0" u="none" strike="noStrike" cap="none" spc="0" dirty="0">
-                <a:solidFill>
-                  <a:schemeClr val="tx1">
-                    <a:alpha val="70000"/>
-                  </a:schemeClr>
-                </a:solidFill>
-                <a:latin typeface="Avenir Next LT Pro (corpo)"/>
-                <a:ea typeface="Roboto"/>
-                <a:cs typeface="Avenir Next LT Pro (corpo)"/>
-              </a:rPr>
-              <a:t> </a:t>
-            </a:r>
-            <a:r>
-              <a:rPr lang="pt-PT" sz="2800" b="0" i="0" u="none" strike="noStrike" cap="none" spc="0" dirty="0" err="1">
-                <a:solidFill>
-                  <a:schemeClr val="tx1">
-                    <a:alpha val="70000"/>
-                  </a:schemeClr>
-                </a:solidFill>
-                <a:latin typeface="Avenir Next LT Pro (corpo)"/>
-                <a:ea typeface="Roboto"/>
-                <a:cs typeface="Avenir Next LT Pro (corpo)"/>
-              </a:rPr>
-              <a:t>of</a:t>
-            </a:r>
-            <a:r>
-              <a:rPr lang="pt-PT" sz="2800" b="0" i="0" u="none" strike="noStrike" cap="none" spc="0" dirty="0">
-                <a:solidFill>
-                  <a:schemeClr val="tx1">
-                    <a:alpha val="70000"/>
-                  </a:schemeClr>
-                </a:solidFill>
-                <a:latin typeface="Avenir Next LT Pro (corpo)"/>
-                <a:ea typeface="Roboto"/>
-                <a:cs typeface="Avenir Next LT Pro (corpo)"/>
-              </a:rPr>
-              <a:t> </a:t>
-            </a:r>
-            <a:r>
-              <a:rPr lang="pt-PT" sz="2800" b="0" i="0" u="none" strike="noStrike" cap="none" spc="0" dirty="0" err="1">
-                <a:solidFill>
-                  <a:schemeClr val="tx1">
-                    <a:alpha val="70000"/>
-                  </a:schemeClr>
-                </a:solidFill>
-                <a:latin typeface="Avenir Next LT Pro (corpo)"/>
-                <a:ea typeface="Roboto"/>
-                <a:cs typeface="Avenir Next LT Pro (corpo)"/>
-              </a:rPr>
-              <a:t>contract</a:t>
-            </a:r>
-            <a:r>
-              <a:rPr lang="pt-PT" sz="2800" b="0" i="0" u="none" strike="noStrike" cap="none" spc="0" dirty="0">
-                <a:solidFill>
-                  <a:schemeClr val="tx1">
-                    <a:alpha val="70000"/>
-                  </a:schemeClr>
-                </a:solidFill>
-                <a:latin typeface="Avenir Next LT Pro (corpo)"/>
-                <a:ea typeface="Roboto"/>
-                <a:cs typeface="Avenir Next LT Pro (corpo)"/>
-              </a:rPr>
-              <a:t>.</a:t>
-            </a:r>
-            <a:endParaRPr lang="pt-PT" dirty="0">
-              <a:solidFill>
-                <a:srgbClr val="FFFFFF">
-                  <a:alpha val="70000"/>
-                </a:srgbClr>
-              </a:solidFill>
-              <a:latin typeface="Avenir Next LT Pro (corpo)"/>
-            </a:endParaRPr>
+              <a:rPr lang="pt-PT" dirty="0"/>
+              <a:t> </a:t>
+            </a:r>
+            <a:r>
+              <a:rPr lang="pt-PT" dirty="0" err="1"/>
+              <a:t>also</a:t>
+            </a:r>
+            <a:r>
+              <a:rPr lang="pt-PT" dirty="0"/>
+              <a:t> </a:t>
+            </a:r>
+            <a:r>
+              <a:rPr lang="pt-PT" dirty="0" err="1"/>
+              <a:t>used</a:t>
+            </a:r>
+            <a:r>
+              <a:rPr lang="pt-PT" dirty="0"/>
+              <a:t> </a:t>
+            </a:r>
+            <a:r>
+              <a:rPr lang="pt-PT" b="1" dirty="0" err="1"/>
+              <a:t>Parameter</a:t>
+            </a:r>
+            <a:r>
+              <a:rPr lang="pt-PT" b="1" dirty="0"/>
+              <a:t> </a:t>
+            </a:r>
+            <a:r>
+              <a:rPr lang="pt-PT" b="1" dirty="0" err="1"/>
+              <a:t>Tuning</a:t>
+            </a:r>
+            <a:r>
+              <a:rPr lang="pt-PT" b="1" dirty="0"/>
+              <a:t> </a:t>
+            </a:r>
+            <a:r>
+              <a:rPr lang="pt-PT" b="1" dirty="0" err="1"/>
+              <a:t>using</a:t>
+            </a:r>
+            <a:r>
+              <a:rPr lang="pt-PT" b="1" dirty="0"/>
+              <a:t> </a:t>
+            </a:r>
+            <a:r>
+              <a:rPr lang="pt-PT" b="1" dirty="0" err="1"/>
+              <a:t>GridSearchCV</a:t>
+            </a:r>
+            <a:r>
+              <a:rPr lang="pt-PT" dirty="0"/>
+              <a:t>;</a:t>
+            </a:r>
+          </a:p>
+          <a:p>
+            <a:pPr marL="0" indent="0">
+              <a:buNone/>
+            </a:pPr>
+            <a:endParaRPr lang="pt-PT" dirty="0"/>
           </a:p>
         </p:txBody>
       </p:sp>
     </p:spTree>
+    <p:extLst>
+      <p:ext uri="{BB962C8B-B14F-4D97-AF65-F5344CB8AC3E}">
+        <p14:creationId xmlns:p14="http://schemas.microsoft.com/office/powerpoint/2010/main" val="1671879337"/>
+      </p:ext>
+    </p:extLst>
   </p:cSld>
   <p:clrMapOvr>
     <a:masterClrMapping/>

--- a/proj2/iart_proj2_final.pptx
+++ b/proj2/iart_proj2_final.pptx
@@ -5,20 +5,23 @@
     <p:sldMasterId id="2147483648" r:id="rId1"/>
   </p:sldMasterIdLst>
   <p:notesMasterIdLst>
-    <p:notesMasterId r:id="rId13"/>
+    <p:notesMasterId r:id="rId16"/>
   </p:notesMasterIdLst>
   <p:sldIdLst>
     <p:sldId id="256" r:id="rId2"/>
     <p:sldId id="257" r:id="rId3"/>
     <p:sldId id="258" r:id="rId4"/>
     <p:sldId id="261" r:id="rId5"/>
-    <p:sldId id="262" r:id="rId6"/>
+    <p:sldId id="272" r:id="rId6"/>
     <p:sldId id="263" r:id="rId7"/>
-    <p:sldId id="259" r:id="rId8"/>
-    <p:sldId id="267" r:id="rId9"/>
-    <p:sldId id="264" r:id="rId10"/>
-    <p:sldId id="265" r:id="rId11"/>
-    <p:sldId id="260" r:id="rId12"/>
+    <p:sldId id="270" r:id="rId8"/>
+    <p:sldId id="269" r:id="rId9"/>
+    <p:sldId id="259" r:id="rId10"/>
+    <p:sldId id="273" r:id="rId11"/>
+    <p:sldId id="267" r:id="rId12"/>
+    <p:sldId id="264" r:id="rId13"/>
+    <p:sldId id="265" r:id="rId14"/>
+    <p:sldId id="260" r:id="rId15"/>
   </p:sldIdLst>
   <p:sldSz cx="12192000" cy="6858000"/>
   <p:notesSz cx="12192000" cy="6858000"/>
@@ -550,7 +553,7 @@
           <a:p>
             <a:fld id="{BAFA80C9-E1B6-9741-9321-29D15646B04A}" type="slidenum">
               <a:rPr lang="pt-PT" smtClean="0"/>
-              <a:t>8</a:t>
+              <a:t>10</a:t>
             </a:fld>
             <a:endParaRPr lang="pt-PT"/>
           </a:p>
@@ -559,7 +562,7 @@
     </p:spTree>
     <p:extLst>
       <p:ext uri="{BB962C8B-B14F-4D97-AF65-F5344CB8AC3E}">
-        <p14:creationId xmlns:p14="http://schemas.microsoft.com/office/powerpoint/2010/main" val="2166855216"/>
+        <p14:creationId xmlns:p14="http://schemas.microsoft.com/office/powerpoint/2010/main" val="2536919335"/>
       </p:ext>
     </p:extLst>
   </p:cSld>
@@ -635,6 +638,90 @@
             <a:fld id="{BAFA80C9-E1B6-9741-9321-29D15646B04A}" type="slidenum">
               <a:rPr lang="pt-PT" smtClean="0"/>
               <a:t>11</a:t>
+            </a:fld>
+            <a:endParaRPr lang="pt-PT"/>
+          </a:p>
+        </p:txBody>
+      </p:sp>
+    </p:spTree>
+    <p:extLst>
+      <p:ext uri="{BB962C8B-B14F-4D97-AF65-F5344CB8AC3E}">
+        <p14:creationId xmlns:p14="http://schemas.microsoft.com/office/powerpoint/2010/main" val="2166855216"/>
+      </p:ext>
+    </p:extLst>
+  </p:cSld>
+  <p:clrMapOvr>
+    <a:masterClrMapping/>
+  </p:clrMapOvr>
+</p:notes>
+</file>
+
+<file path=ppt/notesSlides/notesSlide3.xml><?xml version="1.0" encoding="utf-8"?>
+<p:notes xmlns:a="http://schemas.openxmlformats.org/drawingml/2006/main" xmlns:r="http://schemas.openxmlformats.org/officeDocument/2006/relationships" xmlns:p="http://schemas.openxmlformats.org/presentationml/2006/main">
+  <p:cSld>
+    <p:spTree>
+      <p:nvGrpSpPr>
+        <p:cNvPr id="1" name=""/>
+        <p:cNvGrpSpPr/>
+        <p:nvPr/>
+      </p:nvGrpSpPr>
+      <p:grpSpPr>
+        <a:xfrm>
+          <a:off x="0" y="0"/>
+          <a:ext cx="0" cy="0"/>
+          <a:chOff x="0" y="0"/>
+          <a:chExt cx="0" cy="0"/>
+        </a:xfrm>
+      </p:grpSpPr>
+      <p:sp>
+        <p:nvSpPr>
+          <p:cNvPr id="2" name="Marcador de Posição da Imagem do Diapositivo 1"/>
+          <p:cNvSpPr>
+            <a:spLocks noGrp="1" noRot="1" noChangeAspect="1"/>
+          </p:cNvSpPr>
+          <p:nvPr>
+            <p:ph type="sldImg"/>
+          </p:nvPr>
+        </p:nvSpPr>
+        <p:spPr/>
+      </p:sp>
+      <p:sp>
+        <p:nvSpPr>
+          <p:cNvPr id="3" name="Marcador de Posição de Notas 2"/>
+          <p:cNvSpPr>
+            <a:spLocks noGrp="1"/>
+          </p:cNvSpPr>
+          <p:nvPr>
+            <p:ph type="body" idx="1"/>
+          </p:nvPr>
+        </p:nvSpPr>
+        <p:spPr/>
+        <p:txBody>
+          <a:bodyPr/>
+          <a:lstStyle/>
+          <a:p>
+            <a:endParaRPr lang="pt-PT" dirty="0"/>
+          </a:p>
+        </p:txBody>
+      </p:sp>
+      <p:sp>
+        <p:nvSpPr>
+          <p:cNvPr id="4" name="Marcador de Posição do Número do Diapositivo 3"/>
+          <p:cNvSpPr>
+            <a:spLocks noGrp="1"/>
+          </p:cNvSpPr>
+          <p:nvPr>
+            <p:ph type="sldNum" sz="quarter" idx="5"/>
+          </p:nvPr>
+        </p:nvSpPr>
+        <p:spPr/>
+        <p:txBody>
+          <a:bodyPr/>
+          <a:lstStyle/>
+          <a:p>
+            <a:fld id="{BAFA80C9-E1B6-9741-9321-29D15646B04A}" type="slidenum">
+              <a:rPr lang="pt-PT" smtClean="0"/>
+              <a:t>14</a:t>
             </a:fld>
             <a:endParaRPr lang="pt-PT"/>
           </a:p>
@@ -4761,114 +4848,6 @@
 </file>
 
 <file path=ppt/slides/slide10.xml><?xml version="1.0" encoding="utf-8"?>
-<p:sld xmlns:a="http://schemas.openxmlformats.org/drawingml/2006/main" xmlns:r="http://schemas.openxmlformats.org/officeDocument/2006/relationships" xmlns:p="http://schemas.openxmlformats.org/presentationml/2006/main">
-  <p:cSld>
-    <p:spTree>
-      <p:nvGrpSpPr>
-        <p:cNvPr id="1" name=""/>
-        <p:cNvGrpSpPr/>
-        <p:nvPr/>
-      </p:nvGrpSpPr>
-      <p:grpSpPr>
-        <a:xfrm>
-          <a:off x="0" y="0"/>
-          <a:ext cx="0" cy="0"/>
-          <a:chOff x="0" y="0"/>
-          <a:chExt cx="0" cy="0"/>
-        </a:xfrm>
-      </p:grpSpPr>
-      <p:sp>
-        <p:nvSpPr>
-          <p:cNvPr id="2" name="Título 1">
-            <a:extLst>
-              <a:ext uri="{FF2B5EF4-FFF2-40B4-BE49-F238E27FC236}">
-                <a16:creationId xmlns:a16="http://schemas.microsoft.com/office/drawing/2014/main" id="{50CA3B8A-B708-F3E2-D5F2-5DE189A5589F}"/>
-              </a:ext>
-            </a:extLst>
-          </p:cNvPr>
-          <p:cNvSpPr>
-            <a:spLocks noGrp="1"/>
-          </p:cNvSpPr>
-          <p:nvPr>
-            <p:ph type="title"/>
-          </p:nvPr>
-        </p:nvSpPr>
-        <p:spPr/>
-        <p:txBody>
-          <a:bodyPr/>
-          <a:lstStyle/>
-          <a:p>
-            <a:r>
-              <a:rPr lang="pt-PT" dirty="0" err="1"/>
-              <a:t>Developed</a:t>
-            </a:r>
-            <a:r>
-              <a:rPr lang="pt-PT" dirty="0"/>
-              <a:t> </a:t>
-            </a:r>
-            <a:r>
-              <a:rPr lang="pt-PT" dirty="0" err="1"/>
-              <a:t>Algorithms</a:t>
-            </a:r>
-            <a:r>
-              <a:rPr lang="pt-PT" dirty="0"/>
-              <a:t> – </a:t>
-            </a:r>
-            <a:r>
-              <a:rPr lang="pt-PT" dirty="0" err="1"/>
-              <a:t>Results</a:t>
-            </a:r>
-            <a:r>
-              <a:rPr lang="pt-PT" dirty="0"/>
-              <a:t> </a:t>
-            </a:r>
-            <a:r>
-              <a:rPr lang="pt-PT" dirty="0" err="1"/>
-              <a:t>Comparison</a:t>
-            </a:r>
-            <a:endParaRPr lang="pt-PT" dirty="0"/>
-          </a:p>
-        </p:txBody>
-      </p:sp>
-      <p:sp>
-        <p:nvSpPr>
-          <p:cNvPr id="3" name="Marcador de Posição de Conteúdo 2">
-            <a:extLst>
-              <a:ext uri="{FF2B5EF4-FFF2-40B4-BE49-F238E27FC236}">
-                <a16:creationId xmlns:a16="http://schemas.microsoft.com/office/drawing/2014/main" id="{EFCFFAD8-0127-15FC-AC68-2166C589BF1E}"/>
-              </a:ext>
-            </a:extLst>
-          </p:cNvPr>
-          <p:cNvSpPr>
-            <a:spLocks noGrp="1"/>
-          </p:cNvSpPr>
-          <p:nvPr>
-            <p:ph idx="1"/>
-          </p:nvPr>
-        </p:nvSpPr>
-        <p:spPr/>
-        <p:txBody>
-          <a:bodyPr/>
-          <a:lstStyle/>
-          <a:p>
-            <a:endParaRPr lang="pt-PT"/>
-          </a:p>
-        </p:txBody>
-      </p:sp>
-    </p:spTree>
-    <p:extLst>
-      <p:ext uri="{BB962C8B-B14F-4D97-AF65-F5344CB8AC3E}">
-        <p14:creationId xmlns:p14="http://schemas.microsoft.com/office/powerpoint/2010/main" val="1893369876"/>
-      </p:ext>
-    </p:extLst>
-  </p:cSld>
-  <p:clrMapOvr>
-    <a:masterClrMapping/>
-  </p:clrMapOvr>
-</p:sld>
-</file>
-
-<file path=ppt/slides/slide11.xml><?xml version="1.0" encoding="utf-8"?>
 <p:sld xmlns:a="http://schemas.openxmlformats.org/drawingml/2006/main" xmlns:r="http://schemas.openxmlformats.org/officeDocument/2006/relationships" xmlns:p="http://schemas.openxmlformats.org/presentationml/2006/main" showMasterPhAnim="0">
   <p:cSld>
     <p:spTree>
@@ -4887,36 +4866,10 @@
       </p:grpSpPr>
       <p:sp>
         <p:nvSpPr>
-          <p:cNvPr id="2" name="Título 1"/>
-          <p:cNvSpPr>
-            <a:spLocks noGrp="1"/>
-          </p:cNvSpPr>
-          <p:nvPr>
-            <p:ph type="title"/>
-          </p:nvPr>
-        </p:nvSpPr>
-        <p:spPr bwMode="auto"/>
-        <p:txBody>
-          <a:bodyPr/>
-          <a:lstStyle/>
-          <a:p>
-            <a:pPr>
-              <a:defRPr/>
-            </a:pPr>
-            <a:r>
-              <a:rPr lang="pt-PT" dirty="0" err="1"/>
-              <a:t>Conclusion</a:t>
-            </a:r>
-            <a:endParaRPr lang="pt-PT" dirty="0"/>
-          </a:p>
-        </p:txBody>
-      </p:sp>
-      <p:sp>
-        <p:nvSpPr>
-          <p:cNvPr id="5" name="Marcador de Posição de Conteúdo 4">
+          <p:cNvPr id="8" name="Marcador de Posição de Conteúdo 2">
             <a:extLst>
               <a:ext uri="{FF2B5EF4-FFF2-40B4-BE49-F238E27FC236}">
-                <a16:creationId xmlns:a16="http://schemas.microsoft.com/office/drawing/2014/main" id="{8BA30C7E-99FC-E13B-AE77-20BB48F0BFDB}"/>
+                <a16:creationId xmlns:a16="http://schemas.microsoft.com/office/drawing/2014/main" id="{CFD16CC2-F3DE-200E-7329-9A91FFEE9178}"/>
               </a:ext>
             </a:extLst>
           </p:cNvPr>
@@ -4927,40 +4880,662 @@
             <p:ph idx="1"/>
           </p:nvPr>
         </p:nvSpPr>
-        <p:spPr/>
+        <p:spPr>
+          <a:xfrm>
+            <a:off x="762000" y="2286000"/>
+            <a:ext cx="10668000" cy="3818083"/>
+          </a:xfrm>
+        </p:spPr>
         <p:txBody>
-          <a:bodyPr/>
+          <a:bodyPr>
+            <a:normAutofit/>
+          </a:bodyPr>
           <a:lstStyle/>
           <a:p>
-            <a:endParaRPr lang="pt-PT" dirty="0"/>
+            <a:pPr rtl="0"/>
+            <a:r>
+              <a:rPr lang="pt-PT" dirty="0" err="1">
+                <a:solidFill>
+                  <a:schemeClr val="tx1"/>
+                </a:solidFill>
+                <a:latin typeface="Helvetica Neue" panose="02000503000000020004" pitchFamily="2" charset="0"/>
+              </a:rPr>
+              <a:t>We</a:t>
+            </a:r>
+            <a:r>
+              <a:rPr lang="pt-PT" dirty="0">
+                <a:solidFill>
+                  <a:schemeClr val="tx1"/>
+                </a:solidFill>
+                <a:latin typeface="Helvetica Neue" panose="02000503000000020004" pitchFamily="2" charset="0"/>
+              </a:rPr>
+              <a:t> </a:t>
+            </a:r>
+            <a:r>
+              <a:rPr lang="pt-PT" dirty="0" err="1">
+                <a:solidFill>
+                  <a:schemeClr val="tx1"/>
+                </a:solidFill>
+                <a:latin typeface="Helvetica Neue" panose="02000503000000020004" pitchFamily="2" charset="0"/>
+              </a:rPr>
+              <a:t>analysed</a:t>
+            </a:r>
+            <a:r>
+              <a:rPr lang="pt-PT" dirty="0">
+                <a:solidFill>
+                  <a:schemeClr val="tx1"/>
+                </a:solidFill>
+                <a:latin typeface="Helvetica Neue" panose="02000503000000020004" pitchFamily="2" charset="0"/>
+              </a:rPr>
+              <a:t> some </a:t>
+            </a:r>
+            <a:r>
+              <a:rPr lang="pt-PT" dirty="0" err="1">
+                <a:solidFill>
+                  <a:schemeClr val="tx1"/>
+                </a:solidFill>
+                <a:latin typeface="Helvetica Neue" panose="02000503000000020004" pitchFamily="2" charset="0"/>
+              </a:rPr>
+              <a:t>of</a:t>
+            </a:r>
+            <a:r>
+              <a:rPr lang="pt-PT" dirty="0">
+                <a:solidFill>
+                  <a:schemeClr val="tx1"/>
+                </a:solidFill>
+                <a:latin typeface="Helvetica Neue" panose="02000503000000020004" pitchFamily="2" charset="0"/>
+              </a:rPr>
+              <a:t> </a:t>
+            </a:r>
+            <a:r>
+              <a:rPr lang="pt-PT" dirty="0" err="1">
+                <a:solidFill>
+                  <a:schemeClr val="tx1"/>
+                </a:solidFill>
+                <a:latin typeface="Helvetica Neue" panose="02000503000000020004" pitchFamily="2" charset="0"/>
+              </a:rPr>
+              <a:t>the</a:t>
+            </a:r>
+            <a:r>
+              <a:rPr lang="pt-PT" dirty="0">
+                <a:solidFill>
+                  <a:schemeClr val="tx1"/>
+                </a:solidFill>
+                <a:latin typeface="Helvetica Neue" panose="02000503000000020004" pitchFamily="2" charset="0"/>
+              </a:rPr>
+              <a:t> data </a:t>
+            </a:r>
+            <a:r>
+              <a:rPr lang="pt-PT" dirty="0" err="1">
+                <a:solidFill>
+                  <a:schemeClr val="tx1"/>
+                </a:solidFill>
+                <a:latin typeface="Helvetica Neue" panose="02000503000000020004" pitchFamily="2" charset="0"/>
+              </a:rPr>
+              <a:t>provided</a:t>
+            </a:r>
+            <a:r>
+              <a:rPr lang="pt-PT" dirty="0">
+                <a:solidFill>
+                  <a:schemeClr val="tx1"/>
+                </a:solidFill>
+                <a:latin typeface="Helvetica Neue" panose="02000503000000020004" pitchFamily="2" charset="0"/>
+              </a:rPr>
+              <a:t> </a:t>
+            </a:r>
+            <a:r>
+              <a:rPr lang="pt-PT" dirty="0" err="1">
+                <a:solidFill>
+                  <a:schemeClr val="tx1"/>
+                </a:solidFill>
+                <a:latin typeface="Helvetica Neue" panose="02000503000000020004" pitchFamily="2" charset="0"/>
+              </a:rPr>
+              <a:t>and</a:t>
+            </a:r>
+            <a:r>
+              <a:rPr lang="pt-PT" dirty="0">
+                <a:solidFill>
+                  <a:schemeClr val="tx1"/>
+                </a:solidFill>
+                <a:latin typeface="Helvetica Neue" panose="02000503000000020004" pitchFamily="2" charset="0"/>
+              </a:rPr>
+              <a:t> </a:t>
+            </a:r>
+            <a:r>
+              <a:rPr lang="pt-PT" dirty="0" err="1">
+                <a:solidFill>
+                  <a:schemeClr val="tx1"/>
+                </a:solidFill>
+                <a:latin typeface="Helvetica Neue" panose="02000503000000020004" pitchFamily="2" charset="0"/>
+              </a:rPr>
+              <a:t>made</a:t>
+            </a:r>
+            <a:r>
+              <a:rPr lang="pt-PT" dirty="0">
+                <a:solidFill>
+                  <a:schemeClr val="tx1"/>
+                </a:solidFill>
+                <a:latin typeface="Helvetica Neue" panose="02000503000000020004" pitchFamily="2" charset="0"/>
+              </a:rPr>
+              <a:t> a </a:t>
+            </a:r>
+            <a:r>
+              <a:rPr lang="pt-PT" dirty="0" err="1">
+                <a:solidFill>
+                  <a:schemeClr val="tx1"/>
+                </a:solidFill>
+                <a:latin typeface="Helvetica Neue" panose="02000503000000020004" pitchFamily="2" charset="0"/>
+              </a:rPr>
+              <a:t>few</a:t>
+            </a:r>
+            <a:r>
+              <a:rPr lang="pt-PT" dirty="0">
+                <a:solidFill>
+                  <a:schemeClr val="tx1"/>
+                </a:solidFill>
+                <a:latin typeface="Helvetica Neue" panose="02000503000000020004" pitchFamily="2" charset="0"/>
+              </a:rPr>
+              <a:t> </a:t>
+            </a:r>
+            <a:r>
+              <a:rPr lang="pt-PT" dirty="0" err="1">
+                <a:solidFill>
+                  <a:schemeClr val="tx1"/>
+                </a:solidFill>
+                <a:latin typeface="Helvetica Neue" panose="02000503000000020004" pitchFamily="2" charset="0"/>
+              </a:rPr>
+              <a:t>changes</a:t>
+            </a:r>
+            <a:r>
+              <a:rPr lang="pt-PT" dirty="0">
+                <a:solidFill>
+                  <a:schemeClr val="tx1"/>
+                </a:solidFill>
+                <a:latin typeface="Helvetica Neue" panose="02000503000000020004" pitchFamily="2" charset="0"/>
+              </a:rPr>
+              <a:t> in </a:t>
+            </a:r>
+            <a:r>
+              <a:rPr lang="pt-PT" dirty="0" err="1">
+                <a:solidFill>
+                  <a:schemeClr val="tx1"/>
+                </a:solidFill>
+                <a:latin typeface="Helvetica Neue" panose="02000503000000020004" pitchFamily="2" charset="0"/>
+              </a:rPr>
+              <a:t>order</a:t>
+            </a:r>
+            <a:r>
+              <a:rPr lang="pt-PT" dirty="0">
+                <a:solidFill>
+                  <a:schemeClr val="tx1"/>
+                </a:solidFill>
+                <a:latin typeface="Helvetica Neue" panose="02000503000000020004" pitchFamily="2" charset="0"/>
+              </a:rPr>
+              <a:t> to </a:t>
+            </a:r>
+            <a:r>
+              <a:rPr lang="pt-PT" dirty="0" err="1">
+                <a:solidFill>
+                  <a:schemeClr val="tx1"/>
+                </a:solidFill>
+                <a:latin typeface="Helvetica Neue" panose="02000503000000020004" pitchFamily="2" charset="0"/>
+              </a:rPr>
+              <a:t>easily</a:t>
+            </a:r>
+            <a:r>
+              <a:rPr lang="pt-PT" dirty="0">
+                <a:solidFill>
+                  <a:schemeClr val="tx1"/>
+                </a:solidFill>
+                <a:latin typeface="Helvetica Neue" panose="02000503000000020004" pitchFamily="2" charset="0"/>
+              </a:rPr>
+              <a:t> </a:t>
+            </a:r>
+            <a:r>
+              <a:rPr lang="pt-PT" dirty="0" err="1">
+                <a:solidFill>
+                  <a:schemeClr val="tx1"/>
+                </a:solidFill>
+                <a:latin typeface="Helvetica Neue" panose="02000503000000020004" pitchFamily="2" charset="0"/>
+              </a:rPr>
+              <a:t>have</a:t>
+            </a:r>
+            <a:r>
+              <a:rPr lang="pt-PT" dirty="0">
+                <a:solidFill>
+                  <a:schemeClr val="tx1"/>
+                </a:solidFill>
+                <a:latin typeface="Helvetica Neue" panose="02000503000000020004" pitchFamily="2" charset="0"/>
+              </a:rPr>
+              <a:t> a </a:t>
+            </a:r>
+            <a:r>
+              <a:rPr lang="pt-PT" dirty="0" err="1">
+                <a:solidFill>
+                  <a:schemeClr val="tx1"/>
+                </a:solidFill>
+                <a:latin typeface="Helvetica Neue" panose="02000503000000020004" pitchFamily="2" charset="0"/>
+              </a:rPr>
+              <a:t>better</a:t>
+            </a:r>
+            <a:r>
+              <a:rPr lang="pt-PT" dirty="0">
+                <a:solidFill>
+                  <a:schemeClr val="tx1"/>
+                </a:solidFill>
+                <a:latin typeface="Helvetica Neue" panose="02000503000000020004" pitchFamily="2" charset="0"/>
+              </a:rPr>
+              <a:t> </a:t>
+            </a:r>
+            <a:r>
+              <a:rPr lang="pt-PT" dirty="0" err="1">
+                <a:solidFill>
+                  <a:schemeClr val="tx1"/>
+                </a:solidFill>
+                <a:latin typeface="Helvetica Neue" panose="02000503000000020004" pitchFamily="2" charset="0"/>
+              </a:rPr>
+              <a:t>aproach</a:t>
+            </a:r>
+            <a:r>
+              <a:rPr lang="pt-PT" dirty="0">
+                <a:solidFill>
+                  <a:schemeClr val="tx1"/>
+                </a:solidFill>
+                <a:latin typeface="Helvetica Neue" panose="02000503000000020004" pitchFamily="2" charset="0"/>
+              </a:rPr>
+              <a:t> for </a:t>
+            </a:r>
+            <a:r>
+              <a:rPr lang="pt-PT" dirty="0" err="1">
+                <a:solidFill>
+                  <a:schemeClr val="tx1"/>
+                </a:solidFill>
+                <a:latin typeface="Helvetica Neue" panose="02000503000000020004" pitchFamily="2" charset="0"/>
+              </a:rPr>
+              <a:t>our</a:t>
+            </a:r>
+            <a:r>
+              <a:rPr lang="pt-PT" dirty="0">
+                <a:solidFill>
+                  <a:schemeClr val="tx1"/>
+                </a:solidFill>
+                <a:latin typeface="Helvetica Neue" panose="02000503000000020004" pitchFamily="2" charset="0"/>
+              </a:rPr>
+              <a:t> </a:t>
+            </a:r>
+            <a:r>
+              <a:rPr lang="pt-PT" dirty="0" err="1">
+                <a:solidFill>
+                  <a:schemeClr val="tx1"/>
+                </a:solidFill>
+                <a:latin typeface="Helvetica Neue" panose="02000503000000020004" pitchFamily="2" charset="0"/>
+              </a:rPr>
+              <a:t>solution</a:t>
+            </a:r>
+            <a:r>
+              <a:rPr lang="pt-PT" dirty="0">
+                <a:solidFill>
+                  <a:schemeClr val="tx1"/>
+                </a:solidFill>
+                <a:latin typeface="Helvetica Neue" panose="02000503000000020004" pitchFamily="2" charset="0"/>
+              </a:rPr>
+              <a:t> </a:t>
+            </a:r>
+            <a:r>
+              <a:rPr lang="pt-PT" dirty="0" err="1">
+                <a:solidFill>
+                  <a:schemeClr val="tx1"/>
+                </a:solidFill>
+                <a:latin typeface="Helvetica Neue" panose="02000503000000020004" pitchFamily="2" charset="0"/>
+              </a:rPr>
+              <a:t>of</a:t>
+            </a:r>
+            <a:r>
+              <a:rPr lang="pt-PT" dirty="0">
+                <a:solidFill>
+                  <a:schemeClr val="tx1"/>
+                </a:solidFill>
+                <a:latin typeface="Helvetica Neue" panose="02000503000000020004" pitchFamily="2" charset="0"/>
+              </a:rPr>
+              <a:t> </a:t>
+            </a:r>
+            <a:r>
+              <a:rPr lang="pt-PT" dirty="0" err="1">
+                <a:solidFill>
+                  <a:schemeClr val="tx1"/>
+                </a:solidFill>
+                <a:latin typeface="Helvetica Neue" panose="02000503000000020004" pitchFamily="2" charset="0"/>
+              </a:rPr>
+              <a:t>the</a:t>
+            </a:r>
+            <a:r>
+              <a:rPr lang="pt-PT" dirty="0">
+                <a:solidFill>
+                  <a:schemeClr val="tx1"/>
+                </a:solidFill>
+                <a:latin typeface="Helvetica Neue" panose="02000503000000020004" pitchFamily="2" charset="0"/>
+              </a:rPr>
+              <a:t> </a:t>
+            </a:r>
+            <a:r>
+              <a:rPr lang="pt-PT" dirty="0" err="1">
+                <a:solidFill>
+                  <a:schemeClr val="tx1"/>
+                </a:solidFill>
+                <a:latin typeface="Helvetica Neue" panose="02000503000000020004" pitchFamily="2" charset="0"/>
+              </a:rPr>
+              <a:t>problem</a:t>
+            </a:r>
+            <a:r>
+              <a:rPr lang="pt-PT" dirty="0">
+                <a:solidFill>
+                  <a:schemeClr val="tx1"/>
+                </a:solidFill>
+                <a:latin typeface="Helvetica Neue" panose="02000503000000020004" pitchFamily="2" charset="0"/>
+              </a:rPr>
+              <a:t>. </a:t>
+            </a:r>
+            <a:r>
+              <a:rPr lang="pt-PT" dirty="0" err="1">
+                <a:solidFill>
+                  <a:schemeClr val="tx1"/>
+                </a:solidFill>
+                <a:latin typeface="Helvetica Neue" panose="02000503000000020004" pitchFamily="2" charset="0"/>
+              </a:rPr>
+              <a:t>Now</a:t>
+            </a:r>
+            <a:r>
+              <a:rPr lang="pt-PT" dirty="0">
+                <a:solidFill>
+                  <a:schemeClr val="tx1"/>
+                </a:solidFill>
+                <a:latin typeface="Helvetica Neue" panose="02000503000000020004" pitchFamily="2" charset="0"/>
+              </a:rPr>
+              <a:t> </a:t>
+            </a:r>
+            <a:r>
+              <a:rPr lang="pt-PT" dirty="0" err="1">
+                <a:solidFill>
+                  <a:schemeClr val="tx1"/>
+                </a:solidFill>
+                <a:latin typeface="Helvetica Neue" panose="02000503000000020004" pitchFamily="2" charset="0"/>
+              </a:rPr>
+              <a:t>we</a:t>
+            </a:r>
+            <a:r>
+              <a:rPr lang="pt-PT" dirty="0">
+                <a:solidFill>
+                  <a:schemeClr val="tx1"/>
+                </a:solidFill>
+                <a:latin typeface="Helvetica Neue" panose="02000503000000020004" pitchFamily="2" charset="0"/>
+              </a:rPr>
+              <a:t> </a:t>
+            </a:r>
+            <a:r>
+              <a:rPr lang="pt-PT" dirty="0" err="1">
+                <a:solidFill>
+                  <a:schemeClr val="tx1"/>
+                </a:solidFill>
+                <a:latin typeface="Helvetica Neue" panose="02000503000000020004" pitchFamily="2" charset="0"/>
+              </a:rPr>
+              <a:t>will</a:t>
+            </a:r>
+            <a:r>
+              <a:rPr lang="pt-PT" dirty="0">
+                <a:solidFill>
+                  <a:schemeClr val="tx1"/>
+                </a:solidFill>
+                <a:latin typeface="Helvetica Neue" panose="02000503000000020004" pitchFamily="2" charset="0"/>
+              </a:rPr>
+              <a:t> </a:t>
+            </a:r>
+            <a:r>
+              <a:rPr lang="pt-PT" dirty="0" err="1">
+                <a:solidFill>
+                  <a:schemeClr val="tx1"/>
+                </a:solidFill>
+                <a:latin typeface="Helvetica Neue" panose="02000503000000020004" pitchFamily="2" charset="0"/>
+              </a:rPr>
+              <a:t>provide</a:t>
+            </a:r>
+            <a:r>
+              <a:rPr lang="pt-PT" dirty="0">
+                <a:solidFill>
+                  <a:schemeClr val="tx1"/>
+                </a:solidFill>
+                <a:latin typeface="Helvetica Neue" panose="02000503000000020004" pitchFamily="2" charset="0"/>
+              </a:rPr>
+              <a:t> some </a:t>
+            </a:r>
+            <a:r>
+              <a:rPr lang="pt-PT" dirty="0" err="1">
+                <a:solidFill>
+                  <a:schemeClr val="tx1"/>
+                </a:solidFill>
+                <a:latin typeface="Helvetica Neue" panose="02000503000000020004" pitchFamily="2" charset="0"/>
+              </a:rPr>
+              <a:t>different</a:t>
+            </a:r>
+            <a:r>
+              <a:rPr lang="pt-PT" dirty="0">
+                <a:solidFill>
+                  <a:schemeClr val="tx1"/>
+                </a:solidFill>
+                <a:latin typeface="Helvetica Neue" panose="02000503000000020004" pitchFamily="2" charset="0"/>
+              </a:rPr>
+              <a:t> </a:t>
+            </a:r>
+            <a:r>
+              <a:rPr lang="pt-PT" dirty="0" err="1">
+                <a:solidFill>
+                  <a:schemeClr val="tx1"/>
+                </a:solidFill>
+                <a:latin typeface="Helvetica Neue" panose="02000503000000020004" pitchFamily="2" charset="0"/>
+              </a:rPr>
+              <a:t>types</a:t>
+            </a:r>
+            <a:r>
+              <a:rPr lang="pt-PT" dirty="0">
+                <a:solidFill>
+                  <a:schemeClr val="tx1"/>
+                </a:solidFill>
+                <a:latin typeface="Helvetica Neue" panose="02000503000000020004" pitchFamily="2" charset="0"/>
+              </a:rPr>
+              <a:t> </a:t>
+            </a:r>
+            <a:r>
+              <a:rPr lang="pt-PT" dirty="0" err="1">
+                <a:solidFill>
+                  <a:schemeClr val="tx1"/>
+                </a:solidFill>
+                <a:latin typeface="Helvetica Neue" panose="02000503000000020004" pitchFamily="2" charset="0"/>
+              </a:rPr>
+              <a:t>of</a:t>
+            </a:r>
+            <a:r>
+              <a:rPr lang="pt-PT" dirty="0">
+                <a:solidFill>
+                  <a:schemeClr val="tx1"/>
+                </a:solidFill>
+                <a:latin typeface="Helvetica Neue" panose="02000503000000020004" pitchFamily="2" charset="0"/>
+              </a:rPr>
+              <a:t> </a:t>
+            </a:r>
+            <a:r>
+              <a:rPr lang="pt-PT" dirty="0" err="1">
+                <a:solidFill>
+                  <a:schemeClr val="tx1"/>
+                </a:solidFill>
+                <a:latin typeface="Helvetica Neue" panose="02000503000000020004" pitchFamily="2" charset="0"/>
+              </a:rPr>
+              <a:t>graphics</a:t>
+            </a:r>
+            <a:r>
+              <a:rPr lang="pt-PT" dirty="0">
+                <a:solidFill>
+                  <a:schemeClr val="tx1"/>
+                </a:solidFill>
+                <a:latin typeface="Helvetica Neue" panose="02000503000000020004" pitchFamily="2" charset="0"/>
+              </a:rPr>
+              <a:t> </a:t>
+            </a:r>
+            <a:r>
+              <a:rPr lang="pt-PT" dirty="0" err="1">
+                <a:solidFill>
+                  <a:schemeClr val="tx1"/>
+                </a:solidFill>
+                <a:latin typeface="Helvetica Neue" panose="02000503000000020004" pitchFamily="2" charset="0"/>
+              </a:rPr>
+              <a:t>and</a:t>
+            </a:r>
+            <a:r>
+              <a:rPr lang="pt-PT" dirty="0">
+                <a:solidFill>
+                  <a:schemeClr val="tx1"/>
+                </a:solidFill>
+                <a:latin typeface="Helvetica Neue" panose="02000503000000020004" pitchFamily="2" charset="0"/>
+              </a:rPr>
+              <a:t> </a:t>
+            </a:r>
+            <a:r>
+              <a:rPr lang="pt-PT" dirty="0" err="1">
+                <a:solidFill>
+                  <a:schemeClr val="tx1"/>
+                </a:solidFill>
+                <a:latin typeface="Helvetica Neue" panose="02000503000000020004" pitchFamily="2" charset="0"/>
+              </a:rPr>
+              <a:t>plots</a:t>
+            </a:r>
+            <a:r>
+              <a:rPr lang="pt-PT" dirty="0">
+                <a:solidFill>
+                  <a:schemeClr val="tx1"/>
+                </a:solidFill>
+                <a:latin typeface="Helvetica Neue" panose="02000503000000020004" pitchFamily="2" charset="0"/>
+              </a:rPr>
+              <a:t> for a </a:t>
+            </a:r>
+            <a:r>
+              <a:rPr lang="pt-PT" dirty="0" err="1">
+                <a:solidFill>
+                  <a:schemeClr val="tx1"/>
+                </a:solidFill>
+                <a:latin typeface="Helvetica Neue" panose="02000503000000020004" pitchFamily="2" charset="0"/>
+              </a:rPr>
+              <a:t>user</a:t>
+            </a:r>
+            <a:r>
+              <a:rPr lang="pt-PT" dirty="0">
+                <a:solidFill>
+                  <a:schemeClr val="tx1"/>
+                </a:solidFill>
+                <a:latin typeface="Helvetica Neue" panose="02000503000000020004" pitchFamily="2" charset="0"/>
+              </a:rPr>
+              <a:t> </a:t>
+            </a:r>
+            <a:r>
+              <a:rPr lang="pt-PT" dirty="0" err="1">
+                <a:solidFill>
+                  <a:schemeClr val="tx1"/>
+                </a:solidFill>
+                <a:latin typeface="Helvetica Neue" panose="02000503000000020004" pitchFamily="2" charset="0"/>
+              </a:rPr>
+              <a:t>friendly</a:t>
+            </a:r>
+            <a:r>
+              <a:rPr lang="pt-PT" dirty="0">
+                <a:solidFill>
+                  <a:schemeClr val="tx1"/>
+                </a:solidFill>
+                <a:latin typeface="Helvetica Neue" panose="02000503000000020004" pitchFamily="2" charset="0"/>
+              </a:rPr>
+              <a:t> </a:t>
+            </a:r>
+            <a:r>
+              <a:rPr lang="pt-PT" dirty="0" err="1">
+                <a:solidFill>
+                  <a:schemeClr val="tx1"/>
+                </a:solidFill>
+                <a:latin typeface="Helvetica Neue" panose="02000503000000020004" pitchFamily="2" charset="0"/>
+              </a:rPr>
+              <a:t>comprehension</a:t>
+            </a:r>
+            <a:r>
+              <a:rPr lang="pt-PT" dirty="0">
+                <a:solidFill>
+                  <a:schemeClr val="tx1"/>
+                </a:solidFill>
+                <a:latin typeface="Helvetica Neue" panose="02000503000000020004" pitchFamily="2" charset="0"/>
+              </a:rPr>
+              <a:t> </a:t>
+            </a:r>
+            <a:r>
+              <a:rPr lang="pt-PT" dirty="0" err="1">
+                <a:solidFill>
+                  <a:schemeClr val="tx1"/>
+                </a:solidFill>
+                <a:latin typeface="Helvetica Neue" panose="02000503000000020004" pitchFamily="2" charset="0"/>
+              </a:rPr>
+              <a:t>of</a:t>
+            </a:r>
+            <a:r>
+              <a:rPr lang="pt-PT" dirty="0">
+                <a:solidFill>
+                  <a:schemeClr val="tx1"/>
+                </a:solidFill>
+                <a:latin typeface="Helvetica Neue" panose="02000503000000020004" pitchFamily="2" charset="0"/>
+              </a:rPr>
+              <a:t> </a:t>
+            </a:r>
+            <a:r>
+              <a:rPr lang="pt-PT" dirty="0" err="1">
+                <a:solidFill>
+                  <a:schemeClr val="tx1"/>
+                </a:solidFill>
+                <a:latin typeface="Helvetica Neue" panose="02000503000000020004" pitchFamily="2" charset="0"/>
+              </a:rPr>
+              <a:t>the</a:t>
+            </a:r>
+            <a:r>
+              <a:rPr lang="pt-PT" dirty="0">
+                <a:solidFill>
+                  <a:schemeClr val="tx1"/>
+                </a:solidFill>
+                <a:latin typeface="Helvetica Neue" panose="02000503000000020004" pitchFamily="2" charset="0"/>
+              </a:rPr>
+              <a:t> data to </a:t>
+            </a:r>
+            <a:r>
+              <a:rPr lang="pt-PT" dirty="0" err="1">
+                <a:solidFill>
+                  <a:schemeClr val="tx1"/>
+                </a:solidFill>
+                <a:latin typeface="Helvetica Neue" panose="02000503000000020004" pitchFamily="2" charset="0"/>
+              </a:rPr>
+              <a:t>study</a:t>
+            </a:r>
+            <a:r>
+              <a:rPr lang="pt-PT" dirty="0">
+                <a:solidFill>
+                  <a:schemeClr val="tx1"/>
+                </a:solidFill>
+                <a:latin typeface="Helvetica Neue" panose="02000503000000020004" pitchFamily="2" charset="0"/>
+              </a:rPr>
+              <a:t>.</a:t>
+            </a:r>
+          </a:p>
+          <a:p>
+            <a:pPr marL="0" indent="0">
+              <a:buNone/>
+            </a:pPr>
+            <a:endParaRPr lang="pt-PT" dirty="0">
+              <a:solidFill>
+                <a:schemeClr val="tx1"/>
+              </a:solidFill>
+            </a:endParaRPr>
           </a:p>
         </p:txBody>
       </p:sp>
-    </p:spTree>
-  </p:cSld>
-  <p:clrMapOvr>
-    <a:masterClrMapping/>
-  </p:clrMapOvr>
-</p:sld>
-</file>
-
-<file path=ppt/slides/slide2.xml><?xml version="1.0" encoding="utf-8"?>
-<p:sld xmlns:a="http://schemas.openxmlformats.org/drawingml/2006/main" xmlns:r="http://schemas.openxmlformats.org/officeDocument/2006/relationships" xmlns:p="http://schemas.openxmlformats.org/presentationml/2006/main" showMasterPhAnim="0">
-  <p:cSld>
-    <p:spTree>
-      <p:nvGrpSpPr>
-        <p:cNvPr id="1" name=""/>
-        <p:cNvGrpSpPr/>
-        <p:nvPr/>
-      </p:nvGrpSpPr>
-      <p:grpSpPr bwMode="auto">
-        <a:xfrm>
-          <a:off x="0" y="0"/>
-          <a:ext cx="0" cy="0"/>
-          <a:chOff x="0" y="0"/>
-          <a:chExt cx="0" cy="0"/>
-        </a:xfrm>
-      </p:grpSpPr>
       <p:sp>
         <p:nvSpPr>
           <p:cNvPr id="2" name="Título 1"/>
@@ -4980,1014 +5555,21 @@
               <a:defRPr/>
             </a:pPr>
             <a:r>
-              <a:rPr lang="pt-PT"/>
-              <a:t>Specification</a:t>
-            </a:r>
-            <a:endParaRPr/>
-          </a:p>
-        </p:txBody>
-      </p:sp>
-      <p:sp>
-        <p:nvSpPr>
-          <p:cNvPr id="3" name="Marcador de Posição de Conteúdo 2"/>
-          <p:cNvSpPr>
-            <a:spLocks noGrp="1"/>
-          </p:cNvSpPr>
-          <p:nvPr>
-            <p:ph idx="1"/>
-          </p:nvPr>
-        </p:nvSpPr>
-        <p:spPr bwMode="auto">
-          <a:xfrm>
-            <a:off x="321325" y="2175831"/>
-            <a:ext cx="10668000" cy="3818083"/>
-          </a:xfrm>
-        </p:spPr>
-        <p:txBody>
-          <a:bodyPr vertOverflow="overflow" horzOverflow="clip" vert="horz" wrap="square" lIns="91440" tIns="45720" rIns="91440" bIns="45720" numCol="1" spcCol="0" rtlCol="0" fromWordArt="0" anchor="t" anchorCtr="0" forceAA="0" compatLnSpc="0">
-            <a:normAutofit fontScale="65000" lnSpcReduction="20000"/>
-          </a:bodyPr>
-          <a:lstStyle/>
-          <a:p>
-            <a:pPr>
-              <a:defRPr/>
-            </a:pPr>
-            <a:r>
-              <a:rPr lang="en-GB" sz="2800" b="0" i="0" u="none" strike="noStrike" cap="none" spc="0" dirty="0">
-                <a:solidFill>
-                  <a:schemeClr val="tx1">
-                    <a:alpha val="70000"/>
-                  </a:schemeClr>
-                </a:solidFill>
-                <a:latin typeface="+mn-lt"/>
-                <a:ea typeface="Avenir Next LT Pro"/>
-                <a:cs typeface="Avenir Next LT Pro"/>
-              </a:rPr>
-              <a:t>It is important for a company to retain customers in order to maintain or even increase profit, so it might be very useful to predict their behaviour. To do that we need to make a market research to answer some questions.</a:t>
-            </a:r>
-            <a:endParaRPr sz="2800" dirty="0">
-              <a:solidFill>
-                <a:srgbClr val="FFFFFF">
-                  <a:alpha val="70000"/>
-                </a:srgbClr>
-              </a:solidFill>
-              <a:ea typeface="Avenir Next LT Pro"/>
-              <a:cs typeface="Avenir Next LT Pro"/>
-            </a:endParaRPr>
-          </a:p>
-          <a:p>
-            <a:pPr>
-              <a:defRPr/>
-            </a:pPr>
-            <a:r>
-              <a:rPr lang="en-GB" sz="2800" b="0" i="0" u="none" strike="noStrike" cap="none" spc="0" dirty="0">
-                <a:solidFill>
-                  <a:schemeClr val="tx1">
-                    <a:alpha val="70000"/>
-                  </a:schemeClr>
-                </a:solidFill>
-                <a:latin typeface="+mn-lt"/>
-                <a:ea typeface="Avenir Next LT Pro"/>
-                <a:cs typeface="Avenir Next LT Pro"/>
-              </a:rPr>
-              <a:t>So, given a dataset with information about telco customers we want to predict if a customer will churn or not, according to the percentage of churn in the dataset and if that number is affected by any other variable such as gender, services subscribed or even the charges of the customer.</a:t>
-            </a:r>
-            <a:endParaRPr sz="2800" dirty="0">
-              <a:solidFill>
-                <a:srgbClr val="FFFFFF">
-                  <a:alpha val="70000"/>
-                </a:srgbClr>
-              </a:solidFill>
-              <a:ea typeface="Avenir Next LT Pro"/>
-              <a:cs typeface="Avenir Next LT Pro"/>
-            </a:endParaRPr>
-          </a:p>
-          <a:p>
-            <a:pPr>
-              <a:defRPr/>
-            </a:pPr>
-            <a:r>
-              <a:rPr lang="en-GB" sz="2800" b="0" i="0" u="none" strike="noStrike" cap="none" spc="0" dirty="0">
-                <a:solidFill>
-                  <a:schemeClr val="tx1">
-                    <a:alpha val="70000"/>
-                  </a:schemeClr>
-                </a:solidFill>
-                <a:latin typeface="+mn-lt"/>
-                <a:ea typeface="Avenir Next LT Pro"/>
-                <a:cs typeface="Avenir Next LT Pro"/>
-              </a:rPr>
-              <a:t>Other important analysis for the company are the profit evaluation such as the most profitable service or feature and the ones not sot profitable.</a:t>
-            </a:r>
-            <a:endParaRPr sz="2800" dirty="0">
-              <a:solidFill>
-                <a:srgbClr val="FFFFFF">
-                  <a:alpha val="70000"/>
-                </a:srgbClr>
-              </a:solidFill>
-            </a:endParaRPr>
-          </a:p>
-          <a:p>
-            <a:pPr>
-              <a:defRPr/>
-            </a:pPr>
-            <a:r>
-              <a:rPr lang="en-GB" sz="2800" b="0" i="0" u="none" strike="noStrike" cap="none" spc="0" dirty="0">
-                <a:solidFill>
-                  <a:schemeClr val="tx1">
-                    <a:alpha val="70000"/>
-                  </a:schemeClr>
-                </a:solidFill>
-                <a:latin typeface="+mn-lt"/>
-                <a:ea typeface="Avenir Next LT Pro"/>
-                <a:cs typeface="Avenir Next LT Pro"/>
-              </a:rPr>
-              <a:t>All of this questions/doubts should be after the study of the dataset and </a:t>
-            </a:r>
-            <a:r>
-              <a:rPr lang="en-GB" sz="2800" b="0" i="0" u="none" strike="noStrike" cap="none" spc="0" dirty="0" err="1">
-                <a:solidFill>
-                  <a:schemeClr val="tx1">
-                    <a:alpha val="70000"/>
-                  </a:schemeClr>
-                </a:solidFill>
-                <a:latin typeface="+mn-lt"/>
-                <a:ea typeface="Avenir Next LT Pro"/>
-                <a:cs typeface="Avenir Next LT Pro"/>
-              </a:rPr>
-              <a:t>that'ś</a:t>
-            </a:r>
-            <a:r>
-              <a:rPr lang="en-GB" sz="2800" b="0" i="0" u="none" strike="noStrike" cap="none" spc="0" dirty="0">
-                <a:solidFill>
-                  <a:schemeClr val="tx1">
-                    <a:alpha val="70000"/>
-                  </a:schemeClr>
-                </a:solidFill>
-                <a:latin typeface="+mn-lt"/>
-                <a:ea typeface="Avenir Next LT Pro"/>
-                <a:cs typeface="Avenir Next LT Pro"/>
-              </a:rPr>
-              <a:t> the main goal of this project.</a:t>
-            </a:r>
-            <a:endParaRPr sz="2800" dirty="0">
-              <a:solidFill>
-                <a:srgbClr val="FFFFFF">
-                  <a:alpha val="70000"/>
-                </a:srgbClr>
-              </a:solidFill>
-              <a:ea typeface="Avenir Next LT Pro"/>
-              <a:cs typeface="Avenir Next LT Pro"/>
-            </a:endParaRPr>
-          </a:p>
-        </p:txBody>
-      </p:sp>
-    </p:spTree>
-  </p:cSld>
-  <p:clrMapOvr>
-    <a:masterClrMapping/>
-  </p:clrMapOvr>
-</p:sld>
-</file>
-
-<file path=ppt/slides/slide3.xml><?xml version="1.0" encoding="utf-8"?>
-<p:sld xmlns:a="http://schemas.openxmlformats.org/drawingml/2006/main" xmlns:r="http://schemas.openxmlformats.org/officeDocument/2006/relationships" xmlns:p="http://schemas.openxmlformats.org/presentationml/2006/main" showMasterPhAnim="0">
-  <p:cSld>
-    <p:spTree>
-      <p:nvGrpSpPr>
-        <p:cNvPr id="1" name=""/>
-        <p:cNvGrpSpPr/>
-        <p:nvPr/>
-      </p:nvGrpSpPr>
-      <p:grpSpPr bwMode="auto">
-        <a:xfrm>
-          <a:off x="0" y="0"/>
-          <a:ext cx="0" cy="0"/>
-          <a:chOff x="0" y="0"/>
-          <a:chExt cx="0" cy="0"/>
-        </a:xfrm>
-      </p:grpSpPr>
-      <p:sp>
-        <p:nvSpPr>
-          <p:cNvPr id="2" name="Título 1"/>
-          <p:cNvSpPr>
-            <a:spLocks noGrp="1"/>
-          </p:cNvSpPr>
-          <p:nvPr>
-            <p:ph type="title"/>
-          </p:nvPr>
-        </p:nvSpPr>
-        <p:spPr bwMode="auto"/>
-        <p:txBody>
-          <a:bodyPr/>
-          <a:lstStyle/>
-          <a:p>
-            <a:pPr>
-              <a:defRPr/>
-            </a:pPr>
-            <a:r>
-              <a:rPr lang="pt-PT"/>
-              <a:t>Related Work</a:t>
-            </a:r>
-            <a:endParaRPr/>
-          </a:p>
-        </p:txBody>
-      </p:sp>
-      <p:sp>
-        <p:nvSpPr>
-          <p:cNvPr id="3" name="Marcador de Posição de Conteúdo 2"/>
-          <p:cNvSpPr>
-            <a:spLocks noGrp="1"/>
-          </p:cNvSpPr>
-          <p:nvPr>
-            <p:ph idx="1"/>
-          </p:nvPr>
-        </p:nvSpPr>
-        <p:spPr bwMode="auto"/>
-        <p:txBody>
-          <a:bodyPr vert="horz" lIns="91440" tIns="45720" rIns="91440" bIns="45720" rtlCol="0" anchor="t">
-            <a:normAutofit/>
-          </a:bodyPr>
-          <a:lstStyle/>
-          <a:p>
-            <a:pPr>
-              <a:defRPr/>
-            </a:pPr>
-            <a:r>
-              <a:rPr lang="pt-PT" u="sng">
-                <a:ea typeface="+mn-lt"/>
-                <a:cs typeface="+mn-lt"/>
-                <a:hlinkClick r:id="rId2" tooltip="https://moodle.up.pt/"/>
-              </a:rPr>
-              <a:t>https://moodle.up.pt/</a:t>
-            </a:r>
-            <a:r>
-              <a:rPr lang="pt-PT">
-                <a:ea typeface="+mn-lt"/>
-                <a:cs typeface="+mn-lt"/>
-              </a:rPr>
-              <a:t> (course files)</a:t>
-            </a:r>
-            <a:endParaRPr/>
-          </a:p>
-          <a:p>
-            <a:pPr>
-              <a:defRPr/>
-            </a:pPr>
-            <a:r>
-              <a:rPr lang="pt-PT" u="sng">
-                <a:ea typeface="+mn-lt"/>
-                <a:cs typeface="+mn-lt"/>
-                <a:hlinkClick r:id="rId3" tooltip="https://www.kaggle.com/datasets/easonlai/sample-telco-customer-churn-dataset"/>
-              </a:rPr>
-              <a:t>https://www.kaggle.com/datasets/easonlai/sample-telco-customer-churn-dataset</a:t>
-            </a:r>
-            <a:endParaRPr lang="pt-PT">
-              <a:ea typeface="+mn-lt"/>
-              <a:cs typeface="+mn-lt"/>
-            </a:endParaRPr>
-          </a:p>
-          <a:p>
-            <a:pPr>
-              <a:defRPr/>
-            </a:pPr>
-            <a:r>
-              <a:rPr lang="pt-PT" u="sng">
-                <a:solidFill>
-                  <a:srgbClr val="FFFFFF">
-                    <a:alpha val="70000"/>
-                  </a:srgbClr>
-                </a:solidFill>
-                <a:ea typeface="+mn-lt"/>
-                <a:cs typeface="Arial"/>
-                <a:hlinkClick r:id="rId4" tooltip="https://www.kaggle.com/datasets/blastchar/telco-customer-churn"/>
-              </a:rPr>
-              <a:t>https://www.kaggle.com/datasets/blastchar/telco-customer-churn</a:t>
-            </a:r>
-            <a:endParaRPr lang="pt-PT">
-              <a:solidFill>
-                <a:srgbClr val="FFFFFF">
-                  <a:alpha val="70000"/>
-                </a:srgbClr>
-              </a:solidFill>
-              <a:ea typeface="+mn-lt"/>
-              <a:cs typeface="Arial"/>
-            </a:endParaRPr>
-          </a:p>
-          <a:p>
-            <a:pPr>
-              <a:defRPr/>
-            </a:pPr>
-            <a:endParaRPr lang="pt-PT">
-              <a:solidFill>
-                <a:srgbClr val="FFFFFF">
-                  <a:alpha val="70000"/>
-                </a:srgbClr>
-              </a:solidFill>
-            </a:endParaRPr>
-          </a:p>
-        </p:txBody>
-      </p:sp>
-    </p:spTree>
-  </p:cSld>
-  <p:clrMapOvr>
-    <a:masterClrMapping/>
-  </p:clrMapOvr>
-</p:sld>
-</file>
-
-<file path=ppt/slides/slide4.xml><?xml version="1.0" encoding="utf-8"?>
-<p:sld xmlns:a="http://schemas.openxmlformats.org/drawingml/2006/main" xmlns:r="http://schemas.openxmlformats.org/officeDocument/2006/relationships" xmlns:p="http://schemas.openxmlformats.org/presentationml/2006/main">
-  <p:cSld>
-    <p:spTree>
-      <p:nvGrpSpPr>
-        <p:cNvPr id="1" name=""/>
-        <p:cNvGrpSpPr/>
-        <p:nvPr/>
-      </p:nvGrpSpPr>
-      <p:grpSpPr>
-        <a:xfrm>
-          <a:off x="0" y="0"/>
-          <a:ext cx="0" cy="0"/>
-          <a:chOff x="0" y="0"/>
-          <a:chExt cx="0" cy="0"/>
-        </a:xfrm>
-      </p:grpSpPr>
-      <p:sp>
-        <p:nvSpPr>
-          <p:cNvPr id="2" name="Título 1">
-            <a:extLst>
-              <a:ext uri="{FF2B5EF4-FFF2-40B4-BE49-F238E27FC236}">
-                <a16:creationId xmlns:a16="http://schemas.microsoft.com/office/drawing/2014/main" id="{AE4809C2-90AF-A68D-B99E-7617DA499F8F}"/>
-              </a:ext>
-            </a:extLst>
-          </p:cNvPr>
-          <p:cNvSpPr>
-            <a:spLocks noGrp="1"/>
-          </p:cNvSpPr>
-          <p:nvPr>
-            <p:ph type="title"/>
-          </p:nvPr>
-        </p:nvSpPr>
-        <p:spPr/>
-        <p:txBody>
-          <a:bodyPr/>
-          <a:lstStyle/>
-          <a:p>
-            <a:r>
-              <a:rPr lang="pt-PT" dirty="0" err="1"/>
-              <a:t>Dataset</a:t>
-            </a:r>
-            <a:r>
-              <a:rPr lang="pt-PT" dirty="0"/>
-              <a:t> </a:t>
-            </a:r>
-            <a:r>
-              <a:rPr lang="pt-PT" dirty="0" err="1"/>
-              <a:t>Analysis</a:t>
+              <a:rPr lang="pt-PT" dirty="0"/>
+              <a:t>Data </a:t>
+            </a:r>
+            <a:r>
+              <a:rPr lang="pt-PT" dirty="0" err="1"/>
+              <a:t>Visualisation</a:t>
             </a:r>
             <a:endParaRPr lang="pt-PT" dirty="0"/>
-          </a:p>
-        </p:txBody>
-      </p:sp>
-      <p:pic>
-        <p:nvPicPr>
-          <p:cNvPr id="5" name="Imagem 4">
-            <a:extLst>
-              <a:ext uri="{FF2B5EF4-FFF2-40B4-BE49-F238E27FC236}">
-                <a16:creationId xmlns:a16="http://schemas.microsoft.com/office/drawing/2014/main" id="{724B4EE8-8062-75D8-E7F6-D8261D6D3DE8}"/>
-              </a:ext>
-            </a:extLst>
-          </p:cNvPr>
-          <p:cNvPicPr>
-            <a:picLocks noChangeAspect="1"/>
-          </p:cNvPicPr>
-          <p:nvPr/>
-        </p:nvPicPr>
-        <p:blipFill>
-          <a:blip r:embed="rId2">
-            <a:extLst>
-              <a:ext uri="{28A0092B-C50C-407E-A947-70E740481C1C}">
-                <a14:useLocalDpi xmlns:a14="http://schemas.microsoft.com/office/drawing/2010/main" val="0"/>
-              </a:ext>
-            </a:extLst>
-          </a:blip>
-          <a:stretch>
-            <a:fillRect/>
-          </a:stretch>
-        </p:blipFill>
-        <p:spPr>
-          <a:xfrm>
-            <a:off x="7104112" y="1096230"/>
-            <a:ext cx="4607059" cy="2332770"/>
-          </a:xfrm>
-          <a:prstGeom prst="rect">
-            <a:avLst/>
-          </a:prstGeom>
-        </p:spPr>
-      </p:pic>
-      <p:pic>
-        <p:nvPicPr>
-          <p:cNvPr id="7" name="Imagem 6">
-            <a:extLst>
-              <a:ext uri="{FF2B5EF4-FFF2-40B4-BE49-F238E27FC236}">
-                <a16:creationId xmlns:a16="http://schemas.microsoft.com/office/drawing/2014/main" id="{5F170DFD-DFAE-CDE6-AFC2-D4185318D5C6}"/>
-              </a:ext>
-            </a:extLst>
-          </p:cNvPr>
-          <p:cNvPicPr>
-            <a:picLocks noChangeAspect="1"/>
-          </p:cNvPicPr>
-          <p:nvPr/>
-        </p:nvPicPr>
-        <p:blipFill>
-          <a:blip r:embed="rId3">
-            <a:extLst>
-              <a:ext uri="{28A0092B-C50C-407E-A947-70E740481C1C}">
-                <a14:useLocalDpi xmlns:a14="http://schemas.microsoft.com/office/drawing/2010/main" val="0"/>
-              </a:ext>
-            </a:extLst>
-          </a:blip>
-          <a:stretch>
-            <a:fillRect/>
-          </a:stretch>
-        </p:blipFill>
-        <p:spPr>
-          <a:xfrm>
-            <a:off x="7104289" y="3940833"/>
-            <a:ext cx="4606882" cy="2354771"/>
-          </a:xfrm>
-          <a:prstGeom prst="rect">
-            <a:avLst/>
-          </a:prstGeom>
-        </p:spPr>
-      </p:pic>
-      <p:sp>
-        <p:nvSpPr>
-          <p:cNvPr id="8" name="Marcador de Posição de Conteúdo 2">
-            <a:extLst>
-              <a:ext uri="{FF2B5EF4-FFF2-40B4-BE49-F238E27FC236}">
-                <a16:creationId xmlns:a16="http://schemas.microsoft.com/office/drawing/2014/main" id="{8129721E-07DA-BAE0-575D-390A0CDE8183}"/>
-              </a:ext>
-            </a:extLst>
-          </p:cNvPr>
-          <p:cNvSpPr>
-            <a:spLocks noGrp="1"/>
-          </p:cNvSpPr>
-          <p:nvPr>
-            <p:ph idx="1"/>
-          </p:nvPr>
-        </p:nvSpPr>
-        <p:spPr bwMode="auto">
-          <a:xfrm>
-            <a:off x="321325" y="2175831"/>
-            <a:ext cx="5342627" cy="3818083"/>
-          </a:xfrm>
-        </p:spPr>
-        <p:txBody>
-          <a:bodyPr vertOverflow="overflow" horzOverflow="clip" vert="horz" wrap="square" lIns="91440" tIns="45720" rIns="91440" bIns="45720" numCol="1" spcCol="0" rtlCol="0" fromWordArt="0" anchor="t" anchorCtr="0" forceAA="0" compatLnSpc="0">
-            <a:normAutofit fontScale="95000"/>
-          </a:bodyPr>
-          <a:lstStyle/>
-          <a:p>
-            <a:pPr>
-              <a:defRPr/>
-            </a:pPr>
-            <a:r>
-              <a:rPr lang="pt-PT" sz="2800" b="0" i="0" u="none" strike="noStrike" cap="none" spc="0" dirty="0" err="1">
-                <a:solidFill>
-                  <a:schemeClr val="tx1">
-                    <a:alpha val="70000"/>
-                  </a:schemeClr>
-                </a:solidFill>
-                <a:latin typeface="+mn-lt"/>
-                <a:ea typeface="Avenir Next LT Pro"/>
-                <a:cs typeface="Avenir Next LT Pro"/>
-              </a:rPr>
-              <a:t>After</a:t>
-            </a:r>
-            <a:r>
-              <a:rPr lang="pt-PT" sz="2800" b="0" i="0" u="none" strike="noStrike" cap="none" spc="0" dirty="0">
-                <a:solidFill>
-                  <a:schemeClr val="tx1">
-                    <a:alpha val="70000"/>
-                  </a:schemeClr>
-                </a:solidFill>
-                <a:latin typeface="+mn-lt"/>
-                <a:ea typeface="Avenir Next LT Pro"/>
-                <a:cs typeface="Avenir Next LT Pro"/>
-              </a:rPr>
-              <a:t> </a:t>
-            </a:r>
-            <a:r>
-              <a:rPr lang="pt-PT" sz="2800" b="0" i="0" u="none" strike="noStrike" cap="none" spc="0" dirty="0" err="1">
-                <a:solidFill>
-                  <a:schemeClr val="tx1">
-                    <a:alpha val="70000"/>
-                  </a:schemeClr>
-                </a:solidFill>
-                <a:latin typeface="+mn-lt"/>
-                <a:ea typeface="Avenir Next LT Pro"/>
-                <a:cs typeface="Avenir Next LT Pro"/>
-              </a:rPr>
-              <a:t>analysing</a:t>
-            </a:r>
-            <a:r>
-              <a:rPr lang="pt-PT" sz="2800" b="0" i="0" u="none" strike="noStrike" cap="none" spc="0" dirty="0">
-                <a:solidFill>
-                  <a:schemeClr val="tx1">
-                    <a:alpha val="70000"/>
-                  </a:schemeClr>
-                </a:solidFill>
-                <a:latin typeface="+mn-lt"/>
-                <a:ea typeface="Avenir Next LT Pro"/>
-                <a:cs typeface="Avenir Next LT Pro"/>
-              </a:rPr>
-              <a:t> </a:t>
-            </a:r>
-            <a:r>
-              <a:rPr lang="pt-PT" sz="2800" b="0" i="0" u="none" strike="noStrike" cap="none" spc="0" dirty="0" err="1">
-                <a:solidFill>
-                  <a:schemeClr val="tx1">
-                    <a:alpha val="70000"/>
-                  </a:schemeClr>
-                </a:solidFill>
-                <a:latin typeface="+mn-lt"/>
-                <a:ea typeface="Avenir Next LT Pro"/>
-                <a:cs typeface="Avenir Next LT Pro"/>
-              </a:rPr>
-              <a:t>our</a:t>
-            </a:r>
-            <a:r>
-              <a:rPr lang="pt-PT" sz="2800" b="0" i="0" u="none" strike="noStrike" cap="none" spc="0" dirty="0">
-                <a:solidFill>
-                  <a:schemeClr val="tx1">
-                    <a:alpha val="70000"/>
-                  </a:schemeClr>
-                </a:solidFill>
-                <a:latin typeface="+mn-lt"/>
-                <a:ea typeface="Avenir Next LT Pro"/>
-                <a:cs typeface="Avenir Next LT Pro"/>
-              </a:rPr>
-              <a:t> data, </a:t>
-            </a:r>
-            <a:r>
-              <a:rPr lang="pt-PT" sz="2800" b="0" i="0" u="none" strike="noStrike" cap="none" spc="0" dirty="0" err="1">
-                <a:solidFill>
-                  <a:schemeClr val="tx1">
-                    <a:alpha val="70000"/>
-                  </a:schemeClr>
-                </a:solidFill>
-                <a:latin typeface="+mn-lt"/>
-                <a:ea typeface="Avenir Next LT Pro"/>
-                <a:cs typeface="Avenir Next LT Pro"/>
-              </a:rPr>
-              <a:t>we</a:t>
-            </a:r>
-            <a:r>
-              <a:rPr lang="pt-PT" sz="2800" b="0" i="0" u="none" strike="noStrike" cap="none" spc="0" dirty="0">
-                <a:solidFill>
-                  <a:schemeClr val="tx1">
-                    <a:alpha val="70000"/>
-                  </a:schemeClr>
-                </a:solidFill>
-                <a:latin typeface="+mn-lt"/>
-                <a:ea typeface="Avenir Next LT Pro"/>
-                <a:cs typeface="Avenir Next LT Pro"/>
-              </a:rPr>
-              <a:t> </a:t>
-            </a:r>
-            <a:r>
-              <a:rPr lang="pt-PT" sz="2800" b="0" i="0" u="none" strike="noStrike" cap="none" spc="0" dirty="0" err="1">
-                <a:solidFill>
-                  <a:schemeClr val="tx1">
-                    <a:alpha val="70000"/>
-                  </a:schemeClr>
-                </a:solidFill>
-                <a:latin typeface="+mn-lt"/>
-                <a:ea typeface="Avenir Next LT Pro"/>
-                <a:cs typeface="Avenir Next LT Pro"/>
-              </a:rPr>
-              <a:t>concluded</a:t>
-            </a:r>
-            <a:r>
-              <a:rPr lang="pt-PT" sz="2800" b="0" i="0" u="none" strike="noStrike" cap="none" spc="0" dirty="0">
-                <a:solidFill>
-                  <a:schemeClr val="tx1">
-                    <a:alpha val="70000"/>
-                  </a:schemeClr>
-                </a:solidFill>
-                <a:latin typeface="+mn-lt"/>
-                <a:ea typeface="Avenir Next LT Pro"/>
-                <a:cs typeface="Avenir Next LT Pro"/>
-              </a:rPr>
-              <a:t> </a:t>
-            </a:r>
-            <a:r>
-              <a:rPr lang="pt-PT" sz="2800" b="0" i="0" u="none" strike="noStrike" cap="none" spc="0" dirty="0" err="1">
-                <a:solidFill>
-                  <a:schemeClr val="tx1">
-                    <a:alpha val="70000"/>
-                  </a:schemeClr>
-                </a:solidFill>
-                <a:latin typeface="+mn-lt"/>
-                <a:ea typeface="Avenir Next LT Pro"/>
-                <a:cs typeface="Avenir Next LT Pro"/>
-              </a:rPr>
-              <a:t>that</a:t>
-            </a:r>
-            <a:r>
-              <a:rPr lang="pt-PT" sz="2800" b="0" i="0" u="none" strike="noStrike" cap="none" spc="0" dirty="0">
-                <a:solidFill>
-                  <a:schemeClr val="tx1">
-                    <a:alpha val="70000"/>
-                  </a:schemeClr>
-                </a:solidFill>
-                <a:latin typeface="+mn-lt"/>
-                <a:ea typeface="Avenir Next LT Pro"/>
-                <a:cs typeface="Avenir Next LT Pro"/>
-              </a:rPr>
-              <a:t> gender </a:t>
-            </a:r>
-            <a:r>
-              <a:rPr lang="pt-PT" sz="2800" b="0" i="0" u="none" strike="noStrike" cap="none" spc="0" dirty="0" err="1">
-                <a:solidFill>
-                  <a:schemeClr val="tx1">
-                    <a:alpha val="70000"/>
-                  </a:schemeClr>
-                </a:solidFill>
-                <a:latin typeface="+mn-lt"/>
-                <a:ea typeface="Avenir Next LT Pro"/>
-                <a:cs typeface="Avenir Next LT Pro"/>
-              </a:rPr>
-              <a:t>distribution</a:t>
-            </a:r>
-            <a:r>
-              <a:rPr lang="pt-PT" sz="2800" b="0" i="0" u="none" strike="noStrike" cap="none" spc="0" dirty="0">
-                <a:solidFill>
-                  <a:schemeClr val="tx1">
-                    <a:alpha val="70000"/>
-                  </a:schemeClr>
-                </a:solidFill>
-                <a:latin typeface="+mn-lt"/>
-                <a:ea typeface="Avenir Next LT Pro"/>
-                <a:cs typeface="Avenir Next LT Pro"/>
-              </a:rPr>
-              <a:t> </a:t>
-            </a:r>
-            <a:r>
-              <a:rPr lang="pt-PT" sz="2800" b="0" i="0" u="none" strike="noStrike" cap="none" spc="0" dirty="0" err="1">
-                <a:solidFill>
-                  <a:schemeClr val="tx1">
-                    <a:alpha val="70000"/>
-                  </a:schemeClr>
-                </a:solidFill>
-                <a:latin typeface="+mn-lt"/>
-                <a:ea typeface="Avenir Next LT Pro"/>
-                <a:cs typeface="Avenir Next LT Pro"/>
-              </a:rPr>
-              <a:t>is</a:t>
-            </a:r>
-            <a:r>
-              <a:rPr lang="pt-PT" sz="2800" b="0" i="0" u="none" strike="noStrike" cap="none" spc="0" dirty="0">
-                <a:solidFill>
-                  <a:schemeClr val="tx1">
-                    <a:alpha val="70000"/>
-                  </a:schemeClr>
-                </a:solidFill>
-                <a:latin typeface="+mn-lt"/>
-                <a:ea typeface="Avenir Next LT Pro"/>
-                <a:cs typeface="Avenir Next LT Pro"/>
-              </a:rPr>
-              <a:t> </a:t>
-            </a:r>
-            <a:r>
-              <a:rPr lang="pt-PT" sz="2800" b="0" i="0" u="none" strike="noStrike" cap="none" spc="0" dirty="0" err="1">
-                <a:solidFill>
-                  <a:schemeClr val="tx1">
-                    <a:alpha val="70000"/>
-                  </a:schemeClr>
-                </a:solidFill>
-                <a:latin typeface="+mn-lt"/>
-                <a:ea typeface="Avenir Next LT Pro"/>
-                <a:cs typeface="Avenir Next LT Pro"/>
-              </a:rPr>
-              <a:t>equal</a:t>
-            </a:r>
-            <a:r>
-              <a:rPr lang="pt-PT" sz="2800" b="0" i="0" u="none" strike="noStrike" cap="none" spc="0" dirty="0">
-                <a:solidFill>
-                  <a:schemeClr val="tx1">
-                    <a:alpha val="70000"/>
-                  </a:schemeClr>
-                </a:solidFill>
-                <a:latin typeface="+mn-lt"/>
-                <a:ea typeface="Avenir Next LT Pro"/>
-                <a:cs typeface="Avenir Next LT Pro"/>
-              </a:rPr>
-              <a:t> for </a:t>
-            </a:r>
-            <a:r>
-              <a:rPr lang="pt-PT" sz="2800" b="0" i="0" u="none" strike="noStrike" cap="none" spc="0" dirty="0" err="1">
-                <a:solidFill>
-                  <a:schemeClr val="tx1">
-                    <a:alpha val="70000"/>
-                  </a:schemeClr>
-                </a:solidFill>
-                <a:latin typeface="+mn-lt"/>
-                <a:ea typeface="Avenir Next LT Pro"/>
-                <a:cs typeface="Avenir Next LT Pro"/>
-              </a:rPr>
-              <a:t>both</a:t>
-            </a:r>
-            <a:r>
-              <a:rPr lang="pt-PT" sz="2800" b="0" i="0" u="none" strike="noStrike" cap="none" spc="0" dirty="0">
-                <a:solidFill>
-                  <a:schemeClr val="tx1">
-                    <a:alpha val="70000"/>
-                  </a:schemeClr>
-                </a:solidFill>
-                <a:latin typeface="+mn-lt"/>
-                <a:ea typeface="Avenir Next LT Pro"/>
-                <a:cs typeface="Avenir Next LT Pro"/>
-              </a:rPr>
-              <a:t> genders, </a:t>
-            </a:r>
-            <a:r>
-              <a:rPr lang="pt-PT" sz="2800" b="0" i="0" u="none" strike="noStrike" cap="none" spc="0" dirty="0" err="1">
-                <a:solidFill>
-                  <a:schemeClr val="tx1">
-                    <a:alpha val="70000"/>
-                  </a:schemeClr>
-                </a:solidFill>
-                <a:latin typeface="+mn-lt"/>
-                <a:ea typeface="Avenir Next LT Pro"/>
-                <a:cs typeface="Avenir Next LT Pro"/>
-              </a:rPr>
-              <a:t>however</a:t>
-            </a:r>
-            <a:r>
-              <a:rPr lang="pt-PT" sz="2800" b="0" i="0" u="none" strike="noStrike" cap="none" spc="0" dirty="0">
-                <a:solidFill>
-                  <a:schemeClr val="tx1">
-                    <a:alpha val="70000"/>
-                  </a:schemeClr>
-                </a:solidFill>
-                <a:latin typeface="+mn-lt"/>
-                <a:ea typeface="Avenir Next LT Pro"/>
-                <a:cs typeface="Avenir Next LT Pro"/>
-              </a:rPr>
-              <a:t>, </a:t>
-            </a:r>
-            <a:r>
-              <a:rPr lang="pt-PT" sz="2800" b="0" i="0" u="none" strike="noStrike" cap="none" spc="0" dirty="0" err="1">
-                <a:solidFill>
-                  <a:schemeClr val="tx1">
-                    <a:alpha val="70000"/>
-                  </a:schemeClr>
-                </a:solidFill>
-                <a:latin typeface="+mn-lt"/>
-                <a:ea typeface="Avenir Next LT Pro"/>
-                <a:cs typeface="Avenir Next LT Pro"/>
-              </a:rPr>
-              <a:t>payment</a:t>
-            </a:r>
-            <a:r>
-              <a:rPr lang="pt-PT" sz="2800" b="0" i="0" u="none" strike="noStrike" cap="none" spc="0" dirty="0">
-                <a:solidFill>
-                  <a:schemeClr val="tx1">
-                    <a:alpha val="70000"/>
-                  </a:schemeClr>
-                </a:solidFill>
-                <a:latin typeface="+mn-lt"/>
-                <a:ea typeface="Avenir Next LT Pro"/>
-                <a:cs typeface="Avenir Next LT Pro"/>
-              </a:rPr>
-              <a:t> </a:t>
-            </a:r>
-            <a:r>
-              <a:rPr lang="pt-PT" sz="2800" b="0" i="0" u="none" strike="noStrike" cap="none" spc="0" dirty="0" err="1">
-                <a:solidFill>
-                  <a:schemeClr val="tx1">
-                    <a:alpha val="70000"/>
-                  </a:schemeClr>
-                </a:solidFill>
-                <a:latin typeface="+mn-lt"/>
-                <a:ea typeface="Avenir Next LT Pro"/>
-                <a:cs typeface="Avenir Next LT Pro"/>
-              </a:rPr>
-              <a:t>method</a:t>
-            </a:r>
-            <a:r>
-              <a:rPr lang="pt-PT" sz="2800" b="0" i="0" u="none" strike="noStrike" cap="none" spc="0" dirty="0">
-                <a:solidFill>
-                  <a:schemeClr val="tx1">
-                    <a:alpha val="70000"/>
-                  </a:schemeClr>
-                </a:solidFill>
-                <a:latin typeface="+mn-lt"/>
-                <a:ea typeface="Avenir Next LT Pro"/>
-                <a:cs typeface="Avenir Next LT Pro"/>
-              </a:rPr>
-              <a:t> </a:t>
-            </a:r>
-            <a:r>
-              <a:rPr lang="pt-PT" sz="2800" b="0" i="0" u="none" strike="noStrike" cap="none" spc="0" dirty="0" err="1">
-                <a:solidFill>
-                  <a:schemeClr val="tx1">
-                    <a:alpha val="70000"/>
-                  </a:schemeClr>
-                </a:solidFill>
-                <a:latin typeface="+mn-lt"/>
-                <a:ea typeface="Avenir Next LT Pro"/>
-                <a:cs typeface="Avenir Next LT Pro"/>
-              </a:rPr>
-              <a:t>distribution</a:t>
-            </a:r>
-            <a:r>
-              <a:rPr lang="pt-PT" sz="2800" b="0" i="0" u="none" strike="noStrike" cap="none" spc="0" dirty="0">
-                <a:solidFill>
-                  <a:schemeClr val="tx1">
-                    <a:alpha val="70000"/>
-                  </a:schemeClr>
-                </a:solidFill>
-                <a:latin typeface="+mn-lt"/>
-                <a:ea typeface="Avenir Next LT Pro"/>
-                <a:cs typeface="Avenir Next LT Pro"/>
-              </a:rPr>
-              <a:t> </a:t>
-            </a:r>
-            <a:r>
-              <a:rPr lang="pt-PT" sz="2800" b="0" i="0" u="none" strike="noStrike" cap="none" spc="0" dirty="0" err="1">
-                <a:solidFill>
-                  <a:schemeClr val="tx1">
-                    <a:alpha val="70000"/>
-                  </a:schemeClr>
-                </a:solidFill>
-                <a:latin typeface="+mn-lt"/>
-                <a:ea typeface="Avenir Next LT Pro"/>
-                <a:cs typeface="Avenir Next LT Pro"/>
-              </a:rPr>
-              <a:t>is</a:t>
-            </a:r>
-            <a:r>
-              <a:rPr lang="pt-PT" sz="2800" b="0" i="0" u="none" strike="noStrike" cap="none" spc="0" dirty="0">
-                <a:solidFill>
-                  <a:schemeClr val="tx1">
-                    <a:alpha val="70000"/>
-                  </a:schemeClr>
-                </a:solidFill>
-                <a:latin typeface="+mn-lt"/>
-                <a:ea typeface="Avenir Next LT Pro"/>
-                <a:cs typeface="Avenir Next LT Pro"/>
-              </a:rPr>
-              <a:t> </a:t>
-            </a:r>
-            <a:r>
-              <a:rPr lang="pt-PT" sz="2800" b="0" i="0" u="none" strike="noStrike" cap="none" spc="0" dirty="0" err="1">
-                <a:solidFill>
-                  <a:schemeClr val="tx1">
-                    <a:alpha val="70000"/>
-                  </a:schemeClr>
-                </a:solidFill>
-                <a:latin typeface="+mn-lt"/>
-                <a:ea typeface="Avenir Next LT Pro"/>
-                <a:cs typeface="Avenir Next LT Pro"/>
-              </a:rPr>
-              <a:t>not</a:t>
-            </a:r>
-            <a:r>
-              <a:rPr lang="pt-PT" sz="2800" b="0" i="0" u="none" strike="noStrike" cap="none" spc="0" dirty="0">
-                <a:solidFill>
-                  <a:schemeClr val="tx1">
-                    <a:alpha val="70000"/>
-                  </a:schemeClr>
-                </a:solidFill>
-                <a:latin typeface="+mn-lt"/>
-                <a:ea typeface="Avenir Next LT Pro"/>
-                <a:cs typeface="Avenir Next LT Pro"/>
-              </a:rPr>
-              <a:t> </a:t>
-            </a:r>
-            <a:r>
-              <a:rPr lang="pt-PT" sz="2800" b="0" i="0" u="none" strike="noStrike" cap="none" spc="0" dirty="0" err="1">
-                <a:solidFill>
-                  <a:schemeClr val="tx1">
-                    <a:alpha val="70000"/>
-                  </a:schemeClr>
-                </a:solidFill>
-                <a:latin typeface="+mn-lt"/>
-                <a:ea typeface="Avenir Next LT Pro"/>
-                <a:cs typeface="Avenir Next LT Pro"/>
-              </a:rPr>
-              <a:t>uniform</a:t>
-            </a:r>
-            <a:r>
-              <a:rPr lang="pt-PT" sz="2800" b="0" i="0" u="none" strike="noStrike" cap="none" spc="0" dirty="0">
-                <a:solidFill>
-                  <a:schemeClr val="tx1">
-                    <a:alpha val="70000"/>
-                  </a:schemeClr>
-                </a:solidFill>
-                <a:latin typeface="+mn-lt"/>
-                <a:ea typeface="Avenir Next LT Pro"/>
-                <a:cs typeface="Avenir Next LT Pro"/>
-              </a:rPr>
-              <a:t>, </a:t>
-            </a:r>
-            <a:r>
-              <a:rPr lang="pt-PT" sz="2800" b="0" i="0" u="none" strike="noStrike" cap="none" spc="0" dirty="0" err="1">
-                <a:solidFill>
-                  <a:schemeClr val="tx1">
-                    <a:alpha val="70000"/>
-                  </a:schemeClr>
-                </a:solidFill>
-                <a:latin typeface="+mn-lt"/>
-                <a:ea typeface="Avenir Next LT Pro"/>
-                <a:cs typeface="Avenir Next LT Pro"/>
-              </a:rPr>
-              <a:t>verifying</a:t>
-            </a:r>
-            <a:r>
-              <a:rPr lang="pt-PT" sz="2800" b="0" i="0" u="none" strike="noStrike" cap="none" spc="0" dirty="0">
-                <a:solidFill>
-                  <a:schemeClr val="tx1">
-                    <a:alpha val="70000"/>
-                  </a:schemeClr>
-                </a:solidFill>
-                <a:latin typeface="+mn-lt"/>
-                <a:ea typeface="Avenir Next LT Pro"/>
-                <a:cs typeface="Avenir Next LT Pro"/>
-              </a:rPr>
-              <a:t> </a:t>
-            </a:r>
-            <a:r>
-              <a:rPr lang="pt-PT" sz="2800" b="0" i="0" u="none" strike="noStrike" cap="none" spc="0" dirty="0" err="1">
-                <a:solidFill>
-                  <a:schemeClr val="tx1">
-                    <a:alpha val="70000"/>
-                  </a:schemeClr>
-                </a:solidFill>
-                <a:latin typeface="+mn-lt"/>
-                <a:ea typeface="Avenir Next LT Pro"/>
-                <a:cs typeface="Avenir Next LT Pro"/>
-              </a:rPr>
-              <a:t>distinct</a:t>
-            </a:r>
-            <a:r>
-              <a:rPr lang="pt-PT" sz="2800" b="0" i="0" u="none" strike="noStrike" cap="none" spc="0" dirty="0">
-                <a:solidFill>
-                  <a:schemeClr val="tx1">
-                    <a:alpha val="70000"/>
-                  </a:schemeClr>
-                </a:solidFill>
-                <a:latin typeface="+mn-lt"/>
-                <a:ea typeface="Avenir Next LT Pro"/>
-                <a:cs typeface="Avenir Next LT Pro"/>
-              </a:rPr>
-              <a:t> </a:t>
-            </a:r>
-            <a:r>
-              <a:rPr lang="pt-PT" sz="2800" b="0" i="0" u="none" strike="noStrike" cap="none" spc="0" dirty="0" err="1">
-                <a:solidFill>
-                  <a:schemeClr val="tx1">
-                    <a:alpha val="70000"/>
-                  </a:schemeClr>
-                </a:solidFill>
-                <a:latin typeface="+mn-lt"/>
-                <a:ea typeface="Avenir Next LT Pro"/>
-                <a:cs typeface="Avenir Next LT Pro"/>
-              </a:rPr>
-              <a:t>distribution</a:t>
-            </a:r>
-            <a:r>
-              <a:rPr lang="pt-PT" dirty="0">
-                <a:ea typeface="Avenir Next LT Pro"/>
-                <a:cs typeface="Avenir Next LT Pro"/>
-              </a:rPr>
-              <a:t>;</a:t>
-            </a:r>
-          </a:p>
-          <a:p>
-            <a:pPr>
-              <a:defRPr/>
-            </a:pPr>
-            <a:endParaRPr sz="2800" dirty="0">
-              <a:solidFill>
-                <a:srgbClr val="FFFFFF">
-                  <a:alpha val="70000"/>
-                </a:srgbClr>
-              </a:solidFill>
-              <a:ea typeface="Avenir Next LT Pro"/>
-              <a:cs typeface="Avenir Next LT Pro"/>
-            </a:endParaRPr>
           </a:p>
         </p:txBody>
       </p:sp>
     </p:spTree>
     <p:extLst>
       <p:ext uri="{BB962C8B-B14F-4D97-AF65-F5344CB8AC3E}">
-        <p14:creationId xmlns:p14="http://schemas.microsoft.com/office/powerpoint/2010/main" val="3409926647"/>
+        <p14:creationId xmlns:p14="http://schemas.microsoft.com/office/powerpoint/2010/main" val="3113898821"/>
       </p:ext>
     </p:extLst>
   </p:cSld>
@@ -5997,1325 +5579,7 @@
 </p:sld>
 </file>
 
-<file path=ppt/slides/slide5.xml><?xml version="1.0" encoding="utf-8"?>
-<p:sld xmlns:a="http://schemas.openxmlformats.org/drawingml/2006/main" xmlns:r="http://schemas.openxmlformats.org/officeDocument/2006/relationships" xmlns:p="http://schemas.openxmlformats.org/presentationml/2006/main">
-  <p:cSld>
-    <p:spTree>
-      <p:nvGrpSpPr>
-        <p:cNvPr id="1" name=""/>
-        <p:cNvGrpSpPr/>
-        <p:nvPr/>
-      </p:nvGrpSpPr>
-      <p:grpSpPr>
-        <a:xfrm>
-          <a:off x="0" y="0"/>
-          <a:ext cx="0" cy="0"/>
-          <a:chOff x="0" y="0"/>
-          <a:chExt cx="0" cy="0"/>
-        </a:xfrm>
-      </p:grpSpPr>
-      <p:sp>
-        <p:nvSpPr>
-          <p:cNvPr id="2" name="Título 1">
-            <a:extLst>
-              <a:ext uri="{FF2B5EF4-FFF2-40B4-BE49-F238E27FC236}">
-                <a16:creationId xmlns:a16="http://schemas.microsoft.com/office/drawing/2014/main" id="{5FD0C685-97A2-F196-F8B2-0A5EF31E785E}"/>
-              </a:ext>
-            </a:extLst>
-          </p:cNvPr>
-          <p:cNvSpPr>
-            <a:spLocks noGrp="1"/>
-          </p:cNvSpPr>
-          <p:nvPr>
-            <p:ph type="title"/>
-          </p:nvPr>
-        </p:nvSpPr>
-        <p:spPr/>
-        <p:txBody>
-          <a:bodyPr/>
-          <a:lstStyle/>
-          <a:p>
-            <a:r>
-              <a:rPr lang="pt-PT" dirty="0"/>
-              <a:t>Data </a:t>
-            </a:r>
-            <a:r>
-              <a:rPr lang="pt-PT" dirty="0" err="1"/>
-              <a:t>Preprocessing</a:t>
-            </a:r>
-            <a:endParaRPr lang="pt-PT" dirty="0"/>
-          </a:p>
-        </p:txBody>
-      </p:sp>
-      <p:sp>
-        <p:nvSpPr>
-          <p:cNvPr id="3" name="Marcador de Posição de Conteúdo 2">
-            <a:extLst>
-              <a:ext uri="{FF2B5EF4-FFF2-40B4-BE49-F238E27FC236}">
-                <a16:creationId xmlns:a16="http://schemas.microsoft.com/office/drawing/2014/main" id="{92FEA337-2D60-FB72-1FDD-6B6A96D0CE18}"/>
-              </a:ext>
-            </a:extLst>
-          </p:cNvPr>
-          <p:cNvSpPr>
-            <a:spLocks noGrp="1"/>
-          </p:cNvSpPr>
-          <p:nvPr>
-            <p:ph idx="1"/>
-          </p:nvPr>
-        </p:nvSpPr>
-        <p:spPr/>
-        <p:txBody>
-          <a:bodyPr/>
-          <a:lstStyle/>
-          <a:p>
-            <a:r>
-              <a:rPr lang="pt-PT" dirty="0">
-                <a:latin typeface="Avenir Next LT Pro (corpo)"/>
-                <a:ea typeface="Roboto"/>
-              </a:rPr>
-              <a:t> </a:t>
-            </a:r>
-            <a:r>
-              <a:rPr lang="pt-PT" dirty="0" err="1">
-                <a:latin typeface="Avenir Next LT Pro (corpo)"/>
-                <a:ea typeface="Roboto"/>
-              </a:rPr>
-              <a:t>After</a:t>
-            </a:r>
-            <a:r>
-              <a:rPr lang="pt-PT" dirty="0">
-                <a:latin typeface="Avenir Next LT Pro (corpo)"/>
-                <a:ea typeface="Roboto"/>
-              </a:rPr>
-              <a:t> </a:t>
-            </a:r>
-            <a:r>
-              <a:rPr lang="pt-PT" dirty="0" err="1">
-                <a:latin typeface="Avenir Next LT Pro (corpo)"/>
-                <a:ea typeface="Roboto"/>
-              </a:rPr>
-              <a:t>analysing</a:t>
-            </a:r>
-            <a:r>
-              <a:rPr lang="pt-PT" dirty="0">
-                <a:latin typeface="Avenir Next LT Pro (corpo)"/>
-                <a:ea typeface="Roboto"/>
-              </a:rPr>
-              <a:t> </a:t>
-            </a:r>
-            <a:r>
-              <a:rPr lang="pt-PT" dirty="0" err="1">
-                <a:latin typeface="Avenir Next LT Pro (corpo)"/>
-                <a:ea typeface="Roboto"/>
-              </a:rPr>
-              <a:t>our</a:t>
-            </a:r>
-            <a:r>
-              <a:rPr lang="pt-PT" dirty="0">
-                <a:latin typeface="Avenir Next LT Pro (corpo)"/>
-                <a:ea typeface="Roboto"/>
-              </a:rPr>
-              <a:t> </a:t>
-            </a:r>
-            <a:r>
-              <a:rPr lang="pt-PT" dirty="0" err="1">
-                <a:latin typeface="Avenir Next LT Pro (corpo)"/>
-                <a:ea typeface="Roboto"/>
-              </a:rPr>
-              <a:t>dataset</a:t>
-            </a:r>
-            <a:r>
-              <a:rPr lang="pt-PT" dirty="0">
-                <a:latin typeface="Avenir Next LT Pro (corpo)"/>
-                <a:ea typeface="Roboto"/>
-              </a:rPr>
-              <a:t>, </a:t>
-            </a:r>
-            <a:r>
-              <a:rPr lang="pt-PT" dirty="0" err="1">
-                <a:latin typeface="Avenir Next LT Pro (corpo)"/>
-                <a:ea typeface="Roboto"/>
-              </a:rPr>
-              <a:t>we</a:t>
-            </a:r>
-            <a:r>
-              <a:rPr lang="pt-PT" dirty="0">
-                <a:latin typeface="Avenir Next LT Pro (corpo)"/>
-                <a:ea typeface="Roboto"/>
-              </a:rPr>
-              <a:t> </a:t>
-            </a:r>
-            <a:r>
-              <a:rPr lang="pt-PT" dirty="0" err="1">
-                <a:latin typeface="Avenir Next LT Pro (corpo)"/>
-                <a:ea typeface="Roboto"/>
-              </a:rPr>
-              <a:t>verified</a:t>
-            </a:r>
-            <a:r>
-              <a:rPr lang="pt-PT" dirty="0">
-                <a:latin typeface="Avenir Next LT Pro (corpo)"/>
-                <a:ea typeface="Roboto"/>
-              </a:rPr>
-              <a:t> </a:t>
-            </a:r>
-            <a:r>
-              <a:rPr lang="pt-PT" dirty="0" err="1">
-                <a:latin typeface="Avenir Next LT Pro (corpo)"/>
-                <a:ea typeface="Roboto"/>
-              </a:rPr>
-              <a:t>the</a:t>
-            </a:r>
-            <a:r>
-              <a:rPr lang="pt-PT" dirty="0">
-                <a:latin typeface="Avenir Next LT Pro (corpo)"/>
-                <a:ea typeface="Roboto"/>
-              </a:rPr>
-              <a:t> </a:t>
-            </a:r>
-            <a:r>
-              <a:rPr lang="pt-PT" dirty="0" err="1">
-                <a:latin typeface="Avenir Next LT Pro (corpo)"/>
-                <a:ea typeface="Roboto"/>
-              </a:rPr>
-              <a:t>existance</a:t>
-            </a:r>
-            <a:r>
-              <a:rPr lang="pt-PT" dirty="0">
-                <a:latin typeface="Avenir Next LT Pro (corpo)"/>
-                <a:ea typeface="Roboto"/>
-              </a:rPr>
-              <a:t> </a:t>
-            </a:r>
-            <a:r>
-              <a:rPr lang="pt-PT" dirty="0" err="1">
-                <a:latin typeface="Avenir Next LT Pro (corpo)"/>
-                <a:ea typeface="Roboto"/>
-              </a:rPr>
-              <a:t>of</a:t>
-            </a:r>
-            <a:r>
-              <a:rPr lang="pt-PT" dirty="0">
-                <a:latin typeface="Avenir Next LT Pro (corpo)"/>
-                <a:ea typeface="Roboto"/>
-              </a:rPr>
-              <a:t> </a:t>
-            </a:r>
-            <a:r>
-              <a:rPr lang="pt-PT" dirty="0" err="1">
-                <a:latin typeface="Avenir Next LT Pro (corpo)"/>
-                <a:ea typeface="Roboto"/>
-              </a:rPr>
-              <a:t>any</a:t>
-            </a:r>
-            <a:r>
-              <a:rPr lang="pt-PT" dirty="0">
-                <a:latin typeface="Avenir Next LT Pro (corpo)"/>
-                <a:ea typeface="Roboto"/>
-              </a:rPr>
-              <a:t> </a:t>
-            </a:r>
-            <a:r>
-              <a:rPr lang="pt-PT" dirty="0" err="1">
-                <a:latin typeface="Avenir Next LT Pro (corpo)"/>
-                <a:ea typeface="Roboto"/>
-              </a:rPr>
-              <a:t>missing</a:t>
-            </a:r>
-            <a:r>
-              <a:rPr lang="pt-PT" dirty="0">
-                <a:latin typeface="Avenir Next LT Pro (corpo)"/>
-                <a:ea typeface="Roboto"/>
-              </a:rPr>
-              <a:t> </a:t>
-            </a:r>
-            <a:r>
-              <a:rPr lang="pt-PT" dirty="0" err="1">
-                <a:latin typeface="Avenir Next LT Pro (corpo)"/>
-                <a:ea typeface="Roboto"/>
-              </a:rPr>
-              <a:t>values</a:t>
-            </a:r>
-            <a:r>
-              <a:rPr lang="pt-PT" dirty="0">
-                <a:latin typeface="Avenir Next LT Pro (corpo)"/>
-                <a:ea typeface="Roboto"/>
-              </a:rPr>
-              <a:t> (no </a:t>
-            </a:r>
-            <a:r>
-              <a:rPr lang="pt-PT" dirty="0" err="1">
-                <a:latin typeface="Avenir Next LT Pro (corpo)"/>
-                <a:ea typeface="Roboto"/>
-              </a:rPr>
-              <a:t>null</a:t>
-            </a:r>
-            <a:r>
-              <a:rPr lang="pt-PT" dirty="0">
-                <a:latin typeface="Avenir Next LT Pro (corpo)"/>
-                <a:ea typeface="Roboto"/>
-              </a:rPr>
-              <a:t> </a:t>
-            </a:r>
-            <a:r>
-              <a:rPr lang="pt-PT" dirty="0" err="1">
-                <a:latin typeface="Avenir Next LT Pro (corpo)"/>
-                <a:ea typeface="Roboto"/>
-              </a:rPr>
-              <a:t>values</a:t>
-            </a:r>
-            <a:r>
-              <a:rPr lang="pt-PT" dirty="0">
-                <a:latin typeface="Avenir Next LT Pro (corpo)"/>
-                <a:ea typeface="Roboto"/>
-              </a:rPr>
-              <a:t> </a:t>
-            </a:r>
-            <a:r>
-              <a:rPr lang="pt-PT" dirty="0" err="1">
-                <a:latin typeface="Avenir Next LT Pro (corpo)"/>
-                <a:ea typeface="Roboto"/>
-              </a:rPr>
-              <a:t>were</a:t>
-            </a:r>
-            <a:r>
-              <a:rPr lang="pt-PT" dirty="0">
-                <a:latin typeface="Avenir Next LT Pro (corpo)"/>
-                <a:ea typeface="Roboto"/>
-              </a:rPr>
-              <a:t> </a:t>
-            </a:r>
-            <a:r>
-              <a:rPr lang="pt-PT" dirty="0" err="1">
-                <a:latin typeface="Avenir Next LT Pro (corpo)"/>
-                <a:ea typeface="Roboto"/>
-              </a:rPr>
-              <a:t>found</a:t>
-            </a:r>
-            <a:r>
-              <a:rPr lang="pt-PT" dirty="0">
-                <a:latin typeface="Avenir Next LT Pro (corpo)"/>
-                <a:ea typeface="Roboto"/>
-              </a:rPr>
-              <a:t>) </a:t>
-            </a:r>
-            <a:r>
-              <a:rPr lang="pt-PT" dirty="0" err="1">
-                <a:latin typeface="Avenir Next LT Pro (corpo)"/>
-                <a:ea typeface="Roboto"/>
-              </a:rPr>
-              <a:t>or</a:t>
-            </a:r>
-            <a:r>
-              <a:rPr lang="pt-PT" dirty="0">
-                <a:latin typeface="Avenir Next LT Pro (corpo)"/>
-                <a:ea typeface="Roboto"/>
-              </a:rPr>
-              <a:t> </a:t>
-            </a:r>
-            <a:r>
-              <a:rPr lang="pt-PT" dirty="0" err="1">
-                <a:latin typeface="Avenir Next LT Pro (corpo)"/>
-                <a:ea typeface="Roboto"/>
-              </a:rPr>
-              <a:t>repeated</a:t>
-            </a:r>
-            <a:r>
-              <a:rPr lang="pt-PT" dirty="0">
-                <a:latin typeface="Avenir Next LT Pro (corpo)"/>
-                <a:ea typeface="Roboto"/>
-              </a:rPr>
-              <a:t> </a:t>
-            </a:r>
-            <a:r>
-              <a:rPr lang="pt-PT" dirty="0" err="1">
-                <a:latin typeface="Avenir Next LT Pro (corpo)"/>
-                <a:ea typeface="Roboto"/>
-              </a:rPr>
-              <a:t>values</a:t>
-            </a:r>
-            <a:r>
-              <a:rPr lang="pt-PT" dirty="0">
-                <a:latin typeface="Avenir Next LT Pro (corpo)"/>
-                <a:ea typeface="Roboto"/>
-              </a:rPr>
-              <a:t> (</a:t>
-            </a:r>
-            <a:r>
-              <a:rPr lang="pt-PT" dirty="0" err="1">
-                <a:latin typeface="Avenir Next LT Pro (corpo)"/>
-                <a:ea typeface="Roboto"/>
-              </a:rPr>
-              <a:t>only</a:t>
-            </a:r>
-            <a:r>
-              <a:rPr lang="pt-PT" dirty="0">
-                <a:latin typeface="Avenir Next LT Pro (corpo)"/>
-                <a:ea typeface="Roboto"/>
-              </a:rPr>
-              <a:t> </a:t>
-            </a:r>
-            <a:r>
-              <a:rPr lang="pt-PT" dirty="0" err="1">
-                <a:latin typeface="Avenir Next LT Pro (corpo)"/>
-                <a:ea typeface="Roboto"/>
-              </a:rPr>
-              <a:t>the</a:t>
-            </a:r>
-            <a:r>
-              <a:rPr lang="pt-PT" dirty="0">
-                <a:latin typeface="Avenir Next LT Pro (corpo)"/>
-                <a:ea typeface="Roboto"/>
-              </a:rPr>
-              <a:t> </a:t>
-            </a:r>
-            <a:r>
-              <a:rPr lang="pt-PT" dirty="0" err="1">
-                <a:latin typeface="Avenir Next LT Pro (corpo)"/>
-                <a:ea typeface="Roboto"/>
-              </a:rPr>
-              <a:t>customerId</a:t>
-            </a:r>
-            <a:r>
-              <a:rPr lang="pt-PT" dirty="0">
-                <a:latin typeface="Avenir Next LT Pro (corpo)"/>
-                <a:ea typeface="Roboto"/>
-              </a:rPr>
-              <a:t> must </a:t>
-            </a:r>
-            <a:r>
-              <a:rPr lang="pt-PT" dirty="0" err="1">
-                <a:latin typeface="Avenir Next LT Pro (corpo)"/>
-                <a:ea typeface="Roboto"/>
-              </a:rPr>
-              <a:t>be</a:t>
-            </a:r>
-            <a:r>
-              <a:rPr lang="pt-PT" dirty="0">
-                <a:latin typeface="Avenir Next LT Pro (corpo)"/>
-                <a:ea typeface="Roboto"/>
-              </a:rPr>
-              <a:t> </a:t>
-            </a:r>
-            <a:r>
-              <a:rPr lang="pt-PT" dirty="0" err="1">
-                <a:latin typeface="Avenir Next LT Pro (corpo)"/>
-                <a:ea typeface="Roboto"/>
-              </a:rPr>
-              <a:t>unique</a:t>
-            </a:r>
-            <a:r>
-              <a:rPr lang="pt-PT" dirty="0">
-                <a:latin typeface="Avenir Next LT Pro (corpo)"/>
-                <a:ea typeface="Roboto"/>
-              </a:rPr>
-              <a:t>) </a:t>
-            </a:r>
-            <a:r>
-              <a:rPr lang="pt-PT" dirty="0" err="1">
-                <a:latin typeface="Avenir Next LT Pro (corpo)"/>
-                <a:ea typeface="Roboto"/>
-              </a:rPr>
-              <a:t>and</a:t>
-            </a:r>
-            <a:r>
-              <a:rPr lang="pt-PT" dirty="0">
-                <a:latin typeface="Avenir Next LT Pro (corpo)"/>
-                <a:ea typeface="Roboto"/>
-              </a:rPr>
-              <a:t> </a:t>
-            </a:r>
-            <a:r>
-              <a:rPr lang="pt-PT" dirty="0" err="1">
-                <a:latin typeface="Avenir Next LT Pro (corpo)"/>
-                <a:ea typeface="Roboto"/>
-              </a:rPr>
-              <a:t>removed</a:t>
-            </a:r>
-            <a:r>
-              <a:rPr lang="pt-PT" dirty="0">
-                <a:latin typeface="Avenir Next LT Pro (corpo)"/>
-                <a:ea typeface="Roboto"/>
-              </a:rPr>
-              <a:t> </a:t>
-            </a:r>
-            <a:r>
-              <a:rPr lang="pt-PT" dirty="0" err="1">
-                <a:latin typeface="Avenir Next LT Pro (corpo)"/>
-                <a:ea typeface="Roboto"/>
-              </a:rPr>
-              <a:t>unnecessary</a:t>
-            </a:r>
-            <a:r>
-              <a:rPr lang="pt-PT" dirty="0">
-                <a:latin typeface="Avenir Next LT Pro (corpo)"/>
-                <a:ea typeface="Roboto"/>
-              </a:rPr>
-              <a:t> </a:t>
-            </a:r>
-            <a:r>
-              <a:rPr lang="pt-PT" dirty="0" err="1">
-                <a:latin typeface="Avenir Next LT Pro (corpo)"/>
-                <a:ea typeface="Roboto"/>
-              </a:rPr>
-              <a:t>columns</a:t>
-            </a:r>
-            <a:r>
-              <a:rPr lang="pt-PT" dirty="0">
-                <a:latin typeface="Avenir Next LT Pro (corpo)"/>
-                <a:ea typeface="Roboto"/>
-              </a:rPr>
-              <a:t> for </a:t>
-            </a:r>
-            <a:r>
-              <a:rPr lang="pt-PT" dirty="0" err="1">
-                <a:latin typeface="Avenir Next LT Pro (corpo)"/>
-                <a:ea typeface="Roboto"/>
-              </a:rPr>
-              <a:t>our</a:t>
-            </a:r>
-            <a:r>
-              <a:rPr lang="pt-PT" dirty="0">
-                <a:latin typeface="Avenir Next LT Pro (corpo)"/>
-                <a:ea typeface="Roboto"/>
-              </a:rPr>
-              <a:t> </a:t>
-            </a:r>
-            <a:r>
-              <a:rPr lang="pt-PT" dirty="0" err="1">
-                <a:latin typeface="Avenir Next LT Pro (corpo)"/>
-                <a:ea typeface="Roboto"/>
-              </a:rPr>
-              <a:t>study</a:t>
-            </a:r>
-            <a:r>
-              <a:rPr lang="pt-PT" dirty="0">
-                <a:latin typeface="Avenir Next LT Pro (corpo)"/>
-                <a:ea typeface="Roboto"/>
-              </a:rPr>
-              <a:t> case (</a:t>
-            </a:r>
-            <a:r>
-              <a:rPr lang="pt-PT" dirty="0" err="1">
-                <a:latin typeface="Avenir Next LT Pro (corpo)"/>
-                <a:ea typeface="Roboto"/>
-              </a:rPr>
-              <a:t>customerId</a:t>
-            </a:r>
-            <a:r>
-              <a:rPr lang="pt-PT" dirty="0">
-                <a:latin typeface="Avenir Next LT Pro (corpo)"/>
-                <a:ea typeface="Roboto"/>
-              </a:rPr>
-              <a:t> </a:t>
-            </a:r>
-            <a:r>
-              <a:rPr lang="pt-PT" dirty="0" err="1">
-                <a:latin typeface="Avenir Next LT Pro (corpo)"/>
-                <a:ea typeface="Roboto"/>
-              </a:rPr>
-              <a:t>will</a:t>
-            </a:r>
-            <a:r>
-              <a:rPr lang="pt-PT" dirty="0">
-                <a:latin typeface="Avenir Next LT Pro (corpo)"/>
-                <a:ea typeface="Roboto"/>
-              </a:rPr>
-              <a:t> </a:t>
-            </a:r>
-            <a:r>
-              <a:rPr lang="pt-PT" dirty="0" err="1">
-                <a:latin typeface="Avenir Next LT Pro (corpo)"/>
-                <a:ea typeface="Roboto"/>
-              </a:rPr>
-              <a:t>have</a:t>
-            </a:r>
-            <a:r>
-              <a:rPr lang="pt-PT" dirty="0">
-                <a:latin typeface="Avenir Next LT Pro (corpo)"/>
-                <a:ea typeface="Roboto"/>
-              </a:rPr>
-              <a:t> no </a:t>
-            </a:r>
-            <a:r>
-              <a:rPr lang="pt-PT" dirty="0" err="1">
-                <a:latin typeface="Avenir Next LT Pro (corpo)"/>
-                <a:ea typeface="Roboto"/>
-              </a:rPr>
-              <a:t>impact</a:t>
-            </a:r>
-            <a:r>
-              <a:rPr lang="pt-PT" dirty="0">
-                <a:latin typeface="Avenir Next LT Pro (corpo)"/>
-                <a:ea typeface="Roboto"/>
-              </a:rPr>
-              <a:t> for </a:t>
-            </a:r>
-            <a:r>
-              <a:rPr lang="pt-PT" dirty="0" err="1">
-                <a:latin typeface="Avenir Next LT Pro (corpo)"/>
-                <a:ea typeface="Roboto"/>
-              </a:rPr>
-              <a:t>the</a:t>
-            </a:r>
-            <a:r>
-              <a:rPr lang="pt-PT" dirty="0">
-                <a:latin typeface="Avenir Next LT Pro (corpo)"/>
-                <a:ea typeface="Roboto"/>
-              </a:rPr>
-              <a:t> data </a:t>
-            </a:r>
-            <a:r>
-              <a:rPr lang="pt-PT" dirty="0" err="1">
-                <a:latin typeface="Avenir Next LT Pro (corpo)"/>
-                <a:ea typeface="Roboto"/>
-              </a:rPr>
-              <a:t>study</a:t>
-            </a:r>
-            <a:r>
-              <a:rPr lang="pt-PT" dirty="0">
-                <a:latin typeface="Avenir Next LT Pro (corpo)"/>
-                <a:ea typeface="Roboto"/>
-              </a:rPr>
-              <a:t>);</a:t>
-            </a:r>
-          </a:p>
-        </p:txBody>
-      </p:sp>
-    </p:spTree>
-    <p:extLst>
-      <p:ext uri="{BB962C8B-B14F-4D97-AF65-F5344CB8AC3E}">
-        <p14:creationId xmlns:p14="http://schemas.microsoft.com/office/powerpoint/2010/main" val="2673492808"/>
-      </p:ext>
-    </p:extLst>
-  </p:cSld>
-  <p:clrMapOvr>
-    <a:masterClrMapping/>
-  </p:clrMapOvr>
-</p:sld>
-</file>
-
-<file path=ppt/slides/slide6.xml><?xml version="1.0" encoding="utf-8"?>
-<p:sld xmlns:a="http://schemas.openxmlformats.org/drawingml/2006/main" xmlns:r="http://schemas.openxmlformats.org/officeDocument/2006/relationships" xmlns:p="http://schemas.openxmlformats.org/presentationml/2006/main">
-  <p:cSld>
-    <p:spTree>
-      <p:nvGrpSpPr>
-        <p:cNvPr id="1" name=""/>
-        <p:cNvGrpSpPr/>
-        <p:nvPr/>
-      </p:nvGrpSpPr>
-      <p:grpSpPr>
-        <a:xfrm>
-          <a:off x="0" y="0"/>
-          <a:ext cx="0" cy="0"/>
-          <a:chOff x="0" y="0"/>
-          <a:chExt cx="0" cy="0"/>
-        </a:xfrm>
-      </p:grpSpPr>
-      <p:sp>
-        <p:nvSpPr>
-          <p:cNvPr id="2" name="Título 1">
-            <a:extLst>
-              <a:ext uri="{FF2B5EF4-FFF2-40B4-BE49-F238E27FC236}">
-                <a16:creationId xmlns:a16="http://schemas.microsoft.com/office/drawing/2014/main" id="{DE5E664E-04ED-5815-9A66-8FFB1BA0EDA3}"/>
-              </a:ext>
-            </a:extLst>
-          </p:cNvPr>
-          <p:cNvSpPr>
-            <a:spLocks noGrp="1"/>
-          </p:cNvSpPr>
-          <p:nvPr>
-            <p:ph type="title"/>
-          </p:nvPr>
-        </p:nvSpPr>
-        <p:spPr/>
-        <p:txBody>
-          <a:bodyPr/>
-          <a:lstStyle/>
-          <a:p>
-            <a:r>
-              <a:rPr lang="pt-PT" dirty="0"/>
-              <a:t>Data </a:t>
-            </a:r>
-            <a:r>
-              <a:rPr lang="pt-PT"/>
-              <a:t>processing</a:t>
-            </a:r>
-          </a:p>
-        </p:txBody>
-      </p:sp>
-      <p:sp>
-        <p:nvSpPr>
-          <p:cNvPr id="3" name="Marcador de Posição de Conteúdo 2">
-            <a:extLst>
-              <a:ext uri="{FF2B5EF4-FFF2-40B4-BE49-F238E27FC236}">
-                <a16:creationId xmlns:a16="http://schemas.microsoft.com/office/drawing/2014/main" id="{EDD2879B-DC75-BE01-AFD1-A847E8207E46}"/>
-              </a:ext>
-            </a:extLst>
-          </p:cNvPr>
-          <p:cNvSpPr>
-            <a:spLocks noGrp="1"/>
-          </p:cNvSpPr>
-          <p:nvPr>
-            <p:ph idx="1"/>
-          </p:nvPr>
-        </p:nvSpPr>
-        <p:spPr/>
-        <p:txBody>
-          <a:bodyPr/>
-          <a:lstStyle/>
-          <a:p>
-            <a:r>
-              <a:rPr lang="pt-PT" dirty="0" err="1"/>
-              <a:t>Train</a:t>
-            </a:r>
-            <a:r>
-              <a:rPr lang="pt-PT" dirty="0"/>
-              <a:t> </a:t>
-            </a:r>
-            <a:r>
-              <a:rPr lang="pt-PT" dirty="0" err="1"/>
-              <a:t>and</a:t>
-            </a:r>
-            <a:r>
-              <a:rPr lang="pt-PT" dirty="0"/>
-              <a:t> </a:t>
-            </a:r>
-            <a:r>
-              <a:rPr lang="pt-PT" dirty="0" err="1"/>
-              <a:t>split</a:t>
-            </a:r>
-            <a:r>
-              <a:rPr lang="pt-PT" dirty="0"/>
-              <a:t> </a:t>
-            </a:r>
-            <a:r>
-              <a:rPr lang="pt-PT" dirty="0" err="1"/>
-              <a:t>our</a:t>
-            </a:r>
-            <a:r>
-              <a:rPr lang="pt-PT" dirty="0"/>
-              <a:t> data;</a:t>
-            </a:r>
-          </a:p>
-          <a:p>
-            <a:r>
-              <a:rPr lang="pt-PT" dirty="0" err="1"/>
-              <a:t>Oversampling</a:t>
-            </a:r>
-            <a:r>
-              <a:rPr lang="pt-PT" dirty="0"/>
-              <a:t> </a:t>
-            </a:r>
-            <a:r>
-              <a:rPr lang="pt-PT" dirty="0" err="1"/>
-              <a:t>and</a:t>
-            </a:r>
-            <a:r>
-              <a:rPr lang="pt-PT" dirty="0"/>
-              <a:t> </a:t>
-            </a:r>
-            <a:r>
-              <a:rPr lang="pt-PT" dirty="0" err="1"/>
-              <a:t>undersampling</a:t>
-            </a:r>
-            <a:r>
-              <a:rPr lang="pt-PT" dirty="0"/>
-              <a:t> data;</a:t>
-            </a:r>
-          </a:p>
-          <a:p>
-            <a:r>
-              <a:rPr lang="pt-PT" dirty="0"/>
-              <a:t>To </a:t>
-            </a:r>
-            <a:r>
-              <a:rPr lang="pt-PT" dirty="0" err="1"/>
-              <a:t>contribute</a:t>
-            </a:r>
-            <a:r>
-              <a:rPr lang="pt-PT" dirty="0"/>
-              <a:t> for </a:t>
-            </a:r>
-            <a:r>
-              <a:rPr lang="pt-PT" dirty="0" err="1"/>
-              <a:t>an</a:t>
-            </a:r>
-            <a:r>
-              <a:rPr lang="pt-PT" dirty="0"/>
-              <a:t> </a:t>
-            </a:r>
-            <a:r>
-              <a:rPr lang="pt-PT" dirty="0" err="1"/>
-              <a:t>equally</a:t>
-            </a:r>
-            <a:r>
-              <a:rPr lang="pt-PT" dirty="0"/>
-              <a:t> to </a:t>
-            </a:r>
-            <a:r>
-              <a:rPr lang="pt-PT" dirty="0" err="1"/>
-              <a:t>model</a:t>
-            </a:r>
-            <a:r>
-              <a:rPr lang="pt-PT" dirty="0"/>
-              <a:t> </a:t>
-            </a:r>
-            <a:r>
-              <a:rPr lang="pt-PT" dirty="0" err="1"/>
-              <a:t>fitting</a:t>
-            </a:r>
-            <a:r>
-              <a:rPr lang="pt-PT" dirty="0"/>
-              <a:t>, </a:t>
-            </a:r>
-            <a:r>
-              <a:rPr lang="pt-PT" dirty="0" err="1"/>
-              <a:t>we</a:t>
-            </a:r>
-            <a:r>
-              <a:rPr lang="pt-PT" dirty="0"/>
-              <a:t> </a:t>
-            </a:r>
-            <a:r>
-              <a:rPr lang="pt-PT" dirty="0" err="1"/>
-              <a:t>used</a:t>
-            </a:r>
-            <a:r>
-              <a:rPr lang="pt-PT" dirty="0"/>
-              <a:t> </a:t>
-            </a:r>
-            <a:r>
-              <a:rPr lang="pt-PT" dirty="0" err="1"/>
-              <a:t>automatic</a:t>
-            </a:r>
-            <a:r>
-              <a:rPr lang="pt-PT" dirty="0"/>
-              <a:t> </a:t>
-            </a:r>
-            <a:r>
-              <a:rPr lang="pt-PT" dirty="0" err="1"/>
-              <a:t>scales</a:t>
-            </a:r>
-            <a:r>
-              <a:rPr lang="pt-PT" dirty="0"/>
-              <a:t>;</a:t>
-            </a:r>
-          </a:p>
-          <a:p>
-            <a:pPr marL="0" indent="0">
-              <a:buNone/>
-            </a:pPr>
-            <a:endParaRPr lang="pt-PT" dirty="0"/>
-          </a:p>
-        </p:txBody>
-      </p:sp>
-    </p:spTree>
-    <p:extLst>
-      <p:ext uri="{BB962C8B-B14F-4D97-AF65-F5344CB8AC3E}">
-        <p14:creationId xmlns:p14="http://schemas.microsoft.com/office/powerpoint/2010/main" val="406359525"/>
-      </p:ext>
-    </p:extLst>
-  </p:cSld>
-  <p:clrMapOvr>
-    <a:masterClrMapping/>
-  </p:clrMapOvr>
-</p:sld>
-</file>
-
-<file path=ppt/slides/slide7.xml><?xml version="1.0" encoding="utf-8"?>
-<p:sld xmlns:a="http://schemas.openxmlformats.org/drawingml/2006/main" xmlns:r="http://schemas.openxmlformats.org/officeDocument/2006/relationships" xmlns:p="http://schemas.openxmlformats.org/presentationml/2006/main" showMasterPhAnim="0">
-  <p:cSld>
-    <p:spTree>
-      <p:nvGrpSpPr>
-        <p:cNvPr id="1" name=""/>
-        <p:cNvGrpSpPr/>
-        <p:nvPr/>
-      </p:nvGrpSpPr>
-      <p:grpSpPr bwMode="auto">
-        <a:xfrm>
-          <a:off x="0" y="0"/>
-          <a:ext cx="0" cy="0"/>
-          <a:chOff x="0" y="0"/>
-          <a:chExt cx="0" cy="0"/>
-        </a:xfrm>
-      </p:grpSpPr>
-      <p:sp>
-        <p:nvSpPr>
-          <p:cNvPr id="2" name="Título 1"/>
-          <p:cNvSpPr>
-            <a:spLocks noGrp="1"/>
-          </p:cNvSpPr>
-          <p:nvPr>
-            <p:ph type="title"/>
-          </p:nvPr>
-        </p:nvSpPr>
-        <p:spPr bwMode="auto"/>
-        <p:txBody>
-          <a:bodyPr/>
-          <a:lstStyle/>
-          <a:p>
-            <a:pPr>
-              <a:defRPr/>
-            </a:pPr>
-            <a:r>
-              <a:rPr lang="pt-PT" dirty="0" err="1"/>
-              <a:t>Tools</a:t>
-            </a:r>
-            <a:r>
-              <a:rPr lang="pt-PT" dirty="0"/>
-              <a:t> </a:t>
-            </a:r>
-            <a:r>
-              <a:rPr lang="pt-PT" dirty="0" err="1"/>
-              <a:t>and</a:t>
-            </a:r>
-            <a:r>
-              <a:rPr lang="pt-PT" dirty="0"/>
-              <a:t> </a:t>
-            </a:r>
-            <a:r>
-              <a:rPr lang="pt-PT" dirty="0" err="1"/>
-              <a:t>algorithms</a:t>
-            </a:r>
-            <a:endParaRPr dirty="0"/>
-          </a:p>
-        </p:txBody>
-      </p:sp>
-      <p:sp>
-        <p:nvSpPr>
-          <p:cNvPr id="3" name="Marcador de Posição de Conteúdo 2"/>
-          <p:cNvSpPr>
-            <a:spLocks noGrp="1"/>
-          </p:cNvSpPr>
-          <p:nvPr>
-            <p:ph idx="1"/>
-          </p:nvPr>
-        </p:nvSpPr>
-        <p:spPr bwMode="auto"/>
-        <p:txBody>
-          <a:bodyPr vertOverflow="overflow" horzOverflow="clip" vert="horz" wrap="square" lIns="91440" tIns="45720" rIns="91440" bIns="45720" numCol="1" spcCol="0" rtlCol="0" fromWordArt="0" anchor="t" anchorCtr="0" forceAA="0" compatLnSpc="0">
-            <a:normAutofit fontScale="50000" lnSpcReduction="20000"/>
-          </a:bodyPr>
-          <a:lstStyle/>
-          <a:p>
-            <a:pPr>
-              <a:defRPr/>
-            </a:pPr>
-            <a:r>
-              <a:rPr lang="en-GB" sz="2800" b="0" i="0" u="none" strike="noStrike" cap="none" spc="0" dirty="0">
-                <a:solidFill>
-                  <a:srgbClr val="FFFFFF">
-                    <a:alpha val="70000"/>
-                  </a:srgbClr>
-                </a:solidFill>
-                <a:latin typeface="+mn-lt"/>
-                <a:ea typeface="+mn-ea"/>
-                <a:cs typeface="+mn-cs"/>
-              </a:rPr>
-              <a:t>For this assignment we will use some python tools and libraries also used in classes which are:</a:t>
-            </a:r>
-            <a:endParaRPr sz="2800" dirty="0">
-              <a:solidFill>
-                <a:srgbClr val="FFFFFF">
-                  <a:alpha val="70000"/>
-                </a:srgbClr>
-              </a:solidFill>
-            </a:endParaRPr>
-          </a:p>
-          <a:p>
-            <a:pPr>
-              <a:defRPr/>
-            </a:pPr>
-            <a:r>
-              <a:rPr lang="en-GB" sz="2800" b="0" i="0" u="none" strike="noStrike" cap="none" spc="0" dirty="0" err="1">
-                <a:solidFill>
-                  <a:srgbClr val="FFFFFF">
-                    <a:alpha val="70000"/>
-                  </a:srgbClr>
-                </a:solidFill>
-                <a:latin typeface="+mn-lt"/>
-                <a:ea typeface="+mn-ea"/>
-                <a:cs typeface="+mn-cs"/>
-              </a:rPr>
-              <a:t>numpy</a:t>
-            </a:r>
-            <a:r>
-              <a:rPr lang="en-GB" sz="2800" b="0" i="0" u="none" strike="noStrike" cap="none" spc="0" dirty="0">
-                <a:solidFill>
-                  <a:srgbClr val="FFFFFF">
-                    <a:alpha val="70000"/>
-                  </a:srgbClr>
-                </a:solidFill>
-                <a:latin typeface="+mn-lt"/>
-                <a:ea typeface="+mn-ea"/>
-                <a:cs typeface="+mn-cs"/>
-              </a:rPr>
-              <a:t> (</a:t>
-            </a:r>
-            <a:r>
-              <a:rPr lang="en-GB" sz="2800" b="0" i="0" u="none" strike="noStrike" cap="none" spc="0" dirty="0">
-                <a:solidFill>
-                  <a:schemeClr val="tx1">
-                    <a:alpha val="70000"/>
-                  </a:schemeClr>
-                </a:solidFill>
-                <a:latin typeface="+mn-lt"/>
-                <a:ea typeface="Avenir Next LT Pro"/>
-                <a:cs typeface="Avenir Next LT Pro"/>
-              </a:rPr>
-              <a:t>library used for working with arrays</a:t>
-            </a:r>
-            <a:r>
-              <a:rPr lang="en-GB" sz="2800" b="0" i="0" u="none" strike="noStrike" cap="none" spc="0" dirty="0">
-                <a:solidFill>
-                  <a:srgbClr val="FFFFFF">
-                    <a:alpha val="70000"/>
-                  </a:srgbClr>
-                </a:solidFill>
-                <a:latin typeface="+mn-lt"/>
-                <a:ea typeface="+mn-ea"/>
-                <a:cs typeface="+mn-cs"/>
-              </a:rPr>
-              <a:t>);</a:t>
-            </a:r>
-            <a:endParaRPr sz="2800" dirty="0"/>
-          </a:p>
-          <a:p>
-            <a:pPr>
-              <a:defRPr/>
-            </a:pPr>
-            <a:r>
-              <a:rPr lang="en-GB" sz="2800" b="0" i="0" u="none" strike="noStrike" cap="none" spc="0" dirty="0">
-                <a:solidFill>
-                  <a:srgbClr val="FFFFFF">
-                    <a:alpha val="70000"/>
-                  </a:srgbClr>
-                </a:solidFill>
-                <a:latin typeface="+mn-lt"/>
-                <a:ea typeface="+mn-ea"/>
-                <a:cs typeface="+mn-cs"/>
-              </a:rPr>
-              <a:t>pandas (</a:t>
-            </a:r>
-            <a:r>
-              <a:rPr lang="en-GB" sz="2800" b="0" i="0" u="none" strike="noStrike" cap="none" spc="0" dirty="0">
-                <a:solidFill>
-                  <a:schemeClr val="tx1">
-                    <a:alpha val="70000"/>
-                  </a:schemeClr>
-                </a:solidFill>
-                <a:latin typeface="+mn-lt"/>
-                <a:ea typeface="Avenir Next LT Pro"/>
-                <a:cs typeface="Avenir Next LT Pro"/>
-              </a:rPr>
-              <a:t>data science/data analysis and machine learning tasks</a:t>
-            </a:r>
-            <a:r>
-              <a:rPr lang="en-GB" sz="2800" b="0" i="0" u="none" strike="noStrike" cap="none" spc="0" dirty="0">
-                <a:solidFill>
-                  <a:srgbClr val="FFFFFF">
-                    <a:alpha val="70000"/>
-                  </a:srgbClr>
-                </a:solidFill>
-                <a:latin typeface="+mn-lt"/>
-                <a:ea typeface="+mn-ea"/>
-                <a:cs typeface="+mn-cs"/>
-              </a:rPr>
-              <a:t>);</a:t>
-            </a:r>
-            <a:endParaRPr sz="2800" dirty="0"/>
-          </a:p>
-          <a:p>
-            <a:pPr>
-              <a:defRPr/>
-            </a:pPr>
-            <a:r>
-              <a:rPr lang="en-GB" sz="2800" b="0" i="0" u="none" strike="noStrike" cap="none" spc="0" dirty="0" err="1">
-                <a:solidFill>
-                  <a:srgbClr val="FFFFFF">
-                    <a:alpha val="70000"/>
-                  </a:srgbClr>
-                </a:solidFill>
-                <a:latin typeface="+mn-lt"/>
-                <a:ea typeface="+mn-ea"/>
-                <a:cs typeface="+mn-cs"/>
-              </a:rPr>
-              <a:t>cikit</a:t>
-            </a:r>
-            <a:r>
-              <a:rPr lang="en-GB" sz="2800" b="0" i="0" u="none" strike="noStrike" cap="none" spc="0" dirty="0">
-                <a:solidFill>
-                  <a:srgbClr val="FFFFFF">
-                    <a:alpha val="70000"/>
-                  </a:srgbClr>
-                </a:solidFill>
-                <a:latin typeface="+mn-lt"/>
-                <a:ea typeface="+mn-ea"/>
-                <a:cs typeface="+mn-cs"/>
-              </a:rPr>
-              <a:t>-learn (</a:t>
-            </a:r>
-            <a:r>
-              <a:rPr lang="en-GB" sz="2800" b="0" i="0" u="none" strike="noStrike" cap="none" spc="0" dirty="0">
-                <a:solidFill>
-                  <a:schemeClr val="tx1">
-                    <a:alpha val="70000"/>
-                  </a:schemeClr>
-                </a:solidFill>
-                <a:latin typeface="+mn-lt"/>
-                <a:ea typeface="Avenir Next LT Pro"/>
-                <a:cs typeface="Avenir Next LT Pro"/>
-              </a:rPr>
-              <a:t>machine learning and statistical </a:t>
-            </a:r>
-            <a:r>
-              <a:rPr lang="en-GB" sz="2800" b="0" i="0" u="none" strike="noStrike" cap="none" spc="0" dirty="0" err="1">
-                <a:solidFill>
-                  <a:schemeClr val="tx1">
-                    <a:alpha val="70000"/>
-                  </a:schemeClr>
-                </a:solidFill>
-                <a:latin typeface="+mn-lt"/>
-                <a:ea typeface="Avenir Next LT Pro"/>
-                <a:cs typeface="Avenir Next LT Pro"/>
-              </a:rPr>
-              <a:t>modeling</a:t>
-            </a:r>
-            <a:r>
-              <a:rPr lang="en-GB" sz="2800" b="0" i="0" u="none" strike="noStrike" cap="none" spc="0" dirty="0">
-                <a:solidFill>
-                  <a:schemeClr val="tx1">
-                    <a:alpha val="70000"/>
-                  </a:schemeClr>
-                </a:solidFill>
-                <a:latin typeface="+mn-lt"/>
-                <a:ea typeface="Avenir Next LT Pro"/>
-                <a:cs typeface="Avenir Next LT Pro"/>
-              </a:rPr>
-              <a:t> including classification, regression, clustering and dimensionality reduction</a:t>
-            </a:r>
-            <a:r>
-              <a:rPr lang="en-GB" sz="2800" b="0" i="0" u="none" strike="noStrike" cap="none" spc="0" dirty="0">
-                <a:solidFill>
-                  <a:srgbClr val="FFFFFF">
-                    <a:alpha val="70000"/>
-                  </a:srgbClr>
-                </a:solidFill>
-                <a:latin typeface="+mn-lt"/>
-                <a:ea typeface="+mn-ea"/>
-                <a:cs typeface="+mn-cs"/>
-              </a:rPr>
-              <a:t>); </a:t>
-            </a:r>
-            <a:endParaRPr sz="2800" dirty="0"/>
-          </a:p>
-          <a:p>
-            <a:pPr>
-              <a:defRPr/>
-            </a:pPr>
-            <a:r>
-              <a:rPr lang="en-GB" sz="2800" b="0" i="0" u="none" strike="noStrike" cap="none" spc="0" dirty="0">
-                <a:solidFill>
-                  <a:srgbClr val="FFFFFF">
-                    <a:alpha val="70000"/>
-                  </a:srgbClr>
-                </a:solidFill>
-                <a:latin typeface="+mn-lt"/>
-                <a:ea typeface="+mn-ea"/>
-                <a:cs typeface="+mn-cs"/>
-              </a:rPr>
-              <a:t>matplotlib (</a:t>
-            </a:r>
-            <a:r>
-              <a:rPr lang="en-GB" sz="2800" b="0" i="0" u="none" strike="noStrike" cap="none" spc="0" dirty="0">
-                <a:solidFill>
-                  <a:schemeClr val="tx1">
-                    <a:alpha val="70000"/>
-                  </a:schemeClr>
-                </a:solidFill>
-                <a:latin typeface="+mn-lt"/>
-                <a:ea typeface="Avenir Next LT Pro"/>
-                <a:cs typeface="Avenir Next LT Pro"/>
-              </a:rPr>
-              <a:t>comprehensive library for creating static, animated, and interactive visualizations in Python</a:t>
-            </a:r>
-            <a:r>
-              <a:rPr lang="en-GB" sz="2800" b="0" i="0" u="none" strike="noStrike" cap="none" spc="0" dirty="0">
-                <a:solidFill>
-                  <a:srgbClr val="FFFFFF">
-                    <a:alpha val="70000"/>
-                  </a:srgbClr>
-                </a:solidFill>
-                <a:latin typeface="+mn-lt"/>
-                <a:ea typeface="+mn-ea"/>
-                <a:cs typeface="+mn-cs"/>
-              </a:rPr>
-              <a:t>);</a:t>
-            </a:r>
-            <a:endParaRPr sz="2800" dirty="0"/>
-          </a:p>
-          <a:p>
-            <a:pPr>
-              <a:defRPr/>
-            </a:pPr>
-            <a:r>
-              <a:rPr lang="en-GB" sz="2800" b="0" i="0" u="none" strike="noStrike" cap="none" spc="0" dirty="0">
-                <a:solidFill>
-                  <a:srgbClr val="FFFFFF">
-                    <a:alpha val="70000"/>
-                  </a:srgbClr>
-                </a:solidFill>
-                <a:latin typeface="+mn-lt"/>
-                <a:ea typeface="+mn-ea"/>
-                <a:cs typeface="+mn-cs"/>
-              </a:rPr>
-              <a:t>seaborn (</a:t>
-            </a:r>
-            <a:r>
-              <a:rPr lang="en-GB" sz="2800" b="0" i="0" u="none" strike="noStrike" cap="none" spc="0" dirty="0">
-                <a:solidFill>
-                  <a:schemeClr val="tx1">
-                    <a:alpha val="70000"/>
-                  </a:schemeClr>
-                </a:solidFill>
-                <a:latin typeface="+mn-lt"/>
-                <a:ea typeface="Avenir Next LT Pro"/>
-                <a:cs typeface="Avenir Next LT Pro"/>
-              </a:rPr>
-              <a:t>uses Matplotlib underneath to plot graphs</a:t>
-            </a:r>
-            <a:r>
-              <a:rPr lang="en-GB" sz="2800" b="0" i="0" u="none" strike="noStrike" cap="none" spc="0" dirty="0">
-                <a:solidFill>
-                  <a:srgbClr val="FFFFFF">
-                    <a:alpha val="70000"/>
-                  </a:srgbClr>
-                </a:solidFill>
-                <a:latin typeface="+mn-lt"/>
-                <a:ea typeface="+mn-ea"/>
-                <a:cs typeface="+mn-cs"/>
-              </a:rPr>
-              <a:t>),</a:t>
-            </a:r>
-          </a:p>
-          <a:p>
-            <a:pPr>
-              <a:defRPr/>
-            </a:pPr>
-            <a:r>
-              <a:rPr lang="pt-PT" dirty="0" err="1">
-                <a:solidFill>
-                  <a:srgbClr val="FFFFFF">
-                    <a:alpha val="70000"/>
-                  </a:srgbClr>
-                </a:solidFill>
-              </a:rPr>
-              <a:t>p</a:t>
-            </a:r>
-            <a:r>
-              <a:rPr lang="pt-PT" sz="2800" dirty="0" err="1">
-                <a:solidFill>
-                  <a:srgbClr val="FFFFFF">
-                    <a:alpha val="70000"/>
-                  </a:srgbClr>
-                </a:solidFill>
-              </a:rPr>
-              <a:t>lotpy</a:t>
-            </a:r>
-            <a:r>
-              <a:rPr lang="pt-PT" dirty="0">
-                <a:solidFill>
-                  <a:srgbClr val="FFFFFF">
-                    <a:alpha val="70000"/>
-                  </a:srgbClr>
-                </a:solidFill>
-              </a:rPr>
-              <a:t>;</a:t>
-            </a:r>
-            <a:endParaRPr sz="2800" dirty="0">
-              <a:solidFill>
-                <a:srgbClr val="FFFFFF">
-                  <a:alpha val="70000"/>
-                </a:srgbClr>
-              </a:solidFill>
-            </a:endParaRPr>
-          </a:p>
-          <a:p>
-            <a:pPr>
-              <a:defRPr/>
-            </a:pPr>
-            <a:r>
-              <a:rPr lang="en-GB" sz="2800" b="0" i="0" u="none" strike="noStrike" cap="none" spc="0" dirty="0">
-                <a:solidFill>
-                  <a:srgbClr val="FFFFFF">
-                    <a:alpha val="70000"/>
-                  </a:srgbClr>
-                </a:solidFill>
-                <a:latin typeface="+mn-lt"/>
-                <a:ea typeface="+mn-ea"/>
-                <a:cs typeface="+mn-cs"/>
-              </a:rPr>
-              <a:t>Our work will be developed in a python notebook- In our case </a:t>
-            </a:r>
-            <a:r>
-              <a:rPr lang="en-GB" sz="2800" b="0" i="0" u="none" strike="noStrike" cap="none" spc="0" dirty="0" err="1">
-                <a:solidFill>
-                  <a:srgbClr val="FFFFFF">
-                    <a:alpha val="70000"/>
-                  </a:srgbClr>
-                </a:solidFill>
-                <a:latin typeface="+mn-lt"/>
-                <a:ea typeface="+mn-ea"/>
-                <a:cs typeface="+mn-cs"/>
-              </a:rPr>
-              <a:t>Jupyter</a:t>
-            </a:r>
-            <a:r>
-              <a:rPr lang="en-GB" sz="2800" b="0" i="0" u="none" strike="noStrike" cap="none" spc="0" dirty="0">
-                <a:solidFill>
-                  <a:srgbClr val="FFFFFF">
-                    <a:alpha val="70000"/>
-                  </a:srgbClr>
-                </a:solidFill>
-                <a:latin typeface="+mn-lt"/>
-                <a:ea typeface="+mn-ea"/>
-                <a:cs typeface="+mn-cs"/>
-              </a:rPr>
-              <a:t> Notebook, so this packages come standard with the Anaconda python distribution;</a:t>
-            </a:r>
-            <a:endParaRPr sz="2800" dirty="0"/>
-          </a:p>
-          <a:p>
-            <a:pPr>
-              <a:defRPr/>
-            </a:pPr>
-            <a:r>
-              <a:rPr lang="en-GB" sz="2800" b="0" i="0" u="none" strike="noStrike" cap="none" spc="0" dirty="0">
-                <a:solidFill>
-                  <a:srgbClr val="FFFFFF">
-                    <a:alpha val="70000"/>
-                  </a:srgbClr>
-                </a:solidFill>
-                <a:latin typeface="+mn-lt"/>
-                <a:ea typeface="+mn-ea"/>
-                <a:cs typeface="+mn-cs"/>
-              </a:rPr>
-              <a:t>To reach the main goal, we need to implement some classification algorithms for supervised learning such as Support Vector Machine, K-Nearest Neighbours or Decision Tree Classification;</a:t>
-            </a:r>
-            <a:endParaRPr sz="2800" dirty="0"/>
-          </a:p>
-        </p:txBody>
-      </p:sp>
-    </p:spTree>
-  </p:cSld>
-  <p:clrMapOvr>
-    <a:masterClrMapping/>
-  </p:clrMapOvr>
-</p:sld>
-</file>
-
-<file path=ppt/slides/slide8.xml><?xml version="1.0" encoding="utf-8"?>
+<file path=ppt/slides/slide11.xml><?xml version="1.0" encoding="utf-8"?>
 <p:sld xmlns:a="http://schemas.openxmlformats.org/drawingml/2006/main" xmlns:r="http://schemas.openxmlformats.org/officeDocument/2006/relationships" xmlns:p="http://schemas.openxmlformats.org/presentationml/2006/main" showMasterPhAnim="0">
   <p:cSld>
     <p:spTree>
@@ -7527,7 +5791,7 @@
 </p:sld>
 </file>
 
-<file path=ppt/slides/slide9.xml><?xml version="1.0" encoding="utf-8"?>
+<file path=ppt/slides/slide12.xml><?xml version="1.0" encoding="utf-8"?>
 <p:sld xmlns:a="http://schemas.openxmlformats.org/drawingml/2006/main" xmlns:r="http://schemas.openxmlformats.org/officeDocument/2006/relationships" xmlns:p="http://schemas.openxmlformats.org/presentationml/2006/main">
   <p:cSld>
     <p:spTree>
@@ -7611,7 +5875,7 @@
         <p:spPr/>
         <p:txBody>
           <a:bodyPr>
-            <a:normAutofit fontScale="70000" lnSpcReduction="20000"/>
+            <a:normAutofit fontScale="47500" lnSpcReduction="20000"/>
           </a:bodyPr>
           <a:lstStyle/>
           <a:p>
@@ -8183,6 +6447,287 @@
             </a:r>
           </a:p>
           <a:p>
+            <a:r>
+              <a:rPr lang="pt-PT" dirty="0" err="1"/>
+              <a:t>Logistic</a:t>
+            </a:r>
+            <a:r>
+              <a:rPr lang="pt-PT" dirty="0"/>
+              <a:t> </a:t>
+            </a:r>
+            <a:r>
+              <a:rPr lang="pt-PT" dirty="0" err="1"/>
+              <a:t>Regression</a:t>
+            </a:r>
+            <a:r>
+              <a:rPr lang="pt-PT" dirty="0"/>
+              <a:t>: </a:t>
+            </a:r>
+            <a:r>
+              <a:rPr lang="pt-PT" dirty="0" err="1"/>
+              <a:t>Binary</a:t>
+            </a:r>
+            <a:r>
+              <a:rPr lang="pt-PT" dirty="0"/>
+              <a:t> </a:t>
+            </a:r>
+            <a:r>
+              <a:rPr lang="pt-PT" dirty="0" err="1"/>
+              <a:t>method</a:t>
+            </a:r>
+            <a:r>
+              <a:rPr lang="pt-PT" dirty="0"/>
+              <a:t> </a:t>
+            </a:r>
+            <a:r>
+              <a:rPr lang="pt-PT" dirty="0" err="1"/>
+              <a:t>used</a:t>
+            </a:r>
+            <a:r>
+              <a:rPr lang="pt-PT" dirty="0"/>
+              <a:t> to </a:t>
+            </a:r>
+            <a:r>
+              <a:rPr lang="pt-PT" dirty="0" err="1"/>
+              <a:t>predict</a:t>
+            </a:r>
+            <a:r>
+              <a:rPr lang="pt-PT" dirty="0"/>
+              <a:t> a </a:t>
+            </a:r>
+            <a:r>
+              <a:rPr lang="pt-PT" dirty="0" err="1"/>
+              <a:t>binary</a:t>
+            </a:r>
+            <a:r>
+              <a:rPr lang="pt-PT" dirty="0"/>
+              <a:t> </a:t>
+            </a:r>
+            <a:r>
+              <a:rPr lang="pt-PT" dirty="0" err="1"/>
+              <a:t>outcome</a:t>
+            </a:r>
+            <a:r>
+              <a:rPr lang="pt-PT" dirty="0"/>
+              <a:t>, in </a:t>
+            </a:r>
+            <a:r>
+              <a:rPr lang="pt-PT" dirty="0" err="1"/>
+              <a:t>this</a:t>
+            </a:r>
+            <a:r>
+              <a:rPr lang="pt-PT" dirty="0"/>
+              <a:t> case, </a:t>
+            </a:r>
+            <a:r>
+              <a:rPr lang="pt-PT" dirty="0" err="1"/>
+              <a:t>yes</a:t>
+            </a:r>
+            <a:r>
+              <a:rPr lang="pt-PT" dirty="0"/>
+              <a:t> </a:t>
+            </a:r>
+            <a:r>
+              <a:rPr lang="pt-PT" dirty="0" err="1"/>
+              <a:t>or</a:t>
+            </a:r>
+            <a:r>
+              <a:rPr lang="pt-PT" dirty="0"/>
+              <a:t> no, </a:t>
+            </a:r>
+            <a:r>
+              <a:rPr lang="pt-PT" dirty="0" err="1"/>
+              <a:t>based</a:t>
+            </a:r>
+            <a:r>
+              <a:rPr lang="pt-PT" dirty="0"/>
+              <a:t> </a:t>
+            </a:r>
+            <a:r>
+              <a:rPr lang="pt-PT" dirty="0" err="1"/>
+              <a:t>on</a:t>
+            </a:r>
+            <a:r>
+              <a:rPr lang="pt-PT" dirty="0"/>
+              <a:t> prior </a:t>
+            </a:r>
+            <a:r>
+              <a:rPr lang="pt-PT" dirty="0" err="1"/>
+              <a:t>observations</a:t>
+            </a:r>
+            <a:r>
+              <a:rPr lang="pt-PT" dirty="0"/>
+              <a:t> </a:t>
+            </a:r>
+            <a:r>
+              <a:rPr lang="pt-PT" dirty="0" err="1"/>
+              <a:t>of</a:t>
+            </a:r>
+            <a:r>
+              <a:rPr lang="pt-PT" dirty="0"/>
+              <a:t> a data set;</a:t>
+            </a:r>
+          </a:p>
+          <a:p>
+            <a:r>
+              <a:rPr lang="pt-PT" dirty="0" err="1"/>
+              <a:t>Random</a:t>
+            </a:r>
+            <a:r>
+              <a:rPr lang="pt-PT" dirty="0"/>
+              <a:t> </a:t>
+            </a:r>
+            <a:r>
+              <a:rPr lang="pt-PT" dirty="0" err="1"/>
+              <a:t>Forest</a:t>
+            </a:r>
+            <a:r>
+              <a:rPr lang="pt-PT" dirty="0"/>
+              <a:t>: </a:t>
+            </a:r>
+            <a:r>
+              <a:rPr lang="pt-PT" dirty="0" err="1"/>
+              <a:t>is</a:t>
+            </a:r>
+            <a:r>
+              <a:rPr lang="pt-PT" dirty="0"/>
+              <a:t> </a:t>
+            </a:r>
+            <a:r>
+              <a:rPr lang="pt-PT" dirty="0" err="1"/>
+              <a:t>an</a:t>
+            </a:r>
+            <a:r>
+              <a:rPr lang="pt-PT" dirty="0"/>
+              <a:t> ensemble </a:t>
+            </a:r>
+            <a:r>
+              <a:rPr lang="pt-PT" dirty="0" err="1"/>
+              <a:t>learning</a:t>
+            </a:r>
+            <a:r>
+              <a:rPr lang="pt-PT" dirty="0"/>
+              <a:t> </a:t>
+            </a:r>
+            <a:r>
+              <a:rPr lang="pt-PT" dirty="0" err="1"/>
+              <a:t>method</a:t>
+            </a:r>
+            <a:r>
+              <a:rPr lang="pt-PT" dirty="0"/>
+              <a:t> for </a:t>
+            </a:r>
+            <a:r>
+              <a:rPr lang="pt-PT" dirty="0" err="1"/>
+              <a:t>classification</a:t>
+            </a:r>
+            <a:r>
+              <a:rPr lang="pt-PT" dirty="0"/>
+              <a:t>, </a:t>
+            </a:r>
+            <a:r>
+              <a:rPr lang="pt-PT" dirty="0" err="1"/>
+              <a:t>regression</a:t>
+            </a:r>
+            <a:r>
+              <a:rPr lang="pt-PT" dirty="0"/>
+              <a:t> </a:t>
+            </a:r>
+            <a:r>
+              <a:rPr lang="pt-PT" dirty="0" err="1"/>
+              <a:t>and</a:t>
+            </a:r>
+            <a:r>
+              <a:rPr lang="pt-PT" dirty="0"/>
+              <a:t> </a:t>
+            </a:r>
+            <a:r>
+              <a:rPr lang="pt-PT" dirty="0" err="1"/>
+              <a:t>other</a:t>
+            </a:r>
+            <a:r>
+              <a:rPr lang="pt-PT" dirty="0"/>
+              <a:t> </a:t>
+            </a:r>
+            <a:r>
+              <a:rPr lang="pt-PT" dirty="0" err="1"/>
+              <a:t>tasks</a:t>
+            </a:r>
+            <a:r>
+              <a:rPr lang="pt-PT" dirty="0"/>
+              <a:t> </a:t>
+            </a:r>
+            <a:r>
+              <a:rPr lang="pt-PT" dirty="0" err="1"/>
+              <a:t>that</a:t>
+            </a:r>
+            <a:r>
+              <a:rPr lang="pt-PT" dirty="0"/>
+              <a:t> </a:t>
+            </a:r>
+            <a:r>
+              <a:rPr lang="pt-PT" dirty="0" err="1"/>
+              <a:t>operates</a:t>
+            </a:r>
+            <a:r>
+              <a:rPr lang="pt-PT" dirty="0"/>
+              <a:t> </a:t>
+            </a:r>
+            <a:r>
+              <a:rPr lang="pt-PT" dirty="0" err="1"/>
+              <a:t>by</a:t>
+            </a:r>
+            <a:r>
+              <a:rPr lang="pt-PT" dirty="0"/>
+              <a:t> </a:t>
+            </a:r>
+            <a:r>
+              <a:rPr lang="pt-PT" dirty="0" err="1"/>
+              <a:t>constructing</a:t>
+            </a:r>
+            <a:r>
+              <a:rPr lang="pt-PT" dirty="0"/>
+              <a:t> a multitude </a:t>
+            </a:r>
+            <a:r>
+              <a:rPr lang="pt-PT" dirty="0" err="1"/>
+              <a:t>of</a:t>
+            </a:r>
+            <a:r>
+              <a:rPr lang="pt-PT" dirty="0"/>
+              <a:t> </a:t>
+            </a:r>
+            <a:r>
+              <a:rPr lang="pt-PT" dirty="0" err="1"/>
+              <a:t>decision</a:t>
+            </a:r>
+            <a:r>
+              <a:rPr lang="pt-PT" dirty="0"/>
+              <a:t> </a:t>
+            </a:r>
+            <a:r>
+              <a:rPr lang="pt-PT" dirty="0" err="1"/>
+              <a:t>trees</a:t>
+            </a:r>
+            <a:r>
+              <a:rPr lang="pt-PT" dirty="0"/>
+              <a:t> </a:t>
+            </a:r>
+            <a:r>
+              <a:rPr lang="pt-PT" dirty="0" err="1"/>
+              <a:t>at</a:t>
+            </a:r>
+            <a:r>
+              <a:rPr lang="pt-PT" dirty="0"/>
+              <a:t> training </a:t>
+            </a:r>
+            <a:r>
+              <a:rPr lang="pt-PT"/>
+              <a:t>time.;</a:t>
+            </a:r>
+            <a:endParaRPr lang="pt-PT" dirty="0"/>
+          </a:p>
+          <a:p>
             <a:pPr marL="0" indent="0">
               <a:buNone/>
             </a:pPr>
@@ -8231,31 +6776,31 @@
               <a:t> </a:t>
             </a:r>
             <a:r>
-              <a:rPr lang="pt-PT" b="1" dirty="0" err="1"/>
+              <a:rPr lang="pt-PT" dirty="0" err="1"/>
               <a:t>Parameter</a:t>
             </a:r>
             <a:r>
-              <a:rPr lang="pt-PT" b="1" dirty="0"/>
-              <a:t> </a:t>
-            </a:r>
-            <a:r>
-              <a:rPr lang="pt-PT" b="1" dirty="0" err="1"/>
+              <a:rPr lang="pt-PT" dirty="0"/>
+              <a:t> </a:t>
+            </a:r>
+            <a:r>
+              <a:rPr lang="pt-PT" dirty="0" err="1"/>
               <a:t>Tuning</a:t>
             </a:r>
             <a:r>
-              <a:rPr lang="pt-PT" b="1" dirty="0"/>
-              <a:t> </a:t>
-            </a:r>
-            <a:r>
-              <a:rPr lang="pt-PT" b="1" dirty="0" err="1"/>
+              <a:rPr lang="pt-PT" dirty="0"/>
+              <a:t> </a:t>
+            </a:r>
+            <a:r>
+              <a:rPr lang="pt-PT" dirty="0" err="1"/>
               <a:t>using</a:t>
             </a:r>
             <a:r>
-              <a:rPr lang="pt-PT" b="1" dirty="0"/>
-              <a:t> </a:t>
-            </a:r>
-            <a:r>
-              <a:rPr lang="pt-PT" b="1" dirty="0" err="1"/>
+              <a:rPr lang="pt-PT" dirty="0"/>
+              <a:t> </a:t>
+            </a:r>
+            <a:r>
+              <a:rPr lang="pt-PT" dirty="0" err="1"/>
               <a:t>GridSearchCV</a:t>
             </a:r>
             <a:r>
@@ -8277,6 +6822,4860 @@
         <p14:creationId xmlns:p14="http://schemas.microsoft.com/office/powerpoint/2010/main" val="1671879337"/>
       </p:ext>
     </p:extLst>
+  </p:cSld>
+  <p:clrMapOvr>
+    <a:masterClrMapping/>
+  </p:clrMapOvr>
+</p:sld>
+</file>
+
+<file path=ppt/slides/slide13.xml><?xml version="1.0" encoding="utf-8"?>
+<p:sld xmlns:a="http://schemas.openxmlformats.org/drawingml/2006/main" xmlns:r="http://schemas.openxmlformats.org/officeDocument/2006/relationships" xmlns:p="http://schemas.openxmlformats.org/presentationml/2006/main">
+  <p:cSld>
+    <p:spTree>
+      <p:nvGrpSpPr>
+        <p:cNvPr id="1" name=""/>
+        <p:cNvGrpSpPr/>
+        <p:nvPr/>
+      </p:nvGrpSpPr>
+      <p:grpSpPr>
+        <a:xfrm>
+          <a:off x="0" y="0"/>
+          <a:ext cx="0" cy="0"/>
+          <a:chOff x="0" y="0"/>
+          <a:chExt cx="0" cy="0"/>
+        </a:xfrm>
+      </p:grpSpPr>
+      <p:sp>
+        <p:nvSpPr>
+          <p:cNvPr id="2" name="Título 1">
+            <a:extLst>
+              <a:ext uri="{FF2B5EF4-FFF2-40B4-BE49-F238E27FC236}">
+                <a16:creationId xmlns:a16="http://schemas.microsoft.com/office/drawing/2014/main" id="{50CA3B8A-B708-F3E2-D5F2-5DE189A5589F}"/>
+              </a:ext>
+            </a:extLst>
+          </p:cNvPr>
+          <p:cNvSpPr>
+            <a:spLocks noGrp="1"/>
+          </p:cNvSpPr>
+          <p:nvPr>
+            <p:ph type="title"/>
+          </p:nvPr>
+        </p:nvSpPr>
+        <p:spPr/>
+        <p:txBody>
+          <a:bodyPr/>
+          <a:lstStyle/>
+          <a:p>
+            <a:r>
+              <a:rPr lang="pt-PT" dirty="0" err="1"/>
+              <a:t>Developed</a:t>
+            </a:r>
+            <a:r>
+              <a:rPr lang="pt-PT" dirty="0"/>
+              <a:t> </a:t>
+            </a:r>
+            <a:r>
+              <a:rPr lang="pt-PT" dirty="0" err="1"/>
+              <a:t>Algorithms</a:t>
+            </a:r>
+            <a:r>
+              <a:rPr lang="pt-PT" dirty="0"/>
+              <a:t> – </a:t>
+            </a:r>
+            <a:r>
+              <a:rPr lang="pt-PT" dirty="0" err="1"/>
+              <a:t>Results</a:t>
+            </a:r>
+            <a:r>
+              <a:rPr lang="pt-PT" dirty="0"/>
+              <a:t> </a:t>
+            </a:r>
+            <a:r>
+              <a:rPr lang="pt-PT" dirty="0" err="1"/>
+              <a:t>Comparison</a:t>
+            </a:r>
+            <a:endParaRPr lang="pt-PT" dirty="0"/>
+          </a:p>
+        </p:txBody>
+      </p:sp>
+      <p:pic>
+        <p:nvPicPr>
+          <p:cNvPr id="5" name="Marcador de Posição de Conteúdo 4">
+            <a:extLst>
+              <a:ext uri="{FF2B5EF4-FFF2-40B4-BE49-F238E27FC236}">
+                <a16:creationId xmlns:a16="http://schemas.microsoft.com/office/drawing/2014/main" id="{F708CBAF-B5BF-FA1C-F302-AD3C5D68E016}"/>
+              </a:ext>
+            </a:extLst>
+          </p:cNvPr>
+          <p:cNvPicPr>
+            <a:picLocks noGrp="1" noChangeAspect="1"/>
+          </p:cNvPicPr>
+          <p:nvPr>
+            <p:ph idx="1"/>
+          </p:nvPr>
+        </p:nvPicPr>
+        <p:blipFill>
+          <a:blip r:embed="rId2">
+            <a:extLst>
+              <a:ext uri="{28A0092B-C50C-407E-A947-70E740481C1C}">
+                <a14:useLocalDpi xmlns:a14="http://schemas.microsoft.com/office/drawing/2010/main" val="0"/>
+              </a:ext>
+            </a:extLst>
+          </a:blip>
+          <a:stretch>
+            <a:fillRect/>
+          </a:stretch>
+        </p:blipFill>
+        <p:spPr>
+          <a:xfrm>
+            <a:off x="1867521" y="2286000"/>
+            <a:ext cx="8456958" cy="4274946"/>
+          </a:xfrm>
+        </p:spPr>
+      </p:pic>
+    </p:spTree>
+    <p:extLst>
+      <p:ext uri="{BB962C8B-B14F-4D97-AF65-F5344CB8AC3E}">
+        <p14:creationId xmlns:p14="http://schemas.microsoft.com/office/powerpoint/2010/main" val="1893369876"/>
+      </p:ext>
+    </p:extLst>
+  </p:cSld>
+  <p:clrMapOvr>
+    <a:masterClrMapping/>
+  </p:clrMapOvr>
+</p:sld>
+</file>
+
+<file path=ppt/slides/slide14.xml><?xml version="1.0" encoding="utf-8"?>
+<p:sld xmlns:a="http://schemas.openxmlformats.org/drawingml/2006/main" xmlns:r="http://schemas.openxmlformats.org/officeDocument/2006/relationships" xmlns:p="http://schemas.openxmlformats.org/presentationml/2006/main" showMasterPhAnim="0">
+  <p:cSld>
+    <p:spTree>
+      <p:nvGrpSpPr>
+        <p:cNvPr id="1" name=""/>
+        <p:cNvGrpSpPr/>
+        <p:nvPr/>
+      </p:nvGrpSpPr>
+      <p:grpSpPr bwMode="auto">
+        <a:xfrm>
+          <a:off x="0" y="0"/>
+          <a:ext cx="0" cy="0"/>
+          <a:chOff x="0" y="0"/>
+          <a:chExt cx="0" cy="0"/>
+        </a:xfrm>
+      </p:grpSpPr>
+      <p:sp>
+        <p:nvSpPr>
+          <p:cNvPr id="2" name="Título 1"/>
+          <p:cNvSpPr>
+            <a:spLocks noGrp="1"/>
+          </p:cNvSpPr>
+          <p:nvPr>
+            <p:ph type="title"/>
+          </p:nvPr>
+        </p:nvSpPr>
+        <p:spPr bwMode="auto"/>
+        <p:txBody>
+          <a:bodyPr/>
+          <a:lstStyle/>
+          <a:p>
+            <a:pPr>
+              <a:defRPr/>
+            </a:pPr>
+            <a:r>
+              <a:rPr lang="pt-PT" dirty="0" err="1"/>
+              <a:t>Conclusion</a:t>
+            </a:r>
+            <a:endParaRPr lang="pt-PT" dirty="0"/>
+          </a:p>
+        </p:txBody>
+      </p:sp>
+      <p:sp>
+        <p:nvSpPr>
+          <p:cNvPr id="5" name="Marcador de Posição de Conteúdo 4">
+            <a:extLst>
+              <a:ext uri="{FF2B5EF4-FFF2-40B4-BE49-F238E27FC236}">
+                <a16:creationId xmlns:a16="http://schemas.microsoft.com/office/drawing/2014/main" id="{8BA30C7E-99FC-E13B-AE77-20BB48F0BFDB}"/>
+              </a:ext>
+            </a:extLst>
+          </p:cNvPr>
+          <p:cNvSpPr>
+            <a:spLocks noGrp="1"/>
+          </p:cNvSpPr>
+          <p:nvPr>
+            <p:ph idx="1"/>
+          </p:nvPr>
+        </p:nvSpPr>
+        <p:spPr/>
+        <p:txBody>
+          <a:bodyPr>
+            <a:normAutofit fontScale="62500" lnSpcReduction="20000"/>
+          </a:bodyPr>
+          <a:lstStyle/>
+          <a:p>
+            <a:r>
+              <a:rPr lang="pt-PT" dirty="0" err="1"/>
+              <a:t>All</a:t>
+            </a:r>
+            <a:r>
+              <a:rPr lang="pt-PT" dirty="0"/>
+              <a:t> in </a:t>
+            </a:r>
+            <a:r>
+              <a:rPr lang="pt-PT" dirty="0" err="1"/>
+              <a:t>all</a:t>
+            </a:r>
+            <a:r>
+              <a:rPr lang="pt-PT" dirty="0"/>
+              <a:t>, </a:t>
+            </a:r>
+            <a:r>
+              <a:rPr lang="pt-PT" dirty="0" err="1"/>
+              <a:t>with</a:t>
+            </a:r>
+            <a:r>
+              <a:rPr lang="pt-PT" dirty="0"/>
+              <a:t> </a:t>
+            </a:r>
+            <a:r>
+              <a:rPr lang="pt-PT" dirty="0" err="1"/>
+              <a:t>this</a:t>
+            </a:r>
+            <a:r>
+              <a:rPr lang="pt-PT" dirty="0"/>
+              <a:t> </a:t>
+            </a:r>
+            <a:r>
+              <a:rPr lang="pt-PT" dirty="0" err="1"/>
+              <a:t>project</a:t>
+            </a:r>
+            <a:r>
+              <a:rPr lang="pt-PT" dirty="0"/>
+              <a:t> </a:t>
+            </a:r>
+            <a:r>
+              <a:rPr lang="pt-PT" dirty="0" err="1"/>
+              <a:t>we</a:t>
+            </a:r>
+            <a:r>
+              <a:rPr lang="pt-PT" dirty="0"/>
+              <a:t> </a:t>
+            </a:r>
+            <a:r>
+              <a:rPr lang="pt-PT" dirty="0" err="1"/>
+              <a:t>learned</a:t>
+            </a:r>
+            <a:r>
+              <a:rPr lang="pt-PT" dirty="0"/>
+              <a:t> a </a:t>
+            </a:r>
+            <a:r>
+              <a:rPr lang="pt-PT" dirty="0" err="1"/>
+              <a:t>little</a:t>
+            </a:r>
+            <a:r>
+              <a:rPr lang="pt-PT" dirty="0"/>
+              <a:t> bit more </a:t>
+            </a:r>
+            <a:r>
+              <a:rPr lang="pt-PT" dirty="0" err="1"/>
+              <a:t>about</a:t>
+            </a:r>
+            <a:r>
+              <a:rPr lang="pt-PT" dirty="0"/>
+              <a:t> Machine Learning, </a:t>
+            </a:r>
+            <a:r>
+              <a:rPr lang="pt-PT" dirty="0" err="1"/>
+              <a:t>specially</a:t>
+            </a:r>
+            <a:r>
+              <a:rPr lang="pt-PT" dirty="0"/>
+              <a:t> </a:t>
+            </a:r>
+            <a:r>
+              <a:rPr lang="pt-PT" dirty="0" err="1"/>
+              <a:t>about</a:t>
+            </a:r>
+            <a:r>
+              <a:rPr lang="pt-PT" dirty="0"/>
+              <a:t> </a:t>
+            </a:r>
+            <a:r>
+              <a:rPr lang="pt-PT" dirty="0" err="1"/>
+              <a:t>Supervised</a:t>
+            </a:r>
+            <a:r>
+              <a:rPr lang="pt-PT" dirty="0"/>
+              <a:t> Learning. </a:t>
+            </a:r>
+          </a:p>
+          <a:p>
+            <a:r>
+              <a:rPr lang="pt-PT" dirty="0"/>
+              <a:t>For </a:t>
+            </a:r>
+            <a:r>
+              <a:rPr lang="pt-PT" dirty="0" err="1"/>
+              <a:t>this</a:t>
+            </a:r>
+            <a:r>
+              <a:rPr lang="pt-PT" dirty="0"/>
+              <a:t> </a:t>
+            </a:r>
+            <a:r>
+              <a:rPr lang="pt-PT" dirty="0" err="1"/>
+              <a:t>we</a:t>
+            </a:r>
+            <a:r>
+              <a:rPr lang="pt-PT" dirty="0"/>
+              <a:t> </a:t>
+            </a:r>
+            <a:r>
+              <a:rPr lang="pt-PT" dirty="0" err="1"/>
+              <a:t>were</a:t>
+            </a:r>
+            <a:r>
+              <a:rPr lang="pt-PT" dirty="0"/>
+              <a:t> </a:t>
+            </a:r>
+            <a:r>
+              <a:rPr lang="pt-PT" dirty="0" err="1"/>
+              <a:t>first</a:t>
+            </a:r>
+            <a:r>
+              <a:rPr lang="pt-PT" dirty="0"/>
+              <a:t> </a:t>
+            </a:r>
+            <a:r>
+              <a:rPr lang="pt-PT" dirty="0" err="1"/>
+              <a:t>introduced</a:t>
+            </a:r>
+            <a:r>
+              <a:rPr lang="pt-PT" dirty="0"/>
+              <a:t> to data </a:t>
+            </a:r>
+            <a:r>
+              <a:rPr lang="pt-PT" dirty="0" err="1"/>
+              <a:t>pre-processing</a:t>
+            </a:r>
+            <a:r>
+              <a:rPr lang="pt-PT" dirty="0"/>
+              <a:t> </a:t>
+            </a:r>
+            <a:r>
+              <a:rPr lang="pt-PT" dirty="0" err="1"/>
+              <a:t>and</a:t>
+            </a:r>
+            <a:r>
+              <a:rPr lang="pt-PT" dirty="0"/>
+              <a:t> </a:t>
+            </a:r>
+            <a:r>
+              <a:rPr lang="pt-PT" dirty="0" err="1"/>
+              <a:t>visualization</a:t>
+            </a:r>
+            <a:r>
+              <a:rPr lang="pt-PT" dirty="0"/>
+              <a:t>, </a:t>
+            </a:r>
+            <a:r>
+              <a:rPr lang="pt-PT" dirty="0" err="1"/>
+              <a:t>which</a:t>
+            </a:r>
+            <a:r>
+              <a:rPr lang="pt-PT" dirty="0"/>
+              <a:t> </a:t>
+            </a:r>
+            <a:r>
+              <a:rPr lang="pt-PT" dirty="0" err="1"/>
+              <a:t>means</a:t>
+            </a:r>
+            <a:r>
+              <a:rPr lang="pt-PT" dirty="0"/>
+              <a:t> </a:t>
+            </a:r>
+            <a:r>
+              <a:rPr lang="pt-PT" dirty="0" err="1"/>
+              <a:t>becoming</a:t>
+            </a:r>
+            <a:r>
+              <a:rPr lang="pt-PT" dirty="0"/>
+              <a:t> familiar </a:t>
+            </a:r>
+            <a:r>
+              <a:rPr lang="pt-PT" dirty="0" err="1"/>
+              <a:t>with</a:t>
+            </a:r>
+            <a:r>
+              <a:rPr lang="pt-PT" dirty="0"/>
+              <a:t> </a:t>
+            </a:r>
+            <a:r>
+              <a:rPr lang="pt-PT" dirty="0" err="1"/>
+              <a:t>the</a:t>
+            </a:r>
+            <a:r>
+              <a:rPr lang="pt-PT" dirty="0"/>
+              <a:t> </a:t>
+            </a:r>
+            <a:r>
+              <a:rPr lang="pt-PT" dirty="0" err="1"/>
+              <a:t>dataset</a:t>
+            </a:r>
+            <a:r>
+              <a:rPr lang="pt-PT" dirty="0"/>
+              <a:t> </a:t>
+            </a:r>
+            <a:r>
+              <a:rPr lang="pt-PT" dirty="0" err="1"/>
+              <a:t>proposed</a:t>
+            </a:r>
+            <a:r>
+              <a:rPr lang="pt-PT" dirty="0"/>
+              <a:t> for </a:t>
+            </a:r>
+            <a:r>
+              <a:rPr lang="pt-PT" dirty="0" err="1"/>
+              <a:t>study</a:t>
+            </a:r>
+            <a:r>
+              <a:rPr lang="pt-PT" dirty="0"/>
+              <a:t> </a:t>
+            </a:r>
+            <a:r>
+              <a:rPr lang="pt-PT" dirty="0" err="1"/>
+              <a:t>and</a:t>
+            </a:r>
+            <a:r>
+              <a:rPr lang="pt-PT" dirty="0"/>
+              <a:t> </a:t>
+            </a:r>
+            <a:r>
+              <a:rPr lang="pt-PT" dirty="0" err="1"/>
+              <a:t>all</a:t>
+            </a:r>
+            <a:r>
+              <a:rPr lang="pt-PT" dirty="0"/>
+              <a:t> </a:t>
+            </a:r>
+            <a:r>
+              <a:rPr lang="pt-PT" dirty="0" err="1"/>
+              <a:t>the</a:t>
+            </a:r>
+            <a:r>
+              <a:rPr lang="pt-PT" dirty="0"/>
+              <a:t> data </a:t>
+            </a:r>
+            <a:r>
+              <a:rPr lang="pt-PT" dirty="0" err="1"/>
+              <a:t>manipulation</a:t>
+            </a:r>
+            <a:r>
+              <a:rPr lang="pt-PT" dirty="0"/>
+              <a:t> </a:t>
+            </a:r>
+            <a:r>
+              <a:rPr lang="pt-PT" dirty="0" err="1"/>
+              <a:t>needed</a:t>
+            </a:r>
+            <a:r>
+              <a:rPr lang="pt-PT" dirty="0"/>
+              <a:t> for </a:t>
+            </a:r>
+            <a:r>
+              <a:rPr lang="pt-PT" dirty="0" err="1"/>
+              <a:t>our</a:t>
+            </a:r>
+            <a:r>
+              <a:rPr lang="pt-PT" dirty="0"/>
+              <a:t> </a:t>
+            </a:r>
+            <a:r>
+              <a:rPr lang="pt-PT" dirty="0" err="1"/>
+              <a:t>results</a:t>
+            </a:r>
+            <a:r>
+              <a:rPr lang="pt-PT" dirty="0"/>
+              <a:t> </a:t>
+            </a:r>
+            <a:r>
+              <a:rPr lang="pt-PT" dirty="0" err="1"/>
+              <a:t>have</a:t>
+            </a:r>
+            <a:r>
+              <a:rPr lang="pt-PT" dirty="0"/>
+              <a:t> a </a:t>
+            </a:r>
+            <a:r>
+              <a:rPr lang="pt-PT" dirty="0" err="1"/>
+              <a:t>reliable</a:t>
+            </a:r>
+            <a:r>
+              <a:rPr lang="pt-PT" dirty="0"/>
+              <a:t> </a:t>
+            </a:r>
+            <a:r>
+              <a:rPr lang="pt-PT" dirty="0" err="1"/>
+              <a:t>meaning</a:t>
+            </a:r>
+            <a:r>
+              <a:rPr lang="pt-PT" dirty="0"/>
+              <a:t>. </a:t>
+            </a:r>
+            <a:r>
+              <a:rPr lang="pt-PT" dirty="0" err="1"/>
+              <a:t>Then</a:t>
+            </a:r>
+            <a:r>
+              <a:rPr lang="pt-PT" dirty="0"/>
+              <a:t>, </a:t>
+            </a:r>
+            <a:r>
+              <a:rPr lang="pt-PT" dirty="0" err="1"/>
+              <a:t>we</a:t>
+            </a:r>
+            <a:r>
+              <a:rPr lang="pt-PT" dirty="0"/>
+              <a:t> </a:t>
+            </a:r>
+            <a:r>
+              <a:rPr lang="pt-PT" dirty="0" err="1"/>
+              <a:t>started</a:t>
+            </a:r>
+            <a:r>
+              <a:rPr lang="pt-PT" dirty="0"/>
+              <a:t> to </a:t>
+            </a:r>
+            <a:r>
+              <a:rPr lang="pt-PT" dirty="0" err="1"/>
+              <a:t>perform</a:t>
+            </a:r>
+            <a:r>
+              <a:rPr lang="pt-PT" dirty="0"/>
+              <a:t> some </a:t>
+            </a:r>
+            <a:r>
+              <a:rPr lang="pt-PT" dirty="0" err="1"/>
+              <a:t>models</a:t>
+            </a:r>
+            <a:r>
+              <a:rPr lang="pt-PT" dirty="0"/>
+              <a:t> </a:t>
+            </a:r>
+            <a:r>
+              <a:rPr lang="pt-PT" dirty="0" err="1"/>
+              <a:t>using</a:t>
+            </a:r>
+            <a:r>
+              <a:rPr lang="pt-PT" dirty="0"/>
+              <a:t> </a:t>
+            </a:r>
+            <a:r>
+              <a:rPr lang="pt-PT" dirty="0" err="1"/>
+              <a:t>the</a:t>
+            </a:r>
+            <a:r>
+              <a:rPr lang="pt-PT" dirty="0"/>
+              <a:t> </a:t>
+            </a:r>
+            <a:r>
+              <a:rPr lang="pt-PT" dirty="0" err="1"/>
+              <a:t>algorithms</a:t>
+            </a:r>
+            <a:r>
+              <a:rPr lang="pt-PT" dirty="0"/>
+              <a:t> </a:t>
+            </a:r>
+            <a:r>
+              <a:rPr lang="pt-PT" dirty="0" err="1"/>
+              <a:t>provided</a:t>
+            </a:r>
+            <a:r>
+              <a:rPr lang="pt-PT" dirty="0"/>
+              <a:t> </a:t>
+            </a:r>
+            <a:r>
+              <a:rPr lang="pt-PT" dirty="0" err="1"/>
+              <a:t>by</a:t>
+            </a:r>
+            <a:r>
+              <a:rPr lang="pt-PT" dirty="0"/>
+              <a:t> </a:t>
+            </a:r>
+            <a:r>
+              <a:rPr lang="pt-PT" dirty="0" err="1"/>
+              <a:t>the</a:t>
+            </a:r>
+            <a:r>
+              <a:rPr lang="pt-PT" dirty="0"/>
+              <a:t> </a:t>
+            </a:r>
+            <a:r>
+              <a:rPr lang="pt-PT" dirty="0" err="1"/>
+              <a:t>libraries</a:t>
+            </a:r>
+            <a:r>
+              <a:rPr lang="pt-PT" dirty="0"/>
+              <a:t> </a:t>
+            </a:r>
+            <a:r>
+              <a:rPr lang="pt-PT" dirty="0" err="1"/>
+              <a:t>used</a:t>
+            </a:r>
+            <a:r>
+              <a:rPr lang="pt-PT" dirty="0"/>
+              <a:t>, </a:t>
+            </a:r>
+            <a:r>
+              <a:rPr lang="pt-PT" dirty="0" err="1"/>
+              <a:t>which</a:t>
+            </a:r>
+            <a:r>
+              <a:rPr lang="pt-PT" dirty="0"/>
+              <a:t> </a:t>
+            </a:r>
+            <a:r>
+              <a:rPr lang="pt-PT" dirty="0" err="1"/>
+              <a:t>was</a:t>
+            </a:r>
+            <a:r>
+              <a:rPr lang="pt-PT" dirty="0"/>
+              <a:t> </a:t>
+            </a:r>
+            <a:r>
+              <a:rPr lang="pt-PT" dirty="0" err="1"/>
+              <a:t>something</a:t>
+            </a:r>
+            <a:r>
+              <a:rPr lang="pt-PT" dirty="0"/>
+              <a:t> </a:t>
+            </a:r>
+            <a:r>
+              <a:rPr lang="pt-PT" dirty="0" err="1"/>
+              <a:t>that</a:t>
+            </a:r>
+            <a:r>
+              <a:rPr lang="pt-PT" dirty="0"/>
+              <a:t> </a:t>
+            </a:r>
+            <a:r>
+              <a:rPr lang="pt-PT" dirty="0" err="1"/>
+              <a:t>we</a:t>
+            </a:r>
+            <a:r>
+              <a:rPr lang="pt-PT" dirty="0"/>
+              <a:t> </a:t>
+            </a:r>
+            <a:r>
+              <a:rPr lang="pt-PT" dirty="0" err="1"/>
+              <a:t>learn</a:t>
+            </a:r>
+            <a:r>
+              <a:rPr lang="pt-PT" dirty="0"/>
+              <a:t> in </a:t>
+            </a:r>
+            <a:r>
+              <a:rPr lang="pt-PT" dirty="0" err="1"/>
+              <a:t>this</a:t>
+            </a:r>
+            <a:r>
+              <a:rPr lang="pt-PT" dirty="0"/>
+              <a:t> </a:t>
+            </a:r>
+            <a:r>
+              <a:rPr lang="pt-PT" dirty="0" err="1"/>
+              <a:t>project</a:t>
+            </a:r>
+            <a:r>
+              <a:rPr lang="pt-PT" dirty="0"/>
+              <a:t>, </a:t>
+            </a:r>
+            <a:r>
+              <a:rPr lang="pt-PT" dirty="0" err="1"/>
+              <a:t>the</a:t>
+            </a:r>
+            <a:r>
+              <a:rPr lang="pt-PT" dirty="0"/>
+              <a:t> </a:t>
+            </a:r>
+            <a:r>
+              <a:rPr lang="pt-PT" dirty="0" err="1"/>
+              <a:t>hability</a:t>
+            </a:r>
+            <a:r>
+              <a:rPr lang="pt-PT" dirty="0"/>
+              <a:t> to </a:t>
+            </a:r>
+            <a:r>
+              <a:rPr lang="pt-PT" dirty="0" err="1"/>
+              <a:t>work</a:t>
+            </a:r>
+            <a:r>
+              <a:rPr lang="pt-PT" dirty="0"/>
+              <a:t> </a:t>
+            </a:r>
+            <a:r>
+              <a:rPr lang="pt-PT" dirty="0" err="1"/>
+              <a:t>with</a:t>
+            </a:r>
+            <a:r>
+              <a:rPr lang="pt-PT" dirty="0"/>
+              <a:t> some </a:t>
+            </a:r>
+            <a:r>
+              <a:rPr lang="pt-PT" dirty="0" err="1"/>
+              <a:t>python</a:t>
+            </a:r>
+            <a:r>
+              <a:rPr lang="pt-PT" dirty="0"/>
+              <a:t> </a:t>
+            </a:r>
+            <a:r>
+              <a:rPr lang="pt-PT" dirty="0" err="1"/>
+              <a:t>libraries</a:t>
+            </a:r>
+            <a:r>
+              <a:rPr lang="pt-PT" dirty="0"/>
+              <a:t> </a:t>
+            </a:r>
+            <a:r>
+              <a:rPr lang="pt-PT" dirty="0" err="1"/>
+              <a:t>and</a:t>
+            </a:r>
+            <a:r>
+              <a:rPr lang="pt-PT" dirty="0"/>
+              <a:t> </a:t>
+            </a:r>
+            <a:r>
+              <a:rPr lang="pt-PT" dirty="0" err="1"/>
+              <a:t>tools</a:t>
+            </a:r>
+            <a:r>
+              <a:rPr lang="pt-PT" dirty="0"/>
+              <a:t> </a:t>
+            </a:r>
+            <a:r>
+              <a:rPr lang="pt-PT" dirty="0" err="1"/>
+              <a:t>which</a:t>
+            </a:r>
+            <a:r>
+              <a:rPr lang="pt-PT" dirty="0"/>
+              <a:t> </a:t>
+            </a:r>
+            <a:r>
+              <a:rPr lang="pt-PT" dirty="0" err="1"/>
+              <a:t>were</a:t>
+            </a:r>
+            <a:r>
+              <a:rPr lang="pt-PT" dirty="0"/>
+              <a:t> </a:t>
+            </a:r>
+            <a:r>
+              <a:rPr lang="pt-PT" dirty="0" err="1"/>
+              <a:t>unknown</a:t>
+            </a:r>
+            <a:r>
+              <a:rPr lang="pt-PT" dirty="0"/>
+              <a:t> for </a:t>
+            </a:r>
+            <a:r>
+              <a:rPr lang="pt-PT" dirty="0" err="1"/>
+              <a:t>us</a:t>
+            </a:r>
+            <a:r>
+              <a:rPr lang="pt-PT" dirty="0"/>
+              <a:t> some </a:t>
+            </a:r>
+            <a:r>
+              <a:rPr lang="pt-PT" dirty="0" err="1"/>
+              <a:t>weeks</a:t>
+            </a:r>
+            <a:r>
+              <a:rPr lang="pt-PT" dirty="0"/>
+              <a:t> ago. </a:t>
+            </a:r>
+          </a:p>
+          <a:p>
+            <a:r>
+              <a:rPr lang="pt-PT" dirty="0" err="1"/>
+              <a:t>Using</a:t>
+            </a:r>
+            <a:r>
+              <a:rPr lang="pt-PT" dirty="0"/>
+              <a:t> </a:t>
+            </a:r>
+            <a:r>
+              <a:rPr lang="pt-PT" dirty="0" err="1"/>
+              <a:t>the</a:t>
+            </a:r>
+            <a:r>
+              <a:rPr lang="pt-PT" dirty="0"/>
+              <a:t> </a:t>
+            </a:r>
+            <a:r>
+              <a:rPr lang="pt-PT" dirty="0" err="1"/>
+              <a:t>obtained</a:t>
+            </a:r>
+            <a:r>
+              <a:rPr lang="pt-PT" dirty="0"/>
+              <a:t> score for </a:t>
+            </a:r>
+            <a:r>
+              <a:rPr lang="pt-PT" dirty="0" err="1"/>
+              <a:t>each</a:t>
+            </a:r>
+            <a:r>
+              <a:rPr lang="pt-PT" dirty="0"/>
+              <a:t> </a:t>
+            </a:r>
+            <a:r>
+              <a:rPr lang="pt-PT" dirty="0" err="1"/>
+              <a:t>algorithm</a:t>
+            </a:r>
+            <a:r>
+              <a:rPr lang="pt-PT" dirty="0"/>
+              <a:t> </a:t>
+            </a:r>
+            <a:r>
+              <a:rPr lang="pt-PT" dirty="0" err="1"/>
+              <a:t>we</a:t>
+            </a:r>
+            <a:r>
+              <a:rPr lang="pt-PT" dirty="0"/>
+              <a:t> </a:t>
+            </a:r>
+            <a:r>
+              <a:rPr lang="pt-PT" dirty="0" err="1"/>
+              <a:t>also</a:t>
+            </a:r>
+            <a:r>
+              <a:rPr lang="pt-PT" dirty="0"/>
+              <a:t> </a:t>
+            </a:r>
+            <a:r>
+              <a:rPr lang="pt-PT" dirty="0" err="1"/>
+              <a:t>plotted</a:t>
+            </a:r>
+            <a:r>
+              <a:rPr lang="pt-PT" dirty="0"/>
+              <a:t> </a:t>
+            </a:r>
+            <a:r>
+              <a:rPr lang="pt-PT" dirty="0" err="1"/>
+              <a:t>their</a:t>
+            </a:r>
+            <a:r>
+              <a:rPr lang="pt-PT" dirty="0"/>
+              <a:t> performance. </a:t>
+            </a:r>
+            <a:r>
+              <a:rPr lang="pt-PT" dirty="0" err="1"/>
+              <a:t>Even</a:t>
+            </a:r>
+            <a:r>
+              <a:rPr lang="pt-PT" dirty="0"/>
+              <a:t> </a:t>
+            </a:r>
+            <a:r>
+              <a:rPr lang="pt-PT" dirty="0" err="1"/>
+              <a:t>though</a:t>
+            </a:r>
+            <a:r>
+              <a:rPr lang="pt-PT" dirty="0"/>
+              <a:t>, </a:t>
+            </a:r>
+            <a:r>
+              <a:rPr lang="pt-PT" dirty="0" err="1"/>
+              <a:t>we</a:t>
+            </a:r>
+            <a:r>
+              <a:rPr lang="pt-PT" dirty="0"/>
+              <a:t> </a:t>
+            </a:r>
+            <a:r>
+              <a:rPr lang="pt-PT" dirty="0" err="1"/>
+              <a:t>have</a:t>
+            </a:r>
+            <a:r>
+              <a:rPr lang="pt-PT" dirty="0"/>
+              <a:t> </a:t>
+            </a:r>
+            <a:r>
+              <a:rPr lang="pt-PT" dirty="0" err="1"/>
+              <a:t>achieved</a:t>
+            </a:r>
+            <a:r>
+              <a:rPr lang="pt-PT" dirty="0"/>
+              <a:t> </a:t>
+            </a:r>
+            <a:r>
+              <a:rPr lang="pt-PT" dirty="0" err="1"/>
+              <a:t>good</a:t>
+            </a:r>
+            <a:r>
+              <a:rPr lang="pt-PT" dirty="0"/>
+              <a:t> </a:t>
+            </a:r>
+            <a:r>
+              <a:rPr lang="pt-PT" dirty="0" err="1"/>
+              <a:t>results</a:t>
+            </a:r>
+            <a:r>
+              <a:rPr lang="pt-PT" dirty="0"/>
+              <a:t>, </a:t>
+            </a:r>
+            <a:r>
+              <a:rPr lang="pt-PT" dirty="0" err="1"/>
+              <a:t>these</a:t>
+            </a:r>
+            <a:r>
+              <a:rPr lang="pt-PT" dirty="0"/>
+              <a:t> </a:t>
+            </a:r>
+            <a:r>
+              <a:rPr lang="pt-PT" dirty="0" err="1"/>
+              <a:t>could've</a:t>
+            </a:r>
+            <a:r>
+              <a:rPr lang="pt-PT" dirty="0"/>
+              <a:t> </a:t>
+            </a:r>
+            <a:r>
+              <a:rPr lang="pt-PT" dirty="0" err="1"/>
+              <a:t>been</a:t>
+            </a:r>
+            <a:r>
+              <a:rPr lang="pt-PT" dirty="0"/>
+              <a:t> </a:t>
+            </a:r>
+            <a:r>
+              <a:rPr lang="pt-PT" dirty="0" err="1"/>
+              <a:t>better</a:t>
+            </a:r>
+            <a:r>
+              <a:rPr lang="pt-PT" dirty="0"/>
+              <a:t> </a:t>
+            </a:r>
+            <a:r>
+              <a:rPr lang="pt-PT" dirty="0" err="1"/>
+              <a:t>if</a:t>
+            </a:r>
+            <a:r>
+              <a:rPr lang="pt-PT" dirty="0"/>
+              <a:t> more data </a:t>
+            </a:r>
+            <a:r>
+              <a:rPr lang="pt-PT" dirty="0" err="1"/>
+              <a:t>have</a:t>
+            </a:r>
+            <a:r>
+              <a:rPr lang="pt-PT" dirty="0"/>
+              <a:t> </a:t>
+            </a:r>
+            <a:r>
+              <a:rPr lang="pt-PT" dirty="0" err="1"/>
+              <a:t>been</a:t>
+            </a:r>
+            <a:r>
+              <a:rPr lang="pt-PT" dirty="0"/>
+              <a:t> </a:t>
+            </a:r>
+            <a:r>
+              <a:rPr lang="pt-PT" dirty="0" err="1"/>
+              <a:t>manipulated</a:t>
+            </a:r>
+            <a:r>
+              <a:rPr lang="pt-PT" dirty="0"/>
+              <a:t>, for </a:t>
+            </a:r>
+            <a:r>
+              <a:rPr lang="pt-PT" dirty="0" err="1"/>
+              <a:t>example</a:t>
+            </a:r>
+            <a:r>
+              <a:rPr lang="pt-PT" dirty="0"/>
+              <a:t> </a:t>
+            </a:r>
+            <a:r>
+              <a:rPr lang="pt-PT" dirty="0" err="1"/>
+              <a:t>removing</a:t>
+            </a:r>
+            <a:r>
+              <a:rPr lang="pt-PT" dirty="0"/>
+              <a:t> some </a:t>
+            </a:r>
+            <a:r>
+              <a:rPr lang="pt-PT" dirty="0" err="1"/>
+              <a:t>columns</a:t>
+            </a:r>
+            <a:r>
+              <a:rPr lang="pt-PT" dirty="0"/>
+              <a:t> </a:t>
+            </a:r>
+            <a:r>
+              <a:rPr lang="pt-PT" dirty="0" err="1"/>
+              <a:t>which</a:t>
+            </a:r>
+            <a:r>
+              <a:rPr lang="pt-PT" dirty="0"/>
+              <a:t>, </a:t>
+            </a:r>
+            <a:r>
+              <a:rPr lang="pt-PT" dirty="0" err="1"/>
+              <a:t>according</a:t>
+            </a:r>
+            <a:r>
+              <a:rPr lang="pt-PT" dirty="0"/>
+              <a:t> to </a:t>
+            </a:r>
+            <a:r>
+              <a:rPr lang="pt-PT" dirty="0" err="1"/>
+              <a:t>the</a:t>
+            </a:r>
+            <a:r>
+              <a:rPr lang="pt-PT" dirty="0"/>
+              <a:t> data </a:t>
+            </a:r>
+            <a:r>
+              <a:rPr lang="pt-PT" dirty="0" err="1"/>
+              <a:t>visualization</a:t>
+            </a:r>
+            <a:r>
+              <a:rPr lang="pt-PT" dirty="0"/>
+              <a:t> </a:t>
+            </a:r>
+            <a:r>
+              <a:rPr lang="pt-PT" dirty="0" err="1"/>
+              <a:t>analysis</a:t>
+            </a:r>
+            <a:r>
+              <a:rPr lang="pt-PT" dirty="0"/>
+              <a:t>, </a:t>
+            </a:r>
+            <a:r>
+              <a:rPr lang="pt-PT" dirty="0" err="1"/>
+              <a:t>were</a:t>
+            </a:r>
+            <a:r>
+              <a:rPr lang="pt-PT" dirty="0"/>
+              <a:t> </a:t>
+            </a:r>
+            <a:r>
+              <a:rPr lang="pt-PT" dirty="0" err="1"/>
+              <a:t>not</a:t>
+            </a:r>
+            <a:r>
+              <a:rPr lang="pt-PT" dirty="0"/>
+              <a:t> </a:t>
+            </a:r>
+            <a:r>
+              <a:rPr lang="pt-PT" dirty="0" err="1"/>
+              <a:t>important</a:t>
+            </a:r>
+            <a:r>
+              <a:rPr lang="pt-PT" dirty="0"/>
+              <a:t> to </a:t>
+            </a:r>
+            <a:r>
+              <a:rPr lang="pt-PT" dirty="0" err="1"/>
+              <a:t>affect</a:t>
+            </a:r>
+            <a:r>
+              <a:rPr lang="pt-PT" dirty="0"/>
+              <a:t> </a:t>
+            </a:r>
+            <a:r>
+              <a:rPr lang="pt-PT" dirty="0" err="1"/>
+              <a:t>churn</a:t>
+            </a:r>
+            <a:r>
+              <a:rPr lang="pt-PT" dirty="0"/>
+              <a:t>.</a:t>
+            </a:r>
+          </a:p>
+          <a:p>
+            <a:endParaRPr lang="pt-PT" dirty="0"/>
+          </a:p>
+        </p:txBody>
+      </p:sp>
+    </p:spTree>
+  </p:cSld>
+  <p:clrMapOvr>
+    <a:masterClrMapping/>
+  </p:clrMapOvr>
+</p:sld>
+</file>
+
+<file path=ppt/slides/slide2.xml><?xml version="1.0" encoding="utf-8"?>
+<p:sld xmlns:a="http://schemas.openxmlformats.org/drawingml/2006/main" xmlns:r="http://schemas.openxmlformats.org/officeDocument/2006/relationships" xmlns:p="http://schemas.openxmlformats.org/presentationml/2006/main" showMasterPhAnim="0">
+  <p:cSld>
+    <p:spTree>
+      <p:nvGrpSpPr>
+        <p:cNvPr id="1" name=""/>
+        <p:cNvGrpSpPr/>
+        <p:nvPr/>
+      </p:nvGrpSpPr>
+      <p:grpSpPr bwMode="auto">
+        <a:xfrm>
+          <a:off x="0" y="0"/>
+          <a:ext cx="0" cy="0"/>
+          <a:chOff x="0" y="0"/>
+          <a:chExt cx="0" cy="0"/>
+        </a:xfrm>
+      </p:grpSpPr>
+      <p:sp>
+        <p:nvSpPr>
+          <p:cNvPr id="2" name="Título 1"/>
+          <p:cNvSpPr>
+            <a:spLocks noGrp="1"/>
+          </p:cNvSpPr>
+          <p:nvPr>
+            <p:ph type="title"/>
+          </p:nvPr>
+        </p:nvSpPr>
+        <p:spPr bwMode="auto"/>
+        <p:txBody>
+          <a:bodyPr/>
+          <a:lstStyle/>
+          <a:p>
+            <a:pPr>
+              <a:defRPr/>
+            </a:pPr>
+            <a:r>
+              <a:rPr lang="pt-PT"/>
+              <a:t>Specification</a:t>
+            </a:r>
+            <a:endParaRPr/>
+          </a:p>
+        </p:txBody>
+      </p:sp>
+      <p:sp>
+        <p:nvSpPr>
+          <p:cNvPr id="3" name="Marcador de Posição de Conteúdo 2"/>
+          <p:cNvSpPr>
+            <a:spLocks noGrp="1"/>
+          </p:cNvSpPr>
+          <p:nvPr>
+            <p:ph idx="1"/>
+          </p:nvPr>
+        </p:nvSpPr>
+        <p:spPr bwMode="auto">
+          <a:xfrm>
+            <a:off x="321325" y="2175831"/>
+            <a:ext cx="10668000" cy="3818083"/>
+          </a:xfrm>
+        </p:spPr>
+        <p:txBody>
+          <a:bodyPr vertOverflow="overflow" horzOverflow="clip" vert="horz" wrap="square" lIns="91440" tIns="45720" rIns="91440" bIns="45720" numCol="1" spcCol="0" rtlCol="0" fromWordArt="0" anchor="t" anchorCtr="0" forceAA="0" compatLnSpc="0">
+            <a:normAutofit fontScale="65000" lnSpcReduction="20000"/>
+          </a:bodyPr>
+          <a:lstStyle/>
+          <a:p>
+            <a:pPr>
+              <a:defRPr/>
+            </a:pPr>
+            <a:r>
+              <a:rPr lang="en-GB" sz="2800" b="0" i="0" u="none" strike="noStrike" cap="none" spc="0" dirty="0">
+                <a:solidFill>
+                  <a:schemeClr val="tx1">
+                    <a:alpha val="70000"/>
+                  </a:schemeClr>
+                </a:solidFill>
+                <a:latin typeface="+mn-lt"/>
+                <a:ea typeface="Avenir Next LT Pro"/>
+                <a:cs typeface="Avenir Next LT Pro"/>
+              </a:rPr>
+              <a:t>It is important for a company to retain customers in order to maintain or even increase profit, so it might be very useful to predict their behaviour. To do that we need to make a market research to answer some questions.</a:t>
+            </a:r>
+            <a:endParaRPr sz="2800" dirty="0">
+              <a:solidFill>
+                <a:srgbClr val="FFFFFF">
+                  <a:alpha val="70000"/>
+                </a:srgbClr>
+              </a:solidFill>
+              <a:ea typeface="Avenir Next LT Pro"/>
+              <a:cs typeface="Avenir Next LT Pro"/>
+            </a:endParaRPr>
+          </a:p>
+          <a:p>
+            <a:pPr>
+              <a:defRPr/>
+            </a:pPr>
+            <a:r>
+              <a:rPr lang="en-GB" sz="2800" b="0" i="0" u="none" strike="noStrike" cap="none" spc="0" dirty="0">
+                <a:solidFill>
+                  <a:schemeClr val="tx1">
+                    <a:alpha val="70000"/>
+                  </a:schemeClr>
+                </a:solidFill>
+                <a:latin typeface="+mn-lt"/>
+                <a:ea typeface="Avenir Next LT Pro"/>
+                <a:cs typeface="Avenir Next LT Pro"/>
+              </a:rPr>
+              <a:t>So, given a dataset with information about telco customers we want to predict if a customer will churn or not, according to the percentage of churn in the dataset and if that number is affected by any other variable such as gender, services subscribed or even the charges of the customer.</a:t>
+            </a:r>
+            <a:endParaRPr sz="2800" dirty="0">
+              <a:solidFill>
+                <a:srgbClr val="FFFFFF">
+                  <a:alpha val="70000"/>
+                </a:srgbClr>
+              </a:solidFill>
+              <a:ea typeface="Avenir Next LT Pro"/>
+              <a:cs typeface="Avenir Next LT Pro"/>
+            </a:endParaRPr>
+          </a:p>
+          <a:p>
+            <a:pPr>
+              <a:defRPr/>
+            </a:pPr>
+            <a:r>
+              <a:rPr lang="en-GB" sz="2800" b="0" i="0" u="none" strike="noStrike" cap="none" spc="0" dirty="0">
+                <a:solidFill>
+                  <a:schemeClr val="tx1">
+                    <a:alpha val="70000"/>
+                  </a:schemeClr>
+                </a:solidFill>
+                <a:latin typeface="+mn-lt"/>
+                <a:ea typeface="Avenir Next LT Pro"/>
+                <a:cs typeface="Avenir Next LT Pro"/>
+              </a:rPr>
+              <a:t>Other important analysis for the company are the profit evaluation such as the most profitable service or feature and the ones not sot profitable.</a:t>
+            </a:r>
+            <a:endParaRPr sz="2800" dirty="0">
+              <a:solidFill>
+                <a:srgbClr val="FFFFFF">
+                  <a:alpha val="70000"/>
+                </a:srgbClr>
+              </a:solidFill>
+            </a:endParaRPr>
+          </a:p>
+          <a:p>
+            <a:pPr>
+              <a:defRPr/>
+            </a:pPr>
+            <a:r>
+              <a:rPr lang="en-GB" sz="2800" b="0" i="0" u="none" strike="noStrike" cap="none" spc="0" dirty="0">
+                <a:solidFill>
+                  <a:schemeClr val="tx1">
+                    <a:alpha val="70000"/>
+                  </a:schemeClr>
+                </a:solidFill>
+                <a:latin typeface="+mn-lt"/>
+                <a:ea typeface="Avenir Next LT Pro"/>
+                <a:cs typeface="Avenir Next LT Pro"/>
+              </a:rPr>
+              <a:t>All of this questions/doubts should be after the study of the dataset and </a:t>
+            </a:r>
+            <a:r>
+              <a:rPr lang="en-GB" sz="2800" b="0" i="0" u="none" strike="noStrike" cap="none" spc="0" dirty="0" err="1">
+                <a:solidFill>
+                  <a:schemeClr val="tx1">
+                    <a:alpha val="70000"/>
+                  </a:schemeClr>
+                </a:solidFill>
+                <a:latin typeface="+mn-lt"/>
+                <a:ea typeface="Avenir Next LT Pro"/>
+                <a:cs typeface="Avenir Next LT Pro"/>
+              </a:rPr>
+              <a:t>that'ś</a:t>
+            </a:r>
+            <a:r>
+              <a:rPr lang="en-GB" sz="2800" b="0" i="0" u="none" strike="noStrike" cap="none" spc="0" dirty="0">
+                <a:solidFill>
+                  <a:schemeClr val="tx1">
+                    <a:alpha val="70000"/>
+                  </a:schemeClr>
+                </a:solidFill>
+                <a:latin typeface="+mn-lt"/>
+                <a:ea typeface="Avenir Next LT Pro"/>
+                <a:cs typeface="Avenir Next LT Pro"/>
+              </a:rPr>
+              <a:t> the main goal of this project.</a:t>
+            </a:r>
+            <a:endParaRPr sz="2800" dirty="0">
+              <a:solidFill>
+                <a:srgbClr val="FFFFFF">
+                  <a:alpha val="70000"/>
+                </a:srgbClr>
+              </a:solidFill>
+              <a:ea typeface="Avenir Next LT Pro"/>
+              <a:cs typeface="Avenir Next LT Pro"/>
+            </a:endParaRPr>
+          </a:p>
+        </p:txBody>
+      </p:sp>
+    </p:spTree>
+  </p:cSld>
+  <p:clrMapOvr>
+    <a:masterClrMapping/>
+  </p:clrMapOvr>
+</p:sld>
+</file>
+
+<file path=ppt/slides/slide3.xml><?xml version="1.0" encoding="utf-8"?>
+<p:sld xmlns:a="http://schemas.openxmlformats.org/drawingml/2006/main" xmlns:r="http://schemas.openxmlformats.org/officeDocument/2006/relationships" xmlns:p="http://schemas.openxmlformats.org/presentationml/2006/main" showMasterPhAnim="0">
+  <p:cSld>
+    <p:spTree>
+      <p:nvGrpSpPr>
+        <p:cNvPr id="1" name=""/>
+        <p:cNvGrpSpPr/>
+        <p:nvPr/>
+      </p:nvGrpSpPr>
+      <p:grpSpPr bwMode="auto">
+        <a:xfrm>
+          <a:off x="0" y="0"/>
+          <a:ext cx="0" cy="0"/>
+          <a:chOff x="0" y="0"/>
+          <a:chExt cx="0" cy="0"/>
+        </a:xfrm>
+      </p:grpSpPr>
+      <p:sp>
+        <p:nvSpPr>
+          <p:cNvPr id="2" name="Título 1"/>
+          <p:cNvSpPr>
+            <a:spLocks noGrp="1"/>
+          </p:cNvSpPr>
+          <p:nvPr>
+            <p:ph type="title"/>
+          </p:nvPr>
+        </p:nvSpPr>
+        <p:spPr bwMode="auto"/>
+        <p:txBody>
+          <a:bodyPr/>
+          <a:lstStyle/>
+          <a:p>
+            <a:pPr>
+              <a:defRPr/>
+            </a:pPr>
+            <a:r>
+              <a:rPr lang="pt-PT"/>
+              <a:t>Related Work</a:t>
+            </a:r>
+            <a:endParaRPr/>
+          </a:p>
+        </p:txBody>
+      </p:sp>
+      <p:sp>
+        <p:nvSpPr>
+          <p:cNvPr id="3" name="Marcador de Posição de Conteúdo 2"/>
+          <p:cNvSpPr>
+            <a:spLocks noGrp="1"/>
+          </p:cNvSpPr>
+          <p:nvPr>
+            <p:ph idx="1"/>
+          </p:nvPr>
+        </p:nvSpPr>
+        <p:spPr bwMode="auto"/>
+        <p:txBody>
+          <a:bodyPr vert="horz" lIns="91440" tIns="45720" rIns="91440" bIns="45720" rtlCol="0" anchor="t">
+            <a:normAutofit/>
+          </a:bodyPr>
+          <a:lstStyle/>
+          <a:p>
+            <a:pPr>
+              <a:defRPr/>
+            </a:pPr>
+            <a:r>
+              <a:rPr lang="pt-PT" u="sng">
+                <a:ea typeface="+mn-lt"/>
+                <a:cs typeface="+mn-lt"/>
+                <a:hlinkClick r:id="rId2" tooltip="https://moodle.up.pt/"/>
+              </a:rPr>
+              <a:t>https://moodle.up.pt/</a:t>
+            </a:r>
+            <a:r>
+              <a:rPr lang="pt-PT">
+                <a:ea typeface="+mn-lt"/>
+                <a:cs typeface="+mn-lt"/>
+              </a:rPr>
+              <a:t> (course files)</a:t>
+            </a:r>
+            <a:endParaRPr/>
+          </a:p>
+          <a:p>
+            <a:pPr>
+              <a:defRPr/>
+            </a:pPr>
+            <a:r>
+              <a:rPr lang="pt-PT" u="sng">
+                <a:ea typeface="+mn-lt"/>
+                <a:cs typeface="+mn-lt"/>
+                <a:hlinkClick r:id="rId3" tooltip="https://www.kaggle.com/datasets/easonlai/sample-telco-customer-churn-dataset"/>
+              </a:rPr>
+              <a:t>https://www.kaggle.com/datasets/easonlai/sample-telco-customer-churn-dataset</a:t>
+            </a:r>
+            <a:endParaRPr lang="pt-PT">
+              <a:ea typeface="+mn-lt"/>
+              <a:cs typeface="+mn-lt"/>
+            </a:endParaRPr>
+          </a:p>
+          <a:p>
+            <a:pPr>
+              <a:defRPr/>
+            </a:pPr>
+            <a:r>
+              <a:rPr lang="pt-PT" u="sng">
+                <a:solidFill>
+                  <a:srgbClr val="FFFFFF">
+                    <a:alpha val="70000"/>
+                  </a:srgbClr>
+                </a:solidFill>
+                <a:ea typeface="+mn-lt"/>
+                <a:cs typeface="Arial"/>
+                <a:hlinkClick r:id="rId4" tooltip="https://www.kaggle.com/datasets/blastchar/telco-customer-churn"/>
+              </a:rPr>
+              <a:t>https://www.kaggle.com/datasets/blastchar/telco-customer-churn</a:t>
+            </a:r>
+            <a:endParaRPr lang="pt-PT">
+              <a:solidFill>
+                <a:srgbClr val="FFFFFF">
+                  <a:alpha val="70000"/>
+                </a:srgbClr>
+              </a:solidFill>
+              <a:ea typeface="+mn-lt"/>
+              <a:cs typeface="Arial"/>
+            </a:endParaRPr>
+          </a:p>
+          <a:p>
+            <a:pPr>
+              <a:defRPr/>
+            </a:pPr>
+            <a:endParaRPr lang="pt-PT">
+              <a:solidFill>
+                <a:srgbClr val="FFFFFF">
+                  <a:alpha val="70000"/>
+                </a:srgbClr>
+              </a:solidFill>
+            </a:endParaRPr>
+          </a:p>
+        </p:txBody>
+      </p:sp>
+    </p:spTree>
+  </p:cSld>
+  <p:clrMapOvr>
+    <a:masterClrMapping/>
+  </p:clrMapOvr>
+</p:sld>
+</file>
+
+<file path=ppt/slides/slide4.xml><?xml version="1.0" encoding="utf-8"?>
+<p:sld xmlns:a="http://schemas.openxmlformats.org/drawingml/2006/main" xmlns:r="http://schemas.openxmlformats.org/officeDocument/2006/relationships" xmlns:p="http://schemas.openxmlformats.org/presentationml/2006/main">
+  <p:cSld>
+    <p:spTree>
+      <p:nvGrpSpPr>
+        <p:cNvPr id="1" name=""/>
+        <p:cNvGrpSpPr/>
+        <p:nvPr/>
+      </p:nvGrpSpPr>
+      <p:grpSpPr>
+        <a:xfrm>
+          <a:off x="0" y="0"/>
+          <a:ext cx="0" cy="0"/>
+          <a:chOff x="0" y="0"/>
+          <a:chExt cx="0" cy="0"/>
+        </a:xfrm>
+      </p:grpSpPr>
+      <p:sp>
+        <p:nvSpPr>
+          <p:cNvPr id="2" name="Título 1">
+            <a:extLst>
+              <a:ext uri="{FF2B5EF4-FFF2-40B4-BE49-F238E27FC236}">
+                <a16:creationId xmlns:a16="http://schemas.microsoft.com/office/drawing/2014/main" id="{AE4809C2-90AF-A68D-B99E-7617DA499F8F}"/>
+              </a:ext>
+            </a:extLst>
+          </p:cNvPr>
+          <p:cNvSpPr>
+            <a:spLocks noGrp="1"/>
+          </p:cNvSpPr>
+          <p:nvPr>
+            <p:ph type="title"/>
+          </p:nvPr>
+        </p:nvSpPr>
+        <p:spPr/>
+        <p:txBody>
+          <a:bodyPr/>
+          <a:lstStyle/>
+          <a:p>
+            <a:r>
+              <a:rPr lang="pt-PT" dirty="0" err="1"/>
+              <a:t>Dataset</a:t>
+            </a:r>
+            <a:r>
+              <a:rPr lang="pt-PT" dirty="0"/>
+              <a:t> </a:t>
+            </a:r>
+            <a:r>
+              <a:rPr lang="pt-PT" dirty="0" err="1"/>
+              <a:t>Analysis</a:t>
+            </a:r>
+            <a:endParaRPr lang="pt-PT" dirty="0"/>
+          </a:p>
+        </p:txBody>
+      </p:sp>
+      <p:pic>
+        <p:nvPicPr>
+          <p:cNvPr id="5" name="Imagem 4">
+            <a:extLst>
+              <a:ext uri="{FF2B5EF4-FFF2-40B4-BE49-F238E27FC236}">
+                <a16:creationId xmlns:a16="http://schemas.microsoft.com/office/drawing/2014/main" id="{724B4EE8-8062-75D8-E7F6-D8261D6D3DE8}"/>
+              </a:ext>
+            </a:extLst>
+          </p:cNvPr>
+          <p:cNvPicPr>
+            <a:picLocks noChangeAspect="1"/>
+          </p:cNvPicPr>
+          <p:nvPr/>
+        </p:nvPicPr>
+        <p:blipFill>
+          <a:blip r:embed="rId2">
+            <a:extLst>
+              <a:ext uri="{28A0092B-C50C-407E-A947-70E740481C1C}">
+                <a14:useLocalDpi xmlns:a14="http://schemas.microsoft.com/office/drawing/2010/main" val="0"/>
+              </a:ext>
+            </a:extLst>
+          </a:blip>
+          <a:stretch>
+            <a:fillRect/>
+          </a:stretch>
+        </p:blipFill>
+        <p:spPr>
+          <a:xfrm>
+            <a:off x="7104112" y="1096230"/>
+            <a:ext cx="4607059" cy="2332770"/>
+          </a:xfrm>
+          <a:prstGeom prst="rect">
+            <a:avLst/>
+          </a:prstGeom>
+        </p:spPr>
+      </p:pic>
+      <p:pic>
+        <p:nvPicPr>
+          <p:cNvPr id="7" name="Imagem 6">
+            <a:extLst>
+              <a:ext uri="{FF2B5EF4-FFF2-40B4-BE49-F238E27FC236}">
+                <a16:creationId xmlns:a16="http://schemas.microsoft.com/office/drawing/2014/main" id="{5F170DFD-DFAE-CDE6-AFC2-D4185318D5C6}"/>
+              </a:ext>
+            </a:extLst>
+          </p:cNvPr>
+          <p:cNvPicPr>
+            <a:picLocks noChangeAspect="1"/>
+          </p:cNvPicPr>
+          <p:nvPr/>
+        </p:nvPicPr>
+        <p:blipFill>
+          <a:blip r:embed="rId3">
+            <a:extLst>
+              <a:ext uri="{28A0092B-C50C-407E-A947-70E740481C1C}">
+                <a14:useLocalDpi xmlns:a14="http://schemas.microsoft.com/office/drawing/2010/main" val="0"/>
+              </a:ext>
+            </a:extLst>
+          </a:blip>
+          <a:stretch>
+            <a:fillRect/>
+          </a:stretch>
+        </p:blipFill>
+        <p:spPr>
+          <a:xfrm>
+            <a:off x="7104289" y="3940833"/>
+            <a:ext cx="4606882" cy="2354771"/>
+          </a:xfrm>
+          <a:prstGeom prst="rect">
+            <a:avLst/>
+          </a:prstGeom>
+        </p:spPr>
+      </p:pic>
+      <p:sp>
+        <p:nvSpPr>
+          <p:cNvPr id="8" name="Marcador de Posição de Conteúdo 2">
+            <a:extLst>
+              <a:ext uri="{FF2B5EF4-FFF2-40B4-BE49-F238E27FC236}">
+                <a16:creationId xmlns:a16="http://schemas.microsoft.com/office/drawing/2014/main" id="{8129721E-07DA-BAE0-575D-390A0CDE8183}"/>
+              </a:ext>
+            </a:extLst>
+          </p:cNvPr>
+          <p:cNvSpPr>
+            <a:spLocks noGrp="1"/>
+          </p:cNvSpPr>
+          <p:nvPr>
+            <p:ph idx="1"/>
+          </p:nvPr>
+        </p:nvSpPr>
+        <p:spPr bwMode="auto">
+          <a:xfrm>
+            <a:off x="321325" y="2175831"/>
+            <a:ext cx="5342627" cy="3818083"/>
+          </a:xfrm>
+        </p:spPr>
+        <p:txBody>
+          <a:bodyPr vertOverflow="overflow" horzOverflow="clip" vert="horz" wrap="square" lIns="91440" tIns="45720" rIns="91440" bIns="45720" numCol="1" spcCol="0" rtlCol="0" fromWordArt="0" anchor="t" anchorCtr="0" forceAA="0" compatLnSpc="0">
+            <a:normAutofit fontScale="95000"/>
+          </a:bodyPr>
+          <a:lstStyle/>
+          <a:p>
+            <a:pPr>
+              <a:defRPr/>
+            </a:pPr>
+            <a:r>
+              <a:rPr lang="pt-PT" sz="2800" b="0" i="0" u="none" strike="noStrike" cap="none" spc="0" dirty="0" err="1">
+                <a:solidFill>
+                  <a:schemeClr val="tx1">
+                    <a:alpha val="70000"/>
+                  </a:schemeClr>
+                </a:solidFill>
+                <a:latin typeface="+mn-lt"/>
+                <a:ea typeface="Avenir Next LT Pro"/>
+                <a:cs typeface="Avenir Next LT Pro"/>
+              </a:rPr>
+              <a:t>After</a:t>
+            </a:r>
+            <a:r>
+              <a:rPr lang="pt-PT" sz="2800" b="0" i="0" u="none" strike="noStrike" cap="none" spc="0" dirty="0">
+                <a:solidFill>
+                  <a:schemeClr val="tx1">
+                    <a:alpha val="70000"/>
+                  </a:schemeClr>
+                </a:solidFill>
+                <a:latin typeface="+mn-lt"/>
+                <a:ea typeface="Avenir Next LT Pro"/>
+                <a:cs typeface="Avenir Next LT Pro"/>
+              </a:rPr>
+              <a:t> </a:t>
+            </a:r>
+            <a:r>
+              <a:rPr lang="pt-PT" sz="2800" b="0" i="0" u="none" strike="noStrike" cap="none" spc="0" dirty="0" err="1">
+                <a:solidFill>
+                  <a:schemeClr val="tx1">
+                    <a:alpha val="70000"/>
+                  </a:schemeClr>
+                </a:solidFill>
+                <a:latin typeface="+mn-lt"/>
+                <a:ea typeface="Avenir Next LT Pro"/>
+                <a:cs typeface="Avenir Next LT Pro"/>
+              </a:rPr>
+              <a:t>analysing</a:t>
+            </a:r>
+            <a:r>
+              <a:rPr lang="pt-PT" sz="2800" b="0" i="0" u="none" strike="noStrike" cap="none" spc="0" dirty="0">
+                <a:solidFill>
+                  <a:schemeClr val="tx1">
+                    <a:alpha val="70000"/>
+                  </a:schemeClr>
+                </a:solidFill>
+                <a:latin typeface="+mn-lt"/>
+                <a:ea typeface="Avenir Next LT Pro"/>
+                <a:cs typeface="Avenir Next LT Pro"/>
+              </a:rPr>
+              <a:t> </a:t>
+            </a:r>
+            <a:r>
+              <a:rPr lang="pt-PT" sz="2800" b="0" i="0" u="none" strike="noStrike" cap="none" spc="0" dirty="0" err="1">
+                <a:solidFill>
+                  <a:schemeClr val="tx1">
+                    <a:alpha val="70000"/>
+                  </a:schemeClr>
+                </a:solidFill>
+                <a:latin typeface="+mn-lt"/>
+                <a:ea typeface="Avenir Next LT Pro"/>
+                <a:cs typeface="Avenir Next LT Pro"/>
+              </a:rPr>
+              <a:t>our</a:t>
+            </a:r>
+            <a:r>
+              <a:rPr lang="pt-PT" sz="2800" b="0" i="0" u="none" strike="noStrike" cap="none" spc="0" dirty="0">
+                <a:solidFill>
+                  <a:schemeClr val="tx1">
+                    <a:alpha val="70000"/>
+                  </a:schemeClr>
+                </a:solidFill>
+                <a:latin typeface="+mn-lt"/>
+                <a:ea typeface="Avenir Next LT Pro"/>
+                <a:cs typeface="Avenir Next LT Pro"/>
+              </a:rPr>
+              <a:t> data, </a:t>
+            </a:r>
+            <a:r>
+              <a:rPr lang="pt-PT" sz="2800" b="0" i="0" u="none" strike="noStrike" cap="none" spc="0" dirty="0" err="1">
+                <a:solidFill>
+                  <a:schemeClr val="tx1">
+                    <a:alpha val="70000"/>
+                  </a:schemeClr>
+                </a:solidFill>
+                <a:latin typeface="+mn-lt"/>
+                <a:ea typeface="Avenir Next LT Pro"/>
+                <a:cs typeface="Avenir Next LT Pro"/>
+              </a:rPr>
+              <a:t>we</a:t>
+            </a:r>
+            <a:r>
+              <a:rPr lang="pt-PT" sz="2800" b="0" i="0" u="none" strike="noStrike" cap="none" spc="0" dirty="0">
+                <a:solidFill>
+                  <a:schemeClr val="tx1">
+                    <a:alpha val="70000"/>
+                  </a:schemeClr>
+                </a:solidFill>
+                <a:latin typeface="+mn-lt"/>
+                <a:ea typeface="Avenir Next LT Pro"/>
+                <a:cs typeface="Avenir Next LT Pro"/>
+              </a:rPr>
+              <a:t> </a:t>
+            </a:r>
+            <a:r>
+              <a:rPr lang="pt-PT" sz="2800" b="0" i="0" u="none" strike="noStrike" cap="none" spc="0" dirty="0" err="1">
+                <a:solidFill>
+                  <a:schemeClr val="tx1">
+                    <a:alpha val="70000"/>
+                  </a:schemeClr>
+                </a:solidFill>
+                <a:latin typeface="+mn-lt"/>
+                <a:ea typeface="Avenir Next LT Pro"/>
+                <a:cs typeface="Avenir Next LT Pro"/>
+              </a:rPr>
+              <a:t>concluded</a:t>
+            </a:r>
+            <a:r>
+              <a:rPr lang="pt-PT" sz="2800" b="0" i="0" u="none" strike="noStrike" cap="none" spc="0" dirty="0">
+                <a:solidFill>
+                  <a:schemeClr val="tx1">
+                    <a:alpha val="70000"/>
+                  </a:schemeClr>
+                </a:solidFill>
+                <a:latin typeface="+mn-lt"/>
+                <a:ea typeface="Avenir Next LT Pro"/>
+                <a:cs typeface="Avenir Next LT Pro"/>
+              </a:rPr>
+              <a:t> </a:t>
+            </a:r>
+            <a:r>
+              <a:rPr lang="pt-PT" sz="2800" b="0" i="0" u="none" strike="noStrike" cap="none" spc="0" dirty="0" err="1">
+                <a:solidFill>
+                  <a:schemeClr val="tx1">
+                    <a:alpha val="70000"/>
+                  </a:schemeClr>
+                </a:solidFill>
+                <a:latin typeface="+mn-lt"/>
+                <a:ea typeface="Avenir Next LT Pro"/>
+                <a:cs typeface="Avenir Next LT Pro"/>
+              </a:rPr>
+              <a:t>that</a:t>
+            </a:r>
+            <a:r>
+              <a:rPr lang="pt-PT" sz="2800" b="0" i="0" u="none" strike="noStrike" cap="none" spc="0" dirty="0">
+                <a:solidFill>
+                  <a:schemeClr val="tx1">
+                    <a:alpha val="70000"/>
+                  </a:schemeClr>
+                </a:solidFill>
+                <a:latin typeface="+mn-lt"/>
+                <a:ea typeface="Avenir Next LT Pro"/>
+                <a:cs typeface="Avenir Next LT Pro"/>
+              </a:rPr>
+              <a:t> gender </a:t>
+            </a:r>
+            <a:r>
+              <a:rPr lang="pt-PT" sz="2800" b="0" i="0" u="none" strike="noStrike" cap="none" spc="0" dirty="0" err="1">
+                <a:solidFill>
+                  <a:schemeClr val="tx1">
+                    <a:alpha val="70000"/>
+                  </a:schemeClr>
+                </a:solidFill>
+                <a:latin typeface="+mn-lt"/>
+                <a:ea typeface="Avenir Next LT Pro"/>
+                <a:cs typeface="Avenir Next LT Pro"/>
+              </a:rPr>
+              <a:t>distribution</a:t>
+            </a:r>
+            <a:r>
+              <a:rPr lang="pt-PT" sz="2800" b="0" i="0" u="none" strike="noStrike" cap="none" spc="0" dirty="0">
+                <a:solidFill>
+                  <a:schemeClr val="tx1">
+                    <a:alpha val="70000"/>
+                  </a:schemeClr>
+                </a:solidFill>
+                <a:latin typeface="+mn-lt"/>
+                <a:ea typeface="Avenir Next LT Pro"/>
+                <a:cs typeface="Avenir Next LT Pro"/>
+              </a:rPr>
+              <a:t> </a:t>
+            </a:r>
+            <a:r>
+              <a:rPr lang="pt-PT" sz="2800" b="0" i="0" u="none" strike="noStrike" cap="none" spc="0" dirty="0" err="1">
+                <a:solidFill>
+                  <a:schemeClr val="tx1">
+                    <a:alpha val="70000"/>
+                  </a:schemeClr>
+                </a:solidFill>
+                <a:latin typeface="+mn-lt"/>
+                <a:ea typeface="Avenir Next LT Pro"/>
+                <a:cs typeface="Avenir Next LT Pro"/>
+              </a:rPr>
+              <a:t>is</a:t>
+            </a:r>
+            <a:r>
+              <a:rPr lang="pt-PT" sz="2800" b="0" i="0" u="none" strike="noStrike" cap="none" spc="0" dirty="0">
+                <a:solidFill>
+                  <a:schemeClr val="tx1">
+                    <a:alpha val="70000"/>
+                  </a:schemeClr>
+                </a:solidFill>
+                <a:latin typeface="+mn-lt"/>
+                <a:ea typeface="Avenir Next LT Pro"/>
+                <a:cs typeface="Avenir Next LT Pro"/>
+              </a:rPr>
+              <a:t> </a:t>
+            </a:r>
+            <a:r>
+              <a:rPr lang="pt-PT" sz="2800" b="0" i="0" u="none" strike="noStrike" cap="none" spc="0" dirty="0" err="1">
+                <a:solidFill>
+                  <a:schemeClr val="tx1">
+                    <a:alpha val="70000"/>
+                  </a:schemeClr>
+                </a:solidFill>
+                <a:latin typeface="+mn-lt"/>
+                <a:ea typeface="Avenir Next LT Pro"/>
+                <a:cs typeface="Avenir Next LT Pro"/>
+              </a:rPr>
+              <a:t>equal</a:t>
+            </a:r>
+            <a:r>
+              <a:rPr lang="pt-PT" sz="2800" b="0" i="0" u="none" strike="noStrike" cap="none" spc="0" dirty="0">
+                <a:solidFill>
+                  <a:schemeClr val="tx1">
+                    <a:alpha val="70000"/>
+                  </a:schemeClr>
+                </a:solidFill>
+                <a:latin typeface="+mn-lt"/>
+                <a:ea typeface="Avenir Next LT Pro"/>
+                <a:cs typeface="Avenir Next LT Pro"/>
+              </a:rPr>
+              <a:t> for </a:t>
+            </a:r>
+            <a:r>
+              <a:rPr lang="pt-PT" sz="2800" b="0" i="0" u="none" strike="noStrike" cap="none" spc="0" dirty="0" err="1">
+                <a:solidFill>
+                  <a:schemeClr val="tx1">
+                    <a:alpha val="70000"/>
+                  </a:schemeClr>
+                </a:solidFill>
+                <a:latin typeface="+mn-lt"/>
+                <a:ea typeface="Avenir Next LT Pro"/>
+                <a:cs typeface="Avenir Next LT Pro"/>
+              </a:rPr>
+              <a:t>both</a:t>
+            </a:r>
+            <a:r>
+              <a:rPr lang="pt-PT" sz="2800" b="0" i="0" u="none" strike="noStrike" cap="none" spc="0" dirty="0">
+                <a:solidFill>
+                  <a:schemeClr val="tx1">
+                    <a:alpha val="70000"/>
+                  </a:schemeClr>
+                </a:solidFill>
+                <a:latin typeface="+mn-lt"/>
+                <a:ea typeface="Avenir Next LT Pro"/>
+                <a:cs typeface="Avenir Next LT Pro"/>
+              </a:rPr>
+              <a:t> genders, </a:t>
+            </a:r>
+            <a:r>
+              <a:rPr lang="pt-PT" sz="2800" b="0" i="0" u="none" strike="noStrike" cap="none" spc="0" dirty="0" err="1">
+                <a:solidFill>
+                  <a:schemeClr val="tx1">
+                    <a:alpha val="70000"/>
+                  </a:schemeClr>
+                </a:solidFill>
+                <a:latin typeface="+mn-lt"/>
+                <a:ea typeface="Avenir Next LT Pro"/>
+                <a:cs typeface="Avenir Next LT Pro"/>
+              </a:rPr>
+              <a:t>however</a:t>
+            </a:r>
+            <a:r>
+              <a:rPr lang="pt-PT" sz="2800" b="0" i="0" u="none" strike="noStrike" cap="none" spc="0" dirty="0">
+                <a:solidFill>
+                  <a:schemeClr val="tx1">
+                    <a:alpha val="70000"/>
+                  </a:schemeClr>
+                </a:solidFill>
+                <a:latin typeface="+mn-lt"/>
+                <a:ea typeface="Avenir Next LT Pro"/>
+                <a:cs typeface="Avenir Next LT Pro"/>
+              </a:rPr>
+              <a:t>, </a:t>
+            </a:r>
+            <a:r>
+              <a:rPr lang="pt-PT" sz="2800" b="0" i="0" u="none" strike="noStrike" cap="none" spc="0" dirty="0" err="1">
+                <a:solidFill>
+                  <a:schemeClr val="tx1">
+                    <a:alpha val="70000"/>
+                  </a:schemeClr>
+                </a:solidFill>
+                <a:latin typeface="+mn-lt"/>
+                <a:ea typeface="Avenir Next LT Pro"/>
+                <a:cs typeface="Avenir Next LT Pro"/>
+              </a:rPr>
+              <a:t>payment</a:t>
+            </a:r>
+            <a:r>
+              <a:rPr lang="pt-PT" sz="2800" b="0" i="0" u="none" strike="noStrike" cap="none" spc="0" dirty="0">
+                <a:solidFill>
+                  <a:schemeClr val="tx1">
+                    <a:alpha val="70000"/>
+                  </a:schemeClr>
+                </a:solidFill>
+                <a:latin typeface="+mn-lt"/>
+                <a:ea typeface="Avenir Next LT Pro"/>
+                <a:cs typeface="Avenir Next LT Pro"/>
+              </a:rPr>
+              <a:t> </a:t>
+            </a:r>
+            <a:r>
+              <a:rPr lang="pt-PT" sz="2800" b="0" i="0" u="none" strike="noStrike" cap="none" spc="0" dirty="0" err="1">
+                <a:solidFill>
+                  <a:schemeClr val="tx1">
+                    <a:alpha val="70000"/>
+                  </a:schemeClr>
+                </a:solidFill>
+                <a:latin typeface="+mn-lt"/>
+                <a:ea typeface="Avenir Next LT Pro"/>
+                <a:cs typeface="Avenir Next LT Pro"/>
+              </a:rPr>
+              <a:t>method</a:t>
+            </a:r>
+            <a:r>
+              <a:rPr lang="pt-PT" sz="2800" b="0" i="0" u="none" strike="noStrike" cap="none" spc="0" dirty="0">
+                <a:solidFill>
+                  <a:schemeClr val="tx1">
+                    <a:alpha val="70000"/>
+                  </a:schemeClr>
+                </a:solidFill>
+                <a:latin typeface="+mn-lt"/>
+                <a:ea typeface="Avenir Next LT Pro"/>
+                <a:cs typeface="Avenir Next LT Pro"/>
+              </a:rPr>
+              <a:t> </a:t>
+            </a:r>
+            <a:r>
+              <a:rPr lang="pt-PT" sz="2800" b="0" i="0" u="none" strike="noStrike" cap="none" spc="0" dirty="0" err="1">
+                <a:solidFill>
+                  <a:schemeClr val="tx1">
+                    <a:alpha val="70000"/>
+                  </a:schemeClr>
+                </a:solidFill>
+                <a:latin typeface="+mn-lt"/>
+                <a:ea typeface="Avenir Next LT Pro"/>
+                <a:cs typeface="Avenir Next LT Pro"/>
+              </a:rPr>
+              <a:t>distribution</a:t>
+            </a:r>
+            <a:r>
+              <a:rPr lang="pt-PT" sz="2800" b="0" i="0" u="none" strike="noStrike" cap="none" spc="0" dirty="0">
+                <a:solidFill>
+                  <a:schemeClr val="tx1">
+                    <a:alpha val="70000"/>
+                  </a:schemeClr>
+                </a:solidFill>
+                <a:latin typeface="+mn-lt"/>
+                <a:ea typeface="Avenir Next LT Pro"/>
+                <a:cs typeface="Avenir Next LT Pro"/>
+              </a:rPr>
+              <a:t> </a:t>
+            </a:r>
+            <a:r>
+              <a:rPr lang="pt-PT" sz="2800" b="0" i="0" u="none" strike="noStrike" cap="none" spc="0" dirty="0" err="1">
+                <a:solidFill>
+                  <a:schemeClr val="tx1">
+                    <a:alpha val="70000"/>
+                  </a:schemeClr>
+                </a:solidFill>
+                <a:latin typeface="+mn-lt"/>
+                <a:ea typeface="Avenir Next LT Pro"/>
+                <a:cs typeface="Avenir Next LT Pro"/>
+              </a:rPr>
+              <a:t>is</a:t>
+            </a:r>
+            <a:r>
+              <a:rPr lang="pt-PT" sz="2800" b="0" i="0" u="none" strike="noStrike" cap="none" spc="0" dirty="0">
+                <a:solidFill>
+                  <a:schemeClr val="tx1">
+                    <a:alpha val="70000"/>
+                  </a:schemeClr>
+                </a:solidFill>
+                <a:latin typeface="+mn-lt"/>
+                <a:ea typeface="Avenir Next LT Pro"/>
+                <a:cs typeface="Avenir Next LT Pro"/>
+              </a:rPr>
+              <a:t> </a:t>
+            </a:r>
+            <a:r>
+              <a:rPr lang="pt-PT" sz="2800" b="0" i="0" u="none" strike="noStrike" cap="none" spc="0" dirty="0" err="1">
+                <a:solidFill>
+                  <a:schemeClr val="tx1">
+                    <a:alpha val="70000"/>
+                  </a:schemeClr>
+                </a:solidFill>
+                <a:latin typeface="+mn-lt"/>
+                <a:ea typeface="Avenir Next LT Pro"/>
+                <a:cs typeface="Avenir Next LT Pro"/>
+              </a:rPr>
+              <a:t>not</a:t>
+            </a:r>
+            <a:r>
+              <a:rPr lang="pt-PT" sz="2800" b="0" i="0" u="none" strike="noStrike" cap="none" spc="0" dirty="0">
+                <a:solidFill>
+                  <a:schemeClr val="tx1">
+                    <a:alpha val="70000"/>
+                  </a:schemeClr>
+                </a:solidFill>
+                <a:latin typeface="+mn-lt"/>
+                <a:ea typeface="Avenir Next LT Pro"/>
+                <a:cs typeface="Avenir Next LT Pro"/>
+              </a:rPr>
+              <a:t> </a:t>
+            </a:r>
+            <a:r>
+              <a:rPr lang="pt-PT" sz="2800" b="0" i="0" u="none" strike="noStrike" cap="none" spc="0" dirty="0" err="1">
+                <a:solidFill>
+                  <a:schemeClr val="tx1">
+                    <a:alpha val="70000"/>
+                  </a:schemeClr>
+                </a:solidFill>
+                <a:latin typeface="+mn-lt"/>
+                <a:ea typeface="Avenir Next LT Pro"/>
+                <a:cs typeface="Avenir Next LT Pro"/>
+              </a:rPr>
+              <a:t>uniform</a:t>
+            </a:r>
+            <a:r>
+              <a:rPr lang="pt-PT" sz="2800" b="0" i="0" u="none" strike="noStrike" cap="none" spc="0" dirty="0">
+                <a:solidFill>
+                  <a:schemeClr val="tx1">
+                    <a:alpha val="70000"/>
+                  </a:schemeClr>
+                </a:solidFill>
+                <a:latin typeface="+mn-lt"/>
+                <a:ea typeface="Avenir Next LT Pro"/>
+                <a:cs typeface="Avenir Next LT Pro"/>
+              </a:rPr>
+              <a:t>, </a:t>
+            </a:r>
+            <a:r>
+              <a:rPr lang="pt-PT" sz="2800" b="0" i="0" u="none" strike="noStrike" cap="none" spc="0" dirty="0" err="1">
+                <a:solidFill>
+                  <a:schemeClr val="tx1">
+                    <a:alpha val="70000"/>
+                  </a:schemeClr>
+                </a:solidFill>
+                <a:latin typeface="+mn-lt"/>
+                <a:ea typeface="Avenir Next LT Pro"/>
+                <a:cs typeface="Avenir Next LT Pro"/>
+              </a:rPr>
+              <a:t>verifying</a:t>
+            </a:r>
+            <a:r>
+              <a:rPr lang="pt-PT" sz="2800" b="0" i="0" u="none" strike="noStrike" cap="none" spc="0" dirty="0">
+                <a:solidFill>
+                  <a:schemeClr val="tx1">
+                    <a:alpha val="70000"/>
+                  </a:schemeClr>
+                </a:solidFill>
+                <a:latin typeface="+mn-lt"/>
+                <a:ea typeface="Avenir Next LT Pro"/>
+                <a:cs typeface="Avenir Next LT Pro"/>
+              </a:rPr>
+              <a:t> </a:t>
+            </a:r>
+            <a:r>
+              <a:rPr lang="pt-PT" sz="2800" b="0" i="0" u="none" strike="noStrike" cap="none" spc="0" dirty="0" err="1">
+                <a:solidFill>
+                  <a:schemeClr val="tx1">
+                    <a:alpha val="70000"/>
+                  </a:schemeClr>
+                </a:solidFill>
+                <a:latin typeface="+mn-lt"/>
+                <a:ea typeface="Avenir Next LT Pro"/>
+                <a:cs typeface="Avenir Next LT Pro"/>
+              </a:rPr>
+              <a:t>distinct</a:t>
+            </a:r>
+            <a:r>
+              <a:rPr lang="pt-PT" sz="2800" b="0" i="0" u="none" strike="noStrike" cap="none" spc="0" dirty="0">
+                <a:solidFill>
+                  <a:schemeClr val="tx1">
+                    <a:alpha val="70000"/>
+                  </a:schemeClr>
+                </a:solidFill>
+                <a:latin typeface="+mn-lt"/>
+                <a:ea typeface="Avenir Next LT Pro"/>
+                <a:cs typeface="Avenir Next LT Pro"/>
+              </a:rPr>
+              <a:t> </a:t>
+            </a:r>
+            <a:r>
+              <a:rPr lang="pt-PT" sz="2800" b="0" i="0" u="none" strike="noStrike" cap="none" spc="0" dirty="0" err="1">
+                <a:solidFill>
+                  <a:schemeClr val="tx1">
+                    <a:alpha val="70000"/>
+                  </a:schemeClr>
+                </a:solidFill>
+                <a:latin typeface="+mn-lt"/>
+                <a:ea typeface="Avenir Next LT Pro"/>
+                <a:cs typeface="Avenir Next LT Pro"/>
+              </a:rPr>
+              <a:t>distribution</a:t>
+            </a:r>
+            <a:r>
+              <a:rPr lang="pt-PT" dirty="0">
+                <a:ea typeface="Avenir Next LT Pro"/>
+                <a:cs typeface="Avenir Next LT Pro"/>
+              </a:rPr>
+              <a:t>;</a:t>
+            </a:r>
+          </a:p>
+          <a:p>
+            <a:pPr>
+              <a:defRPr/>
+            </a:pPr>
+            <a:endParaRPr sz="2800" dirty="0">
+              <a:solidFill>
+                <a:srgbClr val="FFFFFF">
+                  <a:alpha val="70000"/>
+                </a:srgbClr>
+              </a:solidFill>
+              <a:ea typeface="Avenir Next LT Pro"/>
+              <a:cs typeface="Avenir Next LT Pro"/>
+            </a:endParaRPr>
+          </a:p>
+        </p:txBody>
+      </p:sp>
+    </p:spTree>
+    <p:extLst>
+      <p:ext uri="{BB962C8B-B14F-4D97-AF65-F5344CB8AC3E}">
+        <p14:creationId xmlns:p14="http://schemas.microsoft.com/office/powerpoint/2010/main" val="3409926647"/>
+      </p:ext>
+    </p:extLst>
+  </p:cSld>
+  <p:clrMapOvr>
+    <a:masterClrMapping/>
+  </p:clrMapOvr>
+</p:sld>
+</file>
+
+<file path=ppt/slides/slide5.xml><?xml version="1.0" encoding="utf-8"?>
+<p:sld xmlns:a="http://schemas.openxmlformats.org/drawingml/2006/main" xmlns:r="http://schemas.openxmlformats.org/officeDocument/2006/relationships" xmlns:p="http://schemas.openxmlformats.org/presentationml/2006/main">
+  <p:cSld>
+    <p:spTree>
+      <p:nvGrpSpPr>
+        <p:cNvPr id="1" name=""/>
+        <p:cNvGrpSpPr/>
+        <p:nvPr/>
+      </p:nvGrpSpPr>
+      <p:grpSpPr>
+        <a:xfrm>
+          <a:off x="0" y="0"/>
+          <a:ext cx="0" cy="0"/>
+          <a:chOff x="0" y="0"/>
+          <a:chExt cx="0" cy="0"/>
+        </a:xfrm>
+      </p:grpSpPr>
+      <p:sp>
+        <p:nvSpPr>
+          <p:cNvPr id="2" name="Título 1">
+            <a:extLst>
+              <a:ext uri="{FF2B5EF4-FFF2-40B4-BE49-F238E27FC236}">
+                <a16:creationId xmlns:a16="http://schemas.microsoft.com/office/drawing/2014/main" id="{DE5E664E-04ED-5815-9A66-8FFB1BA0EDA3}"/>
+              </a:ext>
+            </a:extLst>
+          </p:cNvPr>
+          <p:cNvSpPr>
+            <a:spLocks noGrp="1"/>
+          </p:cNvSpPr>
+          <p:nvPr>
+            <p:ph type="title"/>
+          </p:nvPr>
+        </p:nvSpPr>
+        <p:spPr/>
+        <p:txBody>
+          <a:bodyPr/>
+          <a:lstStyle/>
+          <a:p>
+            <a:r>
+              <a:rPr lang="pt-PT" dirty="0"/>
+              <a:t>Data </a:t>
+            </a:r>
+            <a:r>
+              <a:rPr lang="pt-PT" dirty="0" err="1"/>
+              <a:t>Pre-processing</a:t>
+            </a:r>
+            <a:endParaRPr lang="pt-PT" dirty="0"/>
+          </a:p>
+        </p:txBody>
+      </p:sp>
+      <p:sp>
+        <p:nvSpPr>
+          <p:cNvPr id="3" name="Marcador de Posição de Conteúdo 2">
+            <a:extLst>
+              <a:ext uri="{FF2B5EF4-FFF2-40B4-BE49-F238E27FC236}">
+                <a16:creationId xmlns:a16="http://schemas.microsoft.com/office/drawing/2014/main" id="{EDD2879B-DC75-BE01-AFD1-A847E8207E46}"/>
+              </a:ext>
+            </a:extLst>
+          </p:cNvPr>
+          <p:cNvSpPr>
+            <a:spLocks noGrp="1"/>
+          </p:cNvSpPr>
+          <p:nvPr>
+            <p:ph idx="1"/>
+          </p:nvPr>
+        </p:nvSpPr>
+        <p:spPr/>
+        <p:txBody>
+          <a:bodyPr>
+            <a:normAutofit fontScale="55000" lnSpcReduction="20000"/>
+          </a:bodyPr>
+          <a:lstStyle/>
+          <a:p>
+            <a:r>
+              <a:rPr lang="pt-PT" b="1" dirty="0" err="1"/>
+              <a:t>Load</a:t>
+            </a:r>
+            <a:r>
+              <a:rPr lang="pt-PT" b="1" dirty="0"/>
+              <a:t> data;</a:t>
+            </a:r>
+          </a:p>
+          <a:p>
+            <a:r>
+              <a:rPr lang="pt-PT" b="1" dirty="0" err="1"/>
+              <a:t>Missing</a:t>
+            </a:r>
+            <a:r>
+              <a:rPr lang="pt-PT" b="1" dirty="0"/>
+              <a:t> </a:t>
+            </a:r>
+            <a:r>
+              <a:rPr lang="pt-PT" b="1" dirty="0" err="1"/>
+              <a:t>and</a:t>
+            </a:r>
+            <a:r>
+              <a:rPr lang="pt-PT" b="1" dirty="0"/>
+              <a:t> </a:t>
+            </a:r>
+            <a:r>
+              <a:rPr lang="pt-PT" b="1" dirty="0" err="1"/>
+              <a:t>Repeated</a:t>
+            </a:r>
+            <a:r>
+              <a:rPr lang="pt-PT" b="1" dirty="0"/>
+              <a:t> </a:t>
+            </a:r>
+            <a:r>
+              <a:rPr lang="pt-PT" b="1" dirty="0" err="1"/>
+              <a:t>values</a:t>
+            </a:r>
+            <a:endParaRPr lang="pt-PT" b="1" dirty="0"/>
+          </a:p>
+          <a:p>
+            <a:pPr lvl="1"/>
+            <a:r>
+              <a:rPr lang="pt-PT" dirty="0" err="1"/>
+              <a:t>There</a:t>
+            </a:r>
+            <a:r>
+              <a:rPr lang="pt-PT" dirty="0"/>
+              <a:t> are </a:t>
+            </a:r>
+            <a:r>
+              <a:rPr lang="pt-PT" dirty="0" err="1"/>
+              <a:t>not</a:t>
+            </a:r>
+            <a:r>
+              <a:rPr lang="pt-PT" dirty="0"/>
+              <a:t> </a:t>
+            </a:r>
+            <a:r>
+              <a:rPr lang="pt-PT" dirty="0" err="1"/>
+              <a:t>any</a:t>
+            </a:r>
+            <a:r>
+              <a:rPr lang="pt-PT" dirty="0"/>
+              <a:t> </a:t>
+            </a:r>
+            <a:r>
+              <a:rPr lang="pt-PT" dirty="0" err="1"/>
+              <a:t>missing</a:t>
+            </a:r>
+            <a:r>
+              <a:rPr lang="pt-PT" dirty="0"/>
+              <a:t> </a:t>
+            </a:r>
+            <a:r>
+              <a:rPr lang="pt-PT" dirty="0" err="1"/>
+              <a:t>values</a:t>
+            </a:r>
+            <a:r>
+              <a:rPr lang="pt-PT" dirty="0"/>
+              <a:t> in </a:t>
+            </a:r>
+            <a:r>
+              <a:rPr lang="pt-PT" dirty="0" err="1"/>
+              <a:t>our</a:t>
+            </a:r>
+            <a:r>
+              <a:rPr lang="pt-PT" dirty="0"/>
+              <a:t> </a:t>
+            </a:r>
+            <a:r>
+              <a:rPr lang="pt-PT" dirty="0" err="1"/>
+              <a:t>dataset</a:t>
+            </a:r>
+            <a:r>
+              <a:rPr lang="pt-PT" dirty="0"/>
+              <a:t>. </a:t>
+            </a:r>
+            <a:r>
+              <a:rPr lang="pt-PT" dirty="0" err="1"/>
+              <a:t>If</a:t>
+            </a:r>
+            <a:r>
+              <a:rPr lang="pt-PT" dirty="0"/>
+              <a:t> </a:t>
+            </a:r>
+            <a:r>
+              <a:rPr lang="pt-PT" dirty="0" err="1"/>
+              <a:t>we</a:t>
+            </a:r>
+            <a:r>
+              <a:rPr lang="pt-PT" dirty="0"/>
+              <a:t> </a:t>
+            </a:r>
+            <a:r>
+              <a:rPr lang="pt-PT" dirty="0" err="1"/>
+              <a:t>needed</a:t>
+            </a:r>
+            <a:r>
+              <a:rPr lang="pt-PT" dirty="0"/>
+              <a:t> to </a:t>
+            </a:r>
+            <a:r>
+              <a:rPr lang="pt-PT" dirty="0" err="1"/>
+              <a:t>eliminate</a:t>
+            </a:r>
+            <a:r>
+              <a:rPr lang="pt-PT" dirty="0"/>
+              <a:t> </a:t>
+            </a:r>
+            <a:r>
+              <a:rPr lang="pt-PT" dirty="0" err="1"/>
+              <a:t>any</a:t>
+            </a:r>
+            <a:r>
+              <a:rPr lang="pt-PT" dirty="0"/>
+              <a:t> </a:t>
+            </a:r>
+            <a:r>
+              <a:rPr lang="pt-PT" dirty="0" err="1"/>
+              <a:t>duplicated</a:t>
+            </a:r>
+            <a:r>
+              <a:rPr lang="pt-PT" dirty="0"/>
+              <a:t> </a:t>
+            </a:r>
+            <a:r>
+              <a:rPr lang="pt-PT" dirty="0" err="1"/>
+              <a:t>value</a:t>
+            </a:r>
+            <a:r>
+              <a:rPr lang="pt-PT" dirty="0"/>
+              <a:t>, </a:t>
+            </a:r>
+            <a:r>
+              <a:rPr lang="pt-PT" dirty="0" err="1"/>
+              <a:t>it</a:t>
+            </a:r>
+            <a:r>
+              <a:rPr lang="pt-PT" dirty="0"/>
+              <a:t> </a:t>
+            </a:r>
+            <a:r>
+              <a:rPr lang="pt-PT" dirty="0" err="1"/>
+              <a:t>only</a:t>
+            </a:r>
+            <a:r>
+              <a:rPr lang="pt-PT" dirty="0"/>
+              <a:t> </a:t>
+            </a:r>
+            <a:r>
+              <a:rPr lang="pt-PT" dirty="0" err="1"/>
+              <a:t>could</a:t>
+            </a:r>
+            <a:r>
+              <a:rPr lang="pt-PT" dirty="0"/>
+              <a:t> </a:t>
+            </a:r>
+            <a:r>
+              <a:rPr lang="pt-PT" dirty="0" err="1"/>
+              <a:t>be</a:t>
+            </a:r>
+            <a:r>
+              <a:rPr lang="pt-PT" dirty="0"/>
+              <a:t> a </a:t>
+            </a:r>
+            <a:r>
+              <a:rPr lang="pt-PT" dirty="0" err="1"/>
+              <a:t>repeated</a:t>
+            </a:r>
+            <a:r>
+              <a:rPr lang="pt-PT" dirty="0"/>
+              <a:t> </a:t>
+            </a:r>
+            <a:r>
+              <a:rPr lang="pt-PT" dirty="0" err="1"/>
+              <a:t>customerid</a:t>
+            </a:r>
+            <a:r>
+              <a:rPr lang="pt-PT" dirty="0"/>
+              <a:t> </a:t>
+            </a:r>
+            <a:r>
+              <a:rPr lang="pt-PT" dirty="0" err="1"/>
+              <a:t>row</a:t>
+            </a:r>
+            <a:r>
+              <a:rPr lang="pt-PT" dirty="0"/>
+              <a:t>, </a:t>
+            </a:r>
+            <a:r>
+              <a:rPr lang="pt-PT" dirty="0" err="1"/>
+              <a:t>due</a:t>
+            </a:r>
+            <a:r>
+              <a:rPr lang="pt-PT" dirty="0"/>
+              <a:t> to </a:t>
+            </a:r>
+            <a:r>
+              <a:rPr lang="pt-PT" dirty="0" err="1"/>
+              <a:t>the</a:t>
+            </a:r>
+            <a:r>
+              <a:rPr lang="pt-PT" dirty="0"/>
+              <a:t> </a:t>
+            </a:r>
+            <a:r>
+              <a:rPr lang="pt-PT" dirty="0" err="1"/>
+              <a:t>types</a:t>
+            </a:r>
+            <a:r>
+              <a:rPr lang="pt-PT" dirty="0"/>
+              <a:t> </a:t>
+            </a:r>
+            <a:r>
+              <a:rPr lang="pt-PT" dirty="0" err="1"/>
+              <a:t>and</a:t>
+            </a:r>
+            <a:r>
+              <a:rPr lang="pt-PT" dirty="0"/>
+              <a:t> </a:t>
+            </a:r>
+            <a:r>
+              <a:rPr lang="pt-PT" dirty="0" err="1"/>
+              <a:t>values</a:t>
+            </a:r>
+            <a:r>
+              <a:rPr lang="pt-PT" dirty="0"/>
+              <a:t> </a:t>
+            </a:r>
+            <a:r>
+              <a:rPr lang="pt-PT" dirty="0" err="1"/>
+              <a:t>of</a:t>
+            </a:r>
+            <a:r>
+              <a:rPr lang="pt-PT" dirty="0"/>
+              <a:t> </a:t>
+            </a:r>
+            <a:r>
+              <a:rPr lang="pt-PT" dirty="0" err="1"/>
+              <a:t>each</a:t>
+            </a:r>
+            <a:r>
+              <a:rPr lang="pt-PT" dirty="0"/>
+              <a:t> </a:t>
+            </a:r>
+            <a:r>
+              <a:rPr lang="pt-PT" dirty="0" err="1"/>
+              <a:t>column</a:t>
+            </a:r>
+            <a:r>
+              <a:rPr lang="pt-PT" dirty="0"/>
+              <a:t> (</a:t>
+            </a:r>
+            <a:r>
+              <a:rPr lang="pt-PT" dirty="0" err="1"/>
+              <a:t>most</a:t>
+            </a:r>
+            <a:r>
+              <a:rPr lang="pt-PT" dirty="0"/>
+              <a:t> </a:t>
+            </a:r>
+            <a:r>
+              <a:rPr lang="pt-PT" dirty="0" err="1"/>
+              <a:t>of</a:t>
+            </a:r>
+            <a:r>
+              <a:rPr lang="pt-PT" dirty="0"/>
+              <a:t> </a:t>
+            </a:r>
+            <a:r>
+              <a:rPr lang="pt-PT" dirty="0" err="1"/>
+              <a:t>them</a:t>
+            </a:r>
+            <a:r>
+              <a:rPr lang="pt-PT" dirty="0"/>
+              <a:t> can </a:t>
+            </a:r>
+            <a:r>
+              <a:rPr lang="pt-PT" dirty="0" err="1"/>
+              <a:t>be</a:t>
+            </a:r>
+            <a:r>
+              <a:rPr lang="pt-PT" dirty="0"/>
+              <a:t> </a:t>
+            </a:r>
+            <a:r>
+              <a:rPr lang="pt-PT" dirty="0" err="1"/>
+              <a:t>represented</a:t>
+            </a:r>
+            <a:r>
+              <a:rPr lang="pt-PT" dirty="0"/>
+              <a:t> as </a:t>
+            </a:r>
+            <a:r>
+              <a:rPr lang="pt-PT" dirty="0" err="1"/>
+              <a:t>booleans</a:t>
+            </a:r>
+            <a:r>
+              <a:rPr lang="pt-PT" dirty="0"/>
+              <a:t> </a:t>
+            </a:r>
+            <a:r>
+              <a:rPr lang="pt-PT" dirty="0" err="1"/>
+              <a:t>so</a:t>
+            </a:r>
+            <a:r>
+              <a:rPr lang="pt-PT" dirty="0"/>
+              <a:t> </a:t>
+            </a:r>
+            <a:r>
+              <a:rPr lang="pt-PT" dirty="0" err="1"/>
+              <a:t>there</a:t>
+            </a:r>
+            <a:r>
+              <a:rPr lang="pt-PT" dirty="0"/>
+              <a:t> must </a:t>
+            </a:r>
+            <a:r>
+              <a:rPr lang="pt-PT" dirty="0" err="1"/>
+              <a:t>exist</a:t>
+            </a:r>
+            <a:r>
+              <a:rPr lang="pt-PT" dirty="0"/>
+              <a:t> </a:t>
+            </a:r>
+            <a:r>
+              <a:rPr lang="pt-PT" dirty="0" err="1"/>
+              <a:t>duplicate</a:t>
+            </a:r>
+            <a:r>
+              <a:rPr lang="pt-PT" dirty="0"/>
+              <a:t> </a:t>
+            </a:r>
+            <a:r>
+              <a:rPr lang="pt-PT" dirty="0" err="1"/>
+              <a:t>values</a:t>
+            </a:r>
+            <a:r>
+              <a:rPr lang="pt-PT" dirty="0"/>
+              <a:t> in </a:t>
+            </a:r>
+            <a:r>
+              <a:rPr lang="pt-PT" dirty="0" err="1"/>
+              <a:t>those</a:t>
+            </a:r>
+            <a:r>
+              <a:rPr lang="pt-PT" dirty="0"/>
+              <a:t> </a:t>
+            </a:r>
+            <a:r>
+              <a:rPr lang="pt-PT" dirty="0" err="1"/>
+              <a:t>columns</a:t>
+            </a:r>
+            <a:r>
+              <a:rPr lang="pt-PT" dirty="0"/>
+              <a:t>) </a:t>
+            </a:r>
+            <a:r>
+              <a:rPr lang="pt-PT" dirty="0" err="1"/>
+              <a:t>and</a:t>
+            </a:r>
+            <a:r>
+              <a:rPr lang="pt-PT" dirty="0"/>
+              <a:t>, as </a:t>
+            </a:r>
+            <a:r>
+              <a:rPr lang="pt-PT" dirty="0" err="1"/>
+              <a:t>we</a:t>
+            </a:r>
+            <a:r>
+              <a:rPr lang="pt-PT" dirty="0"/>
+              <a:t> can </a:t>
+            </a:r>
+            <a:r>
+              <a:rPr lang="pt-PT" dirty="0" err="1"/>
+              <a:t>see</a:t>
+            </a:r>
+            <a:r>
+              <a:rPr lang="pt-PT" dirty="0"/>
+              <a:t>, </a:t>
+            </a:r>
+            <a:r>
+              <a:rPr lang="pt-PT" dirty="0" err="1"/>
+              <a:t>the</a:t>
+            </a:r>
+            <a:r>
+              <a:rPr lang="pt-PT" dirty="0"/>
+              <a:t> </a:t>
+            </a:r>
+            <a:r>
+              <a:rPr lang="pt-PT" dirty="0" err="1"/>
+              <a:t>number</a:t>
+            </a:r>
+            <a:r>
+              <a:rPr lang="pt-PT" dirty="0"/>
+              <a:t> </a:t>
+            </a:r>
+            <a:r>
+              <a:rPr lang="pt-PT" dirty="0" err="1"/>
+              <a:t>of</a:t>
+            </a:r>
+            <a:r>
+              <a:rPr lang="pt-PT" dirty="0"/>
+              <a:t> </a:t>
+            </a:r>
+            <a:r>
+              <a:rPr lang="pt-PT" dirty="0" err="1"/>
+              <a:t>unique</a:t>
+            </a:r>
+            <a:r>
+              <a:rPr lang="pt-PT" dirty="0"/>
+              <a:t> </a:t>
+            </a:r>
+            <a:r>
+              <a:rPr lang="pt-PT" dirty="0" err="1"/>
+              <a:t>id's</a:t>
+            </a:r>
+            <a:r>
+              <a:rPr lang="pt-PT" dirty="0"/>
+              <a:t> match </a:t>
+            </a:r>
+            <a:r>
+              <a:rPr lang="pt-PT" dirty="0" err="1"/>
+              <a:t>exactly</a:t>
+            </a:r>
+            <a:r>
+              <a:rPr lang="pt-PT" dirty="0"/>
+              <a:t> </a:t>
+            </a:r>
+            <a:r>
+              <a:rPr lang="pt-PT" dirty="0" err="1"/>
+              <a:t>the</a:t>
+            </a:r>
+            <a:r>
+              <a:rPr lang="pt-PT" dirty="0"/>
+              <a:t> </a:t>
+            </a:r>
+            <a:r>
+              <a:rPr lang="pt-PT" dirty="0" err="1"/>
+              <a:t>number</a:t>
+            </a:r>
+            <a:r>
+              <a:rPr lang="pt-PT" dirty="0"/>
+              <a:t> </a:t>
+            </a:r>
+            <a:r>
+              <a:rPr lang="pt-PT" dirty="0" err="1"/>
+              <a:t>of</a:t>
+            </a:r>
+            <a:r>
+              <a:rPr lang="pt-PT" dirty="0"/>
+              <a:t> </a:t>
+            </a:r>
+            <a:r>
+              <a:rPr lang="pt-PT" dirty="0" err="1"/>
+              <a:t>rows</a:t>
+            </a:r>
+            <a:r>
+              <a:rPr lang="pt-PT" dirty="0"/>
+              <a:t> </a:t>
+            </a:r>
+            <a:r>
+              <a:rPr lang="pt-PT" dirty="0" err="1"/>
+              <a:t>so</a:t>
+            </a:r>
+            <a:r>
+              <a:rPr lang="pt-PT" dirty="0"/>
+              <a:t> </a:t>
+            </a:r>
+            <a:r>
+              <a:rPr lang="pt-PT" dirty="0" err="1"/>
+              <a:t>there</a:t>
+            </a:r>
+            <a:r>
+              <a:rPr lang="pt-PT" dirty="0"/>
+              <a:t> </a:t>
+            </a:r>
+            <a:r>
+              <a:rPr lang="pt-PT" dirty="0" err="1"/>
+              <a:t>is</a:t>
+            </a:r>
+            <a:r>
+              <a:rPr lang="pt-PT" dirty="0"/>
+              <a:t> no </a:t>
+            </a:r>
+            <a:r>
+              <a:rPr lang="pt-PT" dirty="0" err="1"/>
+              <a:t>repeated</a:t>
+            </a:r>
+            <a:r>
+              <a:rPr lang="pt-PT" dirty="0"/>
+              <a:t> </a:t>
+            </a:r>
+            <a:r>
+              <a:rPr lang="pt-PT" dirty="0" err="1"/>
+              <a:t>value</a:t>
+            </a:r>
+            <a:r>
+              <a:rPr lang="pt-PT" dirty="0"/>
+              <a:t>;</a:t>
+            </a:r>
+          </a:p>
+          <a:p>
+            <a:r>
+              <a:rPr lang="pt-PT" b="1" dirty="0" err="1"/>
+              <a:t>Drop</a:t>
+            </a:r>
+            <a:r>
+              <a:rPr lang="pt-PT" b="1" dirty="0"/>
+              <a:t> </a:t>
+            </a:r>
+            <a:r>
+              <a:rPr lang="pt-PT" b="1" dirty="0" err="1"/>
+              <a:t>Columns</a:t>
+            </a:r>
+            <a:endParaRPr lang="pt-PT" b="1" dirty="0"/>
+          </a:p>
+          <a:p>
+            <a:pPr lvl="1"/>
+            <a:r>
+              <a:rPr lang="pt-PT" dirty="0" err="1"/>
+              <a:t>We</a:t>
+            </a:r>
+            <a:r>
+              <a:rPr lang="pt-PT" dirty="0"/>
+              <a:t> can </a:t>
+            </a:r>
+            <a:r>
+              <a:rPr lang="pt-PT" dirty="0" err="1"/>
+              <a:t>drop</a:t>
+            </a:r>
+            <a:r>
+              <a:rPr lang="pt-PT" dirty="0"/>
+              <a:t> </a:t>
+            </a:r>
+            <a:r>
+              <a:rPr lang="pt-PT" dirty="0" err="1"/>
+              <a:t>column</a:t>
+            </a:r>
+            <a:r>
+              <a:rPr lang="pt-PT" dirty="0"/>
+              <a:t> </a:t>
+            </a:r>
+            <a:r>
+              <a:rPr lang="pt-PT" dirty="0" err="1"/>
+              <a:t>customerID</a:t>
+            </a:r>
+            <a:r>
+              <a:rPr lang="pt-PT" dirty="0"/>
+              <a:t> </a:t>
+            </a:r>
+            <a:r>
+              <a:rPr lang="pt-PT" dirty="0" err="1"/>
+              <a:t>because</a:t>
+            </a:r>
+            <a:r>
+              <a:rPr lang="pt-PT" dirty="0"/>
+              <a:t> </a:t>
+            </a:r>
+            <a:r>
+              <a:rPr lang="pt-PT" dirty="0" err="1"/>
+              <a:t>it</a:t>
+            </a:r>
+            <a:r>
+              <a:rPr lang="pt-PT" dirty="0"/>
+              <a:t> </a:t>
+            </a:r>
+            <a:r>
+              <a:rPr lang="pt-PT" dirty="0" err="1"/>
+              <a:t>has</a:t>
+            </a:r>
+            <a:r>
+              <a:rPr lang="pt-PT" dirty="0"/>
+              <a:t> no </a:t>
+            </a:r>
+            <a:r>
+              <a:rPr lang="pt-PT" dirty="0" err="1"/>
+              <a:t>influence</a:t>
+            </a:r>
+            <a:r>
+              <a:rPr lang="pt-PT" dirty="0"/>
+              <a:t> in </a:t>
+            </a:r>
+            <a:r>
+              <a:rPr lang="pt-PT" dirty="0" err="1"/>
+              <a:t>churn</a:t>
+            </a:r>
+            <a:r>
+              <a:rPr lang="pt-PT" dirty="0"/>
+              <a:t> </a:t>
+            </a:r>
+            <a:r>
+              <a:rPr lang="pt-PT" dirty="0" err="1"/>
+              <a:t>value</a:t>
+            </a:r>
+            <a:r>
+              <a:rPr lang="pt-PT" dirty="0"/>
+              <a:t>;</a:t>
+            </a:r>
+          </a:p>
+          <a:p>
+            <a:r>
+              <a:rPr lang="pt-PT" b="1" dirty="0" err="1"/>
+              <a:t>Removing</a:t>
+            </a:r>
+            <a:r>
+              <a:rPr lang="pt-PT" b="1" dirty="0"/>
+              <a:t> NA </a:t>
+            </a:r>
+            <a:r>
+              <a:rPr lang="pt-PT" b="1" dirty="0" err="1"/>
+              <a:t>answers</a:t>
+            </a:r>
+            <a:endParaRPr lang="pt-PT" b="1" dirty="0"/>
+          </a:p>
+          <a:p>
+            <a:pPr lvl="1"/>
+            <a:r>
+              <a:rPr lang="pt-PT" dirty="0" err="1"/>
+              <a:t>Many</a:t>
+            </a:r>
+            <a:r>
+              <a:rPr lang="pt-PT" dirty="0"/>
+              <a:t> </a:t>
+            </a:r>
+            <a:r>
+              <a:rPr lang="pt-PT" dirty="0" err="1"/>
+              <a:t>columns</a:t>
+            </a:r>
+            <a:r>
+              <a:rPr lang="pt-PT" dirty="0"/>
+              <a:t> </a:t>
+            </a:r>
+            <a:r>
+              <a:rPr lang="pt-PT" dirty="0" err="1"/>
+              <a:t>ahve</a:t>
+            </a:r>
+            <a:r>
+              <a:rPr lang="pt-PT" dirty="0"/>
+              <a:t> </a:t>
+            </a:r>
+            <a:r>
+              <a:rPr lang="pt-PT" dirty="0" err="1"/>
+              <a:t>and</a:t>
+            </a:r>
+            <a:r>
+              <a:rPr lang="pt-PT" dirty="0"/>
+              <a:t> NA </a:t>
+            </a:r>
+            <a:r>
+              <a:rPr lang="pt-PT" dirty="0" err="1"/>
+              <a:t>value</a:t>
+            </a:r>
+            <a:r>
+              <a:rPr lang="pt-PT" dirty="0"/>
+              <a:t> </a:t>
+            </a:r>
+            <a:r>
+              <a:rPr lang="pt-PT" dirty="0" err="1"/>
+              <a:t>meaning</a:t>
+            </a:r>
+            <a:r>
+              <a:rPr lang="pt-PT" dirty="0"/>
+              <a:t> </a:t>
+            </a:r>
+            <a:r>
+              <a:rPr lang="pt-PT" dirty="0" err="1"/>
+              <a:t>that</a:t>
+            </a:r>
+            <a:r>
+              <a:rPr lang="pt-PT" dirty="0"/>
+              <a:t> </a:t>
+            </a:r>
+            <a:r>
+              <a:rPr lang="pt-PT" dirty="0" err="1"/>
+              <a:t>the</a:t>
+            </a:r>
+            <a:r>
+              <a:rPr lang="pt-PT" dirty="0"/>
+              <a:t> </a:t>
+            </a:r>
+            <a:r>
+              <a:rPr lang="pt-PT" dirty="0" err="1"/>
+              <a:t>customer</a:t>
+            </a:r>
+            <a:r>
+              <a:rPr lang="pt-PT" dirty="0"/>
+              <a:t> </a:t>
+            </a:r>
+            <a:r>
+              <a:rPr lang="pt-PT" dirty="0" err="1"/>
+              <a:t>did</a:t>
+            </a:r>
+            <a:r>
+              <a:rPr lang="pt-PT" dirty="0"/>
+              <a:t> </a:t>
+            </a:r>
+            <a:r>
+              <a:rPr lang="pt-PT" dirty="0" err="1"/>
+              <a:t>not</a:t>
+            </a:r>
+            <a:r>
+              <a:rPr lang="pt-PT" dirty="0"/>
+              <a:t> </a:t>
+            </a:r>
+            <a:r>
+              <a:rPr lang="pt-PT" dirty="0" err="1"/>
+              <a:t>answer</a:t>
+            </a:r>
+            <a:r>
+              <a:rPr lang="pt-PT" dirty="0"/>
+              <a:t> </a:t>
+            </a:r>
+            <a:r>
+              <a:rPr lang="pt-PT" dirty="0" err="1"/>
+              <a:t>if</a:t>
+            </a:r>
+            <a:r>
+              <a:rPr lang="pt-PT" dirty="0"/>
+              <a:t> </a:t>
+            </a:r>
+            <a:r>
+              <a:rPr lang="pt-PT" dirty="0" err="1"/>
+              <a:t>they</a:t>
+            </a:r>
+            <a:r>
+              <a:rPr lang="pt-PT" dirty="0"/>
+              <a:t> </a:t>
+            </a:r>
+            <a:r>
+              <a:rPr lang="pt-PT" dirty="0" err="1"/>
+              <a:t>subscribe</a:t>
+            </a:r>
+            <a:r>
+              <a:rPr lang="pt-PT" dirty="0"/>
+              <a:t> a </a:t>
+            </a:r>
+            <a:r>
+              <a:rPr lang="pt-PT" dirty="0" err="1"/>
+              <a:t>type</a:t>
+            </a:r>
+            <a:r>
+              <a:rPr lang="pt-PT" dirty="0"/>
+              <a:t> </a:t>
+            </a:r>
+            <a:r>
+              <a:rPr lang="pt-PT" dirty="0" err="1"/>
+              <a:t>of</a:t>
+            </a:r>
+            <a:r>
+              <a:rPr lang="pt-PT" dirty="0"/>
+              <a:t> </a:t>
+            </a:r>
+            <a:r>
+              <a:rPr lang="pt-PT" dirty="0" err="1"/>
+              <a:t>service</a:t>
+            </a:r>
+            <a:r>
+              <a:rPr lang="pt-PT" dirty="0"/>
+              <a:t> </a:t>
+            </a:r>
+            <a:r>
+              <a:rPr lang="pt-PT" dirty="0" err="1"/>
+              <a:t>or</a:t>
+            </a:r>
+            <a:r>
+              <a:rPr lang="pt-PT" dirty="0"/>
+              <a:t> </a:t>
+            </a:r>
+            <a:r>
+              <a:rPr lang="pt-PT" dirty="0" err="1"/>
+              <a:t>if</a:t>
+            </a:r>
+            <a:r>
+              <a:rPr lang="pt-PT" dirty="0"/>
+              <a:t> </a:t>
+            </a:r>
+            <a:r>
+              <a:rPr lang="pt-PT" dirty="0" err="1"/>
+              <a:t>they</a:t>
+            </a:r>
+            <a:r>
+              <a:rPr lang="pt-PT" dirty="0"/>
+              <a:t> use </a:t>
+            </a:r>
+            <a:r>
+              <a:rPr lang="pt-PT" dirty="0" err="1"/>
+              <a:t>specific</a:t>
+            </a:r>
+            <a:r>
+              <a:rPr lang="pt-PT" dirty="0"/>
+              <a:t> </a:t>
+            </a:r>
+            <a:r>
+              <a:rPr lang="pt-PT" dirty="0" err="1"/>
+              <a:t>service</a:t>
+            </a:r>
+            <a:r>
+              <a:rPr lang="pt-PT" dirty="0"/>
+              <a:t> for a </a:t>
+            </a:r>
+            <a:r>
+              <a:rPr lang="pt-PT" dirty="0" err="1"/>
+              <a:t>given</a:t>
+            </a:r>
+            <a:r>
+              <a:rPr lang="pt-PT" dirty="0"/>
+              <a:t> </a:t>
+            </a:r>
+            <a:r>
+              <a:rPr lang="pt-PT" dirty="0" err="1"/>
+              <a:t>purpose</a:t>
+            </a:r>
+            <a:r>
+              <a:rPr lang="pt-PT" dirty="0"/>
+              <a:t>. </a:t>
+            </a:r>
+            <a:r>
+              <a:rPr lang="pt-PT" dirty="0" err="1"/>
+              <a:t>We</a:t>
+            </a:r>
+            <a:r>
+              <a:rPr lang="pt-PT" dirty="0"/>
+              <a:t> assume </a:t>
+            </a:r>
+            <a:r>
+              <a:rPr lang="pt-PT" dirty="0" err="1"/>
+              <a:t>that</a:t>
+            </a:r>
+            <a:r>
+              <a:rPr lang="pt-PT" dirty="0"/>
+              <a:t> </a:t>
+            </a:r>
+            <a:r>
+              <a:rPr lang="pt-PT" dirty="0" err="1"/>
+              <a:t>if</a:t>
+            </a:r>
+            <a:r>
+              <a:rPr lang="pt-PT" dirty="0"/>
+              <a:t> </a:t>
+            </a:r>
+            <a:r>
+              <a:rPr lang="pt-PT" dirty="0" err="1"/>
+              <a:t>the</a:t>
+            </a:r>
+            <a:r>
+              <a:rPr lang="pt-PT" dirty="0"/>
+              <a:t> </a:t>
+            </a:r>
+            <a:r>
+              <a:rPr lang="pt-PT" dirty="0" err="1"/>
+              <a:t>answer</a:t>
+            </a:r>
+            <a:r>
+              <a:rPr lang="pt-PT" dirty="0"/>
+              <a:t> </a:t>
+            </a:r>
+            <a:r>
+              <a:rPr lang="pt-PT" dirty="0" err="1"/>
+              <a:t>is</a:t>
+            </a:r>
+            <a:r>
+              <a:rPr lang="pt-PT" dirty="0"/>
+              <a:t> </a:t>
+            </a:r>
+            <a:r>
+              <a:rPr lang="pt-PT" dirty="0" err="1"/>
+              <a:t>null</a:t>
+            </a:r>
+            <a:r>
+              <a:rPr lang="pt-PT" dirty="0"/>
+              <a:t> </a:t>
+            </a:r>
+            <a:r>
+              <a:rPr lang="pt-PT" dirty="0" err="1"/>
+              <a:t>that</a:t>
+            </a:r>
+            <a:r>
+              <a:rPr lang="pt-PT" dirty="0"/>
+              <a:t> </a:t>
+            </a:r>
+            <a:r>
+              <a:rPr lang="pt-PT" dirty="0" err="1"/>
+              <a:t>answer</a:t>
+            </a:r>
+            <a:r>
+              <a:rPr lang="pt-PT" dirty="0"/>
+              <a:t> </a:t>
+            </a:r>
+            <a:r>
+              <a:rPr lang="pt-PT" dirty="0" err="1"/>
+              <a:t>is</a:t>
+            </a:r>
+            <a:r>
+              <a:rPr lang="pt-PT" dirty="0"/>
+              <a:t> a No. For </a:t>
+            </a:r>
+            <a:r>
+              <a:rPr lang="pt-PT" dirty="0" err="1"/>
+              <a:t>example</a:t>
+            </a:r>
+            <a:r>
+              <a:rPr lang="pt-PT" dirty="0"/>
+              <a:t>, </a:t>
+            </a:r>
+            <a:r>
+              <a:rPr lang="pt-PT" dirty="0" err="1"/>
+              <a:t>when</a:t>
+            </a:r>
+            <a:r>
+              <a:rPr lang="pt-PT" dirty="0"/>
+              <a:t> a </a:t>
+            </a:r>
+            <a:r>
+              <a:rPr lang="pt-PT" dirty="0" err="1"/>
+              <a:t>customer</a:t>
+            </a:r>
+            <a:r>
+              <a:rPr lang="pt-PT" dirty="0"/>
+              <a:t> does </a:t>
+            </a:r>
+            <a:r>
+              <a:rPr lang="pt-PT" dirty="0" err="1"/>
+              <a:t>not</a:t>
+            </a:r>
+            <a:r>
+              <a:rPr lang="pt-PT" dirty="0"/>
+              <a:t> </a:t>
+            </a:r>
+            <a:r>
+              <a:rPr lang="pt-PT" dirty="0" err="1"/>
+              <a:t>say</a:t>
+            </a:r>
+            <a:r>
+              <a:rPr lang="pt-PT" dirty="0"/>
+              <a:t> </a:t>
+            </a:r>
+            <a:r>
+              <a:rPr lang="pt-PT" dirty="0" err="1"/>
+              <a:t>of</a:t>
+            </a:r>
+            <a:r>
+              <a:rPr lang="pt-PT" dirty="0"/>
+              <a:t> </a:t>
+            </a:r>
+            <a:r>
+              <a:rPr lang="pt-PT" dirty="0" err="1"/>
+              <a:t>he</a:t>
+            </a:r>
+            <a:r>
+              <a:rPr lang="pt-PT" dirty="0"/>
+              <a:t>/</a:t>
+            </a:r>
+            <a:r>
+              <a:rPr lang="pt-PT" dirty="0" err="1"/>
+              <a:t>she</a:t>
+            </a:r>
+            <a:r>
+              <a:rPr lang="pt-PT" dirty="0"/>
+              <a:t> </a:t>
+            </a:r>
+            <a:r>
+              <a:rPr lang="pt-PT" dirty="0" err="1"/>
+              <a:t>subscribes</a:t>
+            </a:r>
+            <a:r>
+              <a:rPr lang="pt-PT" dirty="0"/>
+              <a:t> to </a:t>
+            </a:r>
+            <a:r>
+              <a:rPr lang="pt-PT" dirty="0" err="1"/>
+              <a:t>an</a:t>
+            </a:r>
+            <a:r>
+              <a:rPr lang="pt-PT" dirty="0"/>
+              <a:t> </a:t>
+            </a:r>
+            <a:r>
+              <a:rPr lang="pt-PT" dirty="0" err="1"/>
+              <a:t>additional</a:t>
+            </a:r>
+            <a:r>
+              <a:rPr lang="pt-PT" dirty="0"/>
+              <a:t> online </a:t>
+            </a:r>
+            <a:r>
+              <a:rPr lang="pt-PT" dirty="0" err="1"/>
+              <a:t>security</a:t>
+            </a:r>
+            <a:r>
+              <a:rPr lang="pt-PT" dirty="0"/>
+              <a:t> </a:t>
+            </a:r>
+            <a:r>
+              <a:rPr lang="pt-PT" dirty="0" err="1"/>
+              <a:t>service</a:t>
+            </a:r>
+            <a:r>
+              <a:rPr lang="pt-PT" dirty="0"/>
+              <a:t> </a:t>
+            </a:r>
+            <a:r>
+              <a:rPr lang="pt-PT" dirty="0" err="1"/>
+              <a:t>provided</a:t>
+            </a:r>
+            <a:r>
+              <a:rPr lang="pt-PT" dirty="0"/>
+              <a:t> </a:t>
+            </a:r>
+            <a:r>
+              <a:rPr lang="pt-PT" dirty="0" err="1"/>
+              <a:t>by</a:t>
+            </a:r>
+            <a:r>
+              <a:rPr lang="pt-PT" dirty="0"/>
+              <a:t> </a:t>
+            </a:r>
+            <a:r>
+              <a:rPr lang="pt-PT" dirty="0" err="1"/>
+              <a:t>the</a:t>
+            </a:r>
+            <a:r>
+              <a:rPr lang="pt-PT" dirty="0"/>
+              <a:t> </a:t>
+            </a:r>
+            <a:r>
+              <a:rPr lang="pt-PT" dirty="0" err="1"/>
+              <a:t>company</a:t>
+            </a:r>
+            <a:r>
+              <a:rPr lang="pt-PT" dirty="0"/>
+              <a:t> </a:t>
+            </a:r>
+            <a:r>
+              <a:rPr lang="pt-PT" dirty="0" err="1"/>
+              <a:t>we</a:t>
+            </a:r>
+            <a:r>
+              <a:rPr lang="pt-PT" dirty="0"/>
+              <a:t> assume </a:t>
+            </a:r>
+            <a:r>
+              <a:rPr lang="pt-PT" dirty="0" err="1"/>
+              <a:t>that</a:t>
+            </a:r>
+            <a:r>
+              <a:rPr lang="pt-PT" dirty="0"/>
+              <a:t> </a:t>
+            </a:r>
+            <a:r>
+              <a:rPr lang="pt-PT" dirty="0" err="1"/>
+              <a:t>the</a:t>
+            </a:r>
+            <a:r>
+              <a:rPr lang="pt-PT" dirty="0"/>
+              <a:t> </a:t>
+            </a:r>
+            <a:r>
+              <a:rPr lang="pt-PT" dirty="0" err="1"/>
+              <a:t>answer</a:t>
+            </a:r>
+            <a:r>
+              <a:rPr lang="pt-PT" dirty="0"/>
+              <a:t> </a:t>
+            </a:r>
+            <a:r>
+              <a:rPr lang="pt-PT" dirty="0" err="1"/>
+              <a:t>if</a:t>
+            </a:r>
+            <a:r>
+              <a:rPr lang="pt-PT" dirty="0"/>
+              <a:t> a No;</a:t>
+            </a:r>
+          </a:p>
+        </p:txBody>
+      </p:sp>
+    </p:spTree>
+    <p:extLst>
+      <p:ext uri="{BB962C8B-B14F-4D97-AF65-F5344CB8AC3E}">
+        <p14:creationId xmlns:p14="http://schemas.microsoft.com/office/powerpoint/2010/main" val="1530753645"/>
+      </p:ext>
+    </p:extLst>
+  </p:cSld>
+  <p:clrMapOvr>
+    <a:masterClrMapping/>
+  </p:clrMapOvr>
+</p:sld>
+</file>
+
+<file path=ppt/slides/slide6.xml><?xml version="1.0" encoding="utf-8"?>
+<p:sld xmlns:a="http://schemas.openxmlformats.org/drawingml/2006/main" xmlns:r="http://schemas.openxmlformats.org/officeDocument/2006/relationships" xmlns:p="http://schemas.openxmlformats.org/presentationml/2006/main">
+  <p:cSld>
+    <p:spTree>
+      <p:nvGrpSpPr>
+        <p:cNvPr id="1" name=""/>
+        <p:cNvGrpSpPr/>
+        <p:nvPr/>
+      </p:nvGrpSpPr>
+      <p:grpSpPr>
+        <a:xfrm>
+          <a:off x="0" y="0"/>
+          <a:ext cx="0" cy="0"/>
+          <a:chOff x="0" y="0"/>
+          <a:chExt cx="0" cy="0"/>
+        </a:xfrm>
+      </p:grpSpPr>
+      <p:sp>
+        <p:nvSpPr>
+          <p:cNvPr id="2" name="Título 1">
+            <a:extLst>
+              <a:ext uri="{FF2B5EF4-FFF2-40B4-BE49-F238E27FC236}">
+                <a16:creationId xmlns:a16="http://schemas.microsoft.com/office/drawing/2014/main" id="{DE5E664E-04ED-5815-9A66-8FFB1BA0EDA3}"/>
+              </a:ext>
+            </a:extLst>
+          </p:cNvPr>
+          <p:cNvSpPr>
+            <a:spLocks noGrp="1"/>
+          </p:cNvSpPr>
+          <p:nvPr>
+            <p:ph type="title"/>
+          </p:nvPr>
+        </p:nvSpPr>
+        <p:spPr/>
+        <p:txBody>
+          <a:bodyPr/>
+          <a:lstStyle/>
+          <a:p>
+            <a:r>
+              <a:rPr lang="pt-PT" dirty="0"/>
+              <a:t>Data </a:t>
+            </a:r>
+            <a:r>
+              <a:rPr lang="pt-PT" dirty="0" err="1"/>
+              <a:t>processing</a:t>
+            </a:r>
+            <a:endParaRPr lang="pt-PT" dirty="0"/>
+          </a:p>
+        </p:txBody>
+      </p:sp>
+      <p:sp>
+        <p:nvSpPr>
+          <p:cNvPr id="3" name="Marcador de Posição de Conteúdo 2">
+            <a:extLst>
+              <a:ext uri="{FF2B5EF4-FFF2-40B4-BE49-F238E27FC236}">
+                <a16:creationId xmlns:a16="http://schemas.microsoft.com/office/drawing/2014/main" id="{EDD2879B-DC75-BE01-AFD1-A847E8207E46}"/>
+              </a:ext>
+            </a:extLst>
+          </p:cNvPr>
+          <p:cNvSpPr>
+            <a:spLocks noGrp="1"/>
+          </p:cNvSpPr>
+          <p:nvPr>
+            <p:ph idx="1"/>
+          </p:nvPr>
+        </p:nvSpPr>
+        <p:spPr/>
+        <p:txBody>
+          <a:bodyPr>
+            <a:normAutofit fontScale="85000" lnSpcReduction="10000"/>
+          </a:bodyPr>
+          <a:lstStyle/>
+          <a:p>
+            <a:r>
+              <a:rPr lang="pt-PT" dirty="0" err="1"/>
+              <a:t>There</a:t>
+            </a:r>
+            <a:r>
+              <a:rPr lang="pt-PT" dirty="0"/>
+              <a:t> are </a:t>
+            </a:r>
+            <a:r>
+              <a:rPr lang="pt-PT" dirty="0" err="1"/>
+              <a:t>two</a:t>
+            </a:r>
+            <a:r>
+              <a:rPr lang="pt-PT" dirty="0"/>
+              <a:t> </a:t>
+            </a:r>
+            <a:r>
+              <a:rPr lang="pt-PT" dirty="0" err="1"/>
+              <a:t>datasets</a:t>
+            </a:r>
+            <a:r>
+              <a:rPr lang="pt-PT" dirty="0"/>
+              <a:t> </a:t>
+            </a:r>
+            <a:r>
+              <a:rPr lang="pt-PT" dirty="0" err="1"/>
+              <a:t>available</a:t>
+            </a:r>
+            <a:r>
+              <a:rPr lang="pt-PT" dirty="0"/>
+              <a:t> </a:t>
+            </a:r>
+            <a:r>
+              <a:rPr lang="pt-PT" dirty="0" err="1"/>
+              <a:t>let's</a:t>
+            </a:r>
+            <a:r>
+              <a:rPr lang="pt-PT" dirty="0"/>
+              <a:t> </a:t>
+            </a:r>
+            <a:r>
+              <a:rPr lang="pt-PT" dirty="0" err="1"/>
+              <a:t>call</a:t>
+            </a:r>
+            <a:r>
+              <a:rPr lang="pt-PT" dirty="0"/>
+              <a:t> </a:t>
+            </a:r>
+            <a:r>
+              <a:rPr lang="pt-PT" dirty="0" err="1"/>
+              <a:t>the</a:t>
+            </a:r>
+            <a:r>
+              <a:rPr lang="pt-PT" dirty="0"/>
+              <a:t> </a:t>
+            </a:r>
+            <a:r>
+              <a:rPr lang="pt-PT" dirty="0" err="1"/>
+              <a:t>main</a:t>
+            </a:r>
+            <a:r>
+              <a:rPr lang="pt-PT" dirty="0"/>
+              <a:t>(</a:t>
+            </a:r>
+            <a:r>
+              <a:rPr lang="pt-PT" dirty="0" err="1"/>
+              <a:t>with</a:t>
+            </a:r>
+            <a:r>
+              <a:rPr lang="pt-PT" dirty="0"/>
+              <a:t> 7011 </a:t>
+            </a:r>
+            <a:r>
+              <a:rPr lang="pt-PT" dirty="0" err="1"/>
+              <a:t>entries</a:t>
+            </a:r>
+            <a:r>
+              <a:rPr lang="pt-PT" dirty="0"/>
+              <a:t>) </a:t>
+            </a:r>
+            <a:r>
+              <a:rPr lang="pt-PT" dirty="0" err="1"/>
+              <a:t>and</a:t>
+            </a:r>
+            <a:r>
+              <a:rPr lang="pt-PT" dirty="0"/>
+              <a:t> </a:t>
+            </a:r>
+            <a:r>
+              <a:rPr lang="pt-PT" dirty="0" err="1"/>
+              <a:t>the</a:t>
+            </a:r>
+            <a:r>
+              <a:rPr lang="pt-PT" dirty="0"/>
+              <a:t> </a:t>
+            </a:r>
+            <a:r>
+              <a:rPr lang="pt-PT" dirty="0" err="1"/>
+              <a:t>other</a:t>
+            </a:r>
+            <a:r>
+              <a:rPr lang="pt-PT" dirty="0"/>
+              <a:t> </a:t>
+            </a:r>
+            <a:r>
+              <a:rPr lang="pt-PT" dirty="0" err="1"/>
+              <a:t>test</a:t>
+            </a:r>
+            <a:r>
+              <a:rPr lang="pt-PT" dirty="0"/>
+              <a:t> (21 </a:t>
+            </a:r>
+            <a:r>
+              <a:rPr lang="pt-PT" dirty="0" err="1"/>
+              <a:t>entries</a:t>
+            </a:r>
+            <a:r>
+              <a:rPr lang="pt-PT" dirty="0"/>
+              <a:t>). For </a:t>
+            </a:r>
+            <a:r>
+              <a:rPr lang="pt-PT" dirty="0" err="1"/>
+              <a:t>our</a:t>
+            </a:r>
+            <a:r>
+              <a:rPr lang="pt-PT" dirty="0"/>
+              <a:t> </a:t>
+            </a:r>
+            <a:r>
+              <a:rPr lang="pt-PT" dirty="0" err="1"/>
+              <a:t>test</a:t>
+            </a:r>
+            <a:r>
+              <a:rPr lang="pt-PT" dirty="0"/>
+              <a:t>/</a:t>
+            </a:r>
+            <a:r>
+              <a:rPr lang="pt-PT" dirty="0" err="1"/>
+              <a:t>train</a:t>
+            </a:r>
+            <a:r>
+              <a:rPr lang="pt-PT" dirty="0"/>
+              <a:t> </a:t>
+            </a:r>
+            <a:r>
+              <a:rPr lang="pt-PT" dirty="0" err="1"/>
+              <a:t>model</a:t>
+            </a:r>
+            <a:r>
+              <a:rPr lang="pt-PT" dirty="0"/>
+              <a:t> </a:t>
+            </a:r>
+            <a:r>
+              <a:rPr lang="pt-PT" dirty="0" err="1"/>
+              <a:t>we</a:t>
+            </a:r>
+            <a:r>
+              <a:rPr lang="pt-PT" dirty="0"/>
+              <a:t> </a:t>
+            </a:r>
+            <a:r>
+              <a:rPr lang="pt-PT" dirty="0" err="1"/>
+              <a:t>will</a:t>
+            </a:r>
+            <a:r>
+              <a:rPr lang="pt-PT" dirty="0"/>
+              <a:t> use </a:t>
+            </a:r>
+            <a:r>
+              <a:rPr lang="pt-PT" dirty="0" err="1"/>
+              <a:t>the</a:t>
+            </a:r>
+            <a:r>
+              <a:rPr lang="pt-PT" dirty="0"/>
+              <a:t> </a:t>
+            </a:r>
+            <a:r>
+              <a:rPr lang="pt-PT" dirty="0" err="1"/>
+              <a:t>main</a:t>
+            </a:r>
+            <a:r>
+              <a:rPr lang="pt-PT" dirty="0"/>
+              <a:t> </a:t>
+            </a:r>
+            <a:r>
+              <a:rPr lang="pt-PT" dirty="0" err="1"/>
+              <a:t>one</a:t>
+            </a:r>
+            <a:r>
+              <a:rPr lang="pt-PT" dirty="0"/>
+              <a:t>. </a:t>
+            </a:r>
+            <a:r>
+              <a:rPr lang="pt-PT" dirty="0" err="1"/>
+              <a:t>Before</a:t>
+            </a:r>
+            <a:r>
+              <a:rPr lang="pt-PT" dirty="0"/>
+              <a:t> </a:t>
+            </a:r>
+            <a:r>
+              <a:rPr lang="pt-PT" dirty="0" err="1"/>
+              <a:t>any</a:t>
+            </a:r>
+            <a:r>
+              <a:rPr lang="pt-PT" dirty="0"/>
+              <a:t> </a:t>
+            </a:r>
+            <a:r>
+              <a:rPr lang="pt-PT" dirty="0" err="1"/>
+              <a:t>attempt</a:t>
+            </a:r>
+            <a:r>
+              <a:rPr lang="pt-PT" dirty="0"/>
+              <a:t> </a:t>
+            </a:r>
+            <a:r>
+              <a:rPr lang="pt-PT" dirty="0" err="1"/>
+              <a:t>of</a:t>
+            </a:r>
+            <a:r>
+              <a:rPr lang="pt-PT" dirty="0"/>
+              <a:t> </a:t>
+            </a:r>
+            <a:r>
+              <a:rPr lang="pt-PT" dirty="0" err="1"/>
+              <a:t>method</a:t>
+            </a:r>
+            <a:r>
+              <a:rPr lang="pt-PT" dirty="0"/>
+              <a:t> </a:t>
+            </a:r>
+            <a:r>
+              <a:rPr lang="pt-PT" dirty="0" err="1"/>
+              <a:t>implementation</a:t>
+            </a:r>
+            <a:r>
+              <a:rPr lang="pt-PT" dirty="0"/>
+              <a:t> </a:t>
+            </a:r>
+            <a:r>
+              <a:rPr lang="pt-PT" dirty="0" err="1"/>
+              <a:t>we</a:t>
+            </a:r>
+            <a:r>
+              <a:rPr lang="pt-PT" dirty="0"/>
+              <a:t> </a:t>
+            </a:r>
+            <a:r>
+              <a:rPr lang="pt-PT" dirty="0" err="1"/>
+              <a:t>need</a:t>
+            </a:r>
+            <a:r>
+              <a:rPr lang="pt-PT" dirty="0"/>
+              <a:t> to do some data </a:t>
+            </a:r>
+            <a:r>
+              <a:rPr lang="pt-PT" dirty="0" err="1"/>
+              <a:t>analysis</a:t>
+            </a:r>
+            <a:r>
+              <a:rPr lang="pt-PT" dirty="0"/>
+              <a:t> </a:t>
+            </a:r>
+            <a:r>
+              <a:rPr lang="pt-PT" dirty="0" err="1"/>
+              <a:t>and</a:t>
+            </a:r>
+            <a:r>
+              <a:rPr lang="pt-PT" dirty="0"/>
+              <a:t> </a:t>
+            </a:r>
+            <a:r>
+              <a:rPr lang="pt-PT" dirty="0" err="1"/>
+              <a:t>pre-processing</a:t>
+            </a:r>
+            <a:r>
+              <a:rPr lang="pt-PT" dirty="0"/>
+              <a:t>. </a:t>
+            </a:r>
+            <a:r>
+              <a:rPr lang="pt-PT" dirty="0" err="1"/>
+              <a:t>We</a:t>
+            </a:r>
+            <a:r>
+              <a:rPr lang="pt-PT" dirty="0"/>
+              <a:t> </a:t>
+            </a:r>
+            <a:r>
+              <a:rPr lang="pt-PT" dirty="0" err="1"/>
+              <a:t>first</a:t>
+            </a:r>
+            <a:r>
+              <a:rPr lang="pt-PT" dirty="0"/>
+              <a:t> </a:t>
+            </a:r>
+            <a:r>
+              <a:rPr lang="pt-PT" dirty="0" err="1"/>
+              <a:t>need</a:t>
+            </a:r>
+            <a:r>
+              <a:rPr lang="pt-PT" dirty="0"/>
+              <a:t> to </a:t>
+            </a:r>
+            <a:r>
+              <a:rPr lang="pt-PT" dirty="0" err="1"/>
+              <a:t>load</a:t>
+            </a:r>
+            <a:r>
+              <a:rPr lang="pt-PT" dirty="0"/>
+              <a:t> </a:t>
+            </a:r>
+            <a:r>
+              <a:rPr lang="pt-PT" dirty="0" err="1"/>
+              <a:t>the</a:t>
+            </a:r>
+            <a:r>
+              <a:rPr lang="pt-PT" dirty="0"/>
+              <a:t> data. </a:t>
+            </a:r>
+            <a:r>
+              <a:rPr lang="pt-PT" dirty="0" err="1"/>
+              <a:t>Then</a:t>
+            </a:r>
+            <a:r>
+              <a:rPr lang="pt-PT" dirty="0"/>
+              <a:t> </a:t>
+            </a:r>
+            <a:r>
+              <a:rPr lang="pt-PT" dirty="0" err="1"/>
+              <a:t>we</a:t>
+            </a:r>
+            <a:r>
+              <a:rPr lang="pt-PT" dirty="0"/>
+              <a:t> </a:t>
+            </a:r>
+            <a:r>
+              <a:rPr lang="pt-PT" dirty="0" err="1"/>
+              <a:t>may</a:t>
+            </a:r>
+            <a:r>
+              <a:rPr lang="pt-PT" dirty="0"/>
+              <a:t> print some </a:t>
+            </a:r>
+            <a:r>
+              <a:rPr lang="pt-PT" dirty="0" err="1"/>
+              <a:t>information</a:t>
+            </a:r>
+            <a:r>
+              <a:rPr lang="pt-PT" dirty="0"/>
+              <a:t> </a:t>
+            </a:r>
+            <a:r>
+              <a:rPr lang="pt-PT" dirty="0" err="1"/>
+              <a:t>about</a:t>
+            </a:r>
+            <a:r>
+              <a:rPr lang="pt-PT" dirty="0"/>
+              <a:t> </a:t>
+            </a:r>
+            <a:r>
+              <a:rPr lang="pt-PT" dirty="0" err="1"/>
+              <a:t>the</a:t>
+            </a:r>
+            <a:r>
+              <a:rPr lang="pt-PT" dirty="0"/>
+              <a:t> </a:t>
+            </a:r>
+            <a:r>
+              <a:rPr lang="pt-PT" dirty="0" err="1"/>
+              <a:t>dataset</a:t>
+            </a:r>
+            <a:r>
+              <a:rPr lang="pt-PT" dirty="0"/>
+              <a:t> to </a:t>
+            </a:r>
+            <a:r>
+              <a:rPr lang="pt-PT" dirty="0" err="1"/>
+              <a:t>get</a:t>
+            </a:r>
+            <a:r>
+              <a:rPr lang="pt-PT" dirty="0"/>
+              <a:t> </a:t>
+            </a:r>
+            <a:r>
+              <a:rPr lang="pt-PT" dirty="0" err="1"/>
+              <a:t>used</a:t>
+            </a:r>
+            <a:r>
+              <a:rPr lang="pt-PT" dirty="0"/>
+              <a:t> to </a:t>
+            </a:r>
+            <a:r>
+              <a:rPr lang="pt-PT" dirty="0" err="1"/>
+              <a:t>the</a:t>
+            </a:r>
+            <a:r>
+              <a:rPr lang="pt-PT" dirty="0"/>
+              <a:t> </a:t>
+            </a:r>
+            <a:r>
+              <a:rPr lang="pt-PT" dirty="0" err="1"/>
+              <a:t>way</a:t>
+            </a:r>
+            <a:r>
+              <a:rPr lang="pt-PT" dirty="0"/>
+              <a:t> </a:t>
+            </a:r>
+            <a:r>
+              <a:rPr lang="pt-PT" dirty="0" err="1"/>
+              <a:t>the</a:t>
+            </a:r>
+            <a:r>
+              <a:rPr lang="pt-PT" dirty="0"/>
+              <a:t> </a:t>
+            </a:r>
+            <a:r>
+              <a:rPr lang="pt-PT" dirty="0" err="1"/>
+              <a:t>information</a:t>
+            </a:r>
+            <a:r>
+              <a:rPr lang="pt-PT" dirty="0"/>
+              <a:t> </a:t>
+            </a:r>
+            <a:r>
+              <a:rPr lang="pt-PT" dirty="0" err="1"/>
+              <a:t>is</a:t>
+            </a:r>
+            <a:r>
+              <a:rPr lang="pt-PT" dirty="0"/>
+              <a:t> </a:t>
+            </a:r>
+            <a:r>
+              <a:rPr lang="pt-PT" dirty="0" err="1"/>
+              <a:t>organized</a:t>
+            </a:r>
+            <a:r>
+              <a:rPr lang="pt-PT" dirty="0"/>
+              <a:t> </a:t>
+            </a:r>
+            <a:r>
+              <a:rPr lang="pt-PT" dirty="0" err="1"/>
+              <a:t>and</a:t>
+            </a:r>
+            <a:r>
+              <a:rPr lang="pt-PT" dirty="0"/>
+              <a:t> to </a:t>
+            </a:r>
+            <a:r>
+              <a:rPr lang="pt-PT" dirty="0" err="1"/>
+              <a:t>know</a:t>
+            </a:r>
+            <a:r>
+              <a:rPr lang="pt-PT" dirty="0"/>
+              <a:t> </a:t>
+            </a:r>
+            <a:r>
+              <a:rPr lang="pt-PT" dirty="0" err="1"/>
+              <a:t>what</a:t>
+            </a:r>
+            <a:r>
+              <a:rPr lang="pt-PT" dirty="0"/>
+              <a:t> </a:t>
+            </a:r>
+            <a:r>
+              <a:rPr lang="pt-PT" dirty="0" err="1"/>
+              <a:t>our</a:t>
+            </a:r>
+            <a:r>
+              <a:rPr lang="pt-PT" dirty="0"/>
+              <a:t> </a:t>
+            </a:r>
+            <a:r>
+              <a:rPr lang="pt-PT" dirty="0" err="1"/>
+              <a:t>next</a:t>
+            </a:r>
+            <a:r>
+              <a:rPr lang="pt-PT" dirty="0"/>
+              <a:t> step </a:t>
+            </a:r>
+            <a:r>
+              <a:rPr lang="pt-PT" dirty="0" err="1"/>
+              <a:t>should</a:t>
+            </a:r>
+            <a:r>
+              <a:rPr lang="pt-PT" dirty="0"/>
+              <a:t> </a:t>
+            </a:r>
+            <a:r>
+              <a:rPr lang="pt-PT" dirty="0" err="1"/>
+              <a:t>be</a:t>
+            </a:r>
+            <a:r>
+              <a:rPr lang="pt-PT" dirty="0"/>
+              <a:t>, </a:t>
+            </a:r>
+            <a:r>
+              <a:rPr lang="pt-PT" dirty="0" err="1"/>
+              <a:t>such</a:t>
+            </a:r>
+            <a:r>
+              <a:rPr lang="pt-PT" dirty="0"/>
+              <a:t> as </a:t>
+            </a:r>
+            <a:r>
+              <a:rPr lang="pt-PT" dirty="0" err="1"/>
+              <a:t>statistics</a:t>
+            </a:r>
+            <a:r>
+              <a:rPr lang="pt-PT" dirty="0"/>
+              <a:t> </a:t>
+            </a:r>
+            <a:r>
+              <a:rPr lang="pt-PT" dirty="0" err="1"/>
+              <a:t>and</a:t>
+            </a:r>
+            <a:r>
+              <a:rPr lang="pt-PT" dirty="0"/>
+              <a:t> </a:t>
+            </a:r>
+            <a:r>
+              <a:rPr lang="pt-PT" dirty="0" err="1"/>
+              <a:t>possible</a:t>
+            </a:r>
+            <a:r>
+              <a:rPr lang="pt-PT" dirty="0"/>
+              <a:t> </a:t>
+            </a:r>
+            <a:r>
+              <a:rPr lang="pt-PT" dirty="0" err="1"/>
+              <a:t>missing</a:t>
+            </a:r>
+            <a:r>
+              <a:rPr lang="pt-PT" dirty="0"/>
+              <a:t> </a:t>
+            </a:r>
+            <a:r>
+              <a:rPr lang="pt-PT" dirty="0" err="1"/>
+              <a:t>and</a:t>
+            </a:r>
+            <a:r>
+              <a:rPr lang="pt-PT" dirty="0"/>
+              <a:t> </a:t>
+            </a:r>
+            <a:r>
+              <a:rPr lang="pt-PT" dirty="0" err="1"/>
+              <a:t>repeated</a:t>
+            </a:r>
+            <a:r>
+              <a:rPr lang="pt-PT" dirty="0"/>
+              <a:t> </a:t>
+            </a:r>
+            <a:r>
+              <a:rPr lang="pt-PT" dirty="0" err="1"/>
+              <a:t>values</a:t>
+            </a:r>
+            <a:r>
+              <a:rPr lang="pt-PT" dirty="0"/>
+              <a:t>. </a:t>
+            </a:r>
+            <a:r>
+              <a:rPr lang="pt-PT" dirty="0" err="1"/>
+              <a:t>The</a:t>
+            </a:r>
+            <a:r>
+              <a:rPr lang="pt-PT" dirty="0"/>
+              <a:t> </a:t>
+            </a:r>
+            <a:r>
+              <a:rPr lang="pt-PT" dirty="0" err="1"/>
+              <a:t>following</a:t>
+            </a:r>
+            <a:r>
+              <a:rPr lang="pt-PT" dirty="0"/>
+              <a:t> </a:t>
+            </a:r>
+            <a:r>
+              <a:rPr lang="pt-PT" dirty="0" err="1"/>
+              <a:t>topics</a:t>
+            </a:r>
+            <a:r>
+              <a:rPr lang="pt-PT" dirty="0"/>
+              <a:t> </a:t>
+            </a:r>
+            <a:r>
+              <a:rPr lang="pt-PT" dirty="0" err="1"/>
+              <a:t>indicate</a:t>
+            </a:r>
+            <a:r>
+              <a:rPr lang="pt-PT" dirty="0"/>
+              <a:t> </a:t>
+            </a:r>
+            <a:r>
+              <a:rPr lang="pt-PT" dirty="0" err="1"/>
+              <a:t>the</a:t>
+            </a:r>
+            <a:r>
+              <a:rPr lang="pt-PT" dirty="0"/>
+              <a:t> </a:t>
+            </a:r>
+            <a:r>
+              <a:rPr lang="pt-PT" dirty="0" err="1"/>
+              <a:t>description</a:t>
+            </a:r>
+            <a:r>
+              <a:rPr lang="pt-PT" dirty="0"/>
+              <a:t> </a:t>
+            </a:r>
+            <a:r>
+              <a:rPr lang="pt-PT" dirty="0" err="1"/>
+              <a:t>of</a:t>
+            </a:r>
+            <a:r>
+              <a:rPr lang="pt-PT" dirty="0"/>
+              <a:t> </a:t>
+            </a:r>
+            <a:r>
+              <a:rPr lang="pt-PT" dirty="0" err="1"/>
+              <a:t>each</a:t>
+            </a:r>
+            <a:r>
+              <a:rPr lang="pt-PT" dirty="0"/>
+              <a:t> </a:t>
+            </a:r>
+            <a:r>
+              <a:rPr lang="pt-PT" dirty="0" err="1"/>
+              <a:t>column</a:t>
+            </a:r>
+            <a:r>
+              <a:rPr lang="pt-PT" dirty="0"/>
+              <a:t> in </a:t>
+            </a:r>
+            <a:r>
+              <a:rPr lang="pt-PT" dirty="0" err="1"/>
+              <a:t>the</a:t>
+            </a:r>
+            <a:r>
+              <a:rPr lang="pt-PT" dirty="0"/>
+              <a:t> </a:t>
+            </a:r>
+            <a:r>
+              <a:rPr lang="pt-PT" dirty="0" err="1"/>
+              <a:t>dataset</a:t>
+            </a:r>
+            <a:r>
+              <a:rPr lang="pt-PT" dirty="0"/>
+              <a:t>.</a:t>
+            </a:r>
+          </a:p>
+        </p:txBody>
+      </p:sp>
+    </p:spTree>
+    <p:extLst>
+      <p:ext uri="{BB962C8B-B14F-4D97-AF65-F5344CB8AC3E}">
+        <p14:creationId xmlns:p14="http://schemas.microsoft.com/office/powerpoint/2010/main" val="406359525"/>
+      </p:ext>
+    </p:extLst>
+  </p:cSld>
+  <p:clrMapOvr>
+    <a:masterClrMapping/>
+  </p:clrMapOvr>
+</p:sld>
+</file>
+
+<file path=ppt/slides/slide7.xml><?xml version="1.0" encoding="utf-8"?>
+<p:sld xmlns:a="http://schemas.openxmlformats.org/drawingml/2006/main" xmlns:r="http://schemas.openxmlformats.org/officeDocument/2006/relationships" xmlns:p="http://schemas.openxmlformats.org/presentationml/2006/main">
+  <p:cSld>
+    <p:spTree>
+      <p:nvGrpSpPr>
+        <p:cNvPr id="1" name=""/>
+        <p:cNvGrpSpPr/>
+        <p:nvPr/>
+      </p:nvGrpSpPr>
+      <p:grpSpPr>
+        <a:xfrm>
+          <a:off x="0" y="0"/>
+          <a:ext cx="0" cy="0"/>
+          <a:chOff x="0" y="0"/>
+          <a:chExt cx="0" cy="0"/>
+        </a:xfrm>
+      </p:grpSpPr>
+      <p:sp>
+        <p:nvSpPr>
+          <p:cNvPr id="2" name="Título 1">
+            <a:extLst>
+              <a:ext uri="{FF2B5EF4-FFF2-40B4-BE49-F238E27FC236}">
+                <a16:creationId xmlns:a16="http://schemas.microsoft.com/office/drawing/2014/main" id="{DE5E664E-04ED-5815-9A66-8FFB1BA0EDA3}"/>
+              </a:ext>
+            </a:extLst>
+          </p:cNvPr>
+          <p:cNvSpPr>
+            <a:spLocks noGrp="1"/>
+          </p:cNvSpPr>
+          <p:nvPr>
+            <p:ph type="title"/>
+          </p:nvPr>
+        </p:nvSpPr>
+        <p:spPr>
+          <a:xfrm>
+            <a:off x="762000" y="762000"/>
+            <a:ext cx="10668000" cy="1524000"/>
+          </a:xfrm>
+        </p:spPr>
+        <p:txBody>
+          <a:bodyPr anchor="ctr">
+            <a:normAutofit/>
+          </a:bodyPr>
+          <a:lstStyle/>
+          <a:p>
+            <a:r>
+              <a:rPr lang="pt-PT" dirty="0"/>
+              <a:t>Data </a:t>
+            </a:r>
+            <a:r>
+              <a:rPr lang="pt-PT" dirty="0" err="1"/>
+              <a:t>processing</a:t>
+            </a:r>
+            <a:endParaRPr lang="pt-PT" dirty="0"/>
+          </a:p>
+        </p:txBody>
+      </p:sp>
+      <p:pic>
+        <p:nvPicPr>
+          <p:cNvPr id="7" name="Marcador de Posição de Conteúdo 6" descr="Uma imagem com texto&#10;&#10;Descrição gerada automaticamente">
+            <a:extLst>
+              <a:ext uri="{FF2B5EF4-FFF2-40B4-BE49-F238E27FC236}">
+                <a16:creationId xmlns:a16="http://schemas.microsoft.com/office/drawing/2014/main" id="{25845739-1CDD-CFB6-0176-6A3386C6E0AA}"/>
+              </a:ext>
+            </a:extLst>
+          </p:cNvPr>
+          <p:cNvPicPr>
+            <a:picLocks noGrp="1" noChangeAspect="1"/>
+          </p:cNvPicPr>
+          <p:nvPr>
+            <p:ph idx="1"/>
+          </p:nvPr>
+        </p:nvPicPr>
+        <p:blipFill>
+          <a:blip r:embed="rId2">
+            <a:extLst>
+              <a:ext uri="{28A0092B-C50C-407E-A947-70E740481C1C}">
+                <a14:useLocalDpi xmlns:a14="http://schemas.microsoft.com/office/drawing/2010/main" val="0"/>
+              </a:ext>
+            </a:extLst>
+          </a:blip>
+          <a:stretch>
+            <a:fillRect/>
+          </a:stretch>
+        </p:blipFill>
+        <p:spPr>
+          <a:xfrm>
+            <a:off x="769268" y="1916832"/>
+            <a:ext cx="8244916" cy="4740826"/>
+          </a:xfrm>
+          <a:noFill/>
+        </p:spPr>
+      </p:pic>
+    </p:spTree>
+    <p:extLst>
+      <p:ext uri="{BB962C8B-B14F-4D97-AF65-F5344CB8AC3E}">
+        <p14:creationId xmlns:p14="http://schemas.microsoft.com/office/powerpoint/2010/main" val="2265003724"/>
+      </p:ext>
+    </p:extLst>
+  </p:cSld>
+  <p:clrMapOvr>
+    <a:masterClrMapping/>
+  </p:clrMapOvr>
+</p:sld>
+</file>
+
+<file path=ppt/slides/slide8.xml><?xml version="1.0" encoding="utf-8"?>
+<p:sld xmlns:a="http://schemas.openxmlformats.org/drawingml/2006/main" xmlns:r="http://schemas.openxmlformats.org/officeDocument/2006/relationships" xmlns:p="http://schemas.openxmlformats.org/presentationml/2006/main">
+  <p:cSld>
+    <p:spTree>
+      <p:nvGrpSpPr>
+        <p:cNvPr id="1" name=""/>
+        <p:cNvGrpSpPr/>
+        <p:nvPr/>
+      </p:nvGrpSpPr>
+      <p:grpSpPr>
+        <a:xfrm>
+          <a:off x="0" y="0"/>
+          <a:ext cx="0" cy="0"/>
+          <a:chOff x="0" y="0"/>
+          <a:chExt cx="0" cy="0"/>
+        </a:xfrm>
+      </p:grpSpPr>
+      <p:sp>
+        <p:nvSpPr>
+          <p:cNvPr id="2" name="Título 1">
+            <a:extLst>
+              <a:ext uri="{FF2B5EF4-FFF2-40B4-BE49-F238E27FC236}">
+                <a16:creationId xmlns:a16="http://schemas.microsoft.com/office/drawing/2014/main" id="{DE5E664E-04ED-5815-9A66-8FFB1BA0EDA3}"/>
+              </a:ext>
+            </a:extLst>
+          </p:cNvPr>
+          <p:cNvSpPr>
+            <a:spLocks noGrp="1"/>
+          </p:cNvSpPr>
+          <p:nvPr>
+            <p:ph type="title"/>
+          </p:nvPr>
+        </p:nvSpPr>
+        <p:spPr/>
+        <p:txBody>
+          <a:bodyPr/>
+          <a:lstStyle/>
+          <a:p>
+            <a:r>
+              <a:rPr lang="pt-PT" dirty="0"/>
+              <a:t>Data </a:t>
+            </a:r>
+            <a:r>
+              <a:rPr lang="pt-PT" dirty="0" err="1"/>
+              <a:t>processing</a:t>
+            </a:r>
+            <a:endParaRPr lang="pt-PT" dirty="0"/>
+          </a:p>
+        </p:txBody>
+      </p:sp>
+      <p:sp>
+        <p:nvSpPr>
+          <p:cNvPr id="3" name="Marcador de Posição de Conteúdo 2">
+            <a:extLst>
+              <a:ext uri="{FF2B5EF4-FFF2-40B4-BE49-F238E27FC236}">
+                <a16:creationId xmlns:a16="http://schemas.microsoft.com/office/drawing/2014/main" id="{EDD2879B-DC75-BE01-AFD1-A847E8207E46}"/>
+              </a:ext>
+            </a:extLst>
+          </p:cNvPr>
+          <p:cNvSpPr>
+            <a:spLocks noGrp="1"/>
+          </p:cNvSpPr>
+          <p:nvPr>
+            <p:ph idx="1"/>
+          </p:nvPr>
+        </p:nvSpPr>
+        <p:spPr/>
+        <p:txBody>
+          <a:bodyPr>
+            <a:normAutofit/>
+          </a:bodyPr>
+          <a:lstStyle/>
+          <a:p>
+            <a:r>
+              <a:rPr lang="pt-PT" dirty="0" err="1"/>
+              <a:t>Train</a:t>
+            </a:r>
+            <a:r>
+              <a:rPr lang="pt-PT" dirty="0"/>
+              <a:t> </a:t>
+            </a:r>
+            <a:r>
+              <a:rPr lang="pt-PT" dirty="0" err="1"/>
+              <a:t>and</a:t>
+            </a:r>
+            <a:r>
+              <a:rPr lang="pt-PT" dirty="0"/>
+              <a:t> </a:t>
+            </a:r>
+            <a:r>
+              <a:rPr lang="pt-PT" dirty="0" err="1"/>
+              <a:t>split</a:t>
+            </a:r>
+            <a:r>
+              <a:rPr lang="pt-PT" dirty="0"/>
+              <a:t> </a:t>
+            </a:r>
+            <a:r>
+              <a:rPr lang="pt-PT" dirty="0" err="1"/>
+              <a:t>our</a:t>
+            </a:r>
+            <a:r>
+              <a:rPr lang="pt-PT" dirty="0"/>
+              <a:t> data;</a:t>
+            </a:r>
+          </a:p>
+          <a:p>
+            <a:r>
+              <a:rPr lang="pt-PT" dirty="0"/>
+              <a:t>To </a:t>
+            </a:r>
+            <a:r>
+              <a:rPr lang="pt-PT" dirty="0" err="1"/>
+              <a:t>contribute</a:t>
+            </a:r>
+            <a:r>
+              <a:rPr lang="pt-PT" dirty="0"/>
+              <a:t> for </a:t>
+            </a:r>
+            <a:r>
+              <a:rPr lang="pt-PT" dirty="0" err="1"/>
+              <a:t>an</a:t>
+            </a:r>
+            <a:r>
+              <a:rPr lang="pt-PT" dirty="0"/>
+              <a:t> </a:t>
+            </a:r>
+            <a:r>
+              <a:rPr lang="pt-PT" dirty="0" err="1"/>
+              <a:t>equally</a:t>
+            </a:r>
+            <a:r>
+              <a:rPr lang="pt-PT" dirty="0"/>
+              <a:t> to </a:t>
+            </a:r>
+            <a:r>
+              <a:rPr lang="pt-PT" dirty="0" err="1"/>
+              <a:t>model</a:t>
+            </a:r>
+            <a:r>
+              <a:rPr lang="pt-PT" dirty="0"/>
+              <a:t> </a:t>
+            </a:r>
+            <a:r>
+              <a:rPr lang="pt-PT" dirty="0" err="1"/>
+              <a:t>fitting</a:t>
+            </a:r>
+            <a:r>
+              <a:rPr lang="pt-PT" dirty="0"/>
+              <a:t>, </a:t>
+            </a:r>
+            <a:r>
+              <a:rPr lang="pt-PT" dirty="0" err="1"/>
+              <a:t>we</a:t>
+            </a:r>
+            <a:r>
+              <a:rPr lang="pt-PT" dirty="0"/>
+              <a:t> </a:t>
+            </a:r>
+            <a:r>
+              <a:rPr lang="pt-PT" dirty="0" err="1"/>
+              <a:t>used</a:t>
+            </a:r>
+            <a:r>
+              <a:rPr lang="pt-PT" dirty="0"/>
+              <a:t> </a:t>
+            </a:r>
+            <a:r>
+              <a:rPr lang="pt-PT" dirty="0" err="1"/>
+              <a:t>automatic</a:t>
+            </a:r>
+            <a:r>
+              <a:rPr lang="pt-PT" dirty="0"/>
+              <a:t> </a:t>
+            </a:r>
+            <a:r>
+              <a:rPr lang="pt-PT" dirty="0" err="1"/>
+              <a:t>scales</a:t>
+            </a:r>
+            <a:r>
+              <a:rPr lang="pt-PT" dirty="0"/>
+              <a:t>;</a:t>
+            </a:r>
+          </a:p>
+          <a:p>
+            <a:pPr marL="0" indent="0">
+              <a:buNone/>
+            </a:pPr>
+            <a:endParaRPr lang="pt-PT" dirty="0"/>
+          </a:p>
+        </p:txBody>
+      </p:sp>
+    </p:spTree>
+    <p:extLst>
+      <p:ext uri="{BB962C8B-B14F-4D97-AF65-F5344CB8AC3E}">
+        <p14:creationId xmlns:p14="http://schemas.microsoft.com/office/powerpoint/2010/main" val="4071317876"/>
+      </p:ext>
+    </p:extLst>
+  </p:cSld>
+  <p:clrMapOvr>
+    <a:masterClrMapping/>
+  </p:clrMapOvr>
+</p:sld>
+</file>
+
+<file path=ppt/slides/slide9.xml><?xml version="1.0" encoding="utf-8"?>
+<p:sld xmlns:a="http://schemas.openxmlformats.org/drawingml/2006/main" xmlns:r="http://schemas.openxmlformats.org/officeDocument/2006/relationships" xmlns:p="http://schemas.openxmlformats.org/presentationml/2006/main" showMasterPhAnim="0">
+  <p:cSld>
+    <p:spTree>
+      <p:nvGrpSpPr>
+        <p:cNvPr id="1" name=""/>
+        <p:cNvGrpSpPr/>
+        <p:nvPr/>
+      </p:nvGrpSpPr>
+      <p:grpSpPr bwMode="auto">
+        <a:xfrm>
+          <a:off x="0" y="0"/>
+          <a:ext cx="0" cy="0"/>
+          <a:chOff x="0" y="0"/>
+          <a:chExt cx="0" cy="0"/>
+        </a:xfrm>
+      </p:grpSpPr>
+      <p:sp>
+        <p:nvSpPr>
+          <p:cNvPr id="2" name="Título 1"/>
+          <p:cNvSpPr>
+            <a:spLocks noGrp="1"/>
+          </p:cNvSpPr>
+          <p:nvPr>
+            <p:ph type="title"/>
+          </p:nvPr>
+        </p:nvSpPr>
+        <p:spPr bwMode="auto"/>
+        <p:txBody>
+          <a:bodyPr/>
+          <a:lstStyle/>
+          <a:p>
+            <a:pPr>
+              <a:defRPr/>
+            </a:pPr>
+            <a:r>
+              <a:rPr lang="pt-PT" dirty="0" err="1"/>
+              <a:t>Tools</a:t>
+            </a:r>
+            <a:r>
+              <a:rPr lang="pt-PT" dirty="0"/>
+              <a:t> </a:t>
+            </a:r>
+            <a:r>
+              <a:rPr lang="pt-PT" dirty="0" err="1"/>
+              <a:t>and</a:t>
+            </a:r>
+            <a:r>
+              <a:rPr lang="pt-PT" dirty="0"/>
+              <a:t> </a:t>
+            </a:r>
+            <a:r>
+              <a:rPr lang="pt-PT" dirty="0" err="1"/>
+              <a:t>algorithms</a:t>
+            </a:r>
+            <a:endParaRPr dirty="0"/>
+          </a:p>
+        </p:txBody>
+      </p:sp>
+      <p:sp>
+        <p:nvSpPr>
+          <p:cNvPr id="3" name="Marcador de Posição de Conteúdo 2"/>
+          <p:cNvSpPr>
+            <a:spLocks noGrp="1"/>
+          </p:cNvSpPr>
+          <p:nvPr>
+            <p:ph idx="1"/>
+          </p:nvPr>
+        </p:nvSpPr>
+        <p:spPr bwMode="auto"/>
+        <p:txBody>
+          <a:bodyPr vertOverflow="overflow" horzOverflow="clip" vert="horz" wrap="square" lIns="91440" tIns="45720" rIns="91440" bIns="45720" numCol="1" spcCol="0" rtlCol="0" fromWordArt="0" anchor="t" anchorCtr="0" forceAA="0" compatLnSpc="0">
+            <a:normAutofit fontScale="50000" lnSpcReduction="20000"/>
+          </a:bodyPr>
+          <a:lstStyle/>
+          <a:p>
+            <a:pPr>
+              <a:defRPr/>
+            </a:pPr>
+            <a:r>
+              <a:rPr lang="en-GB" sz="2800" b="0" i="0" u="none" strike="noStrike" cap="none" spc="0" dirty="0">
+                <a:solidFill>
+                  <a:srgbClr val="FFFFFF">
+                    <a:alpha val="70000"/>
+                  </a:srgbClr>
+                </a:solidFill>
+                <a:latin typeface="+mn-lt"/>
+                <a:ea typeface="+mn-ea"/>
+                <a:cs typeface="+mn-cs"/>
+              </a:rPr>
+              <a:t>For this assignment we will use some python tools and libraries also used in classes which are:</a:t>
+            </a:r>
+            <a:endParaRPr sz="2800" dirty="0">
+              <a:solidFill>
+                <a:srgbClr val="FFFFFF">
+                  <a:alpha val="70000"/>
+                </a:srgbClr>
+              </a:solidFill>
+            </a:endParaRPr>
+          </a:p>
+          <a:p>
+            <a:pPr>
+              <a:defRPr/>
+            </a:pPr>
+            <a:r>
+              <a:rPr lang="en-GB" sz="2800" b="0" i="0" u="none" strike="noStrike" cap="none" spc="0" dirty="0" err="1">
+                <a:solidFill>
+                  <a:srgbClr val="FFFFFF">
+                    <a:alpha val="70000"/>
+                  </a:srgbClr>
+                </a:solidFill>
+                <a:latin typeface="+mn-lt"/>
+                <a:ea typeface="+mn-ea"/>
+                <a:cs typeface="+mn-cs"/>
+              </a:rPr>
+              <a:t>numpy</a:t>
+            </a:r>
+            <a:r>
+              <a:rPr lang="en-GB" sz="2800" b="0" i="0" u="none" strike="noStrike" cap="none" spc="0" dirty="0">
+                <a:solidFill>
+                  <a:srgbClr val="FFFFFF">
+                    <a:alpha val="70000"/>
+                  </a:srgbClr>
+                </a:solidFill>
+                <a:latin typeface="+mn-lt"/>
+                <a:ea typeface="+mn-ea"/>
+                <a:cs typeface="+mn-cs"/>
+              </a:rPr>
+              <a:t> (</a:t>
+            </a:r>
+            <a:r>
+              <a:rPr lang="en-GB" sz="2800" b="0" i="0" u="none" strike="noStrike" cap="none" spc="0" dirty="0">
+                <a:solidFill>
+                  <a:schemeClr val="tx1">
+                    <a:alpha val="70000"/>
+                  </a:schemeClr>
+                </a:solidFill>
+                <a:latin typeface="+mn-lt"/>
+                <a:ea typeface="Avenir Next LT Pro"/>
+                <a:cs typeface="Avenir Next LT Pro"/>
+              </a:rPr>
+              <a:t>library used for working with arrays</a:t>
+            </a:r>
+            <a:r>
+              <a:rPr lang="en-GB" sz="2800" b="0" i="0" u="none" strike="noStrike" cap="none" spc="0" dirty="0">
+                <a:solidFill>
+                  <a:srgbClr val="FFFFFF">
+                    <a:alpha val="70000"/>
+                  </a:srgbClr>
+                </a:solidFill>
+                <a:latin typeface="+mn-lt"/>
+                <a:ea typeface="+mn-ea"/>
+                <a:cs typeface="+mn-cs"/>
+              </a:rPr>
+              <a:t>);</a:t>
+            </a:r>
+            <a:endParaRPr sz="2800" dirty="0"/>
+          </a:p>
+          <a:p>
+            <a:pPr>
+              <a:defRPr/>
+            </a:pPr>
+            <a:r>
+              <a:rPr lang="en-GB" sz="2800" b="0" i="0" u="none" strike="noStrike" cap="none" spc="0" dirty="0">
+                <a:solidFill>
+                  <a:srgbClr val="FFFFFF">
+                    <a:alpha val="70000"/>
+                  </a:srgbClr>
+                </a:solidFill>
+                <a:latin typeface="+mn-lt"/>
+                <a:ea typeface="+mn-ea"/>
+                <a:cs typeface="+mn-cs"/>
+              </a:rPr>
+              <a:t>pandas (</a:t>
+            </a:r>
+            <a:r>
+              <a:rPr lang="en-GB" sz="2800" b="0" i="0" u="none" strike="noStrike" cap="none" spc="0" dirty="0">
+                <a:solidFill>
+                  <a:schemeClr val="tx1">
+                    <a:alpha val="70000"/>
+                  </a:schemeClr>
+                </a:solidFill>
+                <a:latin typeface="+mn-lt"/>
+                <a:ea typeface="Avenir Next LT Pro"/>
+                <a:cs typeface="Avenir Next LT Pro"/>
+              </a:rPr>
+              <a:t>data science/data analysis and machine learning tasks</a:t>
+            </a:r>
+            <a:r>
+              <a:rPr lang="en-GB" sz="2800" b="0" i="0" u="none" strike="noStrike" cap="none" spc="0" dirty="0">
+                <a:solidFill>
+                  <a:srgbClr val="FFFFFF">
+                    <a:alpha val="70000"/>
+                  </a:srgbClr>
+                </a:solidFill>
+                <a:latin typeface="+mn-lt"/>
+                <a:ea typeface="+mn-ea"/>
+                <a:cs typeface="+mn-cs"/>
+              </a:rPr>
+              <a:t>);</a:t>
+            </a:r>
+            <a:endParaRPr sz="2800" dirty="0"/>
+          </a:p>
+          <a:p>
+            <a:pPr>
+              <a:defRPr/>
+            </a:pPr>
+            <a:r>
+              <a:rPr lang="en-GB" sz="2800" b="0" i="0" u="none" strike="noStrike" cap="none" spc="0" dirty="0" err="1">
+                <a:solidFill>
+                  <a:srgbClr val="FFFFFF">
+                    <a:alpha val="70000"/>
+                  </a:srgbClr>
+                </a:solidFill>
+                <a:latin typeface="+mn-lt"/>
+                <a:ea typeface="+mn-ea"/>
+                <a:cs typeface="+mn-cs"/>
+              </a:rPr>
+              <a:t>cikit</a:t>
+            </a:r>
+            <a:r>
+              <a:rPr lang="en-GB" sz="2800" b="0" i="0" u="none" strike="noStrike" cap="none" spc="0" dirty="0">
+                <a:solidFill>
+                  <a:srgbClr val="FFFFFF">
+                    <a:alpha val="70000"/>
+                  </a:srgbClr>
+                </a:solidFill>
+                <a:latin typeface="+mn-lt"/>
+                <a:ea typeface="+mn-ea"/>
+                <a:cs typeface="+mn-cs"/>
+              </a:rPr>
+              <a:t>-learn (</a:t>
+            </a:r>
+            <a:r>
+              <a:rPr lang="en-GB" sz="2800" b="0" i="0" u="none" strike="noStrike" cap="none" spc="0" dirty="0">
+                <a:solidFill>
+                  <a:schemeClr val="tx1">
+                    <a:alpha val="70000"/>
+                  </a:schemeClr>
+                </a:solidFill>
+                <a:latin typeface="+mn-lt"/>
+                <a:ea typeface="Avenir Next LT Pro"/>
+                <a:cs typeface="Avenir Next LT Pro"/>
+              </a:rPr>
+              <a:t>machine learning and statistical </a:t>
+            </a:r>
+            <a:r>
+              <a:rPr lang="en-GB" sz="2800" b="0" i="0" u="none" strike="noStrike" cap="none" spc="0" dirty="0" err="1">
+                <a:solidFill>
+                  <a:schemeClr val="tx1">
+                    <a:alpha val="70000"/>
+                  </a:schemeClr>
+                </a:solidFill>
+                <a:latin typeface="+mn-lt"/>
+                <a:ea typeface="Avenir Next LT Pro"/>
+                <a:cs typeface="Avenir Next LT Pro"/>
+              </a:rPr>
+              <a:t>modeling</a:t>
+            </a:r>
+            <a:r>
+              <a:rPr lang="en-GB" sz="2800" b="0" i="0" u="none" strike="noStrike" cap="none" spc="0" dirty="0">
+                <a:solidFill>
+                  <a:schemeClr val="tx1">
+                    <a:alpha val="70000"/>
+                  </a:schemeClr>
+                </a:solidFill>
+                <a:latin typeface="+mn-lt"/>
+                <a:ea typeface="Avenir Next LT Pro"/>
+                <a:cs typeface="Avenir Next LT Pro"/>
+              </a:rPr>
+              <a:t> including classification, regression, clustering and dimensionality reduction</a:t>
+            </a:r>
+            <a:r>
+              <a:rPr lang="en-GB" sz="2800" b="0" i="0" u="none" strike="noStrike" cap="none" spc="0" dirty="0">
+                <a:solidFill>
+                  <a:srgbClr val="FFFFFF">
+                    <a:alpha val="70000"/>
+                  </a:srgbClr>
+                </a:solidFill>
+                <a:latin typeface="+mn-lt"/>
+                <a:ea typeface="+mn-ea"/>
+                <a:cs typeface="+mn-cs"/>
+              </a:rPr>
+              <a:t>); </a:t>
+            </a:r>
+            <a:endParaRPr sz="2800" dirty="0"/>
+          </a:p>
+          <a:p>
+            <a:pPr>
+              <a:defRPr/>
+            </a:pPr>
+            <a:r>
+              <a:rPr lang="en-GB" sz="2800" b="0" i="0" u="none" strike="noStrike" cap="none" spc="0" dirty="0">
+                <a:solidFill>
+                  <a:srgbClr val="FFFFFF">
+                    <a:alpha val="70000"/>
+                  </a:srgbClr>
+                </a:solidFill>
+                <a:latin typeface="+mn-lt"/>
+                <a:ea typeface="+mn-ea"/>
+                <a:cs typeface="+mn-cs"/>
+              </a:rPr>
+              <a:t>matplotlib (</a:t>
+            </a:r>
+            <a:r>
+              <a:rPr lang="en-GB" sz="2800" b="0" i="0" u="none" strike="noStrike" cap="none" spc="0" dirty="0">
+                <a:solidFill>
+                  <a:schemeClr val="tx1">
+                    <a:alpha val="70000"/>
+                  </a:schemeClr>
+                </a:solidFill>
+                <a:latin typeface="+mn-lt"/>
+                <a:ea typeface="Avenir Next LT Pro"/>
+                <a:cs typeface="Avenir Next LT Pro"/>
+              </a:rPr>
+              <a:t>comprehensive library for creating static, animated, and interactive visualizations in Python</a:t>
+            </a:r>
+            <a:r>
+              <a:rPr lang="en-GB" sz="2800" b="0" i="0" u="none" strike="noStrike" cap="none" spc="0" dirty="0">
+                <a:solidFill>
+                  <a:srgbClr val="FFFFFF">
+                    <a:alpha val="70000"/>
+                  </a:srgbClr>
+                </a:solidFill>
+                <a:latin typeface="+mn-lt"/>
+                <a:ea typeface="+mn-ea"/>
+                <a:cs typeface="+mn-cs"/>
+              </a:rPr>
+              <a:t>);</a:t>
+            </a:r>
+            <a:endParaRPr sz="2800" dirty="0"/>
+          </a:p>
+          <a:p>
+            <a:pPr>
+              <a:defRPr/>
+            </a:pPr>
+            <a:r>
+              <a:rPr lang="en-GB" sz="2800" b="0" i="0" u="none" strike="noStrike" cap="none" spc="0" dirty="0">
+                <a:solidFill>
+                  <a:srgbClr val="FFFFFF">
+                    <a:alpha val="70000"/>
+                  </a:srgbClr>
+                </a:solidFill>
+                <a:latin typeface="+mn-lt"/>
+                <a:ea typeface="+mn-ea"/>
+                <a:cs typeface="+mn-cs"/>
+              </a:rPr>
+              <a:t>seaborn (</a:t>
+            </a:r>
+            <a:r>
+              <a:rPr lang="en-GB" sz="2800" b="0" i="0" u="none" strike="noStrike" cap="none" spc="0" dirty="0">
+                <a:solidFill>
+                  <a:schemeClr val="tx1">
+                    <a:alpha val="70000"/>
+                  </a:schemeClr>
+                </a:solidFill>
+                <a:latin typeface="+mn-lt"/>
+                <a:ea typeface="Avenir Next LT Pro"/>
+                <a:cs typeface="Avenir Next LT Pro"/>
+              </a:rPr>
+              <a:t>uses Matplotlib underneath to plot graphs</a:t>
+            </a:r>
+            <a:r>
+              <a:rPr lang="en-GB" sz="2800" b="0" i="0" u="none" strike="noStrike" cap="none" spc="0" dirty="0">
+                <a:solidFill>
+                  <a:srgbClr val="FFFFFF">
+                    <a:alpha val="70000"/>
+                  </a:srgbClr>
+                </a:solidFill>
+                <a:latin typeface="+mn-lt"/>
+                <a:ea typeface="+mn-ea"/>
+                <a:cs typeface="+mn-cs"/>
+              </a:rPr>
+              <a:t>),</a:t>
+            </a:r>
+          </a:p>
+          <a:p>
+            <a:pPr>
+              <a:defRPr/>
+            </a:pPr>
+            <a:r>
+              <a:rPr lang="pt-PT" dirty="0" err="1">
+                <a:solidFill>
+                  <a:srgbClr val="FFFFFF">
+                    <a:alpha val="70000"/>
+                  </a:srgbClr>
+                </a:solidFill>
+              </a:rPr>
+              <a:t>p</a:t>
+            </a:r>
+            <a:r>
+              <a:rPr lang="pt-PT" sz="2800" dirty="0" err="1">
+                <a:solidFill>
+                  <a:srgbClr val="FFFFFF">
+                    <a:alpha val="70000"/>
+                  </a:srgbClr>
+                </a:solidFill>
+              </a:rPr>
+              <a:t>lotpy</a:t>
+            </a:r>
+            <a:r>
+              <a:rPr lang="pt-PT" dirty="0">
+                <a:solidFill>
+                  <a:srgbClr val="FFFFFF">
+                    <a:alpha val="70000"/>
+                  </a:srgbClr>
+                </a:solidFill>
+              </a:rPr>
+              <a:t>;</a:t>
+            </a:r>
+            <a:endParaRPr sz="2800" dirty="0">
+              <a:solidFill>
+                <a:srgbClr val="FFFFFF">
+                  <a:alpha val="70000"/>
+                </a:srgbClr>
+              </a:solidFill>
+            </a:endParaRPr>
+          </a:p>
+          <a:p>
+            <a:pPr>
+              <a:defRPr/>
+            </a:pPr>
+            <a:r>
+              <a:rPr lang="en-GB" sz="2800" b="0" i="0" u="none" strike="noStrike" cap="none" spc="0" dirty="0">
+                <a:solidFill>
+                  <a:srgbClr val="FFFFFF">
+                    <a:alpha val="70000"/>
+                  </a:srgbClr>
+                </a:solidFill>
+                <a:latin typeface="+mn-lt"/>
+                <a:ea typeface="+mn-ea"/>
+                <a:cs typeface="+mn-cs"/>
+              </a:rPr>
+              <a:t>Our work will be developed in a python notebook- In our case </a:t>
+            </a:r>
+            <a:r>
+              <a:rPr lang="en-GB" sz="2800" b="0" i="0" u="none" strike="noStrike" cap="none" spc="0" dirty="0" err="1">
+                <a:solidFill>
+                  <a:srgbClr val="FFFFFF">
+                    <a:alpha val="70000"/>
+                  </a:srgbClr>
+                </a:solidFill>
+                <a:latin typeface="+mn-lt"/>
+                <a:ea typeface="+mn-ea"/>
+                <a:cs typeface="+mn-cs"/>
+              </a:rPr>
+              <a:t>Jupyter</a:t>
+            </a:r>
+            <a:r>
+              <a:rPr lang="en-GB" sz="2800" b="0" i="0" u="none" strike="noStrike" cap="none" spc="0" dirty="0">
+                <a:solidFill>
+                  <a:srgbClr val="FFFFFF">
+                    <a:alpha val="70000"/>
+                  </a:srgbClr>
+                </a:solidFill>
+                <a:latin typeface="+mn-lt"/>
+                <a:ea typeface="+mn-ea"/>
+                <a:cs typeface="+mn-cs"/>
+              </a:rPr>
+              <a:t> Notebook, so this packages come standard with the Anaconda python distribution;</a:t>
+            </a:r>
+            <a:endParaRPr sz="2800" dirty="0"/>
+          </a:p>
+          <a:p>
+            <a:pPr>
+              <a:defRPr/>
+            </a:pPr>
+            <a:r>
+              <a:rPr lang="en-GB" sz="2800" b="0" i="0" u="none" strike="noStrike" cap="none" spc="0" dirty="0">
+                <a:solidFill>
+                  <a:srgbClr val="FFFFFF">
+                    <a:alpha val="70000"/>
+                  </a:srgbClr>
+                </a:solidFill>
+                <a:latin typeface="+mn-lt"/>
+                <a:ea typeface="+mn-ea"/>
+                <a:cs typeface="+mn-cs"/>
+              </a:rPr>
+              <a:t>To reach the main goal, we need to implement some classification algorithms for supervised learning such as Support Vector Machine, K-Nearest Neighbours or Decision Tree Classification;</a:t>
+            </a:r>
+            <a:endParaRPr sz="2800" dirty="0"/>
+          </a:p>
+        </p:txBody>
+      </p:sp>
+    </p:spTree>
   </p:cSld>
   <p:clrMapOvr>
     <a:masterClrMapping/>

--- a/proj2/iart_proj2_final.pptx
+++ b/proj2/iart_proj2_final.pptx
@@ -6719,13 +6719,8 @@
             </a:r>
             <a:r>
               <a:rPr lang="pt-PT" dirty="0"/>
-              <a:t> training </a:t>
-            </a:r>
-            <a:r>
-              <a:rPr lang="pt-PT"/>
-              <a:t>time.;</a:t>
-            </a:r>
-            <a:endParaRPr lang="pt-PT" dirty="0"/>
+              <a:t> training time.;</a:t>
+            </a:r>
           </a:p>
           <a:p>
             <a:pPr marL="0" indent="0">
